--- a/latex/figures/graphs.pptx
+++ b/latex/figures/graphs.pptx
@@ -289,7 +289,7 @@
           <a:p>
             <a:fld id="{9424164B-0ACF-0049-B67E-58383D80E56C}" type="datetimeFigureOut">
               <a:rPr kumimoji="1" lang="zh-CN" altLang="en-US" smtClean="0"/>
-              <a:t>5/21/14</a:t>
+              <a:t>5/22/14</a:t>
             </a:fld>
             <a:endParaRPr kumimoji="1" lang="zh-CN" altLang="en-US"/>
           </a:p>
@@ -459,7 +459,7 @@
           <a:p>
             <a:fld id="{9424164B-0ACF-0049-B67E-58383D80E56C}" type="datetimeFigureOut">
               <a:rPr kumimoji="1" lang="zh-CN" altLang="en-US" smtClean="0"/>
-              <a:t>5/21/14</a:t>
+              <a:t>5/22/14</a:t>
             </a:fld>
             <a:endParaRPr kumimoji="1" lang="zh-CN" altLang="en-US"/>
           </a:p>
@@ -639,7 +639,7 @@
           <a:p>
             <a:fld id="{9424164B-0ACF-0049-B67E-58383D80E56C}" type="datetimeFigureOut">
               <a:rPr kumimoji="1" lang="zh-CN" altLang="en-US" smtClean="0"/>
-              <a:t>5/21/14</a:t>
+              <a:t>5/22/14</a:t>
             </a:fld>
             <a:endParaRPr kumimoji="1" lang="zh-CN" altLang="en-US"/>
           </a:p>
@@ -809,7 +809,7 @@
           <a:p>
             <a:fld id="{9424164B-0ACF-0049-B67E-58383D80E56C}" type="datetimeFigureOut">
               <a:rPr kumimoji="1" lang="zh-CN" altLang="en-US" smtClean="0"/>
-              <a:t>5/21/14</a:t>
+              <a:t>5/22/14</a:t>
             </a:fld>
             <a:endParaRPr kumimoji="1" lang="zh-CN" altLang="en-US"/>
           </a:p>
@@ -1055,7 +1055,7 @@
           <a:p>
             <a:fld id="{9424164B-0ACF-0049-B67E-58383D80E56C}" type="datetimeFigureOut">
               <a:rPr kumimoji="1" lang="zh-CN" altLang="en-US" smtClean="0"/>
-              <a:t>5/21/14</a:t>
+              <a:t>5/22/14</a:t>
             </a:fld>
             <a:endParaRPr kumimoji="1" lang="zh-CN" altLang="en-US"/>
           </a:p>
@@ -1343,7 +1343,7 @@
           <a:p>
             <a:fld id="{9424164B-0ACF-0049-B67E-58383D80E56C}" type="datetimeFigureOut">
               <a:rPr kumimoji="1" lang="zh-CN" altLang="en-US" smtClean="0"/>
-              <a:t>5/21/14</a:t>
+              <a:t>5/22/14</a:t>
             </a:fld>
             <a:endParaRPr kumimoji="1" lang="zh-CN" altLang="en-US"/>
           </a:p>
@@ -1765,7 +1765,7 @@
           <a:p>
             <a:fld id="{9424164B-0ACF-0049-B67E-58383D80E56C}" type="datetimeFigureOut">
               <a:rPr kumimoji="1" lang="zh-CN" altLang="en-US" smtClean="0"/>
-              <a:t>5/21/14</a:t>
+              <a:t>5/22/14</a:t>
             </a:fld>
             <a:endParaRPr kumimoji="1" lang="zh-CN" altLang="en-US"/>
           </a:p>
@@ -1883,7 +1883,7 @@
           <a:p>
             <a:fld id="{9424164B-0ACF-0049-B67E-58383D80E56C}" type="datetimeFigureOut">
               <a:rPr kumimoji="1" lang="zh-CN" altLang="en-US" smtClean="0"/>
-              <a:t>5/21/14</a:t>
+              <a:t>5/22/14</a:t>
             </a:fld>
             <a:endParaRPr kumimoji="1" lang="zh-CN" altLang="en-US"/>
           </a:p>
@@ -1978,7 +1978,7 @@
           <a:p>
             <a:fld id="{9424164B-0ACF-0049-B67E-58383D80E56C}" type="datetimeFigureOut">
               <a:rPr kumimoji="1" lang="zh-CN" altLang="en-US" smtClean="0"/>
-              <a:t>5/21/14</a:t>
+              <a:t>5/22/14</a:t>
             </a:fld>
             <a:endParaRPr kumimoji="1" lang="zh-CN" altLang="en-US"/>
           </a:p>
@@ -2255,7 +2255,7 @@
           <a:p>
             <a:fld id="{9424164B-0ACF-0049-B67E-58383D80E56C}" type="datetimeFigureOut">
               <a:rPr kumimoji="1" lang="zh-CN" altLang="en-US" smtClean="0"/>
-              <a:t>5/21/14</a:t>
+              <a:t>5/22/14</a:t>
             </a:fld>
             <a:endParaRPr kumimoji="1" lang="zh-CN" altLang="en-US"/>
           </a:p>
@@ -2508,7 +2508,7 @@
           <a:p>
             <a:fld id="{9424164B-0ACF-0049-B67E-58383D80E56C}" type="datetimeFigureOut">
               <a:rPr kumimoji="1" lang="zh-CN" altLang="en-US" smtClean="0"/>
-              <a:t>5/21/14</a:t>
+              <a:t>5/22/14</a:t>
             </a:fld>
             <a:endParaRPr kumimoji="1" lang="zh-CN" altLang="en-US"/>
           </a:p>
@@ -2721,7 +2721,7 @@
           <a:p>
             <a:fld id="{9424164B-0ACF-0049-B67E-58383D80E56C}" type="datetimeFigureOut">
               <a:rPr kumimoji="1" lang="zh-CN" altLang="en-US" smtClean="0"/>
-              <a:t>5/21/14</a:t>
+              <a:t>5/22/14</a:t>
             </a:fld>
             <a:endParaRPr kumimoji="1" lang="zh-CN" altLang="en-US"/>
           </a:p>
@@ -4233,13 +4233,22 @@
           <a:p>
             <a:pPr algn="ctr"/>
             <a:r>
-              <a:rPr kumimoji="1" lang="zh-CN" altLang="en-US" dirty="0" smtClean="0">
+              <a:rPr kumimoji="1" lang="zh-CN" altLang="en-US" smtClean="0">
                 <a:solidFill>
                   <a:schemeClr val="tx1"/>
                 </a:solidFill>
                 <a:latin typeface="+mn-ea"/>
               </a:rPr>
-              <a:t>实例抽取</a:t>
+              <a:t>实例</a:t>
+            </a:r>
+            <a:r>
+              <a:rPr kumimoji="1" lang="zh-CN" altLang="en-US" smtClean="0">
+                <a:solidFill>
+                  <a:schemeClr val="tx1"/>
+                </a:solidFill>
+                <a:latin typeface="+mn-ea"/>
+              </a:rPr>
+              <a:t>构建</a:t>
             </a:r>
             <a:endParaRPr kumimoji="1" lang="en-US" altLang="zh-CN" dirty="0" smtClean="0">
               <a:solidFill>
@@ -4385,13 +4394,13 @@
           <a:p>
             <a:pPr algn="ctr"/>
             <a:r>
-              <a:rPr kumimoji="1" lang="en-US" altLang="zh-CN" dirty="0" err="1" smtClean="0">
+              <a:rPr kumimoji="1" lang="zh-CN" altLang="en-US" dirty="0" smtClean="0">
                 <a:solidFill>
                   <a:schemeClr val="tx1"/>
                 </a:solidFill>
                 <a:latin typeface="+mn-ea"/>
               </a:rPr>
-              <a:t>ActivityNet</a:t>
+              <a:t>系统设计</a:t>
             </a:r>
             <a:endParaRPr kumimoji="1" lang="en-US" altLang="zh-CN" dirty="0" smtClean="0">
               <a:solidFill>

--- a/latex/figures/graphs.pptx
+++ b/latex/figures/graphs.pptx
@@ -7,6 +7,7 @@
   <p:sldIdLst>
     <p:sldId id="256" r:id="rId2"/>
     <p:sldId id="257" r:id="rId3"/>
+    <p:sldId id="258" r:id="rId4"/>
   </p:sldIdLst>
   <p:sldSz cx="9144000" cy="6858000" type="screen4x3"/>
   <p:notesSz cx="6858000" cy="9144000"/>
@@ -289,7 +290,7 @@
           <a:p>
             <a:fld id="{9424164B-0ACF-0049-B67E-58383D80E56C}" type="datetimeFigureOut">
               <a:rPr kumimoji="1" lang="zh-CN" altLang="en-US" smtClean="0"/>
-              <a:t>5/22/14</a:t>
+              <a:t>5/24/14</a:t>
             </a:fld>
             <a:endParaRPr kumimoji="1" lang="zh-CN" altLang="en-US"/>
           </a:p>
@@ -459,7 +460,7 @@
           <a:p>
             <a:fld id="{9424164B-0ACF-0049-B67E-58383D80E56C}" type="datetimeFigureOut">
               <a:rPr kumimoji="1" lang="zh-CN" altLang="en-US" smtClean="0"/>
-              <a:t>5/22/14</a:t>
+              <a:t>5/24/14</a:t>
             </a:fld>
             <a:endParaRPr kumimoji="1" lang="zh-CN" altLang="en-US"/>
           </a:p>
@@ -639,7 +640,7 @@
           <a:p>
             <a:fld id="{9424164B-0ACF-0049-B67E-58383D80E56C}" type="datetimeFigureOut">
               <a:rPr kumimoji="1" lang="zh-CN" altLang="en-US" smtClean="0"/>
-              <a:t>5/22/14</a:t>
+              <a:t>5/24/14</a:t>
             </a:fld>
             <a:endParaRPr kumimoji="1" lang="zh-CN" altLang="en-US"/>
           </a:p>
@@ -809,7 +810,7 @@
           <a:p>
             <a:fld id="{9424164B-0ACF-0049-B67E-58383D80E56C}" type="datetimeFigureOut">
               <a:rPr kumimoji="1" lang="zh-CN" altLang="en-US" smtClean="0"/>
-              <a:t>5/22/14</a:t>
+              <a:t>5/24/14</a:t>
             </a:fld>
             <a:endParaRPr kumimoji="1" lang="zh-CN" altLang="en-US"/>
           </a:p>
@@ -1055,7 +1056,7 @@
           <a:p>
             <a:fld id="{9424164B-0ACF-0049-B67E-58383D80E56C}" type="datetimeFigureOut">
               <a:rPr kumimoji="1" lang="zh-CN" altLang="en-US" smtClean="0"/>
-              <a:t>5/22/14</a:t>
+              <a:t>5/24/14</a:t>
             </a:fld>
             <a:endParaRPr kumimoji="1" lang="zh-CN" altLang="en-US"/>
           </a:p>
@@ -1343,7 +1344,7 @@
           <a:p>
             <a:fld id="{9424164B-0ACF-0049-B67E-58383D80E56C}" type="datetimeFigureOut">
               <a:rPr kumimoji="1" lang="zh-CN" altLang="en-US" smtClean="0"/>
-              <a:t>5/22/14</a:t>
+              <a:t>5/24/14</a:t>
             </a:fld>
             <a:endParaRPr kumimoji="1" lang="zh-CN" altLang="en-US"/>
           </a:p>
@@ -1765,7 +1766,7 @@
           <a:p>
             <a:fld id="{9424164B-0ACF-0049-B67E-58383D80E56C}" type="datetimeFigureOut">
               <a:rPr kumimoji="1" lang="zh-CN" altLang="en-US" smtClean="0"/>
-              <a:t>5/22/14</a:t>
+              <a:t>5/24/14</a:t>
             </a:fld>
             <a:endParaRPr kumimoji="1" lang="zh-CN" altLang="en-US"/>
           </a:p>
@@ -1883,7 +1884,7 @@
           <a:p>
             <a:fld id="{9424164B-0ACF-0049-B67E-58383D80E56C}" type="datetimeFigureOut">
               <a:rPr kumimoji="1" lang="zh-CN" altLang="en-US" smtClean="0"/>
-              <a:t>5/22/14</a:t>
+              <a:t>5/24/14</a:t>
             </a:fld>
             <a:endParaRPr kumimoji="1" lang="zh-CN" altLang="en-US"/>
           </a:p>
@@ -1978,7 +1979,7 @@
           <a:p>
             <a:fld id="{9424164B-0ACF-0049-B67E-58383D80E56C}" type="datetimeFigureOut">
               <a:rPr kumimoji="1" lang="zh-CN" altLang="en-US" smtClean="0"/>
-              <a:t>5/22/14</a:t>
+              <a:t>5/24/14</a:t>
             </a:fld>
             <a:endParaRPr kumimoji="1" lang="zh-CN" altLang="en-US"/>
           </a:p>
@@ -2255,7 +2256,7 @@
           <a:p>
             <a:fld id="{9424164B-0ACF-0049-B67E-58383D80E56C}" type="datetimeFigureOut">
               <a:rPr kumimoji="1" lang="zh-CN" altLang="en-US" smtClean="0"/>
-              <a:t>5/22/14</a:t>
+              <a:t>5/24/14</a:t>
             </a:fld>
             <a:endParaRPr kumimoji="1" lang="zh-CN" altLang="en-US"/>
           </a:p>
@@ -2508,7 +2509,7 @@
           <a:p>
             <a:fld id="{9424164B-0ACF-0049-B67E-58383D80E56C}" type="datetimeFigureOut">
               <a:rPr kumimoji="1" lang="zh-CN" altLang="en-US" smtClean="0"/>
-              <a:t>5/22/14</a:t>
+              <a:t>5/24/14</a:t>
             </a:fld>
             <a:endParaRPr kumimoji="1" lang="zh-CN" altLang="en-US"/>
           </a:p>
@@ -2721,7 +2722,7 @@
           <a:p>
             <a:fld id="{9424164B-0ACF-0049-B67E-58383D80E56C}" type="datetimeFigureOut">
               <a:rPr kumimoji="1" lang="zh-CN" altLang="en-US" smtClean="0"/>
-              <a:t>5/22/14</a:t>
+              <a:t>5/24/14</a:t>
             </a:fld>
             <a:endParaRPr kumimoji="1" lang="zh-CN" altLang="en-US"/>
           </a:p>
@@ -4239,16 +4240,7 @@
                 </a:solidFill>
                 <a:latin typeface="+mn-ea"/>
               </a:rPr>
-              <a:t>实例</a:t>
-            </a:r>
-            <a:r>
-              <a:rPr kumimoji="1" lang="zh-CN" altLang="en-US" smtClean="0">
-                <a:solidFill>
-                  <a:schemeClr val="tx1"/>
-                </a:solidFill>
-                <a:latin typeface="+mn-ea"/>
-              </a:rPr>
-              <a:t>构建</a:t>
+              <a:t>实例构建</a:t>
             </a:r>
             <a:endParaRPr kumimoji="1" lang="en-US" altLang="zh-CN" dirty="0" smtClean="0">
               <a:solidFill>
@@ -4858,6 +4850,2653 @@
     <p:extLst>
       <p:ext uri="{BB962C8B-B14F-4D97-AF65-F5344CB8AC3E}">
         <p14:creationId xmlns:p14="http://schemas.microsoft.com/office/powerpoint/2010/main" val="235036765"/>
+      </p:ext>
+    </p:extLst>
+  </p:cSld>
+  <p:clrMapOvr>
+    <a:masterClrMapping/>
+  </p:clrMapOvr>
+</p:sld>
+</file>
+
+<file path=ppt/slides/slide3.xml><?xml version="1.0" encoding="utf-8"?>
+<p:sld xmlns:a="http://schemas.openxmlformats.org/drawingml/2006/main" xmlns:r="http://schemas.openxmlformats.org/officeDocument/2006/relationships" xmlns:p="http://schemas.openxmlformats.org/presentationml/2006/main">
+  <p:cSld>
+    <p:spTree>
+      <p:nvGrpSpPr>
+        <p:cNvPr id="1" name=""/>
+        <p:cNvGrpSpPr/>
+        <p:nvPr/>
+      </p:nvGrpSpPr>
+      <p:grpSpPr>
+        <a:xfrm>
+          <a:off x="0" y="0"/>
+          <a:ext cx="0" cy="0"/>
+          <a:chOff x="0" y="0"/>
+          <a:chExt cx="0" cy="0"/>
+        </a:xfrm>
+      </p:grpSpPr>
+      <p:grpSp>
+        <p:nvGrpSpPr>
+          <p:cNvPr id="7" name="组 6"/>
+          <p:cNvGrpSpPr/>
+          <p:nvPr/>
+        </p:nvGrpSpPr>
+        <p:grpSpPr>
+          <a:xfrm>
+            <a:off x="2082212" y="1487449"/>
+            <a:ext cx="537714" cy="537714"/>
+            <a:chOff x="2082212" y="1487449"/>
+            <a:chExt cx="537714" cy="537714"/>
+          </a:xfrm>
+        </p:grpSpPr>
+        <p:sp>
+          <p:nvSpPr>
+            <p:cNvPr id="4" name="椭圆 3"/>
+            <p:cNvSpPr/>
+            <p:nvPr/>
+          </p:nvSpPr>
+          <p:spPr>
+            <a:xfrm>
+              <a:off x="2082212" y="1487449"/>
+              <a:ext cx="537714" cy="537714"/>
+            </a:xfrm>
+            <a:prstGeom prst="ellipse">
+              <a:avLst/>
+            </a:prstGeom>
+          </p:spPr>
+          <p:style>
+            <a:lnRef idx="2">
+              <a:schemeClr val="dk1"/>
+            </a:lnRef>
+            <a:fillRef idx="1">
+              <a:schemeClr val="lt1"/>
+            </a:fillRef>
+            <a:effectRef idx="0">
+              <a:schemeClr val="dk1"/>
+            </a:effectRef>
+            <a:fontRef idx="minor">
+              <a:schemeClr val="dk1"/>
+            </a:fontRef>
+          </p:style>
+          <p:txBody>
+            <a:bodyPr rtlCol="0" anchor="ctr"/>
+            <a:lstStyle/>
+            <a:p>
+              <a:pPr algn="ctr"/>
+              <a:endParaRPr kumimoji="1" lang="zh-CN" altLang="en-US" dirty="0"/>
+            </a:p>
+          </p:txBody>
+        </p:sp>
+        <p:graphicFrame>
+          <p:nvGraphicFramePr>
+            <p:cNvPr id="6" name="对象 5"/>
+            <p:cNvGraphicFramePr>
+              <a:graphicFrameLocks noChangeAspect="1"/>
+            </p:cNvGraphicFramePr>
+            <p:nvPr>
+              <p:extLst>
+                <p:ext uri="{D42A27DB-BD31-4B8C-83A1-F6EECF244321}">
+                  <p14:modId xmlns:p14="http://schemas.microsoft.com/office/powerpoint/2010/main" val="2778943757"/>
+                </p:ext>
+              </p:extLst>
+            </p:nvPr>
+          </p:nvGraphicFramePr>
+          <p:xfrm>
+            <a:off x="2150858" y="1574584"/>
+            <a:ext cx="393168" cy="349483"/>
+          </p:xfrm>
+          <a:graphic>
+            <a:graphicData uri="http://schemas.openxmlformats.org/presentationml/2006/ole">
+              <mc:AlternateContent xmlns:mc="http://schemas.openxmlformats.org/markup-compatibility/2006">
+                <mc:Choice xmlns:v="urn:schemas-microsoft-com:vml" Requires="v">
+                  <p:oleObj spid="_x0000_s1045" name="Equation" r:id="rId3" imgW="228600" imgH="203200" progId="Equation.DSMT4">
+                    <p:embed/>
+                  </p:oleObj>
+                </mc:Choice>
+                <mc:Fallback>
+                  <p:oleObj name="Equation" r:id="rId3" imgW="228600" imgH="203200" progId="Equation.DSMT4">
+                    <p:embed/>
+                    <p:pic>
+                      <p:nvPicPr>
+                        <p:cNvPr id="0" name=""/>
+                        <p:cNvPicPr/>
+                        <p:nvPr/>
+                      </p:nvPicPr>
+                      <p:blipFill>
+                        <a:blip r:embed="rId4"/>
+                        <a:stretch>
+                          <a:fillRect/>
+                        </a:stretch>
+                      </p:blipFill>
+                      <p:spPr>
+                        <a:xfrm>
+                          <a:off x="2150858" y="1574584"/>
+                          <a:ext cx="393168" cy="349483"/>
+                        </a:xfrm>
+                        <a:prstGeom prst="rect">
+                          <a:avLst/>
+                        </a:prstGeom>
+                      </p:spPr>
+                    </p:pic>
+                  </p:oleObj>
+                </mc:Fallback>
+              </mc:AlternateContent>
+            </a:graphicData>
+          </a:graphic>
+        </p:graphicFrame>
+      </p:grpSp>
+      <p:grpSp>
+        <p:nvGrpSpPr>
+          <p:cNvPr id="8" name="组 7"/>
+          <p:cNvGrpSpPr/>
+          <p:nvPr/>
+        </p:nvGrpSpPr>
+        <p:grpSpPr>
+          <a:xfrm>
+            <a:off x="2081785" y="2578087"/>
+            <a:ext cx="537714" cy="537714"/>
+            <a:chOff x="2082212" y="1487449"/>
+            <a:chExt cx="537714" cy="537714"/>
+          </a:xfrm>
+        </p:grpSpPr>
+        <p:sp>
+          <p:nvSpPr>
+            <p:cNvPr id="9" name="椭圆 8"/>
+            <p:cNvSpPr/>
+            <p:nvPr/>
+          </p:nvSpPr>
+          <p:spPr>
+            <a:xfrm>
+              <a:off x="2082212" y="1487449"/>
+              <a:ext cx="537714" cy="537714"/>
+            </a:xfrm>
+            <a:prstGeom prst="ellipse">
+              <a:avLst/>
+            </a:prstGeom>
+          </p:spPr>
+          <p:style>
+            <a:lnRef idx="2">
+              <a:schemeClr val="dk1"/>
+            </a:lnRef>
+            <a:fillRef idx="1">
+              <a:schemeClr val="lt1"/>
+            </a:fillRef>
+            <a:effectRef idx="0">
+              <a:schemeClr val="dk1"/>
+            </a:effectRef>
+            <a:fontRef idx="minor">
+              <a:schemeClr val="dk1"/>
+            </a:fontRef>
+          </p:style>
+          <p:txBody>
+            <a:bodyPr rtlCol="0" anchor="ctr"/>
+            <a:lstStyle/>
+            <a:p>
+              <a:pPr algn="ctr"/>
+              <a:endParaRPr kumimoji="1" lang="zh-CN" altLang="en-US" dirty="0"/>
+            </a:p>
+          </p:txBody>
+        </p:sp>
+        <p:graphicFrame>
+          <p:nvGraphicFramePr>
+            <p:cNvPr id="10" name="对象 9"/>
+            <p:cNvGraphicFramePr>
+              <a:graphicFrameLocks noChangeAspect="1"/>
+            </p:cNvGraphicFramePr>
+            <p:nvPr>
+              <p:extLst>
+                <p:ext uri="{D42A27DB-BD31-4B8C-83A1-F6EECF244321}">
+                  <p14:modId xmlns:p14="http://schemas.microsoft.com/office/powerpoint/2010/main" val="1056269594"/>
+                </p:ext>
+              </p:extLst>
+            </p:nvPr>
+          </p:nvGraphicFramePr>
+          <p:xfrm>
+            <a:off x="2139775" y="1574775"/>
+            <a:ext cx="415925" cy="349250"/>
+          </p:xfrm>
+          <a:graphic>
+            <a:graphicData uri="http://schemas.openxmlformats.org/presentationml/2006/ole">
+              <mc:AlternateContent xmlns:mc="http://schemas.openxmlformats.org/markup-compatibility/2006">
+                <mc:Choice xmlns:v="urn:schemas-microsoft-com:vml" Requires="v">
+                  <p:oleObj spid="_x0000_s1046" name="Equation" r:id="rId5" imgW="241300" imgH="203200" progId="Equation.DSMT4">
+                    <p:embed/>
+                  </p:oleObj>
+                </mc:Choice>
+                <mc:Fallback>
+                  <p:oleObj name="Equation" r:id="rId5" imgW="241300" imgH="203200" progId="Equation.DSMT4">
+                    <p:embed/>
+                    <p:pic>
+                      <p:nvPicPr>
+                        <p:cNvPr id="0" name=""/>
+                        <p:cNvPicPr/>
+                        <p:nvPr/>
+                      </p:nvPicPr>
+                      <p:blipFill>
+                        <a:blip r:embed="rId6"/>
+                        <a:stretch>
+                          <a:fillRect/>
+                        </a:stretch>
+                      </p:blipFill>
+                      <p:spPr>
+                        <a:xfrm>
+                          <a:off x="2139775" y="1574775"/>
+                          <a:ext cx="415925" cy="349250"/>
+                        </a:xfrm>
+                        <a:prstGeom prst="rect">
+                          <a:avLst/>
+                        </a:prstGeom>
+                      </p:spPr>
+                    </p:pic>
+                  </p:oleObj>
+                </mc:Fallback>
+              </mc:AlternateContent>
+            </a:graphicData>
+          </a:graphic>
+        </p:graphicFrame>
+      </p:grpSp>
+      <p:grpSp>
+        <p:nvGrpSpPr>
+          <p:cNvPr id="11" name="组 10"/>
+          <p:cNvGrpSpPr/>
+          <p:nvPr/>
+        </p:nvGrpSpPr>
+        <p:grpSpPr>
+          <a:xfrm>
+            <a:off x="3077126" y="1483920"/>
+            <a:ext cx="537714" cy="537714"/>
+            <a:chOff x="2082212" y="1487449"/>
+            <a:chExt cx="537714" cy="537714"/>
+          </a:xfrm>
+        </p:grpSpPr>
+        <p:sp>
+          <p:nvSpPr>
+            <p:cNvPr id="12" name="椭圆 11"/>
+            <p:cNvSpPr/>
+            <p:nvPr/>
+          </p:nvSpPr>
+          <p:spPr>
+            <a:xfrm>
+              <a:off x="2082212" y="1487449"/>
+              <a:ext cx="537714" cy="537714"/>
+            </a:xfrm>
+            <a:prstGeom prst="ellipse">
+              <a:avLst/>
+            </a:prstGeom>
+          </p:spPr>
+          <p:style>
+            <a:lnRef idx="2">
+              <a:schemeClr val="dk1"/>
+            </a:lnRef>
+            <a:fillRef idx="1">
+              <a:schemeClr val="lt1"/>
+            </a:fillRef>
+            <a:effectRef idx="0">
+              <a:schemeClr val="dk1"/>
+            </a:effectRef>
+            <a:fontRef idx="minor">
+              <a:schemeClr val="dk1"/>
+            </a:fontRef>
+          </p:style>
+          <p:txBody>
+            <a:bodyPr rtlCol="0" anchor="ctr"/>
+            <a:lstStyle/>
+            <a:p>
+              <a:pPr algn="ctr"/>
+              <a:endParaRPr kumimoji="1" lang="zh-CN" altLang="en-US" dirty="0"/>
+            </a:p>
+          </p:txBody>
+        </p:sp>
+        <p:graphicFrame>
+          <p:nvGraphicFramePr>
+            <p:cNvPr id="13" name="对象 12"/>
+            <p:cNvGraphicFramePr>
+              <a:graphicFrameLocks noChangeAspect="1"/>
+            </p:cNvGraphicFramePr>
+            <p:nvPr>
+              <p:extLst>
+                <p:ext uri="{D42A27DB-BD31-4B8C-83A1-F6EECF244321}">
+                  <p14:modId xmlns:p14="http://schemas.microsoft.com/office/powerpoint/2010/main" val="2688898871"/>
+                </p:ext>
+              </p:extLst>
+            </p:nvPr>
+          </p:nvGraphicFramePr>
+          <p:xfrm>
+            <a:off x="2216599" y="1575154"/>
+            <a:ext cx="261937" cy="349250"/>
+          </p:xfrm>
+          <a:graphic>
+            <a:graphicData uri="http://schemas.openxmlformats.org/presentationml/2006/ole">
+              <mc:AlternateContent xmlns:mc="http://schemas.openxmlformats.org/markup-compatibility/2006">
+                <mc:Choice xmlns:v="urn:schemas-microsoft-com:vml" Requires="v">
+                  <p:oleObj spid="_x0000_s1047" name="Equation" r:id="rId7" imgW="152400" imgH="203200" progId="Equation.DSMT4">
+                    <p:embed/>
+                  </p:oleObj>
+                </mc:Choice>
+                <mc:Fallback>
+                  <p:oleObj name="Equation" r:id="rId7" imgW="152400" imgH="203200" progId="Equation.DSMT4">
+                    <p:embed/>
+                    <p:pic>
+                      <p:nvPicPr>
+                        <p:cNvPr id="0" name=""/>
+                        <p:cNvPicPr/>
+                        <p:nvPr/>
+                      </p:nvPicPr>
+                      <p:blipFill>
+                        <a:blip r:embed="rId8"/>
+                        <a:stretch>
+                          <a:fillRect/>
+                        </a:stretch>
+                      </p:blipFill>
+                      <p:spPr>
+                        <a:xfrm>
+                          <a:off x="2216599" y="1575154"/>
+                          <a:ext cx="261937" cy="349250"/>
+                        </a:xfrm>
+                        <a:prstGeom prst="rect">
+                          <a:avLst/>
+                        </a:prstGeom>
+                      </p:spPr>
+                    </p:pic>
+                  </p:oleObj>
+                </mc:Fallback>
+              </mc:AlternateContent>
+            </a:graphicData>
+          </a:graphic>
+        </p:graphicFrame>
+      </p:grpSp>
+      <p:grpSp>
+        <p:nvGrpSpPr>
+          <p:cNvPr id="14" name="组 13"/>
+          <p:cNvGrpSpPr/>
+          <p:nvPr/>
+        </p:nvGrpSpPr>
+        <p:grpSpPr>
+          <a:xfrm>
+            <a:off x="3077126" y="2578087"/>
+            <a:ext cx="537714" cy="537714"/>
+            <a:chOff x="2082212" y="1487449"/>
+            <a:chExt cx="537714" cy="537714"/>
+          </a:xfrm>
+        </p:grpSpPr>
+        <p:sp>
+          <p:nvSpPr>
+            <p:cNvPr id="15" name="椭圆 14"/>
+            <p:cNvSpPr/>
+            <p:nvPr/>
+          </p:nvSpPr>
+          <p:spPr>
+            <a:xfrm>
+              <a:off x="2082212" y="1487449"/>
+              <a:ext cx="537714" cy="537714"/>
+            </a:xfrm>
+            <a:prstGeom prst="ellipse">
+              <a:avLst/>
+            </a:prstGeom>
+          </p:spPr>
+          <p:style>
+            <a:lnRef idx="2">
+              <a:schemeClr val="dk1"/>
+            </a:lnRef>
+            <a:fillRef idx="1">
+              <a:schemeClr val="lt1"/>
+            </a:fillRef>
+            <a:effectRef idx="0">
+              <a:schemeClr val="dk1"/>
+            </a:effectRef>
+            <a:fontRef idx="minor">
+              <a:schemeClr val="dk1"/>
+            </a:fontRef>
+          </p:style>
+          <p:txBody>
+            <a:bodyPr rtlCol="0" anchor="ctr"/>
+            <a:lstStyle/>
+            <a:p>
+              <a:pPr algn="ctr"/>
+              <a:endParaRPr kumimoji="1" lang="zh-CN" altLang="en-US" dirty="0"/>
+            </a:p>
+          </p:txBody>
+        </p:sp>
+        <p:graphicFrame>
+          <p:nvGraphicFramePr>
+            <p:cNvPr id="16" name="对象 15"/>
+            <p:cNvGraphicFramePr>
+              <a:graphicFrameLocks noChangeAspect="1"/>
+            </p:cNvGraphicFramePr>
+            <p:nvPr>
+              <p:extLst>
+                <p:ext uri="{D42A27DB-BD31-4B8C-83A1-F6EECF244321}">
+                  <p14:modId xmlns:p14="http://schemas.microsoft.com/office/powerpoint/2010/main" val="2084643479"/>
+                </p:ext>
+              </p:extLst>
+            </p:nvPr>
+          </p:nvGraphicFramePr>
+          <p:xfrm>
+            <a:off x="2216599" y="1574775"/>
+            <a:ext cx="261937" cy="349250"/>
+          </p:xfrm>
+          <a:graphic>
+            <a:graphicData uri="http://schemas.openxmlformats.org/presentationml/2006/ole">
+              <mc:AlternateContent xmlns:mc="http://schemas.openxmlformats.org/markup-compatibility/2006">
+                <mc:Choice xmlns:v="urn:schemas-microsoft-com:vml" Requires="v">
+                  <p:oleObj spid="_x0000_s1048" name="Equation" r:id="rId9" imgW="152400" imgH="203200" progId="Equation.DSMT4">
+                    <p:embed/>
+                  </p:oleObj>
+                </mc:Choice>
+                <mc:Fallback>
+                  <p:oleObj name="Equation" r:id="rId9" imgW="152400" imgH="203200" progId="Equation.DSMT4">
+                    <p:embed/>
+                    <p:pic>
+                      <p:nvPicPr>
+                        <p:cNvPr id="0" name=""/>
+                        <p:cNvPicPr/>
+                        <p:nvPr/>
+                      </p:nvPicPr>
+                      <p:blipFill>
+                        <a:blip r:embed="rId10"/>
+                        <a:stretch>
+                          <a:fillRect/>
+                        </a:stretch>
+                      </p:blipFill>
+                      <p:spPr>
+                        <a:xfrm>
+                          <a:off x="2216599" y="1574775"/>
+                          <a:ext cx="261937" cy="349250"/>
+                        </a:xfrm>
+                        <a:prstGeom prst="rect">
+                          <a:avLst/>
+                        </a:prstGeom>
+                      </p:spPr>
+                    </p:pic>
+                  </p:oleObj>
+                </mc:Fallback>
+              </mc:AlternateContent>
+            </a:graphicData>
+          </a:graphic>
+        </p:graphicFrame>
+      </p:grpSp>
+      <p:grpSp>
+        <p:nvGrpSpPr>
+          <p:cNvPr id="17" name="组 16"/>
+          <p:cNvGrpSpPr/>
+          <p:nvPr/>
+        </p:nvGrpSpPr>
+        <p:grpSpPr>
+          <a:xfrm>
+            <a:off x="4045782" y="1487449"/>
+            <a:ext cx="537714" cy="537714"/>
+            <a:chOff x="2082212" y="1487449"/>
+            <a:chExt cx="537714" cy="537714"/>
+          </a:xfrm>
+        </p:grpSpPr>
+        <p:sp>
+          <p:nvSpPr>
+            <p:cNvPr id="18" name="椭圆 17"/>
+            <p:cNvSpPr/>
+            <p:nvPr/>
+          </p:nvSpPr>
+          <p:spPr>
+            <a:xfrm>
+              <a:off x="2082212" y="1487449"/>
+              <a:ext cx="537714" cy="537714"/>
+            </a:xfrm>
+            <a:prstGeom prst="ellipse">
+              <a:avLst/>
+            </a:prstGeom>
+          </p:spPr>
+          <p:style>
+            <a:lnRef idx="2">
+              <a:schemeClr val="dk1"/>
+            </a:lnRef>
+            <a:fillRef idx="1">
+              <a:schemeClr val="lt1"/>
+            </a:fillRef>
+            <a:effectRef idx="0">
+              <a:schemeClr val="dk1"/>
+            </a:effectRef>
+            <a:fontRef idx="minor">
+              <a:schemeClr val="dk1"/>
+            </a:fontRef>
+          </p:style>
+          <p:txBody>
+            <a:bodyPr rtlCol="0" anchor="ctr"/>
+            <a:lstStyle/>
+            <a:p>
+              <a:pPr algn="ctr"/>
+              <a:endParaRPr kumimoji="1" lang="zh-CN" altLang="en-US" dirty="0"/>
+            </a:p>
+          </p:txBody>
+        </p:sp>
+        <p:graphicFrame>
+          <p:nvGraphicFramePr>
+            <p:cNvPr id="19" name="对象 18"/>
+            <p:cNvGraphicFramePr>
+              <a:graphicFrameLocks noChangeAspect="1"/>
+            </p:cNvGraphicFramePr>
+            <p:nvPr>
+              <p:extLst>
+                <p:ext uri="{D42A27DB-BD31-4B8C-83A1-F6EECF244321}">
+                  <p14:modId xmlns:p14="http://schemas.microsoft.com/office/powerpoint/2010/main" val="4265857178"/>
+                </p:ext>
+              </p:extLst>
+            </p:nvPr>
+          </p:nvGraphicFramePr>
+          <p:xfrm>
+            <a:off x="2150858" y="1574584"/>
+            <a:ext cx="393168" cy="349483"/>
+          </p:xfrm>
+          <a:graphic>
+            <a:graphicData uri="http://schemas.openxmlformats.org/presentationml/2006/ole">
+              <mc:AlternateContent xmlns:mc="http://schemas.openxmlformats.org/markup-compatibility/2006">
+                <mc:Choice xmlns:v="urn:schemas-microsoft-com:vml" Requires="v">
+                  <p:oleObj spid="_x0000_s1049" name="Equation" r:id="rId11" imgW="228600" imgH="203200" progId="Equation.DSMT4">
+                    <p:embed/>
+                  </p:oleObj>
+                </mc:Choice>
+                <mc:Fallback>
+                  <p:oleObj name="Equation" r:id="rId11" imgW="228600" imgH="203200" progId="Equation.DSMT4">
+                    <p:embed/>
+                    <p:pic>
+                      <p:nvPicPr>
+                        <p:cNvPr id="0" name=""/>
+                        <p:cNvPicPr/>
+                        <p:nvPr/>
+                      </p:nvPicPr>
+                      <p:blipFill>
+                        <a:blip r:embed="rId12"/>
+                        <a:stretch>
+                          <a:fillRect/>
+                        </a:stretch>
+                      </p:blipFill>
+                      <p:spPr>
+                        <a:xfrm>
+                          <a:off x="2150858" y="1574584"/>
+                          <a:ext cx="393168" cy="349483"/>
+                        </a:xfrm>
+                        <a:prstGeom prst="rect">
+                          <a:avLst/>
+                        </a:prstGeom>
+                      </p:spPr>
+                    </p:pic>
+                  </p:oleObj>
+                </mc:Fallback>
+              </mc:AlternateContent>
+            </a:graphicData>
+          </a:graphic>
+        </p:graphicFrame>
+      </p:grpSp>
+      <p:grpSp>
+        <p:nvGrpSpPr>
+          <p:cNvPr id="23" name="组 22"/>
+          <p:cNvGrpSpPr/>
+          <p:nvPr/>
+        </p:nvGrpSpPr>
+        <p:grpSpPr>
+          <a:xfrm>
+            <a:off x="4057223" y="2578087"/>
+            <a:ext cx="537714" cy="537714"/>
+            <a:chOff x="2082212" y="1487449"/>
+            <a:chExt cx="537714" cy="537714"/>
+          </a:xfrm>
+        </p:grpSpPr>
+        <p:sp>
+          <p:nvSpPr>
+            <p:cNvPr id="24" name="椭圆 23"/>
+            <p:cNvSpPr/>
+            <p:nvPr/>
+          </p:nvSpPr>
+          <p:spPr>
+            <a:xfrm>
+              <a:off x="2082212" y="1487449"/>
+              <a:ext cx="537714" cy="537714"/>
+            </a:xfrm>
+            <a:prstGeom prst="ellipse">
+              <a:avLst/>
+            </a:prstGeom>
+          </p:spPr>
+          <p:style>
+            <a:lnRef idx="2">
+              <a:schemeClr val="dk1"/>
+            </a:lnRef>
+            <a:fillRef idx="1">
+              <a:schemeClr val="lt1"/>
+            </a:fillRef>
+            <a:effectRef idx="0">
+              <a:schemeClr val="dk1"/>
+            </a:effectRef>
+            <a:fontRef idx="minor">
+              <a:schemeClr val="dk1"/>
+            </a:fontRef>
+          </p:style>
+          <p:txBody>
+            <a:bodyPr rtlCol="0" anchor="ctr"/>
+            <a:lstStyle/>
+            <a:p>
+              <a:pPr algn="ctr"/>
+              <a:endParaRPr kumimoji="1" lang="zh-CN" altLang="en-US" dirty="0"/>
+            </a:p>
+          </p:txBody>
+        </p:sp>
+        <p:graphicFrame>
+          <p:nvGraphicFramePr>
+            <p:cNvPr id="25" name="对象 24"/>
+            <p:cNvGraphicFramePr>
+              <a:graphicFrameLocks noChangeAspect="1"/>
+            </p:cNvGraphicFramePr>
+            <p:nvPr>
+              <p:extLst>
+                <p:ext uri="{D42A27DB-BD31-4B8C-83A1-F6EECF244321}">
+                  <p14:modId xmlns:p14="http://schemas.microsoft.com/office/powerpoint/2010/main" val="3617679661"/>
+                </p:ext>
+              </p:extLst>
+            </p:nvPr>
+          </p:nvGraphicFramePr>
+          <p:xfrm>
+            <a:off x="2140118" y="1574775"/>
+            <a:ext cx="414337" cy="349250"/>
+          </p:xfrm>
+          <a:graphic>
+            <a:graphicData uri="http://schemas.openxmlformats.org/presentationml/2006/ole">
+              <mc:AlternateContent xmlns:mc="http://schemas.openxmlformats.org/markup-compatibility/2006">
+                <mc:Choice xmlns:v="urn:schemas-microsoft-com:vml" Requires="v">
+                  <p:oleObj spid="_x0000_s1050" name="Equation" r:id="rId13" imgW="241300" imgH="203200" progId="Equation.DSMT4">
+                    <p:embed/>
+                  </p:oleObj>
+                </mc:Choice>
+                <mc:Fallback>
+                  <p:oleObj name="Equation" r:id="rId13" imgW="241300" imgH="203200" progId="Equation.DSMT4">
+                    <p:embed/>
+                    <p:pic>
+                      <p:nvPicPr>
+                        <p:cNvPr id="0" name=""/>
+                        <p:cNvPicPr/>
+                        <p:nvPr/>
+                      </p:nvPicPr>
+                      <p:blipFill>
+                        <a:blip r:embed="rId14"/>
+                        <a:stretch>
+                          <a:fillRect/>
+                        </a:stretch>
+                      </p:blipFill>
+                      <p:spPr>
+                        <a:xfrm>
+                          <a:off x="2140118" y="1574775"/>
+                          <a:ext cx="414337" cy="349250"/>
+                        </a:xfrm>
+                        <a:prstGeom prst="rect">
+                          <a:avLst/>
+                        </a:prstGeom>
+                      </p:spPr>
+                    </p:pic>
+                  </p:oleObj>
+                </mc:Fallback>
+              </mc:AlternateContent>
+            </a:graphicData>
+          </a:graphic>
+        </p:graphicFrame>
+      </p:grpSp>
+      <p:cxnSp>
+        <p:nvCxnSpPr>
+          <p:cNvPr id="27" name="直线箭头连接符 26"/>
+          <p:cNvCxnSpPr>
+            <a:stCxn id="4" idx="6"/>
+            <a:endCxn id="12" idx="2"/>
+          </p:cNvCxnSpPr>
+          <p:nvPr/>
+        </p:nvCxnSpPr>
+        <p:spPr>
+          <a:xfrm flipV="1">
+            <a:off x="2619926" y="1752777"/>
+            <a:ext cx="457200" cy="3529"/>
+          </a:xfrm>
+          <a:prstGeom prst="straightConnector1">
+            <a:avLst/>
+          </a:prstGeom>
+          <a:ln>
+            <a:solidFill>
+              <a:schemeClr val="tx1"/>
+            </a:solidFill>
+            <a:tailEnd type="arrow"/>
+          </a:ln>
+        </p:spPr>
+        <p:style>
+          <a:lnRef idx="2">
+            <a:schemeClr val="accent1"/>
+          </a:lnRef>
+          <a:fillRef idx="0">
+            <a:schemeClr val="accent1"/>
+          </a:fillRef>
+          <a:effectRef idx="1">
+            <a:schemeClr val="accent1"/>
+          </a:effectRef>
+          <a:fontRef idx="minor">
+            <a:schemeClr val="tx1"/>
+          </a:fontRef>
+        </p:style>
+      </p:cxnSp>
+      <p:cxnSp>
+        <p:nvCxnSpPr>
+          <p:cNvPr id="28" name="直线箭头连接符 27"/>
+          <p:cNvCxnSpPr>
+            <a:stCxn id="12" idx="6"/>
+            <a:endCxn id="18" idx="2"/>
+          </p:cNvCxnSpPr>
+          <p:nvPr/>
+        </p:nvCxnSpPr>
+        <p:spPr>
+          <a:xfrm>
+            <a:off x="3614840" y="1752777"/>
+            <a:ext cx="430942" cy="3529"/>
+          </a:xfrm>
+          <a:prstGeom prst="straightConnector1">
+            <a:avLst/>
+          </a:prstGeom>
+          <a:ln>
+            <a:solidFill>
+              <a:schemeClr val="tx1"/>
+            </a:solidFill>
+            <a:tailEnd type="arrow"/>
+          </a:ln>
+        </p:spPr>
+        <p:style>
+          <a:lnRef idx="2">
+            <a:schemeClr val="accent1"/>
+          </a:lnRef>
+          <a:fillRef idx="0">
+            <a:schemeClr val="accent1"/>
+          </a:fillRef>
+          <a:effectRef idx="1">
+            <a:schemeClr val="accent1"/>
+          </a:effectRef>
+          <a:fontRef idx="minor">
+            <a:schemeClr val="tx1"/>
+          </a:fontRef>
+        </p:style>
+      </p:cxnSp>
+      <p:cxnSp>
+        <p:nvCxnSpPr>
+          <p:cNvPr id="33" name="直线箭头连接符 32"/>
+          <p:cNvCxnSpPr>
+            <a:stCxn id="4" idx="4"/>
+            <a:endCxn id="9" idx="0"/>
+          </p:cNvCxnSpPr>
+          <p:nvPr/>
+        </p:nvCxnSpPr>
+        <p:spPr>
+          <a:xfrm flipH="1">
+            <a:off x="2350642" y="2025163"/>
+            <a:ext cx="427" cy="552924"/>
+          </a:xfrm>
+          <a:prstGeom prst="straightConnector1">
+            <a:avLst/>
+          </a:prstGeom>
+          <a:ln>
+            <a:solidFill>
+              <a:srgbClr val="000000"/>
+            </a:solidFill>
+            <a:tailEnd type="arrow"/>
+          </a:ln>
+        </p:spPr>
+        <p:style>
+          <a:lnRef idx="2">
+            <a:schemeClr val="accent1"/>
+          </a:lnRef>
+          <a:fillRef idx="0">
+            <a:schemeClr val="accent1"/>
+          </a:fillRef>
+          <a:effectRef idx="1">
+            <a:schemeClr val="accent1"/>
+          </a:effectRef>
+          <a:fontRef idx="minor">
+            <a:schemeClr val="tx1"/>
+          </a:fontRef>
+        </p:style>
+      </p:cxnSp>
+      <p:cxnSp>
+        <p:nvCxnSpPr>
+          <p:cNvPr id="34" name="直线箭头连接符 33"/>
+          <p:cNvCxnSpPr>
+            <a:stCxn id="12" idx="4"/>
+            <a:endCxn id="15" idx="0"/>
+          </p:cNvCxnSpPr>
+          <p:nvPr/>
+        </p:nvCxnSpPr>
+        <p:spPr>
+          <a:xfrm>
+            <a:off x="3345983" y="2021634"/>
+            <a:ext cx="0" cy="556453"/>
+          </a:xfrm>
+          <a:prstGeom prst="straightConnector1">
+            <a:avLst/>
+          </a:prstGeom>
+          <a:ln>
+            <a:solidFill>
+              <a:srgbClr val="000000"/>
+            </a:solidFill>
+            <a:tailEnd type="arrow"/>
+          </a:ln>
+        </p:spPr>
+        <p:style>
+          <a:lnRef idx="2">
+            <a:schemeClr val="accent1"/>
+          </a:lnRef>
+          <a:fillRef idx="0">
+            <a:schemeClr val="accent1"/>
+          </a:fillRef>
+          <a:effectRef idx="1">
+            <a:schemeClr val="accent1"/>
+          </a:effectRef>
+          <a:fontRef idx="minor">
+            <a:schemeClr val="tx1"/>
+          </a:fontRef>
+        </p:style>
+      </p:cxnSp>
+      <p:cxnSp>
+        <p:nvCxnSpPr>
+          <p:cNvPr id="38" name="直线箭头连接符 37"/>
+          <p:cNvCxnSpPr>
+            <a:stCxn id="18" idx="4"/>
+            <a:endCxn id="24" idx="0"/>
+          </p:cNvCxnSpPr>
+          <p:nvPr/>
+        </p:nvCxnSpPr>
+        <p:spPr>
+          <a:xfrm>
+            <a:off x="4314639" y="2025163"/>
+            <a:ext cx="11441" cy="552924"/>
+          </a:xfrm>
+          <a:prstGeom prst="straightConnector1">
+            <a:avLst/>
+          </a:prstGeom>
+          <a:ln>
+            <a:solidFill>
+              <a:srgbClr val="000000"/>
+            </a:solidFill>
+            <a:tailEnd type="arrow"/>
+          </a:ln>
+        </p:spPr>
+        <p:style>
+          <a:lnRef idx="2">
+            <a:schemeClr val="accent1"/>
+          </a:lnRef>
+          <a:fillRef idx="0">
+            <a:schemeClr val="accent1"/>
+          </a:fillRef>
+          <a:effectRef idx="1">
+            <a:schemeClr val="accent1"/>
+          </a:effectRef>
+          <a:fontRef idx="minor">
+            <a:schemeClr val="tx1"/>
+          </a:fontRef>
+        </p:style>
+      </p:cxnSp>
+      <p:graphicFrame>
+        <p:nvGraphicFramePr>
+          <p:cNvPr id="41" name="对象 40"/>
+          <p:cNvGraphicFramePr>
+            <a:graphicFrameLocks noChangeAspect="1"/>
+          </p:cNvGraphicFramePr>
+          <p:nvPr>
+            <p:extLst>
+              <p:ext uri="{D42A27DB-BD31-4B8C-83A1-F6EECF244321}">
+                <p14:modId xmlns:p14="http://schemas.microsoft.com/office/powerpoint/2010/main" val="1683470419"/>
+              </p:ext>
+            </p:extLst>
+          </p:nvPr>
+        </p:nvGraphicFramePr>
+        <p:xfrm>
+          <a:off x="5262167" y="5935979"/>
+          <a:ext cx="114300" cy="165100"/>
+        </p:xfrm>
+        <a:graphic>
+          <a:graphicData uri="http://schemas.openxmlformats.org/presentationml/2006/ole">
+            <mc:AlternateContent xmlns:mc="http://schemas.openxmlformats.org/markup-compatibility/2006">
+              <mc:Choice xmlns:v="urn:schemas-microsoft-com:vml" Requires="v">
+                <p:oleObj spid="_x0000_s1051" name="Equation" r:id="rId15" imgW="114300" imgH="165100" progId="Equation.DSMT4">
+                  <p:embed/>
+                </p:oleObj>
+              </mc:Choice>
+              <mc:Fallback>
+                <p:oleObj name="Equation" r:id="rId15" imgW="114300" imgH="165100" progId="Equation.DSMT4">
+                  <p:embed/>
+                  <p:pic>
+                    <p:nvPicPr>
+                      <p:cNvPr id="0" name=""/>
+                      <p:cNvPicPr/>
+                      <p:nvPr/>
+                    </p:nvPicPr>
+                    <p:blipFill>
+                      <a:blip r:embed="rId16"/>
+                      <a:stretch>
+                        <a:fillRect/>
+                      </a:stretch>
+                    </p:blipFill>
+                    <p:spPr>
+                      <a:xfrm>
+                        <a:off x="5262167" y="5935979"/>
+                        <a:ext cx="114300" cy="165100"/>
+                      </a:xfrm>
+                      <a:prstGeom prst="rect">
+                        <a:avLst/>
+                      </a:prstGeom>
+                    </p:spPr>
+                  </p:pic>
+                </p:oleObj>
+              </mc:Fallback>
+            </mc:AlternateContent>
+          </a:graphicData>
+        </a:graphic>
+      </p:graphicFrame>
+      <p:grpSp>
+        <p:nvGrpSpPr>
+          <p:cNvPr id="42" name="组 41"/>
+          <p:cNvGrpSpPr/>
+          <p:nvPr/>
+        </p:nvGrpSpPr>
+        <p:grpSpPr>
+          <a:xfrm>
+            <a:off x="2829529" y="4076978"/>
+            <a:ext cx="537714" cy="537714"/>
+            <a:chOff x="2082212" y="1487449"/>
+            <a:chExt cx="537714" cy="537714"/>
+          </a:xfrm>
+        </p:grpSpPr>
+        <p:sp>
+          <p:nvSpPr>
+            <p:cNvPr id="43" name="椭圆 42"/>
+            <p:cNvSpPr/>
+            <p:nvPr/>
+          </p:nvSpPr>
+          <p:spPr>
+            <a:xfrm>
+              <a:off x="2082212" y="1487449"/>
+              <a:ext cx="537714" cy="537714"/>
+            </a:xfrm>
+            <a:prstGeom prst="ellipse">
+              <a:avLst/>
+            </a:prstGeom>
+          </p:spPr>
+          <p:style>
+            <a:lnRef idx="2">
+              <a:schemeClr val="dk1"/>
+            </a:lnRef>
+            <a:fillRef idx="1">
+              <a:schemeClr val="lt1"/>
+            </a:fillRef>
+            <a:effectRef idx="0">
+              <a:schemeClr val="dk1"/>
+            </a:effectRef>
+            <a:fontRef idx="minor">
+              <a:schemeClr val="dk1"/>
+            </a:fontRef>
+          </p:style>
+          <p:txBody>
+            <a:bodyPr rtlCol="0" anchor="ctr"/>
+            <a:lstStyle/>
+            <a:p>
+              <a:pPr algn="ctr"/>
+              <a:endParaRPr kumimoji="1" lang="zh-CN" altLang="en-US" dirty="0"/>
+            </a:p>
+          </p:txBody>
+        </p:sp>
+        <p:graphicFrame>
+          <p:nvGraphicFramePr>
+            <p:cNvPr id="44" name="对象 43"/>
+            <p:cNvGraphicFramePr>
+              <a:graphicFrameLocks noChangeAspect="1"/>
+            </p:cNvGraphicFramePr>
+            <p:nvPr>
+              <p:extLst>
+                <p:ext uri="{D42A27DB-BD31-4B8C-83A1-F6EECF244321}">
+                  <p14:modId xmlns:p14="http://schemas.microsoft.com/office/powerpoint/2010/main" val="101179456"/>
+                </p:ext>
+              </p:extLst>
+            </p:nvPr>
+          </p:nvGraphicFramePr>
+          <p:xfrm>
+            <a:off x="2150858" y="1574584"/>
+            <a:ext cx="393168" cy="349483"/>
+          </p:xfrm>
+          <a:graphic>
+            <a:graphicData uri="http://schemas.openxmlformats.org/presentationml/2006/ole">
+              <mc:AlternateContent xmlns:mc="http://schemas.openxmlformats.org/markup-compatibility/2006">
+                <mc:Choice xmlns:v="urn:schemas-microsoft-com:vml" Requires="v">
+                  <p:oleObj spid="_x0000_s1052" name="Equation" r:id="rId17" imgW="228600" imgH="203200" progId="Equation.DSMT4">
+                    <p:embed/>
+                  </p:oleObj>
+                </mc:Choice>
+                <mc:Fallback>
+                  <p:oleObj name="Equation" r:id="rId17" imgW="228600" imgH="203200" progId="Equation.DSMT4">
+                    <p:embed/>
+                    <p:pic>
+                      <p:nvPicPr>
+                        <p:cNvPr id="0" name=""/>
+                        <p:cNvPicPr/>
+                        <p:nvPr/>
+                      </p:nvPicPr>
+                      <p:blipFill>
+                        <a:blip r:embed="rId4"/>
+                        <a:stretch>
+                          <a:fillRect/>
+                        </a:stretch>
+                      </p:blipFill>
+                      <p:spPr>
+                        <a:xfrm>
+                          <a:off x="2150858" y="1574584"/>
+                          <a:ext cx="393168" cy="349483"/>
+                        </a:xfrm>
+                        <a:prstGeom prst="rect">
+                          <a:avLst/>
+                        </a:prstGeom>
+                      </p:spPr>
+                    </p:pic>
+                  </p:oleObj>
+                </mc:Fallback>
+              </mc:AlternateContent>
+            </a:graphicData>
+          </a:graphic>
+        </p:graphicFrame>
+      </p:grpSp>
+      <p:grpSp>
+        <p:nvGrpSpPr>
+          <p:cNvPr id="45" name="组 44"/>
+          <p:cNvGrpSpPr/>
+          <p:nvPr/>
+        </p:nvGrpSpPr>
+        <p:grpSpPr>
+          <a:xfrm>
+            <a:off x="2829102" y="5167616"/>
+            <a:ext cx="537714" cy="537714"/>
+            <a:chOff x="2082212" y="1487449"/>
+            <a:chExt cx="537714" cy="537714"/>
+          </a:xfrm>
+        </p:grpSpPr>
+        <p:sp>
+          <p:nvSpPr>
+            <p:cNvPr id="46" name="椭圆 45"/>
+            <p:cNvSpPr/>
+            <p:nvPr/>
+          </p:nvSpPr>
+          <p:spPr>
+            <a:xfrm>
+              <a:off x="2082212" y="1487449"/>
+              <a:ext cx="537714" cy="537714"/>
+            </a:xfrm>
+            <a:prstGeom prst="ellipse">
+              <a:avLst/>
+            </a:prstGeom>
+          </p:spPr>
+          <p:style>
+            <a:lnRef idx="2">
+              <a:schemeClr val="dk1"/>
+            </a:lnRef>
+            <a:fillRef idx="1">
+              <a:schemeClr val="lt1"/>
+            </a:fillRef>
+            <a:effectRef idx="0">
+              <a:schemeClr val="dk1"/>
+            </a:effectRef>
+            <a:fontRef idx="minor">
+              <a:schemeClr val="dk1"/>
+            </a:fontRef>
+          </p:style>
+          <p:txBody>
+            <a:bodyPr rtlCol="0" anchor="ctr"/>
+            <a:lstStyle/>
+            <a:p>
+              <a:pPr algn="ctr"/>
+              <a:endParaRPr kumimoji="1" lang="zh-CN" altLang="en-US" dirty="0"/>
+            </a:p>
+          </p:txBody>
+        </p:sp>
+        <p:graphicFrame>
+          <p:nvGraphicFramePr>
+            <p:cNvPr id="47" name="对象 46"/>
+            <p:cNvGraphicFramePr>
+              <a:graphicFrameLocks noChangeAspect="1"/>
+            </p:cNvGraphicFramePr>
+            <p:nvPr>
+              <p:extLst>
+                <p:ext uri="{D42A27DB-BD31-4B8C-83A1-F6EECF244321}">
+                  <p14:modId xmlns:p14="http://schemas.microsoft.com/office/powerpoint/2010/main" val="2354435080"/>
+                </p:ext>
+              </p:extLst>
+            </p:nvPr>
+          </p:nvGraphicFramePr>
+          <p:xfrm>
+            <a:off x="2139775" y="1574775"/>
+            <a:ext cx="415925" cy="349250"/>
+          </p:xfrm>
+          <a:graphic>
+            <a:graphicData uri="http://schemas.openxmlformats.org/presentationml/2006/ole">
+              <mc:AlternateContent xmlns:mc="http://schemas.openxmlformats.org/markup-compatibility/2006">
+                <mc:Choice xmlns:v="urn:schemas-microsoft-com:vml" Requires="v">
+                  <p:oleObj spid="_x0000_s1053" name="Equation" r:id="rId18" imgW="241300" imgH="203200" progId="Equation.DSMT4">
+                    <p:embed/>
+                  </p:oleObj>
+                </mc:Choice>
+                <mc:Fallback>
+                  <p:oleObj name="Equation" r:id="rId18" imgW="241300" imgH="203200" progId="Equation.DSMT4">
+                    <p:embed/>
+                    <p:pic>
+                      <p:nvPicPr>
+                        <p:cNvPr id="0" name=""/>
+                        <p:cNvPicPr/>
+                        <p:nvPr/>
+                      </p:nvPicPr>
+                      <p:blipFill>
+                        <a:blip r:embed="rId6"/>
+                        <a:stretch>
+                          <a:fillRect/>
+                        </a:stretch>
+                      </p:blipFill>
+                      <p:spPr>
+                        <a:xfrm>
+                          <a:off x="2139775" y="1574775"/>
+                          <a:ext cx="415925" cy="349250"/>
+                        </a:xfrm>
+                        <a:prstGeom prst="rect">
+                          <a:avLst/>
+                        </a:prstGeom>
+                      </p:spPr>
+                    </p:pic>
+                  </p:oleObj>
+                </mc:Fallback>
+              </mc:AlternateContent>
+            </a:graphicData>
+          </a:graphic>
+        </p:graphicFrame>
+      </p:grpSp>
+      <p:grpSp>
+        <p:nvGrpSpPr>
+          <p:cNvPr id="48" name="组 47"/>
+          <p:cNvGrpSpPr/>
+          <p:nvPr/>
+        </p:nvGrpSpPr>
+        <p:grpSpPr>
+          <a:xfrm>
+            <a:off x="3824443" y="4073449"/>
+            <a:ext cx="537714" cy="537714"/>
+            <a:chOff x="2082212" y="1487449"/>
+            <a:chExt cx="537714" cy="537714"/>
+          </a:xfrm>
+        </p:grpSpPr>
+        <p:sp>
+          <p:nvSpPr>
+            <p:cNvPr id="49" name="椭圆 48"/>
+            <p:cNvSpPr/>
+            <p:nvPr/>
+          </p:nvSpPr>
+          <p:spPr>
+            <a:xfrm>
+              <a:off x="2082212" y="1487449"/>
+              <a:ext cx="537714" cy="537714"/>
+            </a:xfrm>
+            <a:prstGeom prst="ellipse">
+              <a:avLst/>
+            </a:prstGeom>
+          </p:spPr>
+          <p:style>
+            <a:lnRef idx="2">
+              <a:schemeClr val="dk1"/>
+            </a:lnRef>
+            <a:fillRef idx="1">
+              <a:schemeClr val="lt1"/>
+            </a:fillRef>
+            <a:effectRef idx="0">
+              <a:schemeClr val="dk1"/>
+            </a:effectRef>
+            <a:fontRef idx="minor">
+              <a:schemeClr val="dk1"/>
+            </a:fontRef>
+          </p:style>
+          <p:txBody>
+            <a:bodyPr rtlCol="0" anchor="ctr"/>
+            <a:lstStyle/>
+            <a:p>
+              <a:pPr algn="ctr"/>
+              <a:endParaRPr kumimoji="1" lang="zh-CN" altLang="en-US" dirty="0"/>
+            </a:p>
+          </p:txBody>
+        </p:sp>
+        <p:graphicFrame>
+          <p:nvGraphicFramePr>
+            <p:cNvPr id="50" name="对象 49"/>
+            <p:cNvGraphicFramePr>
+              <a:graphicFrameLocks noChangeAspect="1"/>
+            </p:cNvGraphicFramePr>
+            <p:nvPr>
+              <p:extLst>
+                <p:ext uri="{D42A27DB-BD31-4B8C-83A1-F6EECF244321}">
+                  <p14:modId xmlns:p14="http://schemas.microsoft.com/office/powerpoint/2010/main" val="3745669883"/>
+                </p:ext>
+              </p:extLst>
+            </p:nvPr>
+          </p:nvGraphicFramePr>
+          <p:xfrm>
+            <a:off x="2216599" y="1575154"/>
+            <a:ext cx="261937" cy="349250"/>
+          </p:xfrm>
+          <a:graphic>
+            <a:graphicData uri="http://schemas.openxmlformats.org/presentationml/2006/ole">
+              <mc:AlternateContent xmlns:mc="http://schemas.openxmlformats.org/markup-compatibility/2006">
+                <mc:Choice xmlns:v="urn:schemas-microsoft-com:vml" Requires="v">
+                  <p:oleObj spid="_x0000_s1054" name="Equation" r:id="rId19" imgW="152400" imgH="203200" progId="Equation.DSMT4">
+                    <p:embed/>
+                  </p:oleObj>
+                </mc:Choice>
+                <mc:Fallback>
+                  <p:oleObj name="Equation" r:id="rId19" imgW="152400" imgH="203200" progId="Equation.DSMT4">
+                    <p:embed/>
+                    <p:pic>
+                      <p:nvPicPr>
+                        <p:cNvPr id="0" name=""/>
+                        <p:cNvPicPr/>
+                        <p:nvPr/>
+                      </p:nvPicPr>
+                      <p:blipFill>
+                        <a:blip r:embed="rId8"/>
+                        <a:stretch>
+                          <a:fillRect/>
+                        </a:stretch>
+                      </p:blipFill>
+                      <p:spPr>
+                        <a:xfrm>
+                          <a:off x="2216599" y="1575154"/>
+                          <a:ext cx="261937" cy="349250"/>
+                        </a:xfrm>
+                        <a:prstGeom prst="rect">
+                          <a:avLst/>
+                        </a:prstGeom>
+                      </p:spPr>
+                    </p:pic>
+                  </p:oleObj>
+                </mc:Fallback>
+              </mc:AlternateContent>
+            </a:graphicData>
+          </a:graphic>
+        </p:graphicFrame>
+      </p:grpSp>
+      <p:grpSp>
+        <p:nvGrpSpPr>
+          <p:cNvPr id="51" name="组 50"/>
+          <p:cNvGrpSpPr/>
+          <p:nvPr/>
+        </p:nvGrpSpPr>
+        <p:grpSpPr>
+          <a:xfrm>
+            <a:off x="3824443" y="5167616"/>
+            <a:ext cx="537714" cy="537714"/>
+            <a:chOff x="2082212" y="1487449"/>
+            <a:chExt cx="537714" cy="537714"/>
+          </a:xfrm>
+        </p:grpSpPr>
+        <p:sp>
+          <p:nvSpPr>
+            <p:cNvPr id="52" name="椭圆 51"/>
+            <p:cNvSpPr/>
+            <p:nvPr/>
+          </p:nvSpPr>
+          <p:spPr>
+            <a:xfrm>
+              <a:off x="2082212" y="1487449"/>
+              <a:ext cx="537714" cy="537714"/>
+            </a:xfrm>
+            <a:prstGeom prst="ellipse">
+              <a:avLst/>
+            </a:prstGeom>
+          </p:spPr>
+          <p:style>
+            <a:lnRef idx="2">
+              <a:schemeClr val="dk1"/>
+            </a:lnRef>
+            <a:fillRef idx="1">
+              <a:schemeClr val="lt1"/>
+            </a:fillRef>
+            <a:effectRef idx="0">
+              <a:schemeClr val="dk1"/>
+            </a:effectRef>
+            <a:fontRef idx="minor">
+              <a:schemeClr val="dk1"/>
+            </a:fontRef>
+          </p:style>
+          <p:txBody>
+            <a:bodyPr rtlCol="0" anchor="ctr"/>
+            <a:lstStyle/>
+            <a:p>
+              <a:pPr algn="ctr"/>
+              <a:endParaRPr kumimoji="1" lang="zh-CN" altLang="en-US" dirty="0"/>
+            </a:p>
+          </p:txBody>
+        </p:sp>
+        <p:graphicFrame>
+          <p:nvGraphicFramePr>
+            <p:cNvPr id="53" name="对象 52"/>
+            <p:cNvGraphicFramePr>
+              <a:graphicFrameLocks noChangeAspect="1"/>
+            </p:cNvGraphicFramePr>
+            <p:nvPr>
+              <p:extLst>
+                <p:ext uri="{D42A27DB-BD31-4B8C-83A1-F6EECF244321}">
+                  <p14:modId xmlns:p14="http://schemas.microsoft.com/office/powerpoint/2010/main" val="104057728"/>
+                </p:ext>
+              </p:extLst>
+            </p:nvPr>
+          </p:nvGraphicFramePr>
+          <p:xfrm>
+            <a:off x="2216599" y="1574775"/>
+            <a:ext cx="261937" cy="349250"/>
+          </p:xfrm>
+          <a:graphic>
+            <a:graphicData uri="http://schemas.openxmlformats.org/presentationml/2006/ole">
+              <mc:AlternateContent xmlns:mc="http://schemas.openxmlformats.org/markup-compatibility/2006">
+                <mc:Choice xmlns:v="urn:schemas-microsoft-com:vml" Requires="v">
+                  <p:oleObj spid="_x0000_s1055" name="Equation" r:id="rId20" imgW="152400" imgH="203200" progId="Equation.DSMT4">
+                    <p:embed/>
+                  </p:oleObj>
+                </mc:Choice>
+                <mc:Fallback>
+                  <p:oleObj name="Equation" r:id="rId20" imgW="152400" imgH="203200" progId="Equation.DSMT4">
+                    <p:embed/>
+                    <p:pic>
+                      <p:nvPicPr>
+                        <p:cNvPr id="0" name=""/>
+                        <p:cNvPicPr/>
+                        <p:nvPr/>
+                      </p:nvPicPr>
+                      <p:blipFill>
+                        <a:blip r:embed="rId10"/>
+                        <a:stretch>
+                          <a:fillRect/>
+                        </a:stretch>
+                      </p:blipFill>
+                      <p:spPr>
+                        <a:xfrm>
+                          <a:off x="2216599" y="1574775"/>
+                          <a:ext cx="261937" cy="349250"/>
+                        </a:xfrm>
+                        <a:prstGeom prst="rect">
+                          <a:avLst/>
+                        </a:prstGeom>
+                      </p:spPr>
+                    </p:pic>
+                  </p:oleObj>
+                </mc:Fallback>
+              </mc:AlternateContent>
+            </a:graphicData>
+          </a:graphic>
+        </p:graphicFrame>
+      </p:grpSp>
+      <p:grpSp>
+        <p:nvGrpSpPr>
+          <p:cNvPr id="54" name="组 53"/>
+          <p:cNvGrpSpPr/>
+          <p:nvPr/>
+        </p:nvGrpSpPr>
+        <p:grpSpPr>
+          <a:xfrm>
+            <a:off x="4793099" y="4076978"/>
+            <a:ext cx="537714" cy="537714"/>
+            <a:chOff x="2082212" y="1487449"/>
+            <a:chExt cx="537714" cy="537714"/>
+          </a:xfrm>
+        </p:grpSpPr>
+        <p:sp>
+          <p:nvSpPr>
+            <p:cNvPr id="55" name="椭圆 54"/>
+            <p:cNvSpPr/>
+            <p:nvPr/>
+          </p:nvSpPr>
+          <p:spPr>
+            <a:xfrm>
+              <a:off x="2082212" y="1487449"/>
+              <a:ext cx="537714" cy="537714"/>
+            </a:xfrm>
+            <a:prstGeom prst="ellipse">
+              <a:avLst/>
+            </a:prstGeom>
+          </p:spPr>
+          <p:style>
+            <a:lnRef idx="2">
+              <a:schemeClr val="dk1"/>
+            </a:lnRef>
+            <a:fillRef idx="1">
+              <a:schemeClr val="lt1"/>
+            </a:fillRef>
+            <a:effectRef idx="0">
+              <a:schemeClr val="dk1"/>
+            </a:effectRef>
+            <a:fontRef idx="minor">
+              <a:schemeClr val="dk1"/>
+            </a:fontRef>
+          </p:style>
+          <p:txBody>
+            <a:bodyPr rtlCol="0" anchor="ctr"/>
+            <a:lstStyle/>
+            <a:p>
+              <a:pPr algn="ctr"/>
+              <a:endParaRPr kumimoji="1" lang="zh-CN" altLang="en-US" dirty="0"/>
+            </a:p>
+          </p:txBody>
+        </p:sp>
+        <p:graphicFrame>
+          <p:nvGraphicFramePr>
+            <p:cNvPr id="56" name="对象 55"/>
+            <p:cNvGraphicFramePr>
+              <a:graphicFrameLocks noChangeAspect="1"/>
+            </p:cNvGraphicFramePr>
+            <p:nvPr>
+              <p:extLst>
+                <p:ext uri="{D42A27DB-BD31-4B8C-83A1-F6EECF244321}">
+                  <p14:modId xmlns:p14="http://schemas.microsoft.com/office/powerpoint/2010/main" val="2529891541"/>
+                </p:ext>
+              </p:extLst>
+            </p:nvPr>
+          </p:nvGraphicFramePr>
+          <p:xfrm>
+            <a:off x="2150858" y="1574584"/>
+            <a:ext cx="393168" cy="349483"/>
+          </p:xfrm>
+          <a:graphic>
+            <a:graphicData uri="http://schemas.openxmlformats.org/presentationml/2006/ole">
+              <mc:AlternateContent xmlns:mc="http://schemas.openxmlformats.org/markup-compatibility/2006">
+                <mc:Choice xmlns:v="urn:schemas-microsoft-com:vml" Requires="v">
+                  <p:oleObj spid="_x0000_s1056" name="Equation" r:id="rId21" imgW="228600" imgH="203200" progId="Equation.DSMT4">
+                    <p:embed/>
+                  </p:oleObj>
+                </mc:Choice>
+                <mc:Fallback>
+                  <p:oleObj name="Equation" r:id="rId21" imgW="228600" imgH="203200" progId="Equation.DSMT4">
+                    <p:embed/>
+                    <p:pic>
+                      <p:nvPicPr>
+                        <p:cNvPr id="0" name=""/>
+                        <p:cNvPicPr/>
+                        <p:nvPr/>
+                      </p:nvPicPr>
+                      <p:blipFill>
+                        <a:blip r:embed="rId12"/>
+                        <a:stretch>
+                          <a:fillRect/>
+                        </a:stretch>
+                      </p:blipFill>
+                      <p:spPr>
+                        <a:xfrm>
+                          <a:off x="2150858" y="1574584"/>
+                          <a:ext cx="393168" cy="349483"/>
+                        </a:xfrm>
+                        <a:prstGeom prst="rect">
+                          <a:avLst/>
+                        </a:prstGeom>
+                      </p:spPr>
+                    </p:pic>
+                  </p:oleObj>
+                </mc:Fallback>
+              </mc:AlternateContent>
+            </a:graphicData>
+          </a:graphic>
+        </p:graphicFrame>
+      </p:grpSp>
+      <p:grpSp>
+        <p:nvGrpSpPr>
+          <p:cNvPr id="57" name="组 56"/>
+          <p:cNvGrpSpPr/>
+          <p:nvPr/>
+        </p:nvGrpSpPr>
+        <p:grpSpPr>
+          <a:xfrm>
+            <a:off x="4804540" y="5167616"/>
+            <a:ext cx="537714" cy="537714"/>
+            <a:chOff x="2082212" y="1487449"/>
+            <a:chExt cx="537714" cy="537714"/>
+          </a:xfrm>
+        </p:grpSpPr>
+        <p:sp>
+          <p:nvSpPr>
+            <p:cNvPr id="58" name="椭圆 57"/>
+            <p:cNvSpPr/>
+            <p:nvPr/>
+          </p:nvSpPr>
+          <p:spPr>
+            <a:xfrm>
+              <a:off x="2082212" y="1487449"/>
+              <a:ext cx="537714" cy="537714"/>
+            </a:xfrm>
+            <a:prstGeom prst="ellipse">
+              <a:avLst/>
+            </a:prstGeom>
+          </p:spPr>
+          <p:style>
+            <a:lnRef idx="2">
+              <a:schemeClr val="dk1"/>
+            </a:lnRef>
+            <a:fillRef idx="1">
+              <a:schemeClr val="lt1"/>
+            </a:fillRef>
+            <a:effectRef idx="0">
+              <a:schemeClr val="dk1"/>
+            </a:effectRef>
+            <a:fontRef idx="minor">
+              <a:schemeClr val="dk1"/>
+            </a:fontRef>
+          </p:style>
+          <p:txBody>
+            <a:bodyPr rtlCol="0" anchor="ctr"/>
+            <a:lstStyle/>
+            <a:p>
+              <a:pPr algn="ctr"/>
+              <a:endParaRPr kumimoji="1" lang="zh-CN" altLang="en-US" dirty="0"/>
+            </a:p>
+          </p:txBody>
+        </p:sp>
+        <p:graphicFrame>
+          <p:nvGraphicFramePr>
+            <p:cNvPr id="59" name="对象 58"/>
+            <p:cNvGraphicFramePr>
+              <a:graphicFrameLocks noChangeAspect="1"/>
+            </p:cNvGraphicFramePr>
+            <p:nvPr>
+              <p:extLst>
+                <p:ext uri="{D42A27DB-BD31-4B8C-83A1-F6EECF244321}">
+                  <p14:modId xmlns:p14="http://schemas.microsoft.com/office/powerpoint/2010/main" val="1726547928"/>
+                </p:ext>
+              </p:extLst>
+            </p:nvPr>
+          </p:nvGraphicFramePr>
+          <p:xfrm>
+            <a:off x="2140118" y="1574775"/>
+            <a:ext cx="414337" cy="349250"/>
+          </p:xfrm>
+          <a:graphic>
+            <a:graphicData uri="http://schemas.openxmlformats.org/presentationml/2006/ole">
+              <mc:AlternateContent xmlns:mc="http://schemas.openxmlformats.org/markup-compatibility/2006">
+                <mc:Choice xmlns:v="urn:schemas-microsoft-com:vml" Requires="v">
+                  <p:oleObj spid="_x0000_s1057" name="Equation" r:id="rId22" imgW="241300" imgH="203200" progId="Equation.DSMT4">
+                    <p:embed/>
+                  </p:oleObj>
+                </mc:Choice>
+                <mc:Fallback>
+                  <p:oleObj name="Equation" r:id="rId22" imgW="241300" imgH="203200" progId="Equation.DSMT4">
+                    <p:embed/>
+                    <p:pic>
+                      <p:nvPicPr>
+                        <p:cNvPr id="0" name=""/>
+                        <p:cNvPicPr/>
+                        <p:nvPr/>
+                      </p:nvPicPr>
+                      <p:blipFill>
+                        <a:blip r:embed="rId14"/>
+                        <a:stretch>
+                          <a:fillRect/>
+                        </a:stretch>
+                      </p:blipFill>
+                      <p:spPr>
+                        <a:xfrm>
+                          <a:off x="2140118" y="1574775"/>
+                          <a:ext cx="414337" cy="349250"/>
+                        </a:xfrm>
+                        <a:prstGeom prst="rect">
+                          <a:avLst/>
+                        </a:prstGeom>
+                      </p:spPr>
+                    </p:pic>
+                  </p:oleObj>
+                </mc:Fallback>
+              </mc:AlternateContent>
+            </a:graphicData>
+          </a:graphic>
+        </p:graphicFrame>
+      </p:grpSp>
+      <p:cxnSp>
+        <p:nvCxnSpPr>
+          <p:cNvPr id="60" name="直线箭头连接符 59"/>
+          <p:cNvCxnSpPr>
+            <a:stCxn id="43" idx="6"/>
+            <a:endCxn id="49" idx="2"/>
+          </p:cNvCxnSpPr>
+          <p:nvPr/>
+        </p:nvCxnSpPr>
+        <p:spPr>
+          <a:xfrm flipV="1">
+            <a:off x="3367243" y="4342306"/>
+            <a:ext cx="457200" cy="3529"/>
+          </a:xfrm>
+          <a:prstGeom prst="straightConnector1">
+            <a:avLst/>
+          </a:prstGeom>
+          <a:ln>
+            <a:solidFill>
+              <a:schemeClr val="tx1"/>
+            </a:solidFill>
+            <a:tailEnd type="arrow"/>
+          </a:ln>
+        </p:spPr>
+        <p:style>
+          <a:lnRef idx="2">
+            <a:schemeClr val="accent1"/>
+          </a:lnRef>
+          <a:fillRef idx="0">
+            <a:schemeClr val="accent1"/>
+          </a:fillRef>
+          <a:effectRef idx="1">
+            <a:schemeClr val="accent1"/>
+          </a:effectRef>
+          <a:fontRef idx="minor">
+            <a:schemeClr val="tx1"/>
+          </a:fontRef>
+        </p:style>
+      </p:cxnSp>
+      <p:cxnSp>
+        <p:nvCxnSpPr>
+          <p:cNvPr id="61" name="直线箭头连接符 60"/>
+          <p:cNvCxnSpPr>
+            <a:stCxn id="49" idx="6"/>
+            <a:endCxn id="55" idx="2"/>
+          </p:cNvCxnSpPr>
+          <p:nvPr/>
+        </p:nvCxnSpPr>
+        <p:spPr>
+          <a:xfrm>
+            <a:off x="4362157" y="4342306"/>
+            <a:ext cx="430942" cy="3529"/>
+          </a:xfrm>
+          <a:prstGeom prst="straightConnector1">
+            <a:avLst/>
+          </a:prstGeom>
+          <a:ln>
+            <a:solidFill>
+              <a:schemeClr val="tx1"/>
+            </a:solidFill>
+            <a:tailEnd type="arrow"/>
+          </a:ln>
+        </p:spPr>
+        <p:style>
+          <a:lnRef idx="2">
+            <a:schemeClr val="accent1"/>
+          </a:lnRef>
+          <a:fillRef idx="0">
+            <a:schemeClr val="accent1"/>
+          </a:fillRef>
+          <a:effectRef idx="1">
+            <a:schemeClr val="accent1"/>
+          </a:effectRef>
+          <a:fontRef idx="minor">
+            <a:schemeClr val="tx1"/>
+          </a:fontRef>
+        </p:style>
+      </p:cxnSp>
+      <p:cxnSp>
+        <p:nvCxnSpPr>
+          <p:cNvPr id="62" name="直线箭头连接符 61"/>
+          <p:cNvCxnSpPr>
+            <a:stCxn id="46" idx="0"/>
+            <a:endCxn id="43" idx="4"/>
+          </p:cNvCxnSpPr>
+          <p:nvPr/>
+        </p:nvCxnSpPr>
+        <p:spPr>
+          <a:xfrm flipV="1">
+            <a:off x="3097959" y="4614692"/>
+            <a:ext cx="427" cy="552924"/>
+          </a:xfrm>
+          <a:prstGeom prst="straightConnector1">
+            <a:avLst/>
+          </a:prstGeom>
+          <a:ln>
+            <a:solidFill>
+              <a:srgbClr val="000000"/>
+            </a:solidFill>
+            <a:tailEnd type="arrow"/>
+          </a:ln>
+        </p:spPr>
+        <p:style>
+          <a:lnRef idx="2">
+            <a:schemeClr val="accent1"/>
+          </a:lnRef>
+          <a:fillRef idx="0">
+            <a:schemeClr val="accent1"/>
+          </a:fillRef>
+          <a:effectRef idx="1">
+            <a:schemeClr val="accent1"/>
+          </a:effectRef>
+          <a:fontRef idx="minor">
+            <a:schemeClr val="tx1"/>
+          </a:fontRef>
+        </p:style>
+      </p:cxnSp>
+      <p:cxnSp>
+        <p:nvCxnSpPr>
+          <p:cNvPr id="67" name="直线箭头连接符 66"/>
+          <p:cNvCxnSpPr>
+            <a:stCxn id="52" idx="0"/>
+            <a:endCxn id="49" idx="4"/>
+          </p:cNvCxnSpPr>
+          <p:nvPr/>
+        </p:nvCxnSpPr>
+        <p:spPr>
+          <a:xfrm flipV="1">
+            <a:off x="4093300" y="4611163"/>
+            <a:ext cx="0" cy="556453"/>
+          </a:xfrm>
+          <a:prstGeom prst="straightConnector1">
+            <a:avLst/>
+          </a:prstGeom>
+          <a:ln>
+            <a:solidFill>
+              <a:srgbClr val="000000"/>
+            </a:solidFill>
+            <a:tailEnd type="arrow"/>
+          </a:ln>
+        </p:spPr>
+        <p:style>
+          <a:lnRef idx="2">
+            <a:schemeClr val="accent1"/>
+          </a:lnRef>
+          <a:fillRef idx="0">
+            <a:schemeClr val="accent1"/>
+          </a:fillRef>
+          <a:effectRef idx="1">
+            <a:schemeClr val="accent1"/>
+          </a:effectRef>
+          <a:fontRef idx="minor">
+            <a:schemeClr val="tx1"/>
+          </a:fontRef>
+        </p:style>
+      </p:cxnSp>
+      <p:cxnSp>
+        <p:nvCxnSpPr>
+          <p:cNvPr id="70" name="直线箭头连接符 69"/>
+          <p:cNvCxnSpPr>
+            <a:stCxn id="58" idx="0"/>
+            <a:endCxn id="55" idx="4"/>
+          </p:cNvCxnSpPr>
+          <p:nvPr/>
+        </p:nvCxnSpPr>
+        <p:spPr>
+          <a:xfrm flipH="1" flipV="1">
+            <a:off x="5061956" y="4614692"/>
+            <a:ext cx="11441" cy="552924"/>
+          </a:xfrm>
+          <a:prstGeom prst="straightConnector1">
+            <a:avLst/>
+          </a:prstGeom>
+          <a:ln>
+            <a:solidFill>
+              <a:srgbClr val="000000"/>
+            </a:solidFill>
+            <a:tailEnd type="arrow"/>
+          </a:ln>
+        </p:spPr>
+        <p:style>
+          <a:lnRef idx="2">
+            <a:schemeClr val="accent1"/>
+          </a:lnRef>
+          <a:fillRef idx="0">
+            <a:schemeClr val="accent1"/>
+          </a:fillRef>
+          <a:effectRef idx="1">
+            <a:schemeClr val="accent1"/>
+          </a:effectRef>
+          <a:fontRef idx="minor">
+            <a:schemeClr val="tx1"/>
+          </a:fontRef>
+        </p:style>
+      </p:cxnSp>
+      <p:grpSp>
+        <p:nvGrpSpPr>
+          <p:cNvPr id="74" name="组 73"/>
+          <p:cNvGrpSpPr/>
+          <p:nvPr/>
+        </p:nvGrpSpPr>
+        <p:grpSpPr>
+          <a:xfrm>
+            <a:off x="5254666" y="1305727"/>
+            <a:ext cx="537714" cy="537714"/>
+            <a:chOff x="2082212" y="1487449"/>
+            <a:chExt cx="537714" cy="537714"/>
+          </a:xfrm>
+        </p:grpSpPr>
+        <p:sp>
+          <p:nvSpPr>
+            <p:cNvPr id="75" name="椭圆 74"/>
+            <p:cNvSpPr/>
+            <p:nvPr/>
+          </p:nvSpPr>
+          <p:spPr>
+            <a:xfrm>
+              <a:off x="2082212" y="1487449"/>
+              <a:ext cx="537714" cy="537714"/>
+            </a:xfrm>
+            <a:prstGeom prst="ellipse">
+              <a:avLst/>
+            </a:prstGeom>
+          </p:spPr>
+          <p:style>
+            <a:lnRef idx="2">
+              <a:schemeClr val="dk1"/>
+            </a:lnRef>
+            <a:fillRef idx="1">
+              <a:schemeClr val="lt1"/>
+            </a:fillRef>
+            <a:effectRef idx="0">
+              <a:schemeClr val="dk1"/>
+            </a:effectRef>
+            <a:fontRef idx="minor">
+              <a:schemeClr val="dk1"/>
+            </a:fontRef>
+          </p:style>
+          <p:txBody>
+            <a:bodyPr rtlCol="0" anchor="ctr"/>
+            <a:lstStyle/>
+            <a:p>
+              <a:pPr algn="ctr"/>
+              <a:endParaRPr kumimoji="1" lang="zh-CN" altLang="en-US" dirty="0"/>
+            </a:p>
+          </p:txBody>
+        </p:sp>
+        <p:graphicFrame>
+          <p:nvGraphicFramePr>
+            <p:cNvPr id="76" name="对象 75"/>
+            <p:cNvGraphicFramePr>
+              <a:graphicFrameLocks noChangeAspect="1"/>
+            </p:cNvGraphicFramePr>
+            <p:nvPr>
+              <p:extLst>
+                <p:ext uri="{D42A27DB-BD31-4B8C-83A1-F6EECF244321}">
+                  <p14:modId xmlns:p14="http://schemas.microsoft.com/office/powerpoint/2010/main" val="2273876277"/>
+                </p:ext>
+              </p:extLst>
+            </p:nvPr>
+          </p:nvGraphicFramePr>
+          <p:xfrm>
+            <a:off x="2150858" y="1574584"/>
+            <a:ext cx="393168" cy="349483"/>
+          </p:xfrm>
+          <a:graphic>
+            <a:graphicData uri="http://schemas.openxmlformats.org/presentationml/2006/ole">
+              <mc:AlternateContent xmlns:mc="http://schemas.openxmlformats.org/markup-compatibility/2006">
+                <mc:Choice xmlns:v="urn:schemas-microsoft-com:vml" Requires="v">
+                  <p:oleObj spid="_x0000_s1058" name="Equation" r:id="rId23" imgW="228600" imgH="203200" progId="Equation.DSMT4">
+                    <p:embed/>
+                  </p:oleObj>
+                </mc:Choice>
+                <mc:Fallback>
+                  <p:oleObj name="Equation" r:id="rId23" imgW="228600" imgH="203200" progId="Equation.DSMT4">
+                    <p:embed/>
+                    <p:pic>
+                      <p:nvPicPr>
+                        <p:cNvPr id="0" name=""/>
+                        <p:cNvPicPr/>
+                        <p:nvPr/>
+                      </p:nvPicPr>
+                      <p:blipFill>
+                        <a:blip r:embed="rId4"/>
+                        <a:stretch>
+                          <a:fillRect/>
+                        </a:stretch>
+                      </p:blipFill>
+                      <p:spPr>
+                        <a:xfrm>
+                          <a:off x="2150858" y="1574584"/>
+                          <a:ext cx="393168" cy="349483"/>
+                        </a:xfrm>
+                        <a:prstGeom prst="rect">
+                          <a:avLst/>
+                        </a:prstGeom>
+                      </p:spPr>
+                    </p:pic>
+                  </p:oleObj>
+                </mc:Fallback>
+              </mc:AlternateContent>
+            </a:graphicData>
+          </a:graphic>
+        </p:graphicFrame>
+      </p:grpSp>
+      <p:grpSp>
+        <p:nvGrpSpPr>
+          <p:cNvPr id="77" name="组 76"/>
+          <p:cNvGrpSpPr/>
+          <p:nvPr/>
+        </p:nvGrpSpPr>
+        <p:grpSpPr>
+          <a:xfrm>
+            <a:off x="5254239" y="2396365"/>
+            <a:ext cx="537714" cy="537714"/>
+            <a:chOff x="2082212" y="1487449"/>
+            <a:chExt cx="537714" cy="537714"/>
+          </a:xfrm>
+        </p:grpSpPr>
+        <p:sp>
+          <p:nvSpPr>
+            <p:cNvPr id="78" name="椭圆 77"/>
+            <p:cNvSpPr/>
+            <p:nvPr/>
+          </p:nvSpPr>
+          <p:spPr>
+            <a:xfrm>
+              <a:off x="2082212" y="1487449"/>
+              <a:ext cx="537714" cy="537714"/>
+            </a:xfrm>
+            <a:prstGeom prst="ellipse">
+              <a:avLst/>
+            </a:prstGeom>
+          </p:spPr>
+          <p:style>
+            <a:lnRef idx="2">
+              <a:schemeClr val="dk1"/>
+            </a:lnRef>
+            <a:fillRef idx="1">
+              <a:schemeClr val="lt1"/>
+            </a:fillRef>
+            <a:effectRef idx="0">
+              <a:schemeClr val="dk1"/>
+            </a:effectRef>
+            <a:fontRef idx="minor">
+              <a:schemeClr val="dk1"/>
+            </a:fontRef>
+          </p:style>
+          <p:txBody>
+            <a:bodyPr rtlCol="0" anchor="ctr"/>
+            <a:lstStyle/>
+            <a:p>
+              <a:pPr algn="ctr"/>
+              <a:endParaRPr kumimoji="1" lang="zh-CN" altLang="en-US" dirty="0"/>
+            </a:p>
+          </p:txBody>
+        </p:sp>
+        <p:graphicFrame>
+          <p:nvGraphicFramePr>
+            <p:cNvPr id="79" name="对象 78"/>
+            <p:cNvGraphicFramePr>
+              <a:graphicFrameLocks noChangeAspect="1"/>
+            </p:cNvGraphicFramePr>
+            <p:nvPr>
+              <p:extLst>
+                <p:ext uri="{D42A27DB-BD31-4B8C-83A1-F6EECF244321}">
+                  <p14:modId xmlns:p14="http://schemas.microsoft.com/office/powerpoint/2010/main" val="63911896"/>
+                </p:ext>
+              </p:extLst>
+            </p:nvPr>
+          </p:nvGraphicFramePr>
+          <p:xfrm>
+            <a:off x="2139775" y="1574775"/>
+            <a:ext cx="415925" cy="349250"/>
+          </p:xfrm>
+          <a:graphic>
+            <a:graphicData uri="http://schemas.openxmlformats.org/presentationml/2006/ole">
+              <mc:AlternateContent xmlns:mc="http://schemas.openxmlformats.org/markup-compatibility/2006">
+                <mc:Choice xmlns:v="urn:schemas-microsoft-com:vml" Requires="v">
+                  <p:oleObj spid="_x0000_s1059" name="Equation" r:id="rId24" imgW="241300" imgH="203200" progId="Equation.DSMT4">
+                    <p:embed/>
+                  </p:oleObj>
+                </mc:Choice>
+                <mc:Fallback>
+                  <p:oleObj name="Equation" r:id="rId24" imgW="241300" imgH="203200" progId="Equation.DSMT4">
+                    <p:embed/>
+                    <p:pic>
+                      <p:nvPicPr>
+                        <p:cNvPr id="0" name=""/>
+                        <p:cNvPicPr/>
+                        <p:nvPr/>
+                      </p:nvPicPr>
+                      <p:blipFill>
+                        <a:blip r:embed="rId6"/>
+                        <a:stretch>
+                          <a:fillRect/>
+                        </a:stretch>
+                      </p:blipFill>
+                      <p:spPr>
+                        <a:xfrm>
+                          <a:off x="2139775" y="1574775"/>
+                          <a:ext cx="415925" cy="349250"/>
+                        </a:xfrm>
+                        <a:prstGeom prst="rect">
+                          <a:avLst/>
+                        </a:prstGeom>
+                      </p:spPr>
+                    </p:pic>
+                  </p:oleObj>
+                </mc:Fallback>
+              </mc:AlternateContent>
+            </a:graphicData>
+          </a:graphic>
+        </p:graphicFrame>
+      </p:grpSp>
+      <p:grpSp>
+        <p:nvGrpSpPr>
+          <p:cNvPr id="80" name="组 79"/>
+          <p:cNvGrpSpPr/>
+          <p:nvPr/>
+        </p:nvGrpSpPr>
+        <p:grpSpPr>
+          <a:xfrm>
+            <a:off x="6249580" y="1302198"/>
+            <a:ext cx="537714" cy="537714"/>
+            <a:chOff x="2082212" y="1487449"/>
+            <a:chExt cx="537714" cy="537714"/>
+          </a:xfrm>
+        </p:grpSpPr>
+        <p:sp>
+          <p:nvSpPr>
+            <p:cNvPr id="81" name="椭圆 80"/>
+            <p:cNvSpPr/>
+            <p:nvPr/>
+          </p:nvSpPr>
+          <p:spPr>
+            <a:xfrm>
+              <a:off x="2082212" y="1487449"/>
+              <a:ext cx="537714" cy="537714"/>
+            </a:xfrm>
+            <a:prstGeom prst="ellipse">
+              <a:avLst/>
+            </a:prstGeom>
+          </p:spPr>
+          <p:style>
+            <a:lnRef idx="2">
+              <a:schemeClr val="dk1"/>
+            </a:lnRef>
+            <a:fillRef idx="1">
+              <a:schemeClr val="lt1"/>
+            </a:fillRef>
+            <a:effectRef idx="0">
+              <a:schemeClr val="dk1"/>
+            </a:effectRef>
+            <a:fontRef idx="minor">
+              <a:schemeClr val="dk1"/>
+            </a:fontRef>
+          </p:style>
+          <p:txBody>
+            <a:bodyPr rtlCol="0" anchor="ctr"/>
+            <a:lstStyle/>
+            <a:p>
+              <a:pPr algn="ctr"/>
+              <a:endParaRPr kumimoji="1" lang="zh-CN" altLang="en-US" dirty="0"/>
+            </a:p>
+          </p:txBody>
+        </p:sp>
+        <p:graphicFrame>
+          <p:nvGraphicFramePr>
+            <p:cNvPr id="82" name="对象 81"/>
+            <p:cNvGraphicFramePr>
+              <a:graphicFrameLocks noChangeAspect="1"/>
+            </p:cNvGraphicFramePr>
+            <p:nvPr>
+              <p:extLst>
+                <p:ext uri="{D42A27DB-BD31-4B8C-83A1-F6EECF244321}">
+                  <p14:modId xmlns:p14="http://schemas.microsoft.com/office/powerpoint/2010/main" val="672100645"/>
+                </p:ext>
+              </p:extLst>
+            </p:nvPr>
+          </p:nvGraphicFramePr>
+          <p:xfrm>
+            <a:off x="2216599" y="1575154"/>
+            <a:ext cx="261937" cy="349250"/>
+          </p:xfrm>
+          <a:graphic>
+            <a:graphicData uri="http://schemas.openxmlformats.org/presentationml/2006/ole">
+              <mc:AlternateContent xmlns:mc="http://schemas.openxmlformats.org/markup-compatibility/2006">
+                <mc:Choice xmlns:v="urn:schemas-microsoft-com:vml" Requires="v">
+                  <p:oleObj spid="_x0000_s1060" name="Equation" r:id="rId25" imgW="152400" imgH="203200" progId="Equation.DSMT4">
+                    <p:embed/>
+                  </p:oleObj>
+                </mc:Choice>
+                <mc:Fallback>
+                  <p:oleObj name="Equation" r:id="rId25" imgW="152400" imgH="203200" progId="Equation.DSMT4">
+                    <p:embed/>
+                    <p:pic>
+                      <p:nvPicPr>
+                        <p:cNvPr id="0" name=""/>
+                        <p:cNvPicPr/>
+                        <p:nvPr/>
+                      </p:nvPicPr>
+                      <p:blipFill>
+                        <a:blip r:embed="rId8"/>
+                        <a:stretch>
+                          <a:fillRect/>
+                        </a:stretch>
+                      </p:blipFill>
+                      <p:spPr>
+                        <a:xfrm>
+                          <a:off x="2216599" y="1575154"/>
+                          <a:ext cx="261937" cy="349250"/>
+                        </a:xfrm>
+                        <a:prstGeom prst="rect">
+                          <a:avLst/>
+                        </a:prstGeom>
+                      </p:spPr>
+                    </p:pic>
+                  </p:oleObj>
+                </mc:Fallback>
+              </mc:AlternateContent>
+            </a:graphicData>
+          </a:graphic>
+        </p:graphicFrame>
+      </p:grpSp>
+      <p:grpSp>
+        <p:nvGrpSpPr>
+          <p:cNvPr id="83" name="组 82"/>
+          <p:cNvGrpSpPr/>
+          <p:nvPr/>
+        </p:nvGrpSpPr>
+        <p:grpSpPr>
+          <a:xfrm>
+            <a:off x="6249580" y="2396365"/>
+            <a:ext cx="537714" cy="537714"/>
+            <a:chOff x="2082212" y="1487449"/>
+            <a:chExt cx="537714" cy="537714"/>
+          </a:xfrm>
+        </p:grpSpPr>
+        <p:sp>
+          <p:nvSpPr>
+            <p:cNvPr id="84" name="椭圆 83"/>
+            <p:cNvSpPr/>
+            <p:nvPr/>
+          </p:nvSpPr>
+          <p:spPr>
+            <a:xfrm>
+              <a:off x="2082212" y="1487449"/>
+              <a:ext cx="537714" cy="537714"/>
+            </a:xfrm>
+            <a:prstGeom prst="ellipse">
+              <a:avLst/>
+            </a:prstGeom>
+          </p:spPr>
+          <p:style>
+            <a:lnRef idx="2">
+              <a:schemeClr val="dk1"/>
+            </a:lnRef>
+            <a:fillRef idx="1">
+              <a:schemeClr val="lt1"/>
+            </a:fillRef>
+            <a:effectRef idx="0">
+              <a:schemeClr val="dk1"/>
+            </a:effectRef>
+            <a:fontRef idx="minor">
+              <a:schemeClr val="dk1"/>
+            </a:fontRef>
+          </p:style>
+          <p:txBody>
+            <a:bodyPr rtlCol="0" anchor="ctr"/>
+            <a:lstStyle/>
+            <a:p>
+              <a:pPr algn="ctr"/>
+              <a:endParaRPr kumimoji="1" lang="zh-CN" altLang="en-US" dirty="0"/>
+            </a:p>
+          </p:txBody>
+        </p:sp>
+        <p:graphicFrame>
+          <p:nvGraphicFramePr>
+            <p:cNvPr id="85" name="对象 84"/>
+            <p:cNvGraphicFramePr>
+              <a:graphicFrameLocks noChangeAspect="1"/>
+            </p:cNvGraphicFramePr>
+            <p:nvPr>
+              <p:extLst>
+                <p:ext uri="{D42A27DB-BD31-4B8C-83A1-F6EECF244321}">
+                  <p14:modId xmlns:p14="http://schemas.microsoft.com/office/powerpoint/2010/main" val="2579535129"/>
+                </p:ext>
+              </p:extLst>
+            </p:nvPr>
+          </p:nvGraphicFramePr>
+          <p:xfrm>
+            <a:off x="2216599" y="1574775"/>
+            <a:ext cx="261937" cy="349250"/>
+          </p:xfrm>
+          <a:graphic>
+            <a:graphicData uri="http://schemas.openxmlformats.org/presentationml/2006/ole">
+              <mc:AlternateContent xmlns:mc="http://schemas.openxmlformats.org/markup-compatibility/2006">
+                <mc:Choice xmlns:v="urn:schemas-microsoft-com:vml" Requires="v">
+                  <p:oleObj spid="_x0000_s1061" name="Equation" r:id="rId26" imgW="152400" imgH="203200" progId="Equation.DSMT4">
+                    <p:embed/>
+                  </p:oleObj>
+                </mc:Choice>
+                <mc:Fallback>
+                  <p:oleObj name="Equation" r:id="rId26" imgW="152400" imgH="203200" progId="Equation.DSMT4">
+                    <p:embed/>
+                    <p:pic>
+                      <p:nvPicPr>
+                        <p:cNvPr id="0" name=""/>
+                        <p:cNvPicPr/>
+                        <p:nvPr/>
+                      </p:nvPicPr>
+                      <p:blipFill>
+                        <a:blip r:embed="rId10"/>
+                        <a:stretch>
+                          <a:fillRect/>
+                        </a:stretch>
+                      </p:blipFill>
+                      <p:spPr>
+                        <a:xfrm>
+                          <a:off x="2216599" y="1574775"/>
+                          <a:ext cx="261937" cy="349250"/>
+                        </a:xfrm>
+                        <a:prstGeom prst="rect">
+                          <a:avLst/>
+                        </a:prstGeom>
+                      </p:spPr>
+                    </p:pic>
+                  </p:oleObj>
+                </mc:Fallback>
+              </mc:AlternateContent>
+            </a:graphicData>
+          </a:graphic>
+        </p:graphicFrame>
+      </p:grpSp>
+      <p:grpSp>
+        <p:nvGrpSpPr>
+          <p:cNvPr id="86" name="组 85"/>
+          <p:cNvGrpSpPr/>
+          <p:nvPr/>
+        </p:nvGrpSpPr>
+        <p:grpSpPr>
+          <a:xfrm>
+            <a:off x="7218236" y="1305727"/>
+            <a:ext cx="537714" cy="537714"/>
+            <a:chOff x="2082212" y="1487449"/>
+            <a:chExt cx="537714" cy="537714"/>
+          </a:xfrm>
+        </p:grpSpPr>
+        <p:sp>
+          <p:nvSpPr>
+            <p:cNvPr id="87" name="椭圆 86"/>
+            <p:cNvSpPr/>
+            <p:nvPr/>
+          </p:nvSpPr>
+          <p:spPr>
+            <a:xfrm>
+              <a:off x="2082212" y="1487449"/>
+              <a:ext cx="537714" cy="537714"/>
+            </a:xfrm>
+            <a:prstGeom prst="ellipse">
+              <a:avLst/>
+            </a:prstGeom>
+          </p:spPr>
+          <p:style>
+            <a:lnRef idx="2">
+              <a:schemeClr val="dk1"/>
+            </a:lnRef>
+            <a:fillRef idx="1">
+              <a:schemeClr val="lt1"/>
+            </a:fillRef>
+            <a:effectRef idx="0">
+              <a:schemeClr val="dk1"/>
+            </a:effectRef>
+            <a:fontRef idx="minor">
+              <a:schemeClr val="dk1"/>
+            </a:fontRef>
+          </p:style>
+          <p:txBody>
+            <a:bodyPr rtlCol="0" anchor="ctr"/>
+            <a:lstStyle/>
+            <a:p>
+              <a:pPr algn="ctr"/>
+              <a:endParaRPr kumimoji="1" lang="zh-CN" altLang="en-US" dirty="0"/>
+            </a:p>
+          </p:txBody>
+        </p:sp>
+        <p:graphicFrame>
+          <p:nvGraphicFramePr>
+            <p:cNvPr id="88" name="对象 87"/>
+            <p:cNvGraphicFramePr>
+              <a:graphicFrameLocks noChangeAspect="1"/>
+            </p:cNvGraphicFramePr>
+            <p:nvPr>
+              <p:extLst>
+                <p:ext uri="{D42A27DB-BD31-4B8C-83A1-F6EECF244321}">
+                  <p14:modId xmlns:p14="http://schemas.microsoft.com/office/powerpoint/2010/main" val="951522882"/>
+                </p:ext>
+              </p:extLst>
+            </p:nvPr>
+          </p:nvGraphicFramePr>
+          <p:xfrm>
+            <a:off x="2150858" y="1574584"/>
+            <a:ext cx="393168" cy="349483"/>
+          </p:xfrm>
+          <a:graphic>
+            <a:graphicData uri="http://schemas.openxmlformats.org/presentationml/2006/ole">
+              <mc:AlternateContent xmlns:mc="http://schemas.openxmlformats.org/markup-compatibility/2006">
+                <mc:Choice xmlns:v="urn:schemas-microsoft-com:vml" Requires="v">
+                  <p:oleObj spid="_x0000_s1062" name="Equation" r:id="rId27" imgW="228600" imgH="203200" progId="Equation.DSMT4">
+                    <p:embed/>
+                  </p:oleObj>
+                </mc:Choice>
+                <mc:Fallback>
+                  <p:oleObj name="Equation" r:id="rId27" imgW="228600" imgH="203200" progId="Equation.DSMT4">
+                    <p:embed/>
+                    <p:pic>
+                      <p:nvPicPr>
+                        <p:cNvPr id="0" name=""/>
+                        <p:cNvPicPr/>
+                        <p:nvPr/>
+                      </p:nvPicPr>
+                      <p:blipFill>
+                        <a:blip r:embed="rId12"/>
+                        <a:stretch>
+                          <a:fillRect/>
+                        </a:stretch>
+                      </p:blipFill>
+                      <p:spPr>
+                        <a:xfrm>
+                          <a:off x="2150858" y="1574584"/>
+                          <a:ext cx="393168" cy="349483"/>
+                        </a:xfrm>
+                        <a:prstGeom prst="rect">
+                          <a:avLst/>
+                        </a:prstGeom>
+                      </p:spPr>
+                    </p:pic>
+                  </p:oleObj>
+                </mc:Fallback>
+              </mc:AlternateContent>
+            </a:graphicData>
+          </a:graphic>
+        </p:graphicFrame>
+      </p:grpSp>
+      <p:grpSp>
+        <p:nvGrpSpPr>
+          <p:cNvPr id="89" name="组 88"/>
+          <p:cNvGrpSpPr/>
+          <p:nvPr/>
+        </p:nvGrpSpPr>
+        <p:grpSpPr>
+          <a:xfrm>
+            <a:off x="7229677" y="2396365"/>
+            <a:ext cx="537714" cy="537714"/>
+            <a:chOff x="2082212" y="1487449"/>
+            <a:chExt cx="537714" cy="537714"/>
+          </a:xfrm>
+        </p:grpSpPr>
+        <p:sp>
+          <p:nvSpPr>
+            <p:cNvPr id="90" name="椭圆 89"/>
+            <p:cNvSpPr/>
+            <p:nvPr/>
+          </p:nvSpPr>
+          <p:spPr>
+            <a:xfrm>
+              <a:off x="2082212" y="1487449"/>
+              <a:ext cx="537714" cy="537714"/>
+            </a:xfrm>
+            <a:prstGeom prst="ellipse">
+              <a:avLst/>
+            </a:prstGeom>
+          </p:spPr>
+          <p:style>
+            <a:lnRef idx="2">
+              <a:schemeClr val="dk1"/>
+            </a:lnRef>
+            <a:fillRef idx="1">
+              <a:schemeClr val="lt1"/>
+            </a:fillRef>
+            <a:effectRef idx="0">
+              <a:schemeClr val="dk1"/>
+            </a:effectRef>
+            <a:fontRef idx="minor">
+              <a:schemeClr val="dk1"/>
+            </a:fontRef>
+          </p:style>
+          <p:txBody>
+            <a:bodyPr rtlCol="0" anchor="ctr"/>
+            <a:lstStyle/>
+            <a:p>
+              <a:pPr algn="ctr"/>
+              <a:endParaRPr kumimoji="1" lang="zh-CN" altLang="en-US" dirty="0"/>
+            </a:p>
+          </p:txBody>
+        </p:sp>
+        <p:graphicFrame>
+          <p:nvGraphicFramePr>
+            <p:cNvPr id="91" name="对象 90"/>
+            <p:cNvGraphicFramePr>
+              <a:graphicFrameLocks noChangeAspect="1"/>
+            </p:cNvGraphicFramePr>
+            <p:nvPr>
+              <p:extLst>
+                <p:ext uri="{D42A27DB-BD31-4B8C-83A1-F6EECF244321}">
+                  <p14:modId xmlns:p14="http://schemas.microsoft.com/office/powerpoint/2010/main" val="4080981130"/>
+                </p:ext>
+              </p:extLst>
+            </p:nvPr>
+          </p:nvGraphicFramePr>
+          <p:xfrm>
+            <a:off x="2140118" y="1574775"/>
+            <a:ext cx="414337" cy="349250"/>
+          </p:xfrm>
+          <a:graphic>
+            <a:graphicData uri="http://schemas.openxmlformats.org/presentationml/2006/ole">
+              <mc:AlternateContent xmlns:mc="http://schemas.openxmlformats.org/markup-compatibility/2006">
+                <mc:Choice xmlns:v="urn:schemas-microsoft-com:vml" Requires="v">
+                  <p:oleObj spid="_x0000_s1063" name="Equation" r:id="rId28" imgW="241300" imgH="203200" progId="Equation.DSMT4">
+                    <p:embed/>
+                  </p:oleObj>
+                </mc:Choice>
+                <mc:Fallback>
+                  <p:oleObj name="Equation" r:id="rId28" imgW="241300" imgH="203200" progId="Equation.DSMT4">
+                    <p:embed/>
+                    <p:pic>
+                      <p:nvPicPr>
+                        <p:cNvPr id="0" name=""/>
+                        <p:cNvPicPr/>
+                        <p:nvPr/>
+                      </p:nvPicPr>
+                      <p:blipFill>
+                        <a:blip r:embed="rId14"/>
+                        <a:stretch>
+                          <a:fillRect/>
+                        </a:stretch>
+                      </p:blipFill>
+                      <p:spPr>
+                        <a:xfrm>
+                          <a:off x="2140118" y="1574775"/>
+                          <a:ext cx="414337" cy="349250"/>
+                        </a:xfrm>
+                        <a:prstGeom prst="rect">
+                          <a:avLst/>
+                        </a:prstGeom>
+                      </p:spPr>
+                    </p:pic>
+                  </p:oleObj>
+                </mc:Fallback>
+              </mc:AlternateContent>
+            </a:graphicData>
+          </a:graphic>
+        </p:graphicFrame>
+      </p:grpSp>
+      <p:cxnSp>
+        <p:nvCxnSpPr>
+          <p:cNvPr id="98" name="直线连接符 97"/>
+          <p:cNvCxnSpPr>
+            <a:stCxn id="75" idx="6"/>
+            <a:endCxn id="81" idx="2"/>
+          </p:cNvCxnSpPr>
+          <p:nvPr/>
+        </p:nvCxnSpPr>
+        <p:spPr>
+          <a:xfrm flipV="1">
+            <a:off x="5792380" y="1571055"/>
+            <a:ext cx="457200" cy="3529"/>
+          </a:xfrm>
+          <a:prstGeom prst="line">
+            <a:avLst/>
+          </a:prstGeom>
+          <a:ln>
+            <a:solidFill>
+              <a:srgbClr val="000000"/>
+            </a:solidFill>
+          </a:ln>
+        </p:spPr>
+        <p:style>
+          <a:lnRef idx="2">
+            <a:schemeClr val="accent1"/>
+          </a:lnRef>
+          <a:fillRef idx="0">
+            <a:schemeClr val="accent1"/>
+          </a:fillRef>
+          <a:effectRef idx="1">
+            <a:schemeClr val="accent1"/>
+          </a:effectRef>
+          <a:fontRef idx="minor">
+            <a:schemeClr val="tx1"/>
+          </a:fontRef>
+        </p:style>
+      </p:cxnSp>
+      <p:cxnSp>
+        <p:nvCxnSpPr>
+          <p:cNvPr id="100" name="直线连接符 99"/>
+          <p:cNvCxnSpPr>
+            <a:stCxn id="81" idx="6"/>
+            <a:endCxn id="87" idx="2"/>
+          </p:cNvCxnSpPr>
+          <p:nvPr/>
+        </p:nvCxnSpPr>
+        <p:spPr>
+          <a:xfrm>
+            <a:off x="6787294" y="1571055"/>
+            <a:ext cx="430942" cy="3529"/>
+          </a:xfrm>
+          <a:prstGeom prst="line">
+            <a:avLst/>
+          </a:prstGeom>
+          <a:ln>
+            <a:solidFill>
+              <a:srgbClr val="000000"/>
+            </a:solidFill>
+          </a:ln>
+        </p:spPr>
+        <p:style>
+          <a:lnRef idx="2">
+            <a:schemeClr val="accent1"/>
+          </a:lnRef>
+          <a:fillRef idx="0">
+            <a:schemeClr val="accent1"/>
+          </a:fillRef>
+          <a:effectRef idx="1">
+            <a:schemeClr val="accent1"/>
+          </a:effectRef>
+          <a:fontRef idx="minor">
+            <a:schemeClr val="tx1"/>
+          </a:fontRef>
+        </p:style>
+      </p:cxnSp>
+      <p:cxnSp>
+        <p:nvCxnSpPr>
+          <p:cNvPr id="103" name="直线连接符 102"/>
+          <p:cNvCxnSpPr>
+            <a:stCxn id="75" idx="4"/>
+            <a:endCxn id="78" idx="0"/>
+          </p:cNvCxnSpPr>
+          <p:nvPr/>
+        </p:nvCxnSpPr>
+        <p:spPr>
+          <a:xfrm flipH="1">
+            <a:off x="5523096" y="1843441"/>
+            <a:ext cx="427" cy="552924"/>
+          </a:xfrm>
+          <a:prstGeom prst="line">
+            <a:avLst/>
+          </a:prstGeom>
+          <a:ln>
+            <a:solidFill>
+              <a:srgbClr val="000000"/>
+            </a:solidFill>
+          </a:ln>
+        </p:spPr>
+        <p:style>
+          <a:lnRef idx="2">
+            <a:schemeClr val="accent1"/>
+          </a:lnRef>
+          <a:fillRef idx="0">
+            <a:schemeClr val="accent1"/>
+          </a:fillRef>
+          <a:effectRef idx="1">
+            <a:schemeClr val="accent1"/>
+          </a:effectRef>
+          <a:fontRef idx="minor">
+            <a:schemeClr val="tx1"/>
+          </a:fontRef>
+        </p:style>
+      </p:cxnSp>
+      <p:cxnSp>
+        <p:nvCxnSpPr>
+          <p:cNvPr id="106" name="直线连接符 105"/>
+          <p:cNvCxnSpPr>
+            <a:stCxn id="84" idx="0"/>
+            <a:endCxn id="81" idx="4"/>
+          </p:cNvCxnSpPr>
+          <p:nvPr/>
+        </p:nvCxnSpPr>
+        <p:spPr>
+          <a:xfrm flipV="1">
+            <a:off x="6518437" y="1839912"/>
+            <a:ext cx="0" cy="556453"/>
+          </a:xfrm>
+          <a:prstGeom prst="line">
+            <a:avLst/>
+          </a:prstGeom>
+          <a:ln>
+            <a:solidFill>
+              <a:srgbClr val="000000"/>
+            </a:solidFill>
+          </a:ln>
+        </p:spPr>
+        <p:style>
+          <a:lnRef idx="2">
+            <a:schemeClr val="accent1"/>
+          </a:lnRef>
+          <a:fillRef idx="0">
+            <a:schemeClr val="accent1"/>
+          </a:fillRef>
+          <a:effectRef idx="1">
+            <a:schemeClr val="accent1"/>
+          </a:effectRef>
+          <a:fontRef idx="minor">
+            <a:schemeClr val="tx1"/>
+          </a:fontRef>
+        </p:style>
+      </p:cxnSp>
+      <p:cxnSp>
+        <p:nvCxnSpPr>
+          <p:cNvPr id="109" name="直线连接符 108"/>
+          <p:cNvCxnSpPr>
+            <a:stCxn id="90" idx="0"/>
+            <a:endCxn id="87" idx="4"/>
+          </p:cNvCxnSpPr>
+          <p:nvPr/>
+        </p:nvCxnSpPr>
+        <p:spPr>
+          <a:xfrm flipH="1" flipV="1">
+            <a:off x="7487093" y="1843441"/>
+            <a:ext cx="11441" cy="552924"/>
+          </a:xfrm>
+          <a:prstGeom prst="line">
+            <a:avLst/>
+          </a:prstGeom>
+          <a:ln>
+            <a:solidFill>
+              <a:srgbClr val="000000"/>
+            </a:solidFill>
+          </a:ln>
+        </p:spPr>
+        <p:style>
+          <a:lnRef idx="2">
+            <a:schemeClr val="accent1"/>
+          </a:lnRef>
+          <a:fillRef idx="0">
+            <a:schemeClr val="accent1"/>
+          </a:fillRef>
+          <a:effectRef idx="1">
+            <a:schemeClr val="accent1"/>
+          </a:effectRef>
+          <a:fontRef idx="minor">
+            <a:schemeClr val="tx1"/>
+          </a:fontRef>
+        </p:style>
+      </p:cxnSp>
+    </p:spTree>
+    <p:extLst>
+      <p:ext uri="{BB962C8B-B14F-4D97-AF65-F5344CB8AC3E}">
+        <p14:creationId xmlns:p14="http://schemas.microsoft.com/office/powerpoint/2010/main" val="362485860"/>
       </p:ext>
     </p:extLst>
   </p:cSld>

--- a/latex/figures/graphs.pptx
+++ b/latex/figures/graphs.pptx
@@ -4950,7 +4950,7 @@
             <a:graphicData uri="http://schemas.openxmlformats.org/presentationml/2006/ole">
               <mc:AlternateContent xmlns:mc="http://schemas.openxmlformats.org/markup-compatibility/2006">
                 <mc:Choice xmlns:v="urn:schemas-microsoft-com:vml" Requires="v">
-                  <p:oleObj spid="_x0000_s1045" name="Equation" r:id="rId3" imgW="228600" imgH="203200" progId="Equation.DSMT4">
+                  <p:oleObj spid="_x0000_s1083" name="Equation" r:id="rId3" imgW="228600" imgH="203200" progId="Equation.DSMT4">
                     <p:embed/>
                   </p:oleObj>
                 </mc:Choice>
@@ -5060,7 +5060,7 @@
             <a:graphicData uri="http://schemas.openxmlformats.org/presentationml/2006/ole">
               <mc:AlternateContent xmlns:mc="http://schemas.openxmlformats.org/markup-compatibility/2006">
                 <mc:Choice xmlns:v="urn:schemas-microsoft-com:vml" Requires="v">
-                  <p:oleObj spid="_x0000_s1046" name="Equation" r:id="rId5" imgW="241300" imgH="203200" progId="Equation.DSMT4">
+                  <p:oleObj spid="_x0000_s1084" name="Equation" r:id="rId5" imgW="241300" imgH="203200" progId="Equation.DSMT4">
                     <p:embed/>
                   </p:oleObj>
                 </mc:Choice>
@@ -5170,7 +5170,7 @@
             <a:graphicData uri="http://schemas.openxmlformats.org/presentationml/2006/ole">
               <mc:AlternateContent xmlns:mc="http://schemas.openxmlformats.org/markup-compatibility/2006">
                 <mc:Choice xmlns:v="urn:schemas-microsoft-com:vml" Requires="v">
-                  <p:oleObj spid="_x0000_s1047" name="Equation" r:id="rId7" imgW="152400" imgH="203200" progId="Equation.DSMT4">
+                  <p:oleObj spid="_x0000_s1085" name="Equation" r:id="rId7" imgW="152400" imgH="203200" progId="Equation.DSMT4">
                     <p:embed/>
                   </p:oleObj>
                 </mc:Choice>
@@ -5280,7 +5280,7 @@
             <a:graphicData uri="http://schemas.openxmlformats.org/presentationml/2006/ole">
               <mc:AlternateContent xmlns:mc="http://schemas.openxmlformats.org/markup-compatibility/2006">
                 <mc:Choice xmlns:v="urn:schemas-microsoft-com:vml" Requires="v">
-                  <p:oleObj spid="_x0000_s1048" name="Equation" r:id="rId9" imgW="152400" imgH="203200" progId="Equation.DSMT4">
+                  <p:oleObj spid="_x0000_s1086" name="Equation" r:id="rId9" imgW="152400" imgH="203200" progId="Equation.DSMT4">
                     <p:embed/>
                   </p:oleObj>
                 </mc:Choice>
@@ -5390,7 +5390,7 @@
             <a:graphicData uri="http://schemas.openxmlformats.org/presentationml/2006/ole">
               <mc:AlternateContent xmlns:mc="http://schemas.openxmlformats.org/markup-compatibility/2006">
                 <mc:Choice xmlns:v="urn:schemas-microsoft-com:vml" Requires="v">
-                  <p:oleObj spid="_x0000_s1049" name="Equation" r:id="rId11" imgW="228600" imgH="203200" progId="Equation.DSMT4">
+                  <p:oleObj spid="_x0000_s1087" name="Equation" r:id="rId11" imgW="228600" imgH="203200" progId="Equation.DSMT4">
                     <p:embed/>
                   </p:oleObj>
                 </mc:Choice>
@@ -5500,7 +5500,7 @@
             <a:graphicData uri="http://schemas.openxmlformats.org/presentationml/2006/ole">
               <mc:AlternateContent xmlns:mc="http://schemas.openxmlformats.org/markup-compatibility/2006">
                 <mc:Choice xmlns:v="urn:schemas-microsoft-com:vml" Requires="v">
-                  <p:oleObj spid="_x0000_s1050" name="Equation" r:id="rId13" imgW="241300" imgH="203200" progId="Equation.DSMT4">
+                  <p:oleObj spid="_x0000_s1088" name="Equation" r:id="rId13" imgW="241300" imgH="203200" progId="Equation.DSMT4">
                     <p:embed/>
                   </p:oleObj>
                 </mc:Choice>
@@ -5753,7 +5753,7 @@
           <a:graphicData uri="http://schemas.openxmlformats.org/presentationml/2006/ole">
             <mc:AlternateContent xmlns:mc="http://schemas.openxmlformats.org/markup-compatibility/2006">
               <mc:Choice xmlns:v="urn:schemas-microsoft-com:vml" Requires="v">
-                <p:oleObj spid="_x0000_s1051" name="Equation" r:id="rId15" imgW="114300" imgH="165100" progId="Equation.DSMT4">
+                <p:oleObj spid="_x0000_s1089" name="Equation" r:id="rId15" imgW="114300" imgH="165100" progId="Equation.DSMT4">
                   <p:embed/>
                 </p:oleObj>
               </mc:Choice>
@@ -5862,7 +5862,7 @@
             <a:graphicData uri="http://schemas.openxmlformats.org/presentationml/2006/ole">
               <mc:AlternateContent xmlns:mc="http://schemas.openxmlformats.org/markup-compatibility/2006">
                 <mc:Choice xmlns:v="urn:schemas-microsoft-com:vml" Requires="v">
-                  <p:oleObj spid="_x0000_s1052" name="Equation" r:id="rId17" imgW="228600" imgH="203200" progId="Equation.DSMT4">
+                  <p:oleObj spid="_x0000_s1090" name="Equation" r:id="rId17" imgW="228600" imgH="203200" progId="Equation.DSMT4">
                     <p:embed/>
                   </p:oleObj>
                 </mc:Choice>
@@ -5972,7 +5972,7 @@
             <a:graphicData uri="http://schemas.openxmlformats.org/presentationml/2006/ole">
               <mc:AlternateContent xmlns:mc="http://schemas.openxmlformats.org/markup-compatibility/2006">
                 <mc:Choice xmlns:v="urn:schemas-microsoft-com:vml" Requires="v">
-                  <p:oleObj spid="_x0000_s1053" name="Equation" r:id="rId18" imgW="241300" imgH="203200" progId="Equation.DSMT4">
+                  <p:oleObj spid="_x0000_s1091" name="Equation" r:id="rId18" imgW="241300" imgH="203200" progId="Equation.DSMT4">
                     <p:embed/>
                   </p:oleObj>
                 </mc:Choice>
@@ -6082,7 +6082,7 @@
             <a:graphicData uri="http://schemas.openxmlformats.org/presentationml/2006/ole">
               <mc:AlternateContent xmlns:mc="http://schemas.openxmlformats.org/markup-compatibility/2006">
                 <mc:Choice xmlns:v="urn:schemas-microsoft-com:vml" Requires="v">
-                  <p:oleObj spid="_x0000_s1054" name="Equation" r:id="rId19" imgW="152400" imgH="203200" progId="Equation.DSMT4">
+                  <p:oleObj spid="_x0000_s1092" name="Equation" r:id="rId19" imgW="152400" imgH="203200" progId="Equation.DSMT4">
                     <p:embed/>
                   </p:oleObj>
                 </mc:Choice>
@@ -6192,7 +6192,7 @@
             <a:graphicData uri="http://schemas.openxmlformats.org/presentationml/2006/ole">
               <mc:AlternateContent xmlns:mc="http://schemas.openxmlformats.org/markup-compatibility/2006">
                 <mc:Choice xmlns:v="urn:schemas-microsoft-com:vml" Requires="v">
-                  <p:oleObj spid="_x0000_s1055" name="Equation" r:id="rId20" imgW="152400" imgH="203200" progId="Equation.DSMT4">
+                  <p:oleObj spid="_x0000_s1093" name="Equation" r:id="rId20" imgW="152400" imgH="203200" progId="Equation.DSMT4">
                     <p:embed/>
                   </p:oleObj>
                 </mc:Choice>
@@ -6302,7 +6302,7 @@
             <a:graphicData uri="http://schemas.openxmlformats.org/presentationml/2006/ole">
               <mc:AlternateContent xmlns:mc="http://schemas.openxmlformats.org/markup-compatibility/2006">
                 <mc:Choice xmlns:v="urn:schemas-microsoft-com:vml" Requires="v">
-                  <p:oleObj spid="_x0000_s1056" name="Equation" r:id="rId21" imgW="228600" imgH="203200" progId="Equation.DSMT4">
+                  <p:oleObj spid="_x0000_s1094" name="Equation" r:id="rId21" imgW="228600" imgH="203200" progId="Equation.DSMT4">
                     <p:embed/>
                   </p:oleObj>
                 </mc:Choice>
@@ -6412,7 +6412,7 @@
             <a:graphicData uri="http://schemas.openxmlformats.org/presentationml/2006/ole">
               <mc:AlternateContent xmlns:mc="http://schemas.openxmlformats.org/markup-compatibility/2006">
                 <mc:Choice xmlns:v="urn:schemas-microsoft-com:vml" Requires="v">
-                  <p:oleObj spid="_x0000_s1057" name="Equation" r:id="rId22" imgW="241300" imgH="203200" progId="Equation.DSMT4">
+                  <p:oleObj spid="_x0000_s1095" name="Equation" r:id="rId22" imgW="241300" imgH="203200" progId="Equation.DSMT4">
                     <p:embed/>
                   </p:oleObj>
                 </mc:Choice>
@@ -6717,7 +6717,7 @@
             <a:graphicData uri="http://schemas.openxmlformats.org/presentationml/2006/ole">
               <mc:AlternateContent xmlns:mc="http://schemas.openxmlformats.org/markup-compatibility/2006">
                 <mc:Choice xmlns:v="urn:schemas-microsoft-com:vml" Requires="v">
-                  <p:oleObj spid="_x0000_s1058" name="Equation" r:id="rId23" imgW="228600" imgH="203200" progId="Equation.DSMT4">
+                  <p:oleObj spid="_x0000_s1096" name="Equation" r:id="rId23" imgW="228600" imgH="203200" progId="Equation.DSMT4">
                     <p:embed/>
                   </p:oleObj>
                 </mc:Choice>
@@ -6827,7 +6827,7 @@
             <a:graphicData uri="http://schemas.openxmlformats.org/presentationml/2006/ole">
               <mc:AlternateContent xmlns:mc="http://schemas.openxmlformats.org/markup-compatibility/2006">
                 <mc:Choice xmlns:v="urn:schemas-microsoft-com:vml" Requires="v">
-                  <p:oleObj spid="_x0000_s1059" name="Equation" r:id="rId24" imgW="241300" imgH="203200" progId="Equation.DSMT4">
+                  <p:oleObj spid="_x0000_s1097" name="Equation" r:id="rId24" imgW="241300" imgH="203200" progId="Equation.DSMT4">
                     <p:embed/>
                   </p:oleObj>
                 </mc:Choice>
@@ -6937,7 +6937,7 @@
             <a:graphicData uri="http://schemas.openxmlformats.org/presentationml/2006/ole">
               <mc:AlternateContent xmlns:mc="http://schemas.openxmlformats.org/markup-compatibility/2006">
                 <mc:Choice xmlns:v="urn:schemas-microsoft-com:vml" Requires="v">
-                  <p:oleObj spid="_x0000_s1060" name="Equation" r:id="rId25" imgW="152400" imgH="203200" progId="Equation.DSMT4">
+                  <p:oleObj spid="_x0000_s1098" name="Equation" r:id="rId25" imgW="152400" imgH="203200" progId="Equation.DSMT4">
                     <p:embed/>
                   </p:oleObj>
                 </mc:Choice>
@@ -7047,7 +7047,7 @@
             <a:graphicData uri="http://schemas.openxmlformats.org/presentationml/2006/ole">
               <mc:AlternateContent xmlns:mc="http://schemas.openxmlformats.org/markup-compatibility/2006">
                 <mc:Choice xmlns:v="urn:schemas-microsoft-com:vml" Requires="v">
-                  <p:oleObj spid="_x0000_s1061" name="Equation" r:id="rId26" imgW="152400" imgH="203200" progId="Equation.DSMT4">
+                  <p:oleObj spid="_x0000_s1099" name="Equation" r:id="rId26" imgW="152400" imgH="203200" progId="Equation.DSMT4">
                     <p:embed/>
                   </p:oleObj>
                 </mc:Choice>
@@ -7157,7 +7157,7 @@
             <a:graphicData uri="http://schemas.openxmlformats.org/presentationml/2006/ole">
               <mc:AlternateContent xmlns:mc="http://schemas.openxmlformats.org/markup-compatibility/2006">
                 <mc:Choice xmlns:v="urn:schemas-microsoft-com:vml" Requires="v">
-                  <p:oleObj spid="_x0000_s1062" name="Equation" r:id="rId27" imgW="228600" imgH="203200" progId="Equation.DSMT4">
+                  <p:oleObj spid="_x0000_s1100" name="Equation" r:id="rId27" imgW="228600" imgH="203200" progId="Equation.DSMT4">
                     <p:embed/>
                   </p:oleObj>
                 </mc:Choice>
@@ -7254,7 +7254,7 @@
             <p:nvPr>
               <p:extLst>
                 <p:ext uri="{D42A27DB-BD31-4B8C-83A1-F6EECF244321}">
-                  <p14:modId xmlns:p14="http://schemas.microsoft.com/office/powerpoint/2010/main" val="4080981130"/>
+                  <p14:modId xmlns:p14="http://schemas.microsoft.com/office/powerpoint/2010/main" val="1859835563"/>
                 </p:ext>
               </p:extLst>
             </p:nvPr>
@@ -7267,7 +7267,7 @@
             <a:graphicData uri="http://schemas.openxmlformats.org/presentationml/2006/ole">
               <mc:AlternateContent xmlns:mc="http://schemas.openxmlformats.org/markup-compatibility/2006">
                 <mc:Choice xmlns:v="urn:schemas-microsoft-com:vml" Requires="v">
-                  <p:oleObj spid="_x0000_s1063" name="Equation" r:id="rId28" imgW="241300" imgH="203200" progId="Equation.DSMT4">
+                  <p:oleObj spid="_x0000_s1101" name="Equation" r:id="rId28" imgW="241300" imgH="203200" progId="Equation.DSMT4">
                     <p:embed/>
                   </p:oleObj>
                 </mc:Choice>

--- a/latex/figures/graphs.pptx
+++ b/latex/figures/graphs.pptx
@@ -8,6 +8,7 @@
     <p:sldId id="256" r:id="rId2"/>
     <p:sldId id="257" r:id="rId3"/>
     <p:sldId id="258" r:id="rId4"/>
+    <p:sldId id="259" r:id="rId5"/>
   </p:sldIdLst>
   <p:sldSz cx="9144000" cy="6858000" type="screen4x3"/>
   <p:notesSz cx="6858000" cy="9144000"/>
@@ -290,7 +291,7 @@
           <a:p>
             <a:fld id="{9424164B-0ACF-0049-B67E-58383D80E56C}" type="datetimeFigureOut">
               <a:rPr kumimoji="1" lang="zh-CN" altLang="en-US" smtClean="0"/>
-              <a:t>5/24/14</a:t>
+              <a:t>5/27/14</a:t>
             </a:fld>
             <a:endParaRPr kumimoji="1" lang="zh-CN" altLang="en-US"/>
           </a:p>
@@ -460,7 +461,7 @@
           <a:p>
             <a:fld id="{9424164B-0ACF-0049-B67E-58383D80E56C}" type="datetimeFigureOut">
               <a:rPr kumimoji="1" lang="zh-CN" altLang="en-US" smtClean="0"/>
-              <a:t>5/24/14</a:t>
+              <a:t>5/27/14</a:t>
             </a:fld>
             <a:endParaRPr kumimoji="1" lang="zh-CN" altLang="en-US"/>
           </a:p>
@@ -640,7 +641,7 @@
           <a:p>
             <a:fld id="{9424164B-0ACF-0049-B67E-58383D80E56C}" type="datetimeFigureOut">
               <a:rPr kumimoji="1" lang="zh-CN" altLang="en-US" smtClean="0"/>
-              <a:t>5/24/14</a:t>
+              <a:t>5/27/14</a:t>
             </a:fld>
             <a:endParaRPr kumimoji="1" lang="zh-CN" altLang="en-US"/>
           </a:p>
@@ -810,7 +811,7 @@
           <a:p>
             <a:fld id="{9424164B-0ACF-0049-B67E-58383D80E56C}" type="datetimeFigureOut">
               <a:rPr kumimoji="1" lang="zh-CN" altLang="en-US" smtClean="0"/>
-              <a:t>5/24/14</a:t>
+              <a:t>5/27/14</a:t>
             </a:fld>
             <a:endParaRPr kumimoji="1" lang="zh-CN" altLang="en-US"/>
           </a:p>
@@ -1056,7 +1057,7 @@
           <a:p>
             <a:fld id="{9424164B-0ACF-0049-B67E-58383D80E56C}" type="datetimeFigureOut">
               <a:rPr kumimoji="1" lang="zh-CN" altLang="en-US" smtClean="0"/>
-              <a:t>5/24/14</a:t>
+              <a:t>5/27/14</a:t>
             </a:fld>
             <a:endParaRPr kumimoji="1" lang="zh-CN" altLang="en-US"/>
           </a:p>
@@ -1344,7 +1345,7 @@
           <a:p>
             <a:fld id="{9424164B-0ACF-0049-B67E-58383D80E56C}" type="datetimeFigureOut">
               <a:rPr kumimoji="1" lang="zh-CN" altLang="en-US" smtClean="0"/>
-              <a:t>5/24/14</a:t>
+              <a:t>5/27/14</a:t>
             </a:fld>
             <a:endParaRPr kumimoji="1" lang="zh-CN" altLang="en-US"/>
           </a:p>
@@ -1766,7 +1767,7 @@
           <a:p>
             <a:fld id="{9424164B-0ACF-0049-B67E-58383D80E56C}" type="datetimeFigureOut">
               <a:rPr kumimoji="1" lang="zh-CN" altLang="en-US" smtClean="0"/>
-              <a:t>5/24/14</a:t>
+              <a:t>5/27/14</a:t>
             </a:fld>
             <a:endParaRPr kumimoji="1" lang="zh-CN" altLang="en-US"/>
           </a:p>
@@ -1884,7 +1885,7 @@
           <a:p>
             <a:fld id="{9424164B-0ACF-0049-B67E-58383D80E56C}" type="datetimeFigureOut">
               <a:rPr kumimoji="1" lang="zh-CN" altLang="en-US" smtClean="0"/>
-              <a:t>5/24/14</a:t>
+              <a:t>5/27/14</a:t>
             </a:fld>
             <a:endParaRPr kumimoji="1" lang="zh-CN" altLang="en-US"/>
           </a:p>
@@ -1979,7 +1980,7 @@
           <a:p>
             <a:fld id="{9424164B-0ACF-0049-B67E-58383D80E56C}" type="datetimeFigureOut">
               <a:rPr kumimoji="1" lang="zh-CN" altLang="en-US" smtClean="0"/>
-              <a:t>5/24/14</a:t>
+              <a:t>5/27/14</a:t>
             </a:fld>
             <a:endParaRPr kumimoji="1" lang="zh-CN" altLang="en-US"/>
           </a:p>
@@ -2256,7 +2257,7 @@
           <a:p>
             <a:fld id="{9424164B-0ACF-0049-B67E-58383D80E56C}" type="datetimeFigureOut">
               <a:rPr kumimoji="1" lang="zh-CN" altLang="en-US" smtClean="0"/>
-              <a:t>5/24/14</a:t>
+              <a:t>5/27/14</a:t>
             </a:fld>
             <a:endParaRPr kumimoji="1" lang="zh-CN" altLang="en-US"/>
           </a:p>
@@ -2509,7 +2510,7 @@
           <a:p>
             <a:fld id="{9424164B-0ACF-0049-B67E-58383D80E56C}" type="datetimeFigureOut">
               <a:rPr kumimoji="1" lang="zh-CN" altLang="en-US" smtClean="0"/>
-              <a:t>5/24/14</a:t>
+              <a:t>5/27/14</a:t>
             </a:fld>
             <a:endParaRPr kumimoji="1" lang="zh-CN" altLang="en-US"/>
           </a:p>
@@ -2722,7 +2723,7 @@
           <a:p>
             <a:fld id="{9424164B-0ACF-0049-B67E-58383D80E56C}" type="datetimeFigureOut">
               <a:rPr kumimoji="1" lang="zh-CN" altLang="en-US" smtClean="0"/>
-              <a:t>5/24/14</a:t>
+              <a:t>5/27/14</a:t>
             </a:fld>
             <a:endParaRPr kumimoji="1" lang="zh-CN" altLang="en-US"/>
           </a:p>
@@ -4950,7 +4951,7 @@
             <a:graphicData uri="http://schemas.openxmlformats.org/presentationml/2006/ole">
               <mc:AlternateContent xmlns:mc="http://schemas.openxmlformats.org/markup-compatibility/2006">
                 <mc:Choice xmlns:v="urn:schemas-microsoft-com:vml" Requires="v">
-                  <p:oleObj spid="_x0000_s1083" name="Equation" r:id="rId3" imgW="228600" imgH="203200" progId="Equation.DSMT4">
+                  <p:oleObj spid="_x0000_s1236" name="Equation" r:id="rId3" imgW="228600" imgH="203200" progId="Equation.DSMT4">
                     <p:embed/>
                   </p:oleObj>
                 </mc:Choice>
@@ -5060,7 +5061,7 @@
             <a:graphicData uri="http://schemas.openxmlformats.org/presentationml/2006/ole">
               <mc:AlternateContent xmlns:mc="http://schemas.openxmlformats.org/markup-compatibility/2006">
                 <mc:Choice xmlns:v="urn:schemas-microsoft-com:vml" Requires="v">
-                  <p:oleObj spid="_x0000_s1084" name="Equation" r:id="rId5" imgW="241300" imgH="203200" progId="Equation.DSMT4">
+                  <p:oleObj spid="_x0000_s1237" name="Equation" r:id="rId5" imgW="241300" imgH="203200" progId="Equation.DSMT4">
                     <p:embed/>
                   </p:oleObj>
                 </mc:Choice>
@@ -5170,7 +5171,7 @@
             <a:graphicData uri="http://schemas.openxmlformats.org/presentationml/2006/ole">
               <mc:AlternateContent xmlns:mc="http://schemas.openxmlformats.org/markup-compatibility/2006">
                 <mc:Choice xmlns:v="urn:schemas-microsoft-com:vml" Requires="v">
-                  <p:oleObj spid="_x0000_s1085" name="Equation" r:id="rId7" imgW="152400" imgH="203200" progId="Equation.DSMT4">
+                  <p:oleObj spid="_x0000_s1238" name="Equation" r:id="rId7" imgW="152400" imgH="203200" progId="Equation.DSMT4">
                     <p:embed/>
                   </p:oleObj>
                 </mc:Choice>
@@ -5280,7 +5281,7 @@
             <a:graphicData uri="http://schemas.openxmlformats.org/presentationml/2006/ole">
               <mc:AlternateContent xmlns:mc="http://schemas.openxmlformats.org/markup-compatibility/2006">
                 <mc:Choice xmlns:v="urn:schemas-microsoft-com:vml" Requires="v">
-                  <p:oleObj spid="_x0000_s1086" name="Equation" r:id="rId9" imgW="152400" imgH="203200" progId="Equation.DSMT4">
+                  <p:oleObj spid="_x0000_s1239" name="Equation" r:id="rId9" imgW="152400" imgH="203200" progId="Equation.DSMT4">
                     <p:embed/>
                   </p:oleObj>
                 </mc:Choice>
@@ -5390,7 +5391,7 @@
             <a:graphicData uri="http://schemas.openxmlformats.org/presentationml/2006/ole">
               <mc:AlternateContent xmlns:mc="http://schemas.openxmlformats.org/markup-compatibility/2006">
                 <mc:Choice xmlns:v="urn:schemas-microsoft-com:vml" Requires="v">
-                  <p:oleObj spid="_x0000_s1087" name="Equation" r:id="rId11" imgW="228600" imgH="203200" progId="Equation.DSMT4">
+                  <p:oleObj spid="_x0000_s1240" name="Equation" r:id="rId11" imgW="228600" imgH="203200" progId="Equation.DSMT4">
                     <p:embed/>
                   </p:oleObj>
                 </mc:Choice>
@@ -5500,7 +5501,7 @@
             <a:graphicData uri="http://schemas.openxmlformats.org/presentationml/2006/ole">
               <mc:AlternateContent xmlns:mc="http://schemas.openxmlformats.org/markup-compatibility/2006">
                 <mc:Choice xmlns:v="urn:schemas-microsoft-com:vml" Requires="v">
-                  <p:oleObj spid="_x0000_s1088" name="Equation" r:id="rId13" imgW="241300" imgH="203200" progId="Equation.DSMT4">
+                  <p:oleObj spid="_x0000_s1241" name="Equation" r:id="rId13" imgW="241300" imgH="203200" progId="Equation.DSMT4">
                     <p:embed/>
                   </p:oleObj>
                 </mc:Choice>
@@ -5753,7 +5754,7 @@
           <a:graphicData uri="http://schemas.openxmlformats.org/presentationml/2006/ole">
             <mc:AlternateContent xmlns:mc="http://schemas.openxmlformats.org/markup-compatibility/2006">
               <mc:Choice xmlns:v="urn:schemas-microsoft-com:vml" Requires="v">
-                <p:oleObj spid="_x0000_s1089" name="Equation" r:id="rId15" imgW="114300" imgH="165100" progId="Equation.DSMT4">
+                <p:oleObj spid="_x0000_s1242" name="Equation" r:id="rId15" imgW="114300" imgH="165100" progId="Equation.DSMT4">
                   <p:embed/>
                 </p:oleObj>
               </mc:Choice>
@@ -5862,7 +5863,7 @@
             <a:graphicData uri="http://schemas.openxmlformats.org/presentationml/2006/ole">
               <mc:AlternateContent xmlns:mc="http://schemas.openxmlformats.org/markup-compatibility/2006">
                 <mc:Choice xmlns:v="urn:schemas-microsoft-com:vml" Requires="v">
-                  <p:oleObj spid="_x0000_s1090" name="Equation" r:id="rId17" imgW="228600" imgH="203200" progId="Equation.DSMT4">
+                  <p:oleObj spid="_x0000_s1243" name="Equation" r:id="rId17" imgW="228600" imgH="203200" progId="Equation.DSMT4">
                     <p:embed/>
                   </p:oleObj>
                 </mc:Choice>
@@ -5972,7 +5973,7 @@
             <a:graphicData uri="http://schemas.openxmlformats.org/presentationml/2006/ole">
               <mc:AlternateContent xmlns:mc="http://schemas.openxmlformats.org/markup-compatibility/2006">
                 <mc:Choice xmlns:v="urn:schemas-microsoft-com:vml" Requires="v">
-                  <p:oleObj spid="_x0000_s1091" name="Equation" r:id="rId18" imgW="241300" imgH="203200" progId="Equation.DSMT4">
+                  <p:oleObj spid="_x0000_s1244" name="Equation" r:id="rId18" imgW="241300" imgH="203200" progId="Equation.DSMT4">
                     <p:embed/>
                   </p:oleObj>
                 </mc:Choice>
@@ -6082,7 +6083,7 @@
             <a:graphicData uri="http://schemas.openxmlformats.org/presentationml/2006/ole">
               <mc:AlternateContent xmlns:mc="http://schemas.openxmlformats.org/markup-compatibility/2006">
                 <mc:Choice xmlns:v="urn:schemas-microsoft-com:vml" Requires="v">
-                  <p:oleObj spid="_x0000_s1092" name="Equation" r:id="rId19" imgW="152400" imgH="203200" progId="Equation.DSMT4">
+                  <p:oleObj spid="_x0000_s1245" name="Equation" r:id="rId19" imgW="152400" imgH="203200" progId="Equation.DSMT4">
                     <p:embed/>
                   </p:oleObj>
                 </mc:Choice>
@@ -6192,7 +6193,7 @@
             <a:graphicData uri="http://schemas.openxmlformats.org/presentationml/2006/ole">
               <mc:AlternateContent xmlns:mc="http://schemas.openxmlformats.org/markup-compatibility/2006">
                 <mc:Choice xmlns:v="urn:schemas-microsoft-com:vml" Requires="v">
-                  <p:oleObj spid="_x0000_s1093" name="Equation" r:id="rId20" imgW="152400" imgH="203200" progId="Equation.DSMT4">
+                  <p:oleObj spid="_x0000_s1246" name="Equation" r:id="rId20" imgW="152400" imgH="203200" progId="Equation.DSMT4">
                     <p:embed/>
                   </p:oleObj>
                 </mc:Choice>
@@ -6302,7 +6303,7 @@
             <a:graphicData uri="http://schemas.openxmlformats.org/presentationml/2006/ole">
               <mc:AlternateContent xmlns:mc="http://schemas.openxmlformats.org/markup-compatibility/2006">
                 <mc:Choice xmlns:v="urn:schemas-microsoft-com:vml" Requires="v">
-                  <p:oleObj spid="_x0000_s1094" name="Equation" r:id="rId21" imgW="228600" imgH="203200" progId="Equation.DSMT4">
+                  <p:oleObj spid="_x0000_s1247" name="Equation" r:id="rId21" imgW="228600" imgH="203200" progId="Equation.DSMT4">
                     <p:embed/>
                   </p:oleObj>
                 </mc:Choice>
@@ -6412,7 +6413,7 @@
             <a:graphicData uri="http://schemas.openxmlformats.org/presentationml/2006/ole">
               <mc:AlternateContent xmlns:mc="http://schemas.openxmlformats.org/markup-compatibility/2006">
                 <mc:Choice xmlns:v="urn:schemas-microsoft-com:vml" Requires="v">
-                  <p:oleObj spid="_x0000_s1095" name="Equation" r:id="rId22" imgW="241300" imgH="203200" progId="Equation.DSMT4">
+                  <p:oleObj spid="_x0000_s1248" name="Equation" r:id="rId22" imgW="241300" imgH="203200" progId="Equation.DSMT4">
                     <p:embed/>
                   </p:oleObj>
                 </mc:Choice>
@@ -6717,7 +6718,7 @@
             <a:graphicData uri="http://schemas.openxmlformats.org/presentationml/2006/ole">
               <mc:AlternateContent xmlns:mc="http://schemas.openxmlformats.org/markup-compatibility/2006">
                 <mc:Choice xmlns:v="urn:schemas-microsoft-com:vml" Requires="v">
-                  <p:oleObj spid="_x0000_s1096" name="Equation" r:id="rId23" imgW="228600" imgH="203200" progId="Equation.DSMT4">
+                  <p:oleObj spid="_x0000_s1249" name="Equation" r:id="rId23" imgW="228600" imgH="203200" progId="Equation.DSMT4">
                     <p:embed/>
                   </p:oleObj>
                 </mc:Choice>
@@ -6827,7 +6828,7 @@
             <a:graphicData uri="http://schemas.openxmlformats.org/presentationml/2006/ole">
               <mc:AlternateContent xmlns:mc="http://schemas.openxmlformats.org/markup-compatibility/2006">
                 <mc:Choice xmlns:v="urn:schemas-microsoft-com:vml" Requires="v">
-                  <p:oleObj spid="_x0000_s1097" name="Equation" r:id="rId24" imgW="241300" imgH="203200" progId="Equation.DSMT4">
+                  <p:oleObj spid="_x0000_s1250" name="Equation" r:id="rId24" imgW="241300" imgH="203200" progId="Equation.DSMT4">
                     <p:embed/>
                   </p:oleObj>
                 </mc:Choice>
@@ -6937,7 +6938,7 @@
             <a:graphicData uri="http://schemas.openxmlformats.org/presentationml/2006/ole">
               <mc:AlternateContent xmlns:mc="http://schemas.openxmlformats.org/markup-compatibility/2006">
                 <mc:Choice xmlns:v="urn:schemas-microsoft-com:vml" Requires="v">
-                  <p:oleObj spid="_x0000_s1098" name="Equation" r:id="rId25" imgW="152400" imgH="203200" progId="Equation.DSMT4">
+                  <p:oleObj spid="_x0000_s1251" name="Equation" r:id="rId25" imgW="152400" imgH="203200" progId="Equation.DSMT4">
                     <p:embed/>
                   </p:oleObj>
                 </mc:Choice>
@@ -7047,7 +7048,7 @@
             <a:graphicData uri="http://schemas.openxmlformats.org/presentationml/2006/ole">
               <mc:AlternateContent xmlns:mc="http://schemas.openxmlformats.org/markup-compatibility/2006">
                 <mc:Choice xmlns:v="urn:schemas-microsoft-com:vml" Requires="v">
-                  <p:oleObj spid="_x0000_s1099" name="Equation" r:id="rId26" imgW="152400" imgH="203200" progId="Equation.DSMT4">
+                  <p:oleObj spid="_x0000_s1252" name="Equation" r:id="rId26" imgW="152400" imgH="203200" progId="Equation.DSMT4">
                     <p:embed/>
                   </p:oleObj>
                 </mc:Choice>
@@ -7157,7 +7158,7 @@
             <a:graphicData uri="http://schemas.openxmlformats.org/presentationml/2006/ole">
               <mc:AlternateContent xmlns:mc="http://schemas.openxmlformats.org/markup-compatibility/2006">
                 <mc:Choice xmlns:v="urn:schemas-microsoft-com:vml" Requires="v">
-                  <p:oleObj spid="_x0000_s1100" name="Equation" r:id="rId27" imgW="228600" imgH="203200" progId="Equation.DSMT4">
+                  <p:oleObj spid="_x0000_s1253" name="Equation" r:id="rId27" imgW="228600" imgH="203200" progId="Equation.DSMT4">
                     <p:embed/>
                   </p:oleObj>
                 </mc:Choice>
@@ -7267,7 +7268,7 @@
             <a:graphicData uri="http://schemas.openxmlformats.org/presentationml/2006/ole">
               <mc:AlternateContent xmlns:mc="http://schemas.openxmlformats.org/markup-compatibility/2006">
                 <mc:Choice xmlns:v="urn:schemas-microsoft-com:vml" Requires="v">
-                  <p:oleObj spid="_x0000_s1101" name="Equation" r:id="rId28" imgW="241300" imgH="203200" progId="Equation.DSMT4">
+                  <p:oleObj spid="_x0000_s1254" name="Equation" r:id="rId28" imgW="241300" imgH="203200" progId="Equation.DSMT4">
                     <p:embed/>
                   </p:oleObj>
                 </mc:Choice>
@@ -7497,6 +7498,2455 @@
     <p:extLst>
       <p:ext uri="{BB962C8B-B14F-4D97-AF65-F5344CB8AC3E}">
         <p14:creationId xmlns:p14="http://schemas.microsoft.com/office/powerpoint/2010/main" val="362485860"/>
+      </p:ext>
+    </p:extLst>
+  </p:cSld>
+  <p:clrMapOvr>
+    <a:masterClrMapping/>
+  </p:clrMapOvr>
+</p:sld>
+</file>
+
+<file path=ppt/slides/slide4.xml><?xml version="1.0" encoding="utf-8"?>
+<p:sld xmlns:a="http://schemas.openxmlformats.org/drawingml/2006/main" xmlns:r="http://schemas.openxmlformats.org/officeDocument/2006/relationships" xmlns:p="http://schemas.openxmlformats.org/presentationml/2006/main">
+  <p:cSld>
+    <p:spTree>
+      <p:nvGrpSpPr>
+        <p:cNvPr id="1" name=""/>
+        <p:cNvGrpSpPr/>
+        <p:nvPr/>
+      </p:nvGrpSpPr>
+      <p:grpSpPr>
+        <a:xfrm>
+          <a:off x="0" y="0"/>
+          <a:ext cx="0" cy="0"/>
+          <a:chOff x="0" y="0"/>
+          <a:chExt cx="0" cy="0"/>
+        </a:xfrm>
+      </p:grpSpPr>
+      <p:grpSp>
+        <p:nvGrpSpPr>
+          <p:cNvPr id="89" name="组 88"/>
+          <p:cNvGrpSpPr/>
+          <p:nvPr/>
+        </p:nvGrpSpPr>
+        <p:grpSpPr>
+          <a:xfrm>
+            <a:off x="1455738" y="1185563"/>
+            <a:ext cx="6987056" cy="4538249"/>
+            <a:chOff x="1455738" y="1185563"/>
+            <a:chExt cx="6987056" cy="4538249"/>
+          </a:xfrm>
+        </p:grpSpPr>
+        <p:grpSp>
+          <p:nvGrpSpPr>
+            <p:cNvPr id="9" name="组 8"/>
+            <p:cNvGrpSpPr/>
+            <p:nvPr/>
+          </p:nvGrpSpPr>
+          <p:grpSpPr>
+            <a:xfrm>
+              <a:off x="4047482" y="4466473"/>
+              <a:ext cx="1704668" cy="415100"/>
+              <a:chOff x="1750431" y="4304691"/>
+              <a:chExt cx="1704668" cy="415100"/>
+            </a:xfrm>
+          </p:grpSpPr>
+          <p:sp>
+            <p:nvSpPr>
+              <p:cNvPr id="4" name="圆角矩形 3"/>
+              <p:cNvSpPr/>
+              <p:nvPr/>
+            </p:nvSpPr>
+            <p:spPr>
+              <a:xfrm>
+                <a:off x="1750431" y="4365092"/>
+                <a:ext cx="1704668" cy="354699"/>
+              </a:xfrm>
+              <a:prstGeom prst="roundRect">
+                <a:avLst/>
+              </a:prstGeom>
+              <a:noFill/>
+              <a:ln>
+                <a:solidFill>
+                  <a:schemeClr val="tx1"/>
+                </a:solidFill>
+              </a:ln>
+            </p:spPr>
+            <p:style>
+              <a:lnRef idx="1">
+                <a:schemeClr val="accent1"/>
+              </a:lnRef>
+              <a:fillRef idx="3">
+                <a:schemeClr val="accent1"/>
+              </a:fillRef>
+              <a:effectRef idx="2">
+                <a:schemeClr val="accent1"/>
+              </a:effectRef>
+              <a:fontRef idx="minor">
+                <a:schemeClr val="lt1"/>
+              </a:fontRef>
+            </p:style>
+            <p:txBody>
+              <a:bodyPr rtlCol="0" anchor="ctr"/>
+              <a:lstStyle/>
+              <a:p>
+                <a:pPr algn="ctr"/>
+                <a:endParaRPr kumimoji="1" lang="zh-CN" altLang="en-US"/>
+              </a:p>
+            </p:txBody>
+          </p:sp>
+          <p:sp>
+            <p:nvSpPr>
+              <p:cNvPr id="5" name="椭圆 4"/>
+              <p:cNvSpPr/>
+              <p:nvPr/>
+            </p:nvSpPr>
+            <p:spPr>
+              <a:xfrm>
+                <a:off x="1853395" y="4445207"/>
+                <a:ext cx="217374" cy="217374"/>
+              </a:xfrm>
+              <a:prstGeom prst="ellipse">
+                <a:avLst/>
+              </a:prstGeom>
+              <a:solidFill>
+                <a:srgbClr val="FF0000"/>
+              </a:solidFill>
+              <a:ln>
+                <a:noFill/>
+              </a:ln>
+            </p:spPr>
+            <p:style>
+              <a:lnRef idx="1">
+                <a:schemeClr val="accent1"/>
+              </a:lnRef>
+              <a:fillRef idx="3">
+                <a:schemeClr val="accent1"/>
+              </a:fillRef>
+              <a:effectRef idx="2">
+                <a:schemeClr val="accent1"/>
+              </a:effectRef>
+              <a:fontRef idx="minor">
+                <a:schemeClr val="lt1"/>
+              </a:fontRef>
+            </p:style>
+            <p:txBody>
+              <a:bodyPr rtlCol="0" anchor="ctr"/>
+              <a:lstStyle/>
+              <a:p>
+                <a:pPr algn="ctr"/>
+                <a:endParaRPr kumimoji="1" lang="zh-CN" altLang="en-US"/>
+              </a:p>
+            </p:txBody>
+          </p:sp>
+          <p:sp>
+            <p:nvSpPr>
+              <p:cNvPr id="6" name="椭圆 5"/>
+              <p:cNvSpPr/>
+              <p:nvPr/>
+            </p:nvSpPr>
+            <p:spPr>
+              <a:xfrm>
+                <a:off x="2188844" y="4445207"/>
+                <a:ext cx="217374" cy="217374"/>
+              </a:xfrm>
+              <a:prstGeom prst="ellipse">
+                <a:avLst/>
+              </a:prstGeom>
+              <a:solidFill>
+                <a:srgbClr val="FF0000"/>
+              </a:solidFill>
+              <a:ln>
+                <a:noFill/>
+              </a:ln>
+            </p:spPr>
+            <p:style>
+              <a:lnRef idx="1">
+                <a:schemeClr val="accent1"/>
+              </a:lnRef>
+              <a:fillRef idx="3">
+                <a:schemeClr val="accent1"/>
+              </a:fillRef>
+              <a:effectRef idx="2">
+                <a:schemeClr val="accent1"/>
+              </a:effectRef>
+              <a:fontRef idx="minor">
+                <a:schemeClr val="lt1"/>
+              </a:fontRef>
+            </p:style>
+            <p:txBody>
+              <a:bodyPr rtlCol="0" anchor="ctr"/>
+              <a:lstStyle/>
+              <a:p>
+                <a:pPr algn="ctr"/>
+                <a:endParaRPr kumimoji="1" lang="zh-CN" altLang="en-US"/>
+              </a:p>
+            </p:txBody>
+          </p:sp>
+          <p:sp>
+            <p:nvSpPr>
+              <p:cNvPr id="7" name="椭圆 6"/>
+              <p:cNvSpPr/>
+              <p:nvPr/>
+            </p:nvSpPr>
+            <p:spPr>
+              <a:xfrm>
+                <a:off x="3092232" y="4445207"/>
+                <a:ext cx="217374" cy="217374"/>
+              </a:xfrm>
+              <a:prstGeom prst="ellipse">
+                <a:avLst/>
+              </a:prstGeom>
+              <a:solidFill>
+                <a:srgbClr val="FF0000"/>
+              </a:solidFill>
+              <a:ln>
+                <a:noFill/>
+              </a:ln>
+            </p:spPr>
+            <p:style>
+              <a:lnRef idx="1">
+                <a:schemeClr val="accent1"/>
+              </a:lnRef>
+              <a:fillRef idx="3">
+                <a:schemeClr val="accent1"/>
+              </a:fillRef>
+              <a:effectRef idx="2">
+                <a:schemeClr val="accent1"/>
+              </a:effectRef>
+              <a:fontRef idx="minor">
+                <a:schemeClr val="lt1"/>
+              </a:fontRef>
+            </p:style>
+            <p:txBody>
+              <a:bodyPr rtlCol="0" anchor="ctr"/>
+              <a:lstStyle/>
+              <a:p>
+                <a:pPr algn="ctr"/>
+                <a:endParaRPr kumimoji="1" lang="zh-CN" altLang="en-US"/>
+              </a:p>
+            </p:txBody>
+          </p:sp>
+          <p:sp>
+            <p:nvSpPr>
+              <p:cNvPr id="8" name="文本框 7"/>
+              <p:cNvSpPr txBox="1"/>
+              <p:nvPr/>
+            </p:nvSpPr>
+            <p:spPr>
+              <a:xfrm>
+                <a:off x="2551282" y="4304691"/>
+                <a:ext cx="344039" cy="369332"/>
+              </a:xfrm>
+              <a:prstGeom prst="rect">
+                <a:avLst/>
+              </a:prstGeom>
+              <a:noFill/>
+            </p:spPr>
+            <p:txBody>
+              <a:bodyPr wrap="none" rtlCol="0">
+                <a:spAutoFit/>
+              </a:bodyPr>
+              <a:lstStyle/>
+              <a:p>
+                <a:r>
+                  <a:rPr kumimoji="1" lang="en-US" altLang="zh-CN" dirty="0" smtClean="0"/>
+                  <a:t>…</a:t>
+                </a:r>
+                <a:endParaRPr kumimoji="1" lang="zh-CN" altLang="en-US" dirty="0"/>
+              </a:p>
+            </p:txBody>
+          </p:sp>
+        </p:grpSp>
+        <p:grpSp>
+          <p:nvGrpSpPr>
+            <p:cNvPr id="10" name="组 9"/>
+            <p:cNvGrpSpPr/>
+            <p:nvPr/>
+          </p:nvGrpSpPr>
+          <p:grpSpPr>
+            <a:xfrm>
+              <a:off x="1612272" y="4466473"/>
+              <a:ext cx="1704668" cy="415100"/>
+              <a:chOff x="1750431" y="4304691"/>
+              <a:chExt cx="1704668" cy="415100"/>
+            </a:xfrm>
+          </p:grpSpPr>
+          <p:sp>
+            <p:nvSpPr>
+              <p:cNvPr id="11" name="圆角矩形 10"/>
+              <p:cNvSpPr/>
+              <p:nvPr/>
+            </p:nvSpPr>
+            <p:spPr>
+              <a:xfrm>
+                <a:off x="1750431" y="4365092"/>
+                <a:ext cx="1704668" cy="354699"/>
+              </a:xfrm>
+              <a:prstGeom prst="roundRect">
+                <a:avLst/>
+              </a:prstGeom>
+              <a:noFill/>
+              <a:ln>
+                <a:solidFill>
+                  <a:schemeClr val="tx1"/>
+                </a:solidFill>
+              </a:ln>
+            </p:spPr>
+            <p:style>
+              <a:lnRef idx="1">
+                <a:schemeClr val="accent1"/>
+              </a:lnRef>
+              <a:fillRef idx="3">
+                <a:schemeClr val="accent1"/>
+              </a:fillRef>
+              <a:effectRef idx="2">
+                <a:schemeClr val="accent1"/>
+              </a:effectRef>
+              <a:fontRef idx="minor">
+                <a:schemeClr val="lt1"/>
+              </a:fontRef>
+            </p:style>
+            <p:txBody>
+              <a:bodyPr rtlCol="0" anchor="ctr"/>
+              <a:lstStyle/>
+              <a:p>
+                <a:pPr algn="ctr"/>
+                <a:endParaRPr kumimoji="1" lang="zh-CN" altLang="en-US"/>
+              </a:p>
+            </p:txBody>
+          </p:sp>
+          <p:sp>
+            <p:nvSpPr>
+              <p:cNvPr id="12" name="椭圆 11"/>
+              <p:cNvSpPr/>
+              <p:nvPr/>
+            </p:nvSpPr>
+            <p:spPr>
+              <a:xfrm>
+                <a:off x="1853395" y="4445207"/>
+                <a:ext cx="217374" cy="217374"/>
+              </a:xfrm>
+              <a:prstGeom prst="ellipse">
+                <a:avLst/>
+              </a:prstGeom>
+              <a:solidFill>
+                <a:srgbClr val="FF0000"/>
+              </a:solidFill>
+              <a:ln>
+                <a:noFill/>
+              </a:ln>
+            </p:spPr>
+            <p:style>
+              <a:lnRef idx="1">
+                <a:schemeClr val="accent1"/>
+              </a:lnRef>
+              <a:fillRef idx="3">
+                <a:schemeClr val="accent1"/>
+              </a:fillRef>
+              <a:effectRef idx="2">
+                <a:schemeClr val="accent1"/>
+              </a:effectRef>
+              <a:fontRef idx="minor">
+                <a:schemeClr val="lt1"/>
+              </a:fontRef>
+            </p:style>
+            <p:txBody>
+              <a:bodyPr rtlCol="0" anchor="ctr"/>
+              <a:lstStyle/>
+              <a:p>
+                <a:pPr algn="ctr"/>
+                <a:endParaRPr kumimoji="1" lang="zh-CN" altLang="en-US"/>
+              </a:p>
+            </p:txBody>
+          </p:sp>
+          <p:sp>
+            <p:nvSpPr>
+              <p:cNvPr id="13" name="椭圆 12"/>
+              <p:cNvSpPr/>
+              <p:nvPr/>
+            </p:nvSpPr>
+            <p:spPr>
+              <a:xfrm>
+                <a:off x="2188844" y="4445207"/>
+                <a:ext cx="217374" cy="217374"/>
+              </a:xfrm>
+              <a:prstGeom prst="ellipse">
+                <a:avLst/>
+              </a:prstGeom>
+              <a:solidFill>
+                <a:srgbClr val="FF0000"/>
+              </a:solidFill>
+              <a:ln>
+                <a:noFill/>
+              </a:ln>
+            </p:spPr>
+            <p:style>
+              <a:lnRef idx="1">
+                <a:schemeClr val="accent1"/>
+              </a:lnRef>
+              <a:fillRef idx="3">
+                <a:schemeClr val="accent1"/>
+              </a:fillRef>
+              <a:effectRef idx="2">
+                <a:schemeClr val="accent1"/>
+              </a:effectRef>
+              <a:fontRef idx="minor">
+                <a:schemeClr val="lt1"/>
+              </a:fontRef>
+            </p:style>
+            <p:txBody>
+              <a:bodyPr rtlCol="0" anchor="ctr"/>
+              <a:lstStyle/>
+              <a:p>
+                <a:pPr algn="ctr"/>
+                <a:endParaRPr kumimoji="1" lang="zh-CN" altLang="en-US"/>
+              </a:p>
+            </p:txBody>
+          </p:sp>
+          <p:sp>
+            <p:nvSpPr>
+              <p:cNvPr id="14" name="椭圆 13"/>
+              <p:cNvSpPr/>
+              <p:nvPr/>
+            </p:nvSpPr>
+            <p:spPr>
+              <a:xfrm>
+                <a:off x="3092232" y="4445207"/>
+                <a:ext cx="217374" cy="217374"/>
+              </a:xfrm>
+              <a:prstGeom prst="ellipse">
+                <a:avLst/>
+              </a:prstGeom>
+              <a:solidFill>
+                <a:srgbClr val="FF0000"/>
+              </a:solidFill>
+              <a:ln>
+                <a:noFill/>
+              </a:ln>
+            </p:spPr>
+            <p:style>
+              <a:lnRef idx="1">
+                <a:schemeClr val="accent1"/>
+              </a:lnRef>
+              <a:fillRef idx="3">
+                <a:schemeClr val="accent1"/>
+              </a:fillRef>
+              <a:effectRef idx="2">
+                <a:schemeClr val="accent1"/>
+              </a:effectRef>
+              <a:fontRef idx="minor">
+                <a:schemeClr val="lt1"/>
+              </a:fontRef>
+            </p:style>
+            <p:txBody>
+              <a:bodyPr rtlCol="0" anchor="ctr"/>
+              <a:lstStyle/>
+              <a:p>
+                <a:pPr algn="ctr"/>
+                <a:endParaRPr kumimoji="1" lang="zh-CN" altLang="en-US"/>
+              </a:p>
+            </p:txBody>
+          </p:sp>
+          <p:sp>
+            <p:nvSpPr>
+              <p:cNvPr id="15" name="文本框 14"/>
+              <p:cNvSpPr txBox="1"/>
+              <p:nvPr/>
+            </p:nvSpPr>
+            <p:spPr>
+              <a:xfrm>
+                <a:off x="2551282" y="4304691"/>
+                <a:ext cx="344039" cy="369332"/>
+              </a:xfrm>
+              <a:prstGeom prst="rect">
+                <a:avLst/>
+              </a:prstGeom>
+              <a:noFill/>
+            </p:spPr>
+            <p:txBody>
+              <a:bodyPr wrap="none" rtlCol="0">
+                <a:spAutoFit/>
+              </a:bodyPr>
+              <a:lstStyle/>
+              <a:p>
+                <a:r>
+                  <a:rPr kumimoji="1" lang="en-US" altLang="zh-CN" dirty="0" smtClean="0"/>
+                  <a:t>…</a:t>
+                </a:r>
+                <a:endParaRPr kumimoji="1" lang="zh-CN" altLang="en-US" dirty="0"/>
+              </a:p>
+            </p:txBody>
+          </p:sp>
+        </p:grpSp>
+        <p:grpSp>
+          <p:nvGrpSpPr>
+            <p:cNvPr id="16" name="组 15"/>
+            <p:cNvGrpSpPr/>
+            <p:nvPr/>
+          </p:nvGrpSpPr>
+          <p:grpSpPr>
+            <a:xfrm>
+              <a:off x="5915612" y="4454116"/>
+              <a:ext cx="1704668" cy="415100"/>
+              <a:chOff x="1750431" y="4304691"/>
+              <a:chExt cx="1704668" cy="415100"/>
+            </a:xfrm>
+          </p:grpSpPr>
+          <p:sp>
+            <p:nvSpPr>
+              <p:cNvPr id="17" name="圆角矩形 16"/>
+              <p:cNvSpPr/>
+              <p:nvPr/>
+            </p:nvSpPr>
+            <p:spPr>
+              <a:xfrm>
+                <a:off x="1750431" y="4365092"/>
+                <a:ext cx="1704668" cy="354699"/>
+              </a:xfrm>
+              <a:prstGeom prst="roundRect">
+                <a:avLst/>
+              </a:prstGeom>
+              <a:noFill/>
+              <a:ln>
+                <a:solidFill>
+                  <a:schemeClr val="tx1"/>
+                </a:solidFill>
+              </a:ln>
+            </p:spPr>
+            <p:style>
+              <a:lnRef idx="1">
+                <a:schemeClr val="accent1"/>
+              </a:lnRef>
+              <a:fillRef idx="3">
+                <a:schemeClr val="accent1"/>
+              </a:fillRef>
+              <a:effectRef idx="2">
+                <a:schemeClr val="accent1"/>
+              </a:effectRef>
+              <a:fontRef idx="minor">
+                <a:schemeClr val="lt1"/>
+              </a:fontRef>
+            </p:style>
+            <p:txBody>
+              <a:bodyPr rtlCol="0" anchor="ctr"/>
+              <a:lstStyle/>
+              <a:p>
+                <a:pPr algn="ctr"/>
+                <a:endParaRPr kumimoji="1" lang="zh-CN" altLang="en-US"/>
+              </a:p>
+            </p:txBody>
+          </p:sp>
+          <p:sp>
+            <p:nvSpPr>
+              <p:cNvPr id="18" name="椭圆 17"/>
+              <p:cNvSpPr/>
+              <p:nvPr/>
+            </p:nvSpPr>
+            <p:spPr>
+              <a:xfrm>
+                <a:off x="1853395" y="4445207"/>
+                <a:ext cx="217374" cy="217374"/>
+              </a:xfrm>
+              <a:prstGeom prst="ellipse">
+                <a:avLst/>
+              </a:prstGeom>
+              <a:solidFill>
+                <a:srgbClr val="FF0000"/>
+              </a:solidFill>
+              <a:ln>
+                <a:noFill/>
+              </a:ln>
+            </p:spPr>
+            <p:style>
+              <a:lnRef idx="1">
+                <a:schemeClr val="accent1"/>
+              </a:lnRef>
+              <a:fillRef idx="3">
+                <a:schemeClr val="accent1"/>
+              </a:fillRef>
+              <a:effectRef idx="2">
+                <a:schemeClr val="accent1"/>
+              </a:effectRef>
+              <a:fontRef idx="minor">
+                <a:schemeClr val="lt1"/>
+              </a:fontRef>
+            </p:style>
+            <p:txBody>
+              <a:bodyPr rtlCol="0" anchor="ctr"/>
+              <a:lstStyle/>
+              <a:p>
+                <a:pPr algn="ctr"/>
+                <a:endParaRPr kumimoji="1" lang="zh-CN" altLang="en-US"/>
+              </a:p>
+            </p:txBody>
+          </p:sp>
+          <p:sp>
+            <p:nvSpPr>
+              <p:cNvPr id="19" name="椭圆 18"/>
+              <p:cNvSpPr/>
+              <p:nvPr/>
+            </p:nvSpPr>
+            <p:spPr>
+              <a:xfrm>
+                <a:off x="2188844" y="4445207"/>
+                <a:ext cx="217374" cy="217374"/>
+              </a:xfrm>
+              <a:prstGeom prst="ellipse">
+                <a:avLst/>
+              </a:prstGeom>
+              <a:solidFill>
+                <a:srgbClr val="FF0000"/>
+              </a:solidFill>
+              <a:ln>
+                <a:noFill/>
+              </a:ln>
+            </p:spPr>
+            <p:style>
+              <a:lnRef idx="1">
+                <a:schemeClr val="accent1"/>
+              </a:lnRef>
+              <a:fillRef idx="3">
+                <a:schemeClr val="accent1"/>
+              </a:fillRef>
+              <a:effectRef idx="2">
+                <a:schemeClr val="accent1"/>
+              </a:effectRef>
+              <a:fontRef idx="minor">
+                <a:schemeClr val="lt1"/>
+              </a:fontRef>
+            </p:style>
+            <p:txBody>
+              <a:bodyPr rtlCol="0" anchor="ctr"/>
+              <a:lstStyle/>
+              <a:p>
+                <a:pPr algn="ctr"/>
+                <a:endParaRPr kumimoji="1" lang="zh-CN" altLang="en-US"/>
+              </a:p>
+            </p:txBody>
+          </p:sp>
+          <p:sp>
+            <p:nvSpPr>
+              <p:cNvPr id="20" name="椭圆 19"/>
+              <p:cNvSpPr/>
+              <p:nvPr/>
+            </p:nvSpPr>
+            <p:spPr>
+              <a:xfrm>
+                <a:off x="3092232" y="4445207"/>
+                <a:ext cx="217374" cy="217374"/>
+              </a:xfrm>
+              <a:prstGeom prst="ellipse">
+                <a:avLst/>
+              </a:prstGeom>
+              <a:solidFill>
+                <a:srgbClr val="FF0000"/>
+              </a:solidFill>
+              <a:ln>
+                <a:noFill/>
+              </a:ln>
+            </p:spPr>
+            <p:style>
+              <a:lnRef idx="1">
+                <a:schemeClr val="accent1"/>
+              </a:lnRef>
+              <a:fillRef idx="3">
+                <a:schemeClr val="accent1"/>
+              </a:fillRef>
+              <a:effectRef idx="2">
+                <a:schemeClr val="accent1"/>
+              </a:effectRef>
+              <a:fontRef idx="minor">
+                <a:schemeClr val="lt1"/>
+              </a:fontRef>
+            </p:style>
+            <p:txBody>
+              <a:bodyPr rtlCol="0" anchor="ctr"/>
+              <a:lstStyle/>
+              <a:p>
+                <a:pPr algn="ctr"/>
+                <a:endParaRPr kumimoji="1" lang="zh-CN" altLang="en-US"/>
+              </a:p>
+            </p:txBody>
+          </p:sp>
+          <p:sp>
+            <p:nvSpPr>
+              <p:cNvPr id="21" name="文本框 20"/>
+              <p:cNvSpPr txBox="1"/>
+              <p:nvPr/>
+            </p:nvSpPr>
+            <p:spPr>
+              <a:xfrm>
+                <a:off x="2551282" y="4304691"/>
+                <a:ext cx="344039" cy="369332"/>
+              </a:xfrm>
+              <a:prstGeom prst="rect">
+                <a:avLst/>
+              </a:prstGeom>
+              <a:noFill/>
+            </p:spPr>
+            <p:txBody>
+              <a:bodyPr wrap="none" rtlCol="0">
+                <a:spAutoFit/>
+              </a:bodyPr>
+              <a:lstStyle/>
+              <a:p>
+                <a:r>
+                  <a:rPr kumimoji="1" lang="en-US" altLang="zh-CN" dirty="0" smtClean="0"/>
+                  <a:t>…</a:t>
+                </a:r>
+                <a:endParaRPr kumimoji="1" lang="zh-CN" altLang="en-US" dirty="0"/>
+              </a:p>
+            </p:txBody>
+          </p:sp>
+        </p:grpSp>
+        <p:sp>
+          <p:nvSpPr>
+            <p:cNvPr id="23" name="圆角矩形 22"/>
+            <p:cNvSpPr/>
+            <p:nvPr/>
+          </p:nvSpPr>
+          <p:spPr>
+            <a:xfrm>
+              <a:off x="3234714" y="3088847"/>
+              <a:ext cx="3337451" cy="354699"/>
+            </a:xfrm>
+            <a:prstGeom prst="roundRect">
+              <a:avLst/>
+            </a:prstGeom>
+            <a:noFill/>
+            <a:ln>
+              <a:solidFill>
+                <a:schemeClr val="tx1"/>
+              </a:solidFill>
+            </a:ln>
+          </p:spPr>
+          <p:style>
+            <a:lnRef idx="1">
+              <a:schemeClr val="accent1"/>
+            </a:lnRef>
+            <a:fillRef idx="3">
+              <a:schemeClr val="accent1"/>
+            </a:fillRef>
+            <a:effectRef idx="2">
+              <a:schemeClr val="accent1"/>
+            </a:effectRef>
+            <a:fontRef idx="minor">
+              <a:schemeClr val="lt1"/>
+            </a:fontRef>
+          </p:style>
+          <p:txBody>
+            <a:bodyPr rtlCol="0" anchor="ctr"/>
+            <a:lstStyle/>
+            <a:p>
+              <a:pPr algn="ctr"/>
+              <a:endParaRPr kumimoji="1" lang="zh-CN" altLang="en-US"/>
+            </a:p>
+          </p:txBody>
+        </p:sp>
+        <p:sp>
+          <p:nvSpPr>
+            <p:cNvPr id="24" name="椭圆 23"/>
+            <p:cNvSpPr/>
+            <p:nvPr/>
+          </p:nvSpPr>
+          <p:spPr>
+            <a:xfrm>
+              <a:off x="3443674" y="3168962"/>
+              <a:ext cx="217521" cy="217374"/>
+            </a:xfrm>
+            <a:prstGeom prst="ellipse">
+              <a:avLst/>
+            </a:prstGeom>
+            <a:solidFill>
+              <a:srgbClr val="FF0000"/>
+            </a:solidFill>
+            <a:ln>
+              <a:noFill/>
+            </a:ln>
+          </p:spPr>
+          <p:style>
+            <a:lnRef idx="1">
+              <a:schemeClr val="accent1"/>
+            </a:lnRef>
+            <a:fillRef idx="3">
+              <a:schemeClr val="accent1"/>
+            </a:fillRef>
+            <a:effectRef idx="2">
+              <a:schemeClr val="accent1"/>
+            </a:effectRef>
+            <a:fontRef idx="minor">
+              <a:schemeClr val="lt1"/>
+            </a:fontRef>
+          </p:style>
+          <p:txBody>
+            <a:bodyPr rtlCol="0" anchor="ctr"/>
+            <a:lstStyle/>
+            <a:p>
+              <a:pPr algn="ctr"/>
+              <a:endParaRPr kumimoji="1" lang="zh-CN" altLang="en-US"/>
+            </a:p>
+          </p:txBody>
+        </p:sp>
+        <p:sp>
+          <p:nvSpPr>
+            <p:cNvPr id="25" name="椭圆 24"/>
+            <p:cNvSpPr/>
+            <p:nvPr/>
+          </p:nvSpPr>
+          <p:spPr>
+            <a:xfrm>
+              <a:off x="3779350" y="3168962"/>
+              <a:ext cx="217521" cy="217374"/>
+            </a:xfrm>
+            <a:prstGeom prst="ellipse">
+              <a:avLst/>
+            </a:prstGeom>
+            <a:solidFill>
+              <a:srgbClr val="FF0000"/>
+            </a:solidFill>
+            <a:ln>
+              <a:noFill/>
+            </a:ln>
+          </p:spPr>
+          <p:style>
+            <a:lnRef idx="1">
+              <a:schemeClr val="accent1"/>
+            </a:lnRef>
+            <a:fillRef idx="3">
+              <a:schemeClr val="accent1"/>
+            </a:fillRef>
+            <a:effectRef idx="2">
+              <a:schemeClr val="accent1"/>
+            </a:effectRef>
+            <a:fontRef idx="minor">
+              <a:schemeClr val="lt1"/>
+            </a:fontRef>
+          </p:style>
+          <p:txBody>
+            <a:bodyPr rtlCol="0" anchor="ctr"/>
+            <a:lstStyle/>
+            <a:p>
+              <a:pPr algn="ctr"/>
+              <a:endParaRPr kumimoji="1" lang="zh-CN" altLang="en-US"/>
+            </a:p>
+          </p:txBody>
+        </p:sp>
+        <p:sp>
+          <p:nvSpPr>
+            <p:cNvPr id="26" name="椭圆 25"/>
+            <p:cNvSpPr/>
+            <p:nvPr/>
+          </p:nvSpPr>
+          <p:spPr>
+            <a:xfrm>
+              <a:off x="6125121" y="3168962"/>
+              <a:ext cx="217521" cy="217374"/>
+            </a:xfrm>
+            <a:prstGeom prst="ellipse">
+              <a:avLst/>
+            </a:prstGeom>
+            <a:solidFill>
+              <a:srgbClr val="FF0000"/>
+            </a:solidFill>
+            <a:ln>
+              <a:noFill/>
+            </a:ln>
+          </p:spPr>
+          <p:style>
+            <a:lnRef idx="1">
+              <a:schemeClr val="accent1"/>
+            </a:lnRef>
+            <a:fillRef idx="3">
+              <a:schemeClr val="accent1"/>
+            </a:fillRef>
+            <a:effectRef idx="2">
+              <a:schemeClr val="accent1"/>
+            </a:effectRef>
+            <a:fontRef idx="minor">
+              <a:schemeClr val="lt1"/>
+            </a:fontRef>
+          </p:style>
+          <p:txBody>
+            <a:bodyPr rtlCol="0" anchor="ctr"/>
+            <a:lstStyle/>
+            <a:p>
+              <a:pPr algn="ctr"/>
+              <a:endParaRPr kumimoji="1" lang="zh-CN" altLang="en-US"/>
+            </a:p>
+          </p:txBody>
+        </p:sp>
+        <p:sp>
+          <p:nvSpPr>
+            <p:cNvPr id="27" name="文本框 26"/>
+            <p:cNvSpPr txBox="1"/>
+            <p:nvPr/>
+          </p:nvSpPr>
+          <p:spPr>
+            <a:xfrm>
+              <a:off x="4142034" y="3028446"/>
+              <a:ext cx="344272" cy="369332"/>
+            </a:xfrm>
+            <a:prstGeom prst="rect">
+              <a:avLst/>
+            </a:prstGeom>
+            <a:noFill/>
+          </p:spPr>
+          <p:txBody>
+            <a:bodyPr wrap="none" rtlCol="0">
+              <a:spAutoFit/>
+            </a:bodyPr>
+            <a:lstStyle/>
+            <a:p>
+              <a:r>
+                <a:rPr kumimoji="1" lang="en-US" altLang="zh-CN" dirty="0" smtClean="0"/>
+                <a:t>…</a:t>
+              </a:r>
+              <a:endParaRPr kumimoji="1" lang="zh-CN" altLang="en-US" dirty="0"/>
+            </a:p>
+          </p:txBody>
+        </p:sp>
+        <p:sp>
+          <p:nvSpPr>
+            <p:cNvPr id="28" name="椭圆 27"/>
+            <p:cNvSpPr/>
+            <p:nvPr/>
+          </p:nvSpPr>
+          <p:spPr>
+            <a:xfrm>
+              <a:off x="2323212" y="5399879"/>
+              <a:ext cx="286048" cy="286048"/>
+            </a:xfrm>
+            <a:prstGeom prst="ellipse">
+              <a:avLst/>
+            </a:prstGeom>
+            <a:solidFill>
+              <a:schemeClr val="tx1">
+                <a:lumMod val="50000"/>
+                <a:lumOff val="50000"/>
+              </a:schemeClr>
+            </a:solidFill>
+            <a:ln>
+              <a:solidFill>
+                <a:schemeClr val="tx1"/>
+              </a:solidFill>
+            </a:ln>
+          </p:spPr>
+          <p:style>
+            <a:lnRef idx="1">
+              <a:schemeClr val="accent1"/>
+            </a:lnRef>
+            <a:fillRef idx="3">
+              <a:schemeClr val="accent1"/>
+            </a:fillRef>
+            <a:effectRef idx="2">
+              <a:schemeClr val="accent1"/>
+            </a:effectRef>
+            <a:fontRef idx="minor">
+              <a:schemeClr val="lt1"/>
+            </a:fontRef>
+          </p:style>
+          <p:txBody>
+            <a:bodyPr rtlCol="0" anchor="ctr"/>
+            <a:lstStyle/>
+            <a:p>
+              <a:pPr algn="ctr"/>
+              <a:endParaRPr kumimoji="1" lang="zh-CN" altLang="en-US"/>
+            </a:p>
+          </p:txBody>
+        </p:sp>
+        <p:graphicFrame>
+          <p:nvGraphicFramePr>
+            <p:cNvPr id="30" name="对象 29"/>
+            <p:cNvGraphicFramePr>
+              <a:graphicFrameLocks noChangeAspect="1"/>
+            </p:cNvGraphicFramePr>
+            <p:nvPr>
+              <p:extLst>
+                <p:ext uri="{D42A27DB-BD31-4B8C-83A1-F6EECF244321}">
+                  <p14:modId xmlns:p14="http://schemas.microsoft.com/office/powerpoint/2010/main" val="97094624"/>
+                </p:ext>
+              </p:extLst>
+            </p:nvPr>
+          </p:nvGraphicFramePr>
+          <p:xfrm>
+            <a:off x="1599961" y="5366259"/>
+            <a:ext cx="600452" cy="331284"/>
+          </p:xfrm>
+          <a:graphic>
+            <a:graphicData uri="http://schemas.openxmlformats.org/presentationml/2006/ole">
+              <mc:AlternateContent xmlns:mc="http://schemas.openxmlformats.org/markup-compatibility/2006">
+                <mc:Choice xmlns:v="urn:schemas-microsoft-com:vml" Requires="v">
+                  <p:oleObj spid="_x0000_s2096" name="Equation" r:id="rId3" imgW="368300" imgH="203200" progId="Equation.DSMT4">
+                    <p:embed/>
+                  </p:oleObj>
+                </mc:Choice>
+                <mc:Fallback>
+                  <p:oleObj name="Equation" r:id="rId3" imgW="368300" imgH="203200" progId="Equation.DSMT4">
+                    <p:embed/>
+                    <p:pic>
+                      <p:nvPicPr>
+                        <p:cNvPr id="0" name=""/>
+                        <p:cNvPicPr/>
+                        <p:nvPr/>
+                      </p:nvPicPr>
+                      <p:blipFill>
+                        <a:blip r:embed="rId4"/>
+                        <a:stretch>
+                          <a:fillRect/>
+                        </a:stretch>
+                      </p:blipFill>
+                      <p:spPr>
+                        <a:xfrm>
+                          <a:off x="1599961" y="5366259"/>
+                          <a:ext cx="600452" cy="331284"/>
+                        </a:xfrm>
+                        <a:prstGeom prst="rect">
+                          <a:avLst/>
+                        </a:prstGeom>
+                      </p:spPr>
+                    </p:pic>
+                  </p:oleObj>
+                </mc:Fallback>
+              </mc:AlternateContent>
+            </a:graphicData>
+          </a:graphic>
+        </p:graphicFrame>
+        <p:graphicFrame>
+          <p:nvGraphicFramePr>
+            <p:cNvPr id="32" name="对象 31"/>
+            <p:cNvGraphicFramePr>
+              <a:graphicFrameLocks noChangeAspect="1"/>
+            </p:cNvGraphicFramePr>
+            <p:nvPr>
+              <p:extLst>
+                <p:ext uri="{D42A27DB-BD31-4B8C-83A1-F6EECF244321}">
+                  <p14:modId xmlns:p14="http://schemas.microsoft.com/office/powerpoint/2010/main" val="3189116322"/>
+                </p:ext>
+              </p:extLst>
+            </p:nvPr>
+          </p:nvGraphicFramePr>
+          <p:xfrm>
+            <a:off x="4296081" y="5354643"/>
+            <a:ext cx="454025" cy="342900"/>
+          </p:xfrm>
+          <a:graphic>
+            <a:graphicData uri="http://schemas.openxmlformats.org/presentationml/2006/ole">
+              <mc:AlternateContent xmlns:mc="http://schemas.openxmlformats.org/markup-compatibility/2006">
+                <mc:Choice xmlns:v="urn:schemas-microsoft-com:vml" Requires="v">
+                  <p:oleObj spid="_x0000_s2097" name="Equation" r:id="rId5" imgW="279400" imgH="203200" progId="Equation.DSMT4">
+                    <p:embed/>
+                  </p:oleObj>
+                </mc:Choice>
+                <mc:Fallback>
+                  <p:oleObj name="Equation" r:id="rId5" imgW="279400" imgH="203200" progId="Equation.DSMT4">
+                    <p:embed/>
+                    <p:pic>
+                      <p:nvPicPr>
+                        <p:cNvPr id="0" name=""/>
+                        <p:cNvPicPr/>
+                        <p:nvPr/>
+                      </p:nvPicPr>
+                      <p:blipFill>
+                        <a:blip r:embed="rId6"/>
+                        <a:stretch>
+                          <a:fillRect/>
+                        </a:stretch>
+                      </p:blipFill>
+                      <p:spPr>
+                        <a:xfrm>
+                          <a:off x="4296081" y="5354643"/>
+                          <a:ext cx="454025" cy="342900"/>
+                        </a:xfrm>
+                        <a:prstGeom prst="rect">
+                          <a:avLst/>
+                        </a:prstGeom>
+                      </p:spPr>
+                    </p:pic>
+                  </p:oleObj>
+                </mc:Fallback>
+              </mc:AlternateContent>
+            </a:graphicData>
+          </a:graphic>
+        </p:graphicFrame>
+        <p:sp>
+          <p:nvSpPr>
+            <p:cNvPr id="33" name="文本框 32"/>
+            <p:cNvSpPr txBox="1"/>
+            <p:nvPr/>
+          </p:nvSpPr>
+          <p:spPr>
+            <a:xfrm>
+              <a:off x="3520861" y="4481126"/>
+              <a:ext cx="344039" cy="369332"/>
+            </a:xfrm>
+            <a:prstGeom prst="rect">
+              <a:avLst/>
+            </a:prstGeom>
+            <a:noFill/>
+          </p:spPr>
+          <p:txBody>
+            <a:bodyPr wrap="none" rtlCol="0">
+              <a:spAutoFit/>
+            </a:bodyPr>
+            <a:lstStyle/>
+            <a:p>
+              <a:r>
+                <a:rPr kumimoji="1" lang="en-US" altLang="zh-CN" dirty="0" smtClean="0"/>
+                <a:t>…</a:t>
+              </a:r>
+              <a:endParaRPr kumimoji="1" lang="zh-CN" altLang="en-US" dirty="0"/>
+            </a:p>
+          </p:txBody>
+        </p:sp>
+        <p:sp>
+          <p:nvSpPr>
+            <p:cNvPr id="34" name="椭圆 33"/>
+            <p:cNvSpPr/>
+            <p:nvPr/>
+          </p:nvSpPr>
+          <p:spPr>
+            <a:xfrm>
+              <a:off x="4760416" y="5400052"/>
+              <a:ext cx="286048" cy="286048"/>
+            </a:xfrm>
+            <a:prstGeom prst="ellipse">
+              <a:avLst/>
+            </a:prstGeom>
+            <a:solidFill>
+              <a:schemeClr val="tx1">
+                <a:lumMod val="50000"/>
+                <a:lumOff val="50000"/>
+              </a:schemeClr>
+            </a:solidFill>
+          </p:spPr>
+          <p:style>
+            <a:lnRef idx="1">
+              <a:schemeClr val="accent1"/>
+            </a:lnRef>
+            <a:fillRef idx="3">
+              <a:schemeClr val="accent1"/>
+            </a:fillRef>
+            <a:effectRef idx="2">
+              <a:schemeClr val="accent1"/>
+            </a:effectRef>
+            <a:fontRef idx="minor">
+              <a:schemeClr val="lt1"/>
+            </a:fontRef>
+          </p:style>
+          <p:txBody>
+            <a:bodyPr rtlCol="0" anchor="ctr"/>
+            <a:lstStyle/>
+            <a:p>
+              <a:pPr algn="ctr"/>
+              <a:endParaRPr kumimoji="1" lang="zh-CN" altLang="en-US"/>
+            </a:p>
+          </p:txBody>
+        </p:sp>
+        <p:graphicFrame>
+          <p:nvGraphicFramePr>
+            <p:cNvPr id="36" name="对象 35"/>
+            <p:cNvGraphicFramePr>
+              <a:graphicFrameLocks noChangeAspect="1"/>
+            </p:cNvGraphicFramePr>
+            <p:nvPr>
+              <p:extLst>
+                <p:ext uri="{D42A27DB-BD31-4B8C-83A1-F6EECF244321}">
+                  <p14:modId xmlns:p14="http://schemas.microsoft.com/office/powerpoint/2010/main" val="2863055733"/>
+                </p:ext>
+              </p:extLst>
+            </p:nvPr>
+          </p:nvGraphicFramePr>
+          <p:xfrm>
+            <a:off x="6108168" y="5380289"/>
+            <a:ext cx="433387" cy="343523"/>
+          </p:xfrm>
+          <a:graphic>
+            <a:graphicData uri="http://schemas.openxmlformats.org/presentationml/2006/ole">
+              <mc:AlternateContent xmlns:mc="http://schemas.openxmlformats.org/markup-compatibility/2006">
+                <mc:Choice xmlns:v="urn:schemas-microsoft-com:vml" Requires="v">
+                  <p:oleObj spid="_x0000_s2098" name="Equation" r:id="rId7" imgW="266700" imgH="203200" progId="Equation.DSMT4">
+                    <p:embed/>
+                  </p:oleObj>
+                </mc:Choice>
+                <mc:Fallback>
+                  <p:oleObj name="Equation" r:id="rId7" imgW="266700" imgH="203200" progId="Equation.DSMT4">
+                    <p:embed/>
+                    <p:pic>
+                      <p:nvPicPr>
+                        <p:cNvPr id="0" name=""/>
+                        <p:cNvPicPr/>
+                        <p:nvPr/>
+                      </p:nvPicPr>
+                      <p:blipFill>
+                        <a:blip r:embed="rId8"/>
+                        <a:stretch>
+                          <a:fillRect/>
+                        </a:stretch>
+                      </p:blipFill>
+                      <p:spPr>
+                        <a:xfrm>
+                          <a:off x="6108168" y="5380289"/>
+                          <a:ext cx="433387" cy="343523"/>
+                        </a:xfrm>
+                        <a:prstGeom prst="rect">
+                          <a:avLst/>
+                        </a:prstGeom>
+                      </p:spPr>
+                    </p:pic>
+                  </p:oleObj>
+                </mc:Fallback>
+              </mc:AlternateContent>
+            </a:graphicData>
+          </a:graphic>
+        </p:graphicFrame>
+        <p:sp>
+          <p:nvSpPr>
+            <p:cNvPr id="37" name="椭圆 36"/>
+            <p:cNvSpPr/>
+            <p:nvPr/>
+          </p:nvSpPr>
+          <p:spPr>
+            <a:xfrm>
+              <a:off x="6638709" y="5403706"/>
+              <a:ext cx="286048" cy="286048"/>
+            </a:xfrm>
+            <a:prstGeom prst="ellipse">
+              <a:avLst/>
+            </a:prstGeom>
+            <a:solidFill>
+              <a:schemeClr val="tx1">
+                <a:lumMod val="50000"/>
+                <a:lumOff val="50000"/>
+              </a:schemeClr>
+            </a:solidFill>
+          </p:spPr>
+          <p:style>
+            <a:lnRef idx="1">
+              <a:schemeClr val="accent1"/>
+            </a:lnRef>
+            <a:fillRef idx="3">
+              <a:schemeClr val="accent1"/>
+            </a:fillRef>
+            <a:effectRef idx="2">
+              <a:schemeClr val="accent1"/>
+            </a:effectRef>
+            <a:fontRef idx="minor">
+              <a:schemeClr val="lt1"/>
+            </a:fontRef>
+          </p:style>
+          <p:txBody>
+            <a:bodyPr rtlCol="0" anchor="ctr"/>
+            <a:lstStyle/>
+            <a:p>
+              <a:pPr algn="ctr"/>
+              <a:endParaRPr kumimoji="1" lang="zh-CN" altLang="en-US"/>
+            </a:p>
+          </p:txBody>
+        </p:sp>
+        <p:cxnSp>
+          <p:nvCxnSpPr>
+            <p:cNvPr id="39" name="直线箭头连接符 38"/>
+            <p:cNvCxnSpPr>
+              <a:stCxn id="28" idx="0"/>
+              <a:endCxn id="11" idx="2"/>
+            </p:cNvCxnSpPr>
+            <p:nvPr/>
+          </p:nvCxnSpPr>
+          <p:spPr>
+            <a:xfrm flipH="1" flipV="1">
+              <a:off x="2464606" y="4881573"/>
+              <a:ext cx="1630" cy="518306"/>
+            </a:xfrm>
+            <a:prstGeom prst="straightConnector1">
+              <a:avLst/>
+            </a:prstGeom>
+            <a:ln>
+              <a:solidFill>
+                <a:srgbClr val="000000"/>
+              </a:solidFill>
+              <a:tailEnd type="arrow"/>
+            </a:ln>
+          </p:spPr>
+          <p:style>
+            <a:lnRef idx="2">
+              <a:schemeClr val="accent1"/>
+            </a:lnRef>
+            <a:fillRef idx="0">
+              <a:schemeClr val="accent1"/>
+            </a:fillRef>
+            <a:effectRef idx="1">
+              <a:schemeClr val="accent1"/>
+            </a:effectRef>
+            <a:fontRef idx="minor">
+              <a:schemeClr val="tx1"/>
+            </a:fontRef>
+          </p:style>
+        </p:cxnSp>
+        <p:cxnSp>
+          <p:nvCxnSpPr>
+            <p:cNvPr id="40" name="直线箭头连接符 39"/>
+            <p:cNvCxnSpPr>
+              <a:stCxn id="34" idx="0"/>
+              <a:endCxn id="4" idx="2"/>
+            </p:cNvCxnSpPr>
+            <p:nvPr/>
+          </p:nvCxnSpPr>
+          <p:spPr>
+            <a:xfrm flipH="1" flipV="1">
+              <a:off x="4899816" y="4881573"/>
+              <a:ext cx="3624" cy="518479"/>
+            </a:xfrm>
+            <a:prstGeom prst="straightConnector1">
+              <a:avLst/>
+            </a:prstGeom>
+            <a:ln>
+              <a:solidFill>
+                <a:srgbClr val="000000"/>
+              </a:solidFill>
+              <a:tailEnd type="arrow"/>
+            </a:ln>
+          </p:spPr>
+          <p:style>
+            <a:lnRef idx="2">
+              <a:schemeClr val="accent1"/>
+            </a:lnRef>
+            <a:fillRef idx="0">
+              <a:schemeClr val="accent1"/>
+            </a:fillRef>
+            <a:effectRef idx="1">
+              <a:schemeClr val="accent1"/>
+            </a:effectRef>
+            <a:fontRef idx="minor">
+              <a:schemeClr val="tx1"/>
+            </a:fontRef>
+          </p:style>
+        </p:cxnSp>
+        <p:cxnSp>
+          <p:nvCxnSpPr>
+            <p:cNvPr id="43" name="直线箭头连接符 42"/>
+            <p:cNvCxnSpPr>
+              <a:stCxn id="37" idx="0"/>
+              <a:endCxn id="17" idx="2"/>
+            </p:cNvCxnSpPr>
+            <p:nvPr/>
+          </p:nvCxnSpPr>
+          <p:spPr>
+            <a:xfrm flipH="1" flipV="1">
+              <a:off x="6767946" y="4869216"/>
+              <a:ext cx="13787" cy="534490"/>
+            </a:xfrm>
+            <a:prstGeom prst="straightConnector1">
+              <a:avLst/>
+            </a:prstGeom>
+            <a:ln>
+              <a:solidFill>
+                <a:srgbClr val="000000"/>
+              </a:solidFill>
+              <a:tailEnd type="arrow"/>
+            </a:ln>
+          </p:spPr>
+          <p:style>
+            <a:lnRef idx="2">
+              <a:schemeClr val="accent1"/>
+            </a:lnRef>
+            <a:fillRef idx="0">
+              <a:schemeClr val="accent1"/>
+            </a:fillRef>
+            <a:effectRef idx="1">
+              <a:schemeClr val="accent1"/>
+            </a:effectRef>
+            <a:fontRef idx="minor">
+              <a:schemeClr val="tx1"/>
+            </a:fontRef>
+          </p:style>
+        </p:cxnSp>
+        <p:sp>
+          <p:nvSpPr>
+            <p:cNvPr id="47" name="文本框 46"/>
+            <p:cNvSpPr txBox="1"/>
+            <p:nvPr/>
+          </p:nvSpPr>
+          <p:spPr>
+            <a:xfrm>
+              <a:off x="5192372" y="3028446"/>
+              <a:ext cx="344272" cy="369332"/>
+            </a:xfrm>
+            <a:prstGeom prst="rect">
+              <a:avLst/>
+            </a:prstGeom>
+            <a:noFill/>
+          </p:spPr>
+          <p:txBody>
+            <a:bodyPr wrap="none" rtlCol="0">
+              <a:spAutoFit/>
+            </a:bodyPr>
+            <a:lstStyle/>
+            <a:p>
+              <a:r>
+                <a:rPr kumimoji="1" lang="en-US" altLang="zh-CN" dirty="0" smtClean="0"/>
+                <a:t>…</a:t>
+              </a:r>
+              <a:endParaRPr kumimoji="1" lang="zh-CN" altLang="en-US" dirty="0"/>
+            </a:p>
+          </p:txBody>
+        </p:sp>
+        <p:sp>
+          <p:nvSpPr>
+            <p:cNvPr id="48" name="椭圆 47"/>
+            <p:cNvSpPr/>
+            <p:nvPr/>
+          </p:nvSpPr>
+          <p:spPr>
+            <a:xfrm>
+              <a:off x="4791055" y="3157048"/>
+              <a:ext cx="217521" cy="217374"/>
+            </a:xfrm>
+            <a:prstGeom prst="ellipse">
+              <a:avLst/>
+            </a:prstGeom>
+            <a:solidFill>
+              <a:srgbClr val="FF0000"/>
+            </a:solidFill>
+            <a:ln>
+              <a:noFill/>
+            </a:ln>
+          </p:spPr>
+          <p:style>
+            <a:lnRef idx="1">
+              <a:schemeClr val="accent1"/>
+            </a:lnRef>
+            <a:fillRef idx="3">
+              <a:schemeClr val="accent1"/>
+            </a:fillRef>
+            <a:effectRef idx="2">
+              <a:schemeClr val="accent1"/>
+            </a:effectRef>
+            <a:fontRef idx="minor">
+              <a:schemeClr val="lt1"/>
+            </a:fontRef>
+          </p:style>
+          <p:txBody>
+            <a:bodyPr rtlCol="0" anchor="ctr"/>
+            <a:lstStyle/>
+            <a:p>
+              <a:pPr algn="ctr"/>
+              <a:endParaRPr kumimoji="1" lang="zh-CN" altLang="en-US"/>
+            </a:p>
+          </p:txBody>
+        </p:sp>
+        <p:cxnSp>
+          <p:nvCxnSpPr>
+            <p:cNvPr id="50" name="直线箭头连接符 49"/>
+            <p:cNvCxnSpPr>
+              <a:stCxn id="11" idx="0"/>
+            </p:cNvCxnSpPr>
+            <p:nvPr/>
+          </p:nvCxnSpPr>
+          <p:spPr>
+            <a:xfrm flipV="1">
+              <a:off x="2464606" y="3443546"/>
+              <a:ext cx="1831475" cy="1083328"/>
+            </a:xfrm>
+            <a:prstGeom prst="straightConnector1">
+              <a:avLst/>
+            </a:prstGeom>
+            <a:ln>
+              <a:solidFill>
+                <a:srgbClr val="000000"/>
+              </a:solidFill>
+              <a:tailEnd type="arrow"/>
+            </a:ln>
+          </p:spPr>
+          <p:style>
+            <a:lnRef idx="2">
+              <a:schemeClr val="accent1"/>
+            </a:lnRef>
+            <a:fillRef idx="0">
+              <a:schemeClr val="accent1"/>
+            </a:fillRef>
+            <a:effectRef idx="1">
+              <a:schemeClr val="accent1"/>
+            </a:effectRef>
+            <a:fontRef idx="minor">
+              <a:schemeClr val="tx1"/>
+            </a:fontRef>
+          </p:style>
+        </p:cxnSp>
+        <p:cxnSp>
+          <p:nvCxnSpPr>
+            <p:cNvPr id="52" name="直线箭头连接符 51"/>
+            <p:cNvCxnSpPr>
+              <a:stCxn id="4" idx="0"/>
+              <a:endCxn id="23" idx="2"/>
+            </p:cNvCxnSpPr>
+            <p:nvPr/>
+          </p:nvCxnSpPr>
+          <p:spPr>
+            <a:xfrm flipV="1">
+              <a:off x="4899816" y="3443546"/>
+              <a:ext cx="3624" cy="1083328"/>
+            </a:xfrm>
+            <a:prstGeom prst="straightConnector1">
+              <a:avLst/>
+            </a:prstGeom>
+            <a:ln>
+              <a:solidFill>
+                <a:srgbClr val="000000"/>
+              </a:solidFill>
+              <a:tailEnd type="arrow"/>
+            </a:ln>
+          </p:spPr>
+          <p:style>
+            <a:lnRef idx="2">
+              <a:schemeClr val="accent1"/>
+            </a:lnRef>
+            <a:fillRef idx="0">
+              <a:schemeClr val="accent1"/>
+            </a:fillRef>
+            <a:effectRef idx="1">
+              <a:schemeClr val="accent1"/>
+            </a:effectRef>
+            <a:fontRef idx="minor">
+              <a:schemeClr val="tx1"/>
+            </a:fontRef>
+          </p:style>
+        </p:cxnSp>
+        <p:cxnSp>
+          <p:nvCxnSpPr>
+            <p:cNvPr id="59" name="直线箭头连接符 58"/>
+            <p:cNvCxnSpPr>
+              <a:stCxn id="17" idx="0"/>
+            </p:cNvCxnSpPr>
+            <p:nvPr/>
+          </p:nvCxnSpPr>
+          <p:spPr>
+            <a:xfrm flipH="1" flipV="1">
+              <a:off x="5428084" y="3458199"/>
+              <a:ext cx="1339862" cy="1056318"/>
+            </a:xfrm>
+            <a:prstGeom prst="straightConnector1">
+              <a:avLst/>
+            </a:prstGeom>
+            <a:ln>
+              <a:solidFill>
+                <a:srgbClr val="000000"/>
+              </a:solidFill>
+              <a:tailEnd type="arrow"/>
+            </a:ln>
+          </p:spPr>
+          <p:style>
+            <a:lnRef idx="2">
+              <a:schemeClr val="accent1"/>
+            </a:lnRef>
+            <a:fillRef idx="0">
+              <a:schemeClr val="accent1"/>
+            </a:fillRef>
+            <a:effectRef idx="1">
+              <a:schemeClr val="accent1"/>
+            </a:effectRef>
+            <a:fontRef idx="minor">
+              <a:schemeClr val="tx1"/>
+            </a:fontRef>
+          </p:style>
+        </p:cxnSp>
+        <p:graphicFrame>
+          <p:nvGraphicFramePr>
+            <p:cNvPr id="63" name="对象 62"/>
+            <p:cNvGraphicFramePr>
+              <a:graphicFrameLocks noChangeAspect="1"/>
+            </p:cNvGraphicFramePr>
+            <p:nvPr>
+              <p:extLst>
+                <p:ext uri="{D42A27DB-BD31-4B8C-83A1-F6EECF244321}">
+                  <p14:modId xmlns:p14="http://schemas.microsoft.com/office/powerpoint/2010/main" val="1155433189"/>
+                </p:ext>
+              </p:extLst>
+            </p:nvPr>
+          </p:nvGraphicFramePr>
+          <p:xfrm>
+            <a:off x="6723922" y="3102507"/>
+            <a:ext cx="522916" cy="271916"/>
+          </p:xfrm>
+          <a:graphic>
+            <a:graphicData uri="http://schemas.openxmlformats.org/presentationml/2006/ole">
+              <mc:AlternateContent xmlns:mc="http://schemas.openxmlformats.org/markup-compatibility/2006">
+                <mc:Choice xmlns:v="urn:schemas-microsoft-com:vml" Requires="v">
+                  <p:oleObj spid="_x0000_s2099" name="Equation" r:id="rId9" imgW="317500" imgH="165100" progId="Equation.DSMT4">
+                    <p:embed/>
+                  </p:oleObj>
+                </mc:Choice>
+                <mc:Fallback>
+                  <p:oleObj name="Equation" r:id="rId9" imgW="317500" imgH="165100" progId="Equation.DSMT4">
+                    <p:embed/>
+                    <p:pic>
+                      <p:nvPicPr>
+                        <p:cNvPr id="0" name=""/>
+                        <p:cNvPicPr/>
+                        <p:nvPr/>
+                      </p:nvPicPr>
+                      <p:blipFill>
+                        <a:blip r:embed="rId10"/>
+                        <a:stretch>
+                          <a:fillRect/>
+                        </a:stretch>
+                      </p:blipFill>
+                      <p:spPr>
+                        <a:xfrm>
+                          <a:off x="6723922" y="3102507"/>
+                          <a:ext cx="522916" cy="271916"/>
+                        </a:xfrm>
+                        <a:prstGeom prst="rect">
+                          <a:avLst/>
+                        </a:prstGeom>
+                      </p:spPr>
+                    </p:pic>
+                  </p:oleObj>
+                </mc:Fallback>
+              </mc:AlternateContent>
+            </a:graphicData>
+          </a:graphic>
+        </p:graphicFrame>
+        <p:grpSp>
+          <p:nvGrpSpPr>
+            <p:cNvPr id="85" name="组 84"/>
+            <p:cNvGrpSpPr/>
+            <p:nvPr/>
+          </p:nvGrpSpPr>
+          <p:grpSpPr>
+            <a:xfrm>
+              <a:off x="2348280" y="1612853"/>
+              <a:ext cx="5110320" cy="426542"/>
+              <a:chOff x="2360475" y="1910793"/>
+              <a:chExt cx="5110320" cy="426542"/>
+            </a:xfrm>
+          </p:grpSpPr>
+          <p:sp>
+            <p:nvSpPr>
+              <p:cNvPr id="64" name="圆角矩形 63"/>
+              <p:cNvSpPr/>
+              <p:nvPr/>
+            </p:nvSpPr>
+            <p:spPr>
+              <a:xfrm>
+                <a:off x="2360475" y="1982636"/>
+                <a:ext cx="5110320" cy="354699"/>
+              </a:xfrm>
+              <a:prstGeom prst="roundRect">
+                <a:avLst/>
+              </a:prstGeom>
+              <a:noFill/>
+              <a:ln>
+                <a:solidFill>
+                  <a:schemeClr val="tx1"/>
+                </a:solidFill>
+              </a:ln>
+            </p:spPr>
+            <p:style>
+              <a:lnRef idx="1">
+                <a:schemeClr val="accent1"/>
+              </a:lnRef>
+              <a:fillRef idx="3">
+                <a:schemeClr val="accent1"/>
+              </a:fillRef>
+              <a:effectRef idx="2">
+                <a:schemeClr val="accent1"/>
+              </a:effectRef>
+              <a:fontRef idx="minor">
+                <a:schemeClr val="lt1"/>
+              </a:fontRef>
+            </p:style>
+            <p:txBody>
+              <a:bodyPr rtlCol="0" anchor="ctr"/>
+              <a:lstStyle/>
+              <a:p>
+                <a:pPr algn="ctr"/>
+                <a:endParaRPr kumimoji="1" lang="zh-CN" altLang="en-US"/>
+              </a:p>
+            </p:txBody>
+          </p:sp>
+          <p:sp>
+            <p:nvSpPr>
+              <p:cNvPr id="65" name="椭圆 64"/>
+              <p:cNvSpPr/>
+              <p:nvPr/>
+            </p:nvSpPr>
+            <p:spPr>
+              <a:xfrm>
+                <a:off x="2603875" y="2050837"/>
+                <a:ext cx="217521" cy="217374"/>
+              </a:xfrm>
+              <a:prstGeom prst="ellipse">
+                <a:avLst/>
+              </a:prstGeom>
+              <a:solidFill>
+                <a:srgbClr val="FF0000"/>
+              </a:solidFill>
+              <a:ln>
+                <a:noFill/>
+              </a:ln>
+            </p:spPr>
+            <p:style>
+              <a:lnRef idx="1">
+                <a:schemeClr val="accent1"/>
+              </a:lnRef>
+              <a:fillRef idx="3">
+                <a:schemeClr val="accent1"/>
+              </a:fillRef>
+              <a:effectRef idx="2">
+                <a:schemeClr val="accent1"/>
+              </a:effectRef>
+              <a:fontRef idx="minor">
+                <a:schemeClr val="lt1"/>
+              </a:fontRef>
+            </p:style>
+            <p:txBody>
+              <a:bodyPr rtlCol="0" anchor="ctr"/>
+              <a:lstStyle/>
+              <a:p>
+                <a:pPr algn="ctr"/>
+                <a:endParaRPr kumimoji="1" lang="zh-CN" altLang="en-US"/>
+              </a:p>
+            </p:txBody>
+          </p:sp>
+          <p:sp>
+            <p:nvSpPr>
+              <p:cNvPr id="66" name="椭圆 65"/>
+              <p:cNvSpPr/>
+              <p:nvPr/>
+            </p:nvSpPr>
+            <p:spPr>
+              <a:xfrm>
+                <a:off x="2966742" y="2050837"/>
+                <a:ext cx="217521" cy="217374"/>
+              </a:xfrm>
+              <a:prstGeom prst="ellipse">
+                <a:avLst/>
+              </a:prstGeom>
+              <a:solidFill>
+                <a:srgbClr val="FF0000"/>
+              </a:solidFill>
+              <a:ln>
+                <a:noFill/>
+              </a:ln>
+            </p:spPr>
+            <p:style>
+              <a:lnRef idx="1">
+                <a:schemeClr val="accent1"/>
+              </a:lnRef>
+              <a:fillRef idx="3">
+                <a:schemeClr val="accent1"/>
+              </a:fillRef>
+              <a:effectRef idx="2">
+                <a:schemeClr val="accent1"/>
+              </a:effectRef>
+              <a:fontRef idx="minor">
+                <a:schemeClr val="lt1"/>
+              </a:fontRef>
+            </p:style>
+            <p:txBody>
+              <a:bodyPr rtlCol="0" anchor="ctr"/>
+              <a:lstStyle/>
+              <a:p>
+                <a:pPr algn="ctr"/>
+                <a:endParaRPr kumimoji="1" lang="zh-CN" altLang="en-US"/>
+              </a:p>
+            </p:txBody>
+          </p:sp>
+          <p:sp>
+            <p:nvSpPr>
+              <p:cNvPr id="67" name="椭圆 66"/>
+              <p:cNvSpPr/>
+              <p:nvPr/>
+            </p:nvSpPr>
+            <p:spPr>
+              <a:xfrm>
+                <a:off x="6707236" y="2074193"/>
+                <a:ext cx="217521" cy="217374"/>
+              </a:xfrm>
+              <a:prstGeom prst="ellipse">
+                <a:avLst/>
+              </a:prstGeom>
+              <a:solidFill>
+                <a:srgbClr val="FF0000"/>
+              </a:solidFill>
+              <a:ln>
+                <a:noFill/>
+              </a:ln>
+            </p:spPr>
+            <p:style>
+              <a:lnRef idx="1">
+                <a:schemeClr val="accent1"/>
+              </a:lnRef>
+              <a:fillRef idx="3">
+                <a:schemeClr val="accent1"/>
+              </a:fillRef>
+              <a:effectRef idx="2">
+                <a:schemeClr val="accent1"/>
+              </a:effectRef>
+              <a:fontRef idx="minor">
+                <a:schemeClr val="lt1"/>
+              </a:fontRef>
+            </p:style>
+            <p:txBody>
+              <a:bodyPr rtlCol="0" anchor="ctr"/>
+              <a:lstStyle/>
+              <a:p>
+                <a:pPr algn="ctr"/>
+                <a:endParaRPr kumimoji="1" lang="zh-CN" altLang="en-US"/>
+              </a:p>
+            </p:txBody>
+          </p:sp>
+          <p:sp>
+            <p:nvSpPr>
+              <p:cNvPr id="68" name="文本框 67"/>
+              <p:cNvSpPr txBox="1"/>
+              <p:nvPr/>
+            </p:nvSpPr>
+            <p:spPr>
+              <a:xfrm>
+                <a:off x="3520861" y="1925419"/>
+                <a:ext cx="344272" cy="369332"/>
+              </a:xfrm>
+              <a:prstGeom prst="rect">
+                <a:avLst/>
+              </a:prstGeom>
+              <a:noFill/>
+            </p:spPr>
+            <p:txBody>
+              <a:bodyPr wrap="none" rtlCol="0">
+                <a:spAutoFit/>
+              </a:bodyPr>
+              <a:lstStyle/>
+              <a:p>
+                <a:r>
+                  <a:rPr kumimoji="1" lang="en-US" altLang="zh-CN" dirty="0" smtClean="0"/>
+                  <a:t>…</a:t>
+                </a:r>
+                <a:endParaRPr kumimoji="1" lang="zh-CN" altLang="en-US" dirty="0"/>
+              </a:p>
+            </p:txBody>
+          </p:sp>
+          <p:sp>
+            <p:nvSpPr>
+              <p:cNvPr id="69" name="文本框 68"/>
+              <p:cNvSpPr txBox="1"/>
+              <p:nvPr/>
+            </p:nvSpPr>
+            <p:spPr>
+              <a:xfrm>
+                <a:off x="5899023" y="1910793"/>
+                <a:ext cx="344272" cy="369332"/>
+              </a:xfrm>
+              <a:prstGeom prst="rect">
+                <a:avLst/>
+              </a:prstGeom>
+              <a:noFill/>
+            </p:spPr>
+            <p:txBody>
+              <a:bodyPr wrap="none" rtlCol="0">
+                <a:spAutoFit/>
+              </a:bodyPr>
+              <a:lstStyle/>
+              <a:p>
+                <a:r>
+                  <a:rPr kumimoji="1" lang="en-US" altLang="zh-CN" dirty="0" smtClean="0"/>
+                  <a:t>…</a:t>
+                </a:r>
+                <a:endParaRPr kumimoji="1" lang="zh-CN" altLang="en-US" dirty="0"/>
+              </a:p>
+            </p:txBody>
+          </p:sp>
+          <p:sp>
+            <p:nvSpPr>
+              <p:cNvPr id="70" name="椭圆 69"/>
+              <p:cNvSpPr/>
+              <p:nvPr/>
+            </p:nvSpPr>
+            <p:spPr>
+              <a:xfrm>
+                <a:off x="4828943" y="2043051"/>
+                <a:ext cx="217521" cy="217374"/>
+              </a:xfrm>
+              <a:prstGeom prst="ellipse">
+                <a:avLst/>
+              </a:prstGeom>
+              <a:solidFill>
+                <a:srgbClr val="FF0000"/>
+              </a:solidFill>
+              <a:ln>
+                <a:noFill/>
+              </a:ln>
+            </p:spPr>
+            <p:style>
+              <a:lnRef idx="1">
+                <a:schemeClr val="accent1"/>
+              </a:lnRef>
+              <a:fillRef idx="3">
+                <a:schemeClr val="accent1"/>
+              </a:fillRef>
+              <a:effectRef idx="2">
+                <a:schemeClr val="accent1"/>
+              </a:effectRef>
+              <a:fontRef idx="minor">
+                <a:schemeClr val="lt1"/>
+              </a:fontRef>
+            </p:style>
+            <p:txBody>
+              <a:bodyPr rtlCol="0" anchor="ctr"/>
+              <a:lstStyle/>
+              <a:p>
+                <a:pPr algn="ctr"/>
+                <a:endParaRPr kumimoji="1" lang="zh-CN" altLang="en-US"/>
+              </a:p>
+            </p:txBody>
+          </p:sp>
+          <p:sp>
+            <p:nvSpPr>
+              <p:cNvPr id="71" name="椭圆 70"/>
+              <p:cNvSpPr/>
+              <p:nvPr/>
+            </p:nvSpPr>
+            <p:spPr>
+              <a:xfrm>
+                <a:off x="7075929" y="2077377"/>
+                <a:ext cx="217521" cy="217374"/>
+              </a:xfrm>
+              <a:prstGeom prst="ellipse">
+                <a:avLst/>
+              </a:prstGeom>
+              <a:solidFill>
+                <a:srgbClr val="FF0000"/>
+              </a:solidFill>
+              <a:ln>
+                <a:noFill/>
+              </a:ln>
+            </p:spPr>
+            <p:style>
+              <a:lnRef idx="1">
+                <a:schemeClr val="accent1"/>
+              </a:lnRef>
+              <a:fillRef idx="3">
+                <a:schemeClr val="accent1"/>
+              </a:fillRef>
+              <a:effectRef idx="2">
+                <a:schemeClr val="accent1"/>
+              </a:effectRef>
+              <a:fontRef idx="minor">
+                <a:schemeClr val="lt1"/>
+              </a:fontRef>
+            </p:style>
+            <p:txBody>
+              <a:bodyPr rtlCol="0" anchor="ctr"/>
+              <a:lstStyle/>
+              <a:p>
+                <a:pPr algn="ctr"/>
+                <a:endParaRPr kumimoji="1" lang="zh-CN" altLang="en-US"/>
+              </a:p>
+            </p:txBody>
+          </p:sp>
+        </p:grpSp>
+        <p:graphicFrame>
+          <p:nvGraphicFramePr>
+            <p:cNvPr id="73" name="对象 72"/>
+            <p:cNvGraphicFramePr>
+              <a:graphicFrameLocks noChangeAspect="1"/>
+            </p:cNvGraphicFramePr>
+            <p:nvPr>
+              <p:extLst>
+                <p:ext uri="{D42A27DB-BD31-4B8C-83A1-F6EECF244321}">
+                  <p14:modId xmlns:p14="http://schemas.microsoft.com/office/powerpoint/2010/main" val="598672473"/>
+                </p:ext>
+              </p:extLst>
+            </p:nvPr>
+          </p:nvGraphicFramePr>
+          <p:xfrm>
+            <a:off x="7654764" y="2039395"/>
+            <a:ext cx="788030" cy="243914"/>
+          </p:xfrm>
+          <a:graphic>
+            <a:graphicData uri="http://schemas.openxmlformats.org/presentationml/2006/ole">
+              <mc:AlternateContent xmlns:mc="http://schemas.openxmlformats.org/markup-compatibility/2006">
+                <mc:Choice xmlns:v="urn:schemas-microsoft-com:vml" Requires="v">
+                  <p:oleObj spid="_x0000_s2100" name="Equation" r:id="rId11" imgW="533400" imgH="165100" progId="Equation.DSMT4">
+                    <p:embed/>
+                  </p:oleObj>
+                </mc:Choice>
+                <mc:Fallback>
+                  <p:oleObj name="Equation" r:id="rId11" imgW="533400" imgH="165100" progId="Equation.DSMT4">
+                    <p:embed/>
+                    <p:pic>
+                      <p:nvPicPr>
+                        <p:cNvPr id="0" name=""/>
+                        <p:cNvPicPr/>
+                        <p:nvPr/>
+                      </p:nvPicPr>
+                      <p:blipFill>
+                        <a:blip r:embed="rId12"/>
+                        <a:stretch>
+                          <a:fillRect/>
+                        </a:stretch>
+                      </p:blipFill>
+                      <p:spPr>
+                        <a:xfrm>
+                          <a:off x="7654764" y="2039395"/>
+                          <a:ext cx="788030" cy="243914"/>
+                        </a:xfrm>
+                        <a:prstGeom prst="rect">
+                          <a:avLst/>
+                        </a:prstGeom>
+                      </p:spPr>
+                    </p:pic>
+                  </p:oleObj>
+                </mc:Fallback>
+              </mc:AlternateContent>
+            </a:graphicData>
+          </a:graphic>
+        </p:graphicFrame>
+        <p:cxnSp>
+          <p:nvCxnSpPr>
+            <p:cNvPr id="74" name="直线箭头连接符 73"/>
+            <p:cNvCxnSpPr>
+              <a:stCxn id="23" idx="0"/>
+              <a:endCxn id="64" idx="2"/>
+            </p:cNvCxnSpPr>
+            <p:nvPr/>
+          </p:nvCxnSpPr>
+          <p:spPr>
+            <a:xfrm flipV="1">
+              <a:off x="4903440" y="2039395"/>
+              <a:ext cx="0" cy="1049452"/>
+            </a:xfrm>
+            <a:prstGeom prst="straightConnector1">
+              <a:avLst/>
+            </a:prstGeom>
+            <a:ln>
+              <a:solidFill>
+                <a:srgbClr val="000000"/>
+              </a:solidFill>
+              <a:tailEnd type="arrow"/>
+            </a:ln>
+          </p:spPr>
+          <p:style>
+            <a:lnRef idx="2">
+              <a:schemeClr val="accent1"/>
+            </a:lnRef>
+            <a:fillRef idx="0">
+              <a:schemeClr val="accent1"/>
+            </a:fillRef>
+            <a:effectRef idx="1">
+              <a:schemeClr val="accent1"/>
+            </a:effectRef>
+            <a:fontRef idx="minor">
+              <a:schemeClr val="tx1"/>
+            </a:fontRef>
+          </p:style>
+        </p:cxnSp>
+        <p:graphicFrame>
+          <p:nvGraphicFramePr>
+            <p:cNvPr id="77" name="对象 76"/>
+            <p:cNvGraphicFramePr>
+              <a:graphicFrameLocks noChangeAspect="1"/>
+            </p:cNvGraphicFramePr>
+            <p:nvPr>
+              <p:extLst>
+                <p:ext uri="{D42A27DB-BD31-4B8C-83A1-F6EECF244321}">
+                  <p14:modId xmlns:p14="http://schemas.microsoft.com/office/powerpoint/2010/main" val="2305387748"/>
+                </p:ext>
+              </p:extLst>
+            </p:nvPr>
+          </p:nvGraphicFramePr>
+          <p:xfrm>
+            <a:off x="3825618" y="1185563"/>
+            <a:ext cx="2414060" cy="288246"/>
+          </p:xfrm>
+          <a:graphic>
+            <a:graphicData uri="http://schemas.openxmlformats.org/presentationml/2006/ole">
+              <mc:AlternateContent xmlns:mc="http://schemas.openxmlformats.org/markup-compatibility/2006">
+                <mc:Choice xmlns:v="urn:schemas-microsoft-com:vml" Requires="v">
+                  <p:oleObj spid="_x0000_s2101" name="Equation" r:id="rId13" imgW="1701800" imgH="203200" progId="Equation.DSMT4">
+                    <p:embed/>
+                  </p:oleObj>
+                </mc:Choice>
+                <mc:Fallback>
+                  <p:oleObj name="Equation" r:id="rId13" imgW="1701800" imgH="203200" progId="Equation.DSMT4">
+                    <p:embed/>
+                    <p:pic>
+                      <p:nvPicPr>
+                        <p:cNvPr id="0" name=""/>
+                        <p:cNvPicPr/>
+                        <p:nvPr/>
+                      </p:nvPicPr>
+                      <p:blipFill>
+                        <a:blip r:embed="rId14"/>
+                        <a:stretch>
+                          <a:fillRect/>
+                        </a:stretch>
+                      </p:blipFill>
+                      <p:spPr>
+                        <a:xfrm>
+                          <a:off x="3825618" y="1185563"/>
+                          <a:ext cx="2414060" cy="288246"/>
+                        </a:xfrm>
+                        <a:prstGeom prst="rect">
+                          <a:avLst/>
+                        </a:prstGeom>
+                      </p:spPr>
+                    </p:pic>
+                  </p:oleObj>
+                </mc:Fallback>
+              </mc:AlternateContent>
+            </a:graphicData>
+          </a:graphic>
+        </p:graphicFrame>
+        <p:graphicFrame>
+          <p:nvGraphicFramePr>
+            <p:cNvPr id="81" name="对象 80"/>
+            <p:cNvGraphicFramePr>
+              <a:graphicFrameLocks noChangeAspect="1"/>
+            </p:cNvGraphicFramePr>
+            <p:nvPr>
+              <p:extLst>
+                <p:ext uri="{D42A27DB-BD31-4B8C-83A1-F6EECF244321}">
+                  <p14:modId xmlns:p14="http://schemas.microsoft.com/office/powerpoint/2010/main" val="1602991685"/>
+                </p:ext>
+              </p:extLst>
+            </p:nvPr>
+          </p:nvGraphicFramePr>
+          <p:xfrm>
+            <a:off x="7742891" y="4594631"/>
+            <a:ext cx="237788" cy="229731"/>
+          </p:xfrm>
+          <a:graphic>
+            <a:graphicData uri="http://schemas.openxmlformats.org/presentationml/2006/ole">
+              <mc:AlternateContent xmlns:mc="http://schemas.openxmlformats.org/markup-compatibility/2006">
+                <mc:Choice xmlns:v="urn:schemas-microsoft-com:vml" Requires="v">
+                  <p:oleObj spid="_x0000_s2102" name="Equation" r:id="rId15" imgW="127000" imgH="127000" progId="Equation.DSMT4">
+                    <p:embed/>
+                  </p:oleObj>
+                </mc:Choice>
+                <mc:Fallback>
+                  <p:oleObj name="Equation" r:id="rId15" imgW="127000" imgH="127000" progId="Equation.DSMT4">
+                    <p:embed/>
+                    <p:pic>
+                      <p:nvPicPr>
+                        <p:cNvPr id="0" name=""/>
+                        <p:cNvPicPr/>
+                        <p:nvPr/>
+                      </p:nvPicPr>
+                      <p:blipFill>
+                        <a:blip r:embed="rId16"/>
+                        <a:stretch>
+                          <a:fillRect/>
+                        </a:stretch>
+                      </p:blipFill>
+                      <p:spPr>
+                        <a:xfrm>
+                          <a:off x="7742891" y="4594631"/>
+                          <a:ext cx="237788" cy="229731"/>
+                        </a:xfrm>
+                        <a:prstGeom prst="rect">
+                          <a:avLst/>
+                        </a:prstGeom>
+                      </p:spPr>
+                    </p:pic>
+                  </p:oleObj>
+                </mc:Fallback>
+              </mc:AlternateContent>
+            </a:graphicData>
+          </a:graphic>
+        </p:graphicFrame>
+        <p:graphicFrame>
+          <p:nvGraphicFramePr>
+            <p:cNvPr id="82" name="对象 81"/>
+            <p:cNvGraphicFramePr>
+              <a:graphicFrameLocks noChangeAspect="1"/>
+            </p:cNvGraphicFramePr>
+            <p:nvPr>
+              <p:extLst>
+                <p:ext uri="{D42A27DB-BD31-4B8C-83A1-F6EECF244321}">
+                  <p14:modId xmlns:p14="http://schemas.microsoft.com/office/powerpoint/2010/main" val="482926429"/>
+                </p:ext>
+              </p:extLst>
+            </p:nvPr>
+          </p:nvGraphicFramePr>
+          <p:xfrm>
+            <a:off x="5008576" y="3867686"/>
+            <a:ext cx="333352" cy="285730"/>
+          </p:xfrm>
+          <a:graphic>
+            <a:graphicData uri="http://schemas.openxmlformats.org/presentationml/2006/ole">
+              <mc:AlternateContent xmlns:mc="http://schemas.openxmlformats.org/markup-compatibility/2006">
+                <mc:Choice xmlns:v="urn:schemas-microsoft-com:vml" Requires="v">
+                  <p:oleObj spid="_x0000_s2103" name="Equation" r:id="rId17" imgW="177800" imgH="152400" progId="Equation.DSMT4">
+                    <p:embed/>
+                  </p:oleObj>
+                </mc:Choice>
+                <mc:Fallback>
+                  <p:oleObj name="Equation" r:id="rId17" imgW="177800" imgH="152400" progId="Equation.DSMT4">
+                    <p:embed/>
+                    <p:pic>
+                      <p:nvPicPr>
+                        <p:cNvPr id="0" name=""/>
+                        <p:cNvPicPr/>
+                        <p:nvPr/>
+                      </p:nvPicPr>
+                      <p:blipFill>
+                        <a:blip r:embed="rId18"/>
+                        <a:stretch>
+                          <a:fillRect/>
+                        </a:stretch>
+                      </p:blipFill>
+                      <p:spPr>
+                        <a:xfrm>
+                          <a:off x="5008576" y="3867686"/>
+                          <a:ext cx="333352" cy="285730"/>
+                        </a:xfrm>
+                        <a:prstGeom prst="rect">
+                          <a:avLst/>
+                        </a:prstGeom>
+                      </p:spPr>
+                    </p:pic>
+                  </p:oleObj>
+                </mc:Fallback>
+              </mc:AlternateContent>
+            </a:graphicData>
+          </a:graphic>
+        </p:graphicFrame>
+        <p:graphicFrame>
+          <p:nvGraphicFramePr>
+            <p:cNvPr id="83" name="对象 82"/>
+            <p:cNvGraphicFramePr>
+              <a:graphicFrameLocks noChangeAspect="1"/>
+            </p:cNvGraphicFramePr>
+            <p:nvPr>
+              <p:extLst>
+                <p:ext uri="{D42A27DB-BD31-4B8C-83A1-F6EECF244321}">
+                  <p14:modId xmlns:p14="http://schemas.microsoft.com/office/powerpoint/2010/main" val="2471395301"/>
+                </p:ext>
+              </p:extLst>
+            </p:nvPr>
+          </p:nvGraphicFramePr>
+          <p:xfrm>
+            <a:off x="5079895" y="2493365"/>
+            <a:ext cx="254306" cy="254306"/>
+          </p:xfrm>
+          <a:graphic>
+            <a:graphicData uri="http://schemas.openxmlformats.org/presentationml/2006/ole">
+              <mc:AlternateContent xmlns:mc="http://schemas.openxmlformats.org/markup-compatibility/2006">
+                <mc:Choice xmlns:v="urn:schemas-microsoft-com:vml" Requires="v">
+                  <p:oleObj spid="_x0000_s2104" name="Equation" r:id="rId19" imgW="152400" imgH="152400" progId="Equation.DSMT4">
+                    <p:embed/>
+                  </p:oleObj>
+                </mc:Choice>
+                <mc:Fallback>
+                  <p:oleObj name="Equation" r:id="rId19" imgW="152400" imgH="152400" progId="Equation.DSMT4">
+                    <p:embed/>
+                    <p:pic>
+                      <p:nvPicPr>
+                        <p:cNvPr id="0" name=""/>
+                        <p:cNvPicPr/>
+                        <p:nvPr/>
+                      </p:nvPicPr>
+                      <p:blipFill>
+                        <a:blip r:embed="rId20"/>
+                        <a:stretch>
+                          <a:fillRect/>
+                        </a:stretch>
+                      </p:blipFill>
+                      <p:spPr>
+                        <a:xfrm>
+                          <a:off x="5079895" y="2493365"/>
+                          <a:ext cx="254306" cy="254306"/>
+                        </a:xfrm>
+                        <a:prstGeom prst="rect">
+                          <a:avLst/>
+                        </a:prstGeom>
+                      </p:spPr>
+                    </p:pic>
+                  </p:oleObj>
+                </mc:Fallback>
+              </mc:AlternateContent>
+            </a:graphicData>
+          </a:graphic>
+        </p:graphicFrame>
+        <p:graphicFrame>
+          <p:nvGraphicFramePr>
+            <p:cNvPr id="86" name="对象 85"/>
+            <p:cNvGraphicFramePr>
+              <a:graphicFrameLocks noChangeAspect="1"/>
+            </p:cNvGraphicFramePr>
+            <p:nvPr>
+              <p:extLst>
+                <p:ext uri="{D42A27DB-BD31-4B8C-83A1-F6EECF244321}">
+                  <p14:modId xmlns:p14="http://schemas.microsoft.com/office/powerpoint/2010/main" val="1187530266"/>
+                </p:ext>
+              </p:extLst>
+            </p:nvPr>
+          </p:nvGraphicFramePr>
+          <p:xfrm>
+            <a:off x="1455738" y="4103688"/>
+            <a:ext cx="954087" cy="331787"/>
+          </p:xfrm>
+          <a:graphic>
+            <a:graphicData uri="http://schemas.openxmlformats.org/presentationml/2006/ole">
+              <mc:AlternateContent xmlns:mc="http://schemas.openxmlformats.org/markup-compatibility/2006">
+                <mc:Choice xmlns:v="urn:schemas-microsoft-com:vml" Requires="v">
+                  <p:oleObj spid="_x0000_s2105" name="Equation" r:id="rId21" imgW="584200" imgH="203200" progId="Equation.DSMT4">
+                    <p:embed/>
+                  </p:oleObj>
+                </mc:Choice>
+                <mc:Fallback>
+                  <p:oleObj name="Equation" r:id="rId21" imgW="584200" imgH="203200" progId="Equation.DSMT4">
+                    <p:embed/>
+                    <p:pic>
+                      <p:nvPicPr>
+                        <p:cNvPr id="0" name=""/>
+                        <p:cNvPicPr/>
+                        <p:nvPr/>
+                      </p:nvPicPr>
+                      <p:blipFill>
+                        <a:blip r:embed="rId22"/>
+                        <a:stretch>
+                          <a:fillRect/>
+                        </a:stretch>
+                      </p:blipFill>
+                      <p:spPr>
+                        <a:xfrm>
+                          <a:off x="1455738" y="4103688"/>
+                          <a:ext cx="954087" cy="331787"/>
+                        </a:xfrm>
+                        <a:prstGeom prst="rect">
+                          <a:avLst/>
+                        </a:prstGeom>
+                      </p:spPr>
+                    </p:pic>
+                  </p:oleObj>
+                </mc:Fallback>
+              </mc:AlternateContent>
+            </a:graphicData>
+          </a:graphic>
+        </p:graphicFrame>
+        <p:graphicFrame>
+          <p:nvGraphicFramePr>
+            <p:cNvPr id="87" name="对象 86"/>
+            <p:cNvGraphicFramePr>
+              <a:graphicFrameLocks noChangeAspect="1"/>
+            </p:cNvGraphicFramePr>
+            <p:nvPr>
+              <p:extLst>
+                <p:ext uri="{D42A27DB-BD31-4B8C-83A1-F6EECF244321}">
+                  <p14:modId xmlns:p14="http://schemas.microsoft.com/office/powerpoint/2010/main" val="2668203937"/>
+                </p:ext>
+              </p:extLst>
+            </p:nvPr>
+          </p:nvGraphicFramePr>
+          <p:xfrm>
+            <a:off x="3881438" y="4130675"/>
+            <a:ext cx="830262" cy="331788"/>
+          </p:xfrm>
+          <a:graphic>
+            <a:graphicData uri="http://schemas.openxmlformats.org/presentationml/2006/ole">
+              <mc:AlternateContent xmlns:mc="http://schemas.openxmlformats.org/markup-compatibility/2006">
+                <mc:Choice xmlns:v="urn:schemas-microsoft-com:vml" Requires="v">
+                  <p:oleObj spid="_x0000_s2106" name="Equation" r:id="rId23" imgW="508000" imgH="203200" progId="Equation.DSMT4">
+                    <p:embed/>
+                  </p:oleObj>
+                </mc:Choice>
+                <mc:Fallback>
+                  <p:oleObj name="Equation" r:id="rId23" imgW="508000" imgH="203200" progId="Equation.DSMT4">
+                    <p:embed/>
+                    <p:pic>
+                      <p:nvPicPr>
+                        <p:cNvPr id="0" name=""/>
+                        <p:cNvPicPr/>
+                        <p:nvPr/>
+                      </p:nvPicPr>
+                      <p:blipFill>
+                        <a:blip r:embed="rId24"/>
+                        <a:stretch>
+                          <a:fillRect/>
+                        </a:stretch>
+                      </p:blipFill>
+                      <p:spPr>
+                        <a:xfrm>
+                          <a:off x="3881438" y="4130675"/>
+                          <a:ext cx="830262" cy="331788"/>
+                        </a:xfrm>
+                        <a:prstGeom prst="rect">
+                          <a:avLst/>
+                        </a:prstGeom>
+                      </p:spPr>
+                    </p:pic>
+                  </p:oleObj>
+                </mc:Fallback>
+              </mc:AlternateContent>
+            </a:graphicData>
+          </a:graphic>
+        </p:graphicFrame>
+        <p:graphicFrame>
+          <p:nvGraphicFramePr>
+            <p:cNvPr id="88" name="对象 87"/>
+            <p:cNvGraphicFramePr>
+              <a:graphicFrameLocks noChangeAspect="1"/>
+            </p:cNvGraphicFramePr>
+            <p:nvPr>
+              <p:extLst>
+                <p:ext uri="{D42A27DB-BD31-4B8C-83A1-F6EECF244321}">
+                  <p14:modId xmlns:p14="http://schemas.microsoft.com/office/powerpoint/2010/main" val="2283887273"/>
+                </p:ext>
+              </p:extLst>
+            </p:nvPr>
+          </p:nvGraphicFramePr>
+          <p:xfrm>
+            <a:off x="6862763" y="4130675"/>
+            <a:ext cx="788987" cy="331788"/>
+          </p:xfrm>
+          <a:graphic>
+            <a:graphicData uri="http://schemas.openxmlformats.org/presentationml/2006/ole">
+              <mc:AlternateContent xmlns:mc="http://schemas.openxmlformats.org/markup-compatibility/2006">
+                <mc:Choice xmlns:v="urn:schemas-microsoft-com:vml" Requires="v">
+                  <p:oleObj spid="_x0000_s2107" name="Equation" r:id="rId25" imgW="482600" imgH="203200" progId="Equation.DSMT4">
+                    <p:embed/>
+                  </p:oleObj>
+                </mc:Choice>
+                <mc:Fallback>
+                  <p:oleObj name="Equation" r:id="rId25" imgW="482600" imgH="203200" progId="Equation.DSMT4">
+                    <p:embed/>
+                    <p:pic>
+                      <p:nvPicPr>
+                        <p:cNvPr id="0" name=""/>
+                        <p:cNvPicPr/>
+                        <p:nvPr/>
+                      </p:nvPicPr>
+                      <p:blipFill>
+                        <a:blip r:embed="rId26"/>
+                        <a:stretch>
+                          <a:fillRect/>
+                        </a:stretch>
+                      </p:blipFill>
+                      <p:spPr>
+                        <a:xfrm>
+                          <a:off x="6862763" y="4130675"/>
+                          <a:ext cx="788987" cy="331788"/>
+                        </a:xfrm>
+                        <a:prstGeom prst="rect">
+                          <a:avLst/>
+                        </a:prstGeom>
+                      </p:spPr>
+                    </p:pic>
+                  </p:oleObj>
+                </mc:Fallback>
+              </mc:AlternateContent>
+            </a:graphicData>
+          </a:graphic>
+        </p:graphicFrame>
+      </p:grpSp>
+    </p:spTree>
+    <p:extLst>
+      <p:ext uri="{BB962C8B-B14F-4D97-AF65-F5344CB8AC3E}">
+        <p14:creationId xmlns:p14="http://schemas.microsoft.com/office/powerpoint/2010/main" val="1410417804"/>
       </p:ext>
     </p:extLst>
   </p:cSld>

--- a/latex/figures/graphs.pptx
+++ b/latex/figures/graphs.pptx
@@ -291,7 +291,7 @@
           <a:p>
             <a:fld id="{9424164B-0ACF-0049-B67E-58383D80E56C}" type="datetimeFigureOut">
               <a:rPr kumimoji="1" lang="zh-CN" altLang="en-US" smtClean="0"/>
-              <a:t>5/27/14</a:t>
+              <a:t>5/28/14</a:t>
             </a:fld>
             <a:endParaRPr kumimoji="1" lang="zh-CN" altLang="en-US"/>
           </a:p>
@@ -461,7 +461,7 @@
           <a:p>
             <a:fld id="{9424164B-0ACF-0049-B67E-58383D80E56C}" type="datetimeFigureOut">
               <a:rPr kumimoji="1" lang="zh-CN" altLang="en-US" smtClean="0"/>
-              <a:t>5/27/14</a:t>
+              <a:t>5/28/14</a:t>
             </a:fld>
             <a:endParaRPr kumimoji="1" lang="zh-CN" altLang="en-US"/>
           </a:p>
@@ -641,7 +641,7 @@
           <a:p>
             <a:fld id="{9424164B-0ACF-0049-B67E-58383D80E56C}" type="datetimeFigureOut">
               <a:rPr kumimoji="1" lang="zh-CN" altLang="en-US" smtClean="0"/>
-              <a:t>5/27/14</a:t>
+              <a:t>5/28/14</a:t>
             </a:fld>
             <a:endParaRPr kumimoji="1" lang="zh-CN" altLang="en-US"/>
           </a:p>
@@ -811,7 +811,7 @@
           <a:p>
             <a:fld id="{9424164B-0ACF-0049-B67E-58383D80E56C}" type="datetimeFigureOut">
               <a:rPr kumimoji="1" lang="zh-CN" altLang="en-US" smtClean="0"/>
-              <a:t>5/27/14</a:t>
+              <a:t>5/28/14</a:t>
             </a:fld>
             <a:endParaRPr kumimoji="1" lang="zh-CN" altLang="en-US"/>
           </a:p>
@@ -1057,7 +1057,7 @@
           <a:p>
             <a:fld id="{9424164B-0ACF-0049-B67E-58383D80E56C}" type="datetimeFigureOut">
               <a:rPr kumimoji="1" lang="zh-CN" altLang="en-US" smtClean="0"/>
-              <a:t>5/27/14</a:t>
+              <a:t>5/28/14</a:t>
             </a:fld>
             <a:endParaRPr kumimoji="1" lang="zh-CN" altLang="en-US"/>
           </a:p>
@@ -1345,7 +1345,7 @@
           <a:p>
             <a:fld id="{9424164B-0ACF-0049-B67E-58383D80E56C}" type="datetimeFigureOut">
               <a:rPr kumimoji="1" lang="zh-CN" altLang="en-US" smtClean="0"/>
-              <a:t>5/27/14</a:t>
+              <a:t>5/28/14</a:t>
             </a:fld>
             <a:endParaRPr kumimoji="1" lang="zh-CN" altLang="en-US"/>
           </a:p>
@@ -1767,7 +1767,7 @@
           <a:p>
             <a:fld id="{9424164B-0ACF-0049-B67E-58383D80E56C}" type="datetimeFigureOut">
               <a:rPr kumimoji="1" lang="zh-CN" altLang="en-US" smtClean="0"/>
-              <a:t>5/27/14</a:t>
+              <a:t>5/28/14</a:t>
             </a:fld>
             <a:endParaRPr kumimoji="1" lang="zh-CN" altLang="en-US"/>
           </a:p>
@@ -1885,7 +1885,7 @@
           <a:p>
             <a:fld id="{9424164B-0ACF-0049-B67E-58383D80E56C}" type="datetimeFigureOut">
               <a:rPr kumimoji="1" lang="zh-CN" altLang="en-US" smtClean="0"/>
-              <a:t>5/27/14</a:t>
+              <a:t>5/28/14</a:t>
             </a:fld>
             <a:endParaRPr kumimoji="1" lang="zh-CN" altLang="en-US"/>
           </a:p>
@@ -1980,7 +1980,7 @@
           <a:p>
             <a:fld id="{9424164B-0ACF-0049-B67E-58383D80E56C}" type="datetimeFigureOut">
               <a:rPr kumimoji="1" lang="zh-CN" altLang="en-US" smtClean="0"/>
-              <a:t>5/27/14</a:t>
+              <a:t>5/28/14</a:t>
             </a:fld>
             <a:endParaRPr kumimoji="1" lang="zh-CN" altLang="en-US"/>
           </a:p>
@@ -2257,7 +2257,7 @@
           <a:p>
             <a:fld id="{9424164B-0ACF-0049-B67E-58383D80E56C}" type="datetimeFigureOut">
               <a:rPr kumimoji="1" lang="zh-CN" altLang="en-US" smtClean="0"/>
-              <a:t>5/27/14</a:t>
+              <a:t>5/28/14</a:t>
             </a:fld>
             <a:endParaRPr kumimoji="1" lang="zh-CN" altLang="en-US"/>
           </a:p>
@@ -2510,7 +2510,7 @@
           <a:p>
             <a:fld id="{9424164B-0ACF-0049-B67E-58383D80E56C}" type="datetimeFigureOut">
               <a:rPr kumimoji="1" lang="zh-CN" altLang="en-US" smtClean="0"/>
-              <a:t>5/27/14</a:t>
+              <a:t>5/28/14</a:t>
             </a:fld>
             <a:endParaRPr kumimoji="1" lang="zh-CN" altLang="en-US"/>
           </a:p>
@@ -2723,7 +2723,7 @@
           <a:p>
             <a:fld id="{9424164B-0ACF-0049-B67E-58383D80E56C}" type="datetimeFigureOut">
               <a:rPr kumimoji="1" lang="zh-CN" altLang="en-US" smtClean="0"/>
-              <a:t>5/27/14</a:t>
+              <a:t>5/28/14</a:t>
             </a:fld>
             <a:endParaRPr kumimoji="1" lang="zh-CN" altLang="en-US"/>
           </a:p>
@@ -4126,7 +4126,7 @@
         </p:nvSpPr>
         <p:spPr>
           <a:xfrm>
-            <a:off x="3432218" y="2660879"/>
+            <a:off x="2230941" y="2870334"/>
             <a:ext cx="1761872" cy="697957"/>
           </a:xfrm>
           <a:prstGeom prst="rect">
@@ -4202,7 +4202,7 @@
         </p:nvSpPr>
         <p:spPr>
           <a:xfrm>
-            <a:off x="3432218" y="3841619"/>
+            <a:off x="4633495" y="2852538"/>
             <a:ext cx="1761872" cy="697957"/>
           </a:xfrm>
           <a:prstGeom prst="rect">
@@ -4235,13 +4235,22 @@
           <a:p>
             <a:pPr algn="ctr"/>
             <a:r>
-              <a:rPr kumimoji="1" lang="zh-CN" altLang="en-US" smtClean="0">
+              <a:rPr kumimoji="1" lang="zh-CN" altLang="en-US" dirty="0" smtClean="0">
                 <a:solidFill>
                   <a:schemeClr val="tx1"/>
                 </a:solidFill>
                 <a:latin typeface="+mn-ea"/>
               </a:rPr>
-              <a:t>实例构建</a:t>
+              <a:t>实例</a:t>
+            </a:r>
+            <a:r>
+              <a:rPr kumimoji="1" lang="zh-CN" altLang="en-US" dirty="0" smtClean="0">
+                <a:solidFill>
+                  <a:schemeClr val="tx1"/>
+                </a:solidFill>
+                <a:latin typeface="+mn-ea"/>
+              </a:rPr>
+              <a:t>抽取</a:t>
             </a:r>
             <a:endParaRPr kumimoji="1" lang="en-US" altLang="zh-CN" dirty="0" smtClean="0">
               <a:solidFill>
@@ -4272,89 +4281,13 @@
       </p:sp>
       <p:sp>
         <p:nvSpPr>
-          <p:cNvPr id="8" name="矩形 7"/>
-          <p:cNvSpPr/>
-          <p:nvPr/>
-        </p:nvSpPr>
-        <p:spPr>
-          <a:xfrm>
-            <a:off x="6132230" y="3326100"/>
-            <a:ext cx="1761872" cy="697957"/>
-          </a:xfrm>
-          <a:prstGeom prst="rect">
-            <a:avLst/>
-          </a:prstGeom>
-          <a:noFill/>
-          <a:ln>
-            <a:solidFill>
-              <a:schemeClr val="tx1"/>
-            </a:solidFill>
-          </a:ln>
-        </p:spPr>
-        <p:style>
-          <a:lnRef idx="1">
-            <a:schemeClr val="accent1"/>
-          </a:lnRef>
-          <a:fillRef idx="3">
-            <a:schemeClr val="accent1"/>
-          </a:fillRef>
-          <a:effectRef idx="2">
-            <a:schemeClr val="accent1"/>
-          </a:effectRef>
-          <a:fontRef idx="minor">
-            <a:schemeClr val="lt1"/>
-          </a:fontRef>
-        </p:style>
-        <p:txBody>
-          <a:bodyPr rtlCol="0" anchor="ctr"/>
-          <a:lstStyle/>
-          <a:p>
-            <a:pPr algn="ctr"/>
-            <a:r>
-              <a:rPr kumimoji="1" lang="zh-CN" altLang="en-US" dirty="0" smtClean="0">
-                <a:solidFill>
-                  <a:schemeClr val="tx1"/>
-                </a:solidFill>
-                <a:latin typeface="+mn-ea"/>
-              </a:rPr>
-              <a:t>知识发现</a:t>
-            </a:r>
-            <a:endParaRPr kumimoji="1" lang="en-US" altLang="zh-CN" dirty="0" smtClean="0">
-              <a:solidFill>
-                <a:schemeClr val="tx1"/>
-              </a:solidFill>
-              <a:latin typeface="+mn-ea"/>
-            </a:endParaRPr>
-          </a:p>
-          <a:p>
-            <a:pPr algn="ctr"/>
-            <a:r>
-              <a:rPr kumimoji="1" lang="zh-CN" altLang="en-US" dirty="0" smtClean="0">
-                <a:solidFill>
-                  <a:schemeClr val="tx1"/>
-                </a:solidFill>
-                <a:latin typeface="+mn-ea"/>
-              </a:rPr>
-              <a:t>第五章</a:t>
-            </a:r>
-            <a:endParaRPr kumimoji="1" lang="zh-CN" altLang="en-US" dirty="0">
-              <a:solidFill>
-                <a:schemeClr val="tx1"/>
-              </a:solidFill>
-              <a:latin typeface="+mn-ea"/>
-            </a:endParaRPr>
-          </a:p>
-        </p:txBody>
-      </p:sp>
-      <p:sp>
-        <p:nvSpPr>
           <p:cNvPr id="9" name="矩形 8"/>
           <p:cNvSpPr/>
           <p:nvPr/>
         </p:nvSpPr>
         <p:spPr>
           <a:xfrm>
-            <a:off x="6132230" y="4530355"/>
+            <a:off x="3432218" y="4176933"/>
             <a:ext cx="1761872" cy="697957"/>
           </a:xfrm>
           <a:prstGeom prst="rect">
@@ -4411,7 +4344,25 @@
                 </a:solidFill>
                 <a:latin typeface="+mn-ea"/>
               </a:rPr>
-              <a:t>第六章</a:t>
+              <a:t>第</a:t>
+            </a:r>
+            <a:r>
+              <a:rPr kumimoji="1" lang="zh-CN" altLang="en-US" dirty="0" smtClean="0">
+                <a:solidFill>
+                  <a:schemeClr val="tx1"/>
+                </a:solidFill>
+                <a:latin typeface="+mn-ea"/>
+              </a:rPr>
+              <a:t>五</a:t>
+            </a:r>
+            <a:r>
+              <a:rPr kumimoji="1" lang="zh-CN" altLang="en-US" dirty="0" smtClean="0">
+                <a:solidFill>
+                  <a:schemeClr val="tx1"/>
+                </a:solidFill>
+                <a:latin typeface="+mn-ea"/>
+              </a:rPr>
+              <a:t>章</a:t>
             </a:r>
             <a:endParaRPr kumimoji="1" lang="zh-CN" altLang="en-US" dirty="0">
               <a:solidFill>
@@ -4547,9 +4498,9 @@
           <p:nvPr/>
         </p:nvCxnSpPr>
         <p:spPr>
-          <a:xfrm>
-            <a:off x="4313154" y="2204157"/>
-            <a:ext cx="0" cy="456722"/>
+          <a:xfrm flipH="1">
+            <a:off x="3111877" y="2204157"/>
+            <a:ext cx="1201277" cy="666177"/>
           </a:xfrm>
           <a:prstGeom prst="straightConnector1">
             <a:avLst/>
@@ -4580,15 +4531,14 @@
         <p:nvCxnSpPr>
           <p:cNvPr id="16" name="直线箭头连接符 15"/>
           <p:cNvCxnSpPr>
-            <a:stCxn id="6" idx="2"/>
             <a:endCxn id="7" idx="0"/>
           </p:cNvCxnSpPr>
           <p:nvPr/>
         </p:nvCxnSpPr>
         <p:spPr>
           <a:xfrm>
-            <a:off x="4313154" y="3358836"/>
-            <a:ext cx="0" cy="482783"/>
+            <a:off x="4313154" y="2204157"/>
+            <a:ext cx="1201277" cy="648381"/>
           </a:xfrm>
           <a:prstGeom prst="straightConnector1">
             <a:avLst/>
@@ -4617,95 +4567,17 @@
       </p:cxnSp>
       <p:cxnSp>
         <p:nvCxnSpPr>
-          <p:cNvPr id="25" name="直线箭头连接符 24"/>
-          <p:cNvCxnSpPr>
-            <a:stCxn id="6" idx="3"/>
-            <a:endCxn id="8" idx="1"/>
-          </p:cNvCxnSpPr>
-          <p:nvPr/>
-        </p:nvCxnSpPr>
-        <p:spPr>
-          <a:xfrm>
-            <a:off x="5194090" y="3009858"/>
-            <a:ext cx="938140" cy="665221"/>
-          </a:xfrm>
-          <a:prstGeom prst="straightConnector1">
-            <a:avLst/>
-          </a:prstGeom>
-          <a:ln>
-            <a:solidFill>
-              <a:srgbClr val="000000"/>
-            </a:solidFill>
-            <a:tailEnd type="arrow"/>
-          </a:ln>
-        </p:spPr>
-        <p:style>
-          <a:lnRef idx="2">
-            <a:schemeClr val="accent1"/>
-          </a:lnRef>
-          <a:fillRef idx="0">
-            <a:schemeClr val="accent1"/>
-          </a:fillRef>
-          <a:effectRef idx="1">
-            <a:schemeClr val="accent1"/>
-          </a:effectRef>
-          <a:fontRef idx="minor">
-            <a:schemeClr val="tx1"/>
-          </a:fontRef>
-        </p:style>
-      </p:cxnSp>
-      <p:cxnSp>
-        <p:nvCxnSpPr>
-          <p:cNvPr id="26" name="直线箭头连接符 25"/>
-          <p:cNvCxnSpPr>
-            <a:stCxn id="7" idx="3"/>
-            <a:endCxn id="8" idx="1"/>
-          </p:cNvCxnSpPr>
-          <p:nvPr/>
-        </p:nvCxnSpPr>
-        <p:spPr>
-          <a:xfrm flipV="1">
-            <a:off x="5194090" y="3675079"/>
-            <a:ext cx="938140" cy="515519"/>
-          </a:xfrm>
-          <a:prstGeom prst="straightConnector1">
-            <a:avLst/>
-          </a:prstGeom>
-          <a:ln>
-            <a:solidFill>
-              <a:srgbClr val="000000"/>
-            </a:solidFill>
-            <a:tailEnd type="arrow"/>
-          </a:ln>
-        </p:spPr>
-        <p:style>
-          <a:lnRef idx="2">
-            <a:schemeClr val="accent1"/>
-          </a:lnRef>
-          <a:fillRef idx="0">
-            <a:schemeClr val="accent1"/>
-          </a:fillRef>
-          <a:effectRef idx="1">
-            <a:schemeClr val="accent1"/>
-          </a:effectRef>
-          <a:fontRef idx="minor">
-            <a:schemeClr val="tx1"/>
-          </a:fontRef>
-        </p:style>
-      </p:cxnSp>
-      <p:cxnSp>
-        <p:nvCxnSpPr>
           <p:cNvPr id="33" name="直线箭头连接符 32"/>
           <p:cNvCxnSpPr>
-            <a:stCxn id="8" idx="2"/>
+            <a:stCxn id="6" idx="2"/>
             <a:endCxn id="9" idx="0"/>
           </p:cNvCxnSpPr>
           <p:nvPr/>
         </p:nvCxnSpPr>
         <p:spPr>
           <a:xfrm>
-            <a:off x="7013166" y="4024057"/>
-            <a:ext cx="0" cy="506298"/>
+            <a:off x="3111877" y="3568291"/>
+            <a:ext cx="1201277" cy="608642"/>
           </a:xfrm>
           <a:prstGeom prst="straightConnector1">
             <a:avLst/>
@@ -4740,7 +4612,7 @@
         </p:nvSpPr>
         <p:spPr>
           <a:xfrm>
-            <a:off x="6132230" y="5767516"/>
+            <a:off x="3432218" y="5470815"/>
             <a:ext cx="1761872" cy="697957"/>
           </a:xfrm>
           <a:prstGeom prst="rect">
@@ -4797,7 +4669,25 @@
                 </a:solidFill>
                 <a:latin typeface="+mn-ea"/>
               </a:rPr>
-              <a:t>第四章</a:t>
+              <a:t>第</a:t>
+            </a:r>
+            <a:r>
+              <a:rPr kumimoji="1" lang="zh-CN" altLang="en-US" dirty="0" smtClean="0">
+                <a:solidFill>
+                  <a:schemeClr val="tx1"/>
+                </a:solidFill>
+                <a:latin typeface="+mn-ea"/>
+              </a:rPr>
+              <a:t>六</a:t>
+            </a:r>
+            <a:r>
+              <a:rPr kumimoji="1" lang="zh-CN" altLang="en-US" dirty="0" smtClean="0">
+                <a:solidFill>
+                  <a:schemeClr val="tx1"/>
+                </a:solidFill>
+                <a:latin typeface="+mn-ea"/>
+              </a:rPr>
+              <a:t>章</a:t>
             </a:r>
             <a:endParaRPr kumimoji="1" lang="zh-CN" altLang="en-US" dirty="0">
               <a:solidFill>
@@ -4811,6 +4701,45 @@
       <p:cxnSp>
         <p:nvCxnSpPr>
           <p:cNvPr id="39" name="直线箭头连接符 38"/>
+          <p:cNvCxnSpPr>
+            <a:stCxn id="7" idx="2"/>
+            <a:endCxn id="9" idx="0"/>
+          </p:cNvCxnSpPr>
+          <p:nvPr/>
+        </p:nvCxnSpPr>
+        <p:spPr>
+          <a:xfrm flipH="1">
+            <a:off x="4313154" y="3550495"/>
+            <a:ext cx="1201277" cy="626438"/>
+          </a:xfrm>
+          <a:prstGeom prst="straightConnector1">
+            <a:avLst/>
+          </a:prstGeom>
+          <a:ln>
+            <a:solidFill>
+              <a:srgbClr val="000000"/>
+            </a:solidFill>
+            <a:tailEnd type="arrow"/>
+          </a:ln>
+        </p:spPr>
+        <p:style>
+          <a:lnRef idx="2">
+            <a:schemeClr val="accent1"/>
+          </a:lnRef>
+          <a:fillRef idx="0">
+            <a:schemeClr val="accent1"/>
+          </a:fillRef>
+          <a:effectRef idx="1">
+            <a:schemeClr val="accent1"/>
+          </a:effectRef>
+          <a:fontRef idx="minor">
+            <a:schemeClr val="tx1"/>
+          </a:fontRef>
+        </p:style>
+      </p:cxnSp>
+      <p:cxnSp>
+        <p:nvCxnSpPr>
+          <p:cNvPr id="27" name="直线箭头连接符 26"/>
           <p:cNvCxnSpPr>
             <a:stCxn id="9" idx="2"/>
             <a:endCxn id="38" idx="0"/>
@@ -4819,8 +4748,8 @@
         </p:nvCxnSpPr>
         <p:spPr>
           <a:xfrm>
-            <a:off x="7013166" y="5228312"/>
-            <a:ext cx="0" cy="539204"/>
+            <a:off x="4313154" y="4874890"/>
+            <a:ext cx="0" cy="595925"/>
           </a:xfrm>
           <a:prstGeom prst="straightConnector1">
             <a:avLst/>
@@ -4951,7 +4880,7 @@
             <a:graphicData uri="http://schemas.openxmlformats.org/presentationml/2006/ole">
               <mc:AlternateContent xmlns:mc="http://schemas.openxmlformats.org/markup-compatibility/2006">
                 <mc:Choice xmlns:v="urn:schemas-microsoft-com:vml" Requires="v">
-                  <p:oleObj spid="_x0000_s1236" name="Equation" r:id="rId3" imgW="228600" imgH="203200" progId="Equation.DSMT4">
+                  <p:oleObj spid="_x0000_s1313" name="Equation" r:id="rId3" imgW="228600" imgH="203200" progId="Equation.DSMT4">
                     <p:embed/>
                   </p:oleObj>
                 </mc:Choice>
@@ -5061,7 +4990,7 @@
             <a:graphicData uri="http://schemas.openxmlformats.org/presentationml/2006/ole">
               <mc:AlternateContent xmlns:mc="http://schemas.openxmlformats.org/markup-compatibility/2006">
                 <mc:Choice xmlns:v="urn:schemas-microsoft-com:vml" Requires="v">
-                  <p:oleObj spid="_x0000_s1237" name="Equation" r:id="rId5" imgW="241300" imgH="203200" progId="Equation.DSMT4">
+                  <p:oleObj spid="_x0000_s1314" name="Equation" r:id="rId5" imgW="241300" imgH="203200" progId="Equation.DSMT4">
                     <p:embed/>
                   </p:oleObj>
                 </mc:Choice>
@@ -5171,7 +5100,7 @@
             <a:graphicData uri="http://schemas.openxmlformats.org/presentationml/2006/ole">
               <mc:AlternateContent xmlns:mc="http://schemas.openxmlformats.org/markup-compatibility/2006">
                 <mc:Choice xmlns:v="urn:schemas-microsoft-com:vml" Requires="v">
-                  <p:oleObj spid="_x0000_s1238" name="Equation" r:id="rId7" imgW="152400" imgH="203200" progId="Equation.DSMT4">
+                  <p:oleObj spid="_x0000_s1315" name="Equation" r:id="rId7" imgW="152400" imgH="203200" progId="Equation.DSMT4">
                     <p:embed/>
                   </p:oleObj>
                 </mc:Choice>
@@ -5281,7 +5210,7 @@
             <a:graphicData uri="http://schemas.openxmlformats.org/presentationml/2006/ole">
               <mc:AlternateContent xmlns:mc="http://schemas.openxmlformats.org/markup-compatibility/2006">
                 <mc:Choice xmlns:v="urn:schemas-microsoft-com:vml" Requires="v">
-                  <p:oleObj spid="_x0000_s1239" name="Equation" r:id="rId9" imgW="152400" imgH="203200" progId="Equation.DSMT4">
+                  <p:oleObj spid="_x0000_s1316" name="Equation" r:id="rId9" imgW="152400" imgH="203200" progId="Equation.DSMT4">
                     <p:embed/>
                   </p:oleObj>
                 </mc:Choice>
@@ -5391,7 +5320,7 @@
             <a:graphicData uri="http://schemas.openxmlformats.org/presentationml/2006/ole">
               <mc:AlternateContent xmlns:mc="http://schemas.openxmlformats.org/markup-compatibility/2006">
                 <mc:Choice xmlns:v="urn:schemas-microsoft-com:vml" Requires="v">
-                  <p:oleObj spid="_x0000_s1240" name="Equation" r:id="rId11" imgW="228600" imgH="203200" progId="Equation.DSMT4">
+                  <p:oleObj spid="_x0000_s1317" name="Equation" r:id="rId11" imgW="228600" imgH="203200" progId="Equation.DSMT4">
                     <p:embed/>
                   </p:oleObj>
                 </mc:Choice>
@@ -5501,7 +5430,7 @@
             <a:graphicData uri="http://schemas.openxmlformats.org/presentationml/2006/ole">
               <mc:AlternateContent xmlns:mc="http://schemas.openxmlformats.org/markup-compatibility/2006">
                 <mc:Choice xmlns:v="urn:schemas-microsoft-com:vml" Requires="v">
-                  <p:oleObj spid="_x0000_s1241" name="Equation" r:id="rId13" imgW="241300" imgH="203200" progId="Equation.DSMT4">
+                  <p:oleObj spid="_x0000_s1318" name="Equation" r:id="rId13" imgW="241300" imgH="203200" progId="Equation.DSMT4">
                     <p:embed/>
                   </p:oleObj>
                 </mc:Choice>
@@ -5754,7 +5683,7 @@
           <a:graphicData uri="http://schemas.openxmlformats.org/presentationml/2006/ole">
             <mc:AlternateContent xmlns:mc="http://schemas.openxmlformats.org/markup-compatibility/2006">
               <mc:Choice xmlns:v="urn:schemas-microsoft-com:vml" Requires="v">
-                <p:oleObj spid="_x0000_s1242" name="Equation" r:id="rId15" imgW="114300" imgH="165100" progId="Equation.DSMT4">
+                <p:oleObj spid="_x0000_s1319" name="Equation" r:id="rId15" imgW="114300" imgH="165100" progId="Equation.DSMT4">
                   <p:embed/>
                 </p:oleObj>
               </mc:Choice>
@@ -5863,7 +5792,7 @@
             <a:graphicData uri="http://schemas.openxmlformats.org/presentationml/2006/ole">
               <mc:AlternateContent xmlns:mc="http://schemas.openxmlformats.org/markup-compatibility/2006">
                 <mc:Choice xmlns:v="urn:schemas-microsoft-com:vml" Requires="v">
-                  <p:oleObj spid="_x0000_s1243" name="Equation" r:id="rId17" imgW="228600" imgH="203200" progId="Equation.DSMT4">
+                  <p:oleObj spid="_x0000_s1320" name="Equation" r:id="rId17" imgW="228600" imgH="203200" progId="Equation.DSMT4">
                     <p:embed/>
                   </p:oleObj>
                 </mc:Choice>
@@ -5973,7 +5902,7 @@
             <a:graphicData uri="http://schemas.openxmlformats.org/presentationml/2006/ole">
               <mc:AlternateContent xmlns:mc="http://schemas.openxmlformats.org/markup-compatibility/2006">
                 <mc:Choice xmlns:v="urn:schemas-microsoft-com:vml" Requires="v">
-                  <p:oleObj spid="_x0000_s1244" name="Equation" r:id="rId18" imgW="241300" imgH="203200" progId="Equation.DSMT4">
+                  <p:oleObj spid="_x0000_s1321" name="Equation" r:id="rId18" imgW="241300" imgH="203200" progId="Equation.DSMT4">
                     <p:embed/>
                   </p:oleObj>
                 </mc:Choice>
@@ -6083,7 +6012,7 @@
             <a:graphicData uri="http://schemas.openxmlformats.org/presentationml/2006/ole">
               <mc:AlternateContent xmlns:mc="http://schemas.openxmlformats.org/markup-compatibility/2006">
                 <mc:Choice xmlns:v="urn:schemas-microsoft-com:vml" Requires="v">
-                  <p:oleObj spid="_x0000_s1245" name="Equation" r:id="rId19" imgW="152400" imgH="203200" progId="Equation.DSMT4">
+                  <p:oleObj spid="_x0000_s1322" name="Equation" r:id="rId19" imgW="152400" imgH="203200" progId="Equation.DSMT4">
                     <p:embed/>
                   </p:oleObj>
                 </mc:Choice>
@@ -6193,7 +6122,7 @@
             <a:graphicData uri="http://schemas.openxmlformats.org/presentationml/2006/ole">
               <mc:AlternateContent xmlns:mc="http://schemas.openxmlformats.org/markup-compatibility/2006">
                 <mc:Choice xmlns:v="urn:schemas-microsoft-com:vml" Requires="v">
-                  <p:oleObj spid="_x0000_s1246" name="Equation" r:id="rId20" imgW="152400" imgH="203200" progId="Equation.DSMT4">
+                  <p:oleObj spid="_x0000_s1323" name="Equation" r:id="rId20" imgW="152400" imgH="203200" progId="Equation.DSMT4">
                     <p:embed/>
                   </p:oleObj>
                 </mc:Choice>
@@ -6303,7 +6232,7 @@
             <a:graphicData uri="http://schemas.openxmlformats.org/presentationml/2006/ole">
               <mc:AlternateContent xmlns:mc="http://schemas.openxmlformats.org/markup-compatibility/2006">
                 <mc:Choice xmlns:v="urn:schemas-microsoft-com:vml" Requires="v">
-                  <p:oleObj spid="_x0000_s1247" name="Equation" r:id="rId21" imgW="228600" imgH="203200" progId="Equation.DSMT4">
+                  <p:oleObj spid="_x0000_s1324" name="Equation" r:id="rId21" imgW="228600" imgH="203200" progId="Equation.DSMT4">
                     <p:embed/>
                   </p:oleObj>
                 </mc:Choice>
@@ -6413,7 +6342,7 @@
             <a:graphicData uri="http://schemas.openxmlformats.org/presentationml/2006/ole">
               <mc:AlternateContent xmlns:mc="http://schemas.openxmlformats.org/markup-compatibility/2006">
                 <mc:Choice xmlns:v="urn:schemas-microsoft-com:vml" Requires="v">
-                  <p:oleObj spid="_x0000_s1248" name="Equation" r:id="rId22" imgW="241300" imgH="203200" progId="Equation.DSMT4">
+                  <p:oleObj spid="_x0000_s1325" name="Equation" r:id="rId22" imgW="241300" imgH="203200" progId="Equation.DSMT4">
                     <p:embed/>
                   </p:oleObj>
                 </mc:Choice>
@@ -6718,7 +6647,7 @@
             <a:graphicData uri="http://schemas.openxmlformats.org/presentationml/2006/ole">
               <mc:AlternateContent xmlns:mc="http://schemas.openxmlformats.org/markup-compatibility/2006">
                 <mc:Choice xmlns:v="urn:schemas-microsoft-com:vml" Requires="v">
-                  <p:oleObj spid="_x0000_s1249" name="Equation" r:id="rId23" imgW="228600" imgH="203200" progId="Equation.DSMT4">
+                  <p:oleObj spid="_x0000_s1326" name="Equation" r:id="rId23" imgW="228600" imgH="203200" progId="Equation.DSMT4">
                     <p:embed/>
                   </p:oleObj>
                 </mc:Choice>
@@ -6828,7 +6757,7 @@
             <a:graphicData uri="http://schemas.openxmlformats.org/presentationml/2006/ole">
               <mc:AlternateContent xmlns:mc="http://schemas.openxmlformats.org/markup-compatibility/2006">
                 <mc:Choice xmlns:v="urn:schemas-microsoft-com:vml" Requires="v">
-                  <p:oleObj spid="_x0000_s1250" name="Equation" r:id="rId24" imgW="241300" imgH="203200" progId="Equation.DSMT4">
+                  <p:oleObj spid="_x0000_s1327" name="Equation" r:id="rId24" imgW="241300" imgH="203200" progId="Equation.DSMT4">
                     <p:embed/>
                   </p:oleObj>
                 </mc:Choice>
@@ -6938,7 +6867,7 @@
             <a:graphicData uri="http://schemas.openxmlformats.org/presentationml/2006/ole">
               <mc:AlternateContent xmlns:mc="http://schemas.openxmlformats.org/markup-compatibility/2006">
                 <mc:Choice xmlns:v="urn:schemas-microsoft-com:vml" Requires="v">
-                  <p:oleObj spid="_x0000_s1251" name="Equation" r:id="rId25" imgW="152400" imgH="203200" progId="Equation.DSMT4">
+                  <p:oleObj spid="_x0000_s1328" name="Equation" r:id="rId25" imgW="152400" imgH="203200" progId="Equation.DSMT4">
                     <p:embed/>
                   </p:oleObj>
                 </mc:Choice>
@@ -7048,7 +6977,7 @@
             <a:graphicData uri="http://schemas.openxmlformats.org/presentationml/2006/ole">
               <mc:AlternateContent xmlns:mc="http://schemas.openxmlformats.org/markup-compatibility/2006">
                 <mc:Choice xmlns:v="urn:schemas-microsoft-com:vml" Requires="v">
-                  <p:oleObj spid="_x0000_s1252" name="Equation" r:id="rId26" imgW="152400" imgH="203200" progId="Equation.DSMT4">
+                  <p:oleObj spid="_x0000_s1329" name="Equation" r:id="rId26" imgW="152400" imgH="203200" progId="Equation.DSMT4">
                     <p:embed/>
                   </p:oleObj>
                 </mc:Choice>
@@ -7158,7 +7087,7 @@
             <a:graphicData uri="http://schemas.openxmlformats.org/presentationml/2006/ole">
               <mc:AlternateContent xmlns:mc="http://schemas.openxmlformats.org/markup-compatibility/2006">
                 <mc:Choice xmlns:v="urn:schemas-microsoft-com:vml" Requires="v">
-                  <p:oleObj spid="_x0000_s1253" name="Equation" r:id="rId27" imgW="228600" imgH="203200" progId="Equation.DSMT4">
+                  <p:oleObj spid="_x0000_s1330" name="Equation" r:id="rId27" imgW="228600" imgH="203200" progId="Equation.DSMT4">
                     <p:embed/>
                   </p:oleObj>
                 </mc:Choice>
@@ -7268,7 +7197,7 @@
             <a:graphicData uri="http://schemas.openxmlformats.org/presentationml/2006/ole">
               <mc:AlternateContent xmlns:mc="http://schemas.openxmlformats.org/markup-compatibility/2006">
                 <mc:Choice xmlns:v="urn:schemas-microsoft-com:vml" Requires="v">
-                  <p:oleObj spid="_x0000_s1254" name="Equation" r:id="rId28" imgW="241300" imgH="203200" progId="Equation.DSMT4">
+                  <p:oleObj spid="_x0000_s1331" name="Equation" r:id="rId28" imgW="241300" imgH="203200" progId="Equation.DSMT4">
                     <p:embed/>
                   </p:oleObj>
                 </mc:Choice>
@@ -8478,7 +8407,7 @@
             <a:graphicData uri="http://schemas.openxmlformats.org/presentationml/2006/ole">
               <mc:AlternateContent xmlns:mc="http://schemas.openxmlformats.org/markup-compatibility/2006">
                 <mc:Choice xmlns:v="urn:schemas-microsoft-com:vml" Requires="v">
-                  <p:oleObj spid="_x0000_s2096" name="Equation" r:id="rId3" imgW="368300" imgH="203200" progId="Equation.DSMT4">
+                  <p:oleObj spid="_x0000_s2145" name="Equation" r:id="rId3" imgW="368300" imgH="203200" progId="Equation.DSMT4">
                     <p:embed/>
                   </p:oleObj>
                 </mc:Choice>
@@ -8535,7 +8464,7 @@
             <a:graphicData uri="http://schemas.openxmlformats.org/presentationml/2006/ole">
               <mc:AlternateContent xmlns:mc="http://schemas.openxmlformats.org/markup-compatibility/2006">
                 <mc:Choice xmlns:v="urn:schemas-microsoft-com:vml" Requires="v">
-                  <p:oleObj spid="_x0000_s2097" name="Equation" r:id="rId5" imgW="279400" imgH="203200" progId="Equation.DSMT4">
+                  <p:oleObj spid="_x0000_s2146" name="Equation" r:id="rId5" imgW="279400" imgH="203200" progId="Equation.DSMT4">
                     <p:embed/>
                   </p:oleObj>
                 </mc:Choice>
@@ -8666,7 +8595,7 @@
             <a:graphicData uri="http://schemas.openxmlformats.org/presentationml/2006/ole">
               <mc:AlternateContent xmlns:mc="http://schemas.openxmlformats.org/markup-compatibility/2006">
                 <mc:Choice xmlns:v="urn:schemas-microsoft-com:vml" Requires="v">
-                  <p:oleObj spid="_x0000_s2098" name="Equation" r:id="rId7" imgW="266700" imgH="203200" progId="Equation.DSMT4">
+                  <p:oleObj spid="_x0000_s2147" name="Equation" r:id="rId7" imgW="266700" imgH="203200" progId="Equation.DSMT4">
                     <p:embed/>
                   </p:oleObj>
                 </mc:Choice>
@@ -9073,7 +9002,7 @@
             <a:graphicData uri="http://schemas.openxmlformats.org/presentationml/2006/ole">
               <mc:AlternateContent xmlns:mc="http://schemas.openxmlformats.org/markup-compatibility/2006">
                 <mc:Choice xmlns:v="urn:schemas-microsoft-com:vml" Requires="v">
-                  <p:oleObj spid="_x0000_s2099" name="Equation" r:id="rId9" imgW="317500" imgH="165100" progId="Equation.DSMT4">
+                  <p:oleObj spid="_x0000_s2148" name="Equation" r:id="rId9" imgW="317500" imgH="165100" progId="Equation.DSMT4">
                     <p:embed/>
                   </p:oleObj>
                 </mc:Choice>
@@ -9469,7 +9398,7 @@
             <a:graphicData uri="http://schemas.openxmlformats.org/presentationml/2006/ole">
               <mc:AlternateContent xmlns:mc="http://schemas.openxmlformats.org/markup-compatibility/2006">
                 <mc:Choice xmlns:v="urn:schemas-microsoft-com:vml" Requires="v">
-                  <p:oleObj spid="_x0000_s2100" name="Equation" r:id="rId11" imgW="533400" imgH="165100" progId="Equation.DSMT4">
+                  <p:oleObj spid="_x0000_s2149" name="Equation" r:id="rId11" imgW="533400" imgH="165100" progId="Equation.DSMT4">
                     <p:embed/>
                   </p:oleObj>
                 </mc:Choice>
@@ -9565,7 +9494,7 @@
             <a:graphicData uri="http://schemas.openxmlformats.org/presentationml/2006/ole">
               <mc:AlternateContent xmlns:mc="http://schemas.openxmlformats.org/markup-compatibility/2006">
                 <mc:Choice xmlns:v="urn:schemas-microsoft-com:vml" Requires="v">
-                  <p:oleObj spid="_x0000_s2101" name="Equation" r:id="rId13" imgW="1701800" imgH="203200" progId="Equation.DSMT4">
+                  <p:oleObj spid="_x0000_s2150" name="Equation" r:id="rId13" imgW="1701800" imgH="203200" progId="Equation.DSMT4">
                     <p:embed/>
                   </p:oleObj>
                 </mc:Choice>
@@ -9622,7 +9551,7 @@
             <a:graphicData uri="http://schemas.openxmlformats.org/presentationml/2006/ole">
               <mc:AlternateContent xmlns:mc="http://schemas.openxmlformats.org/markup-compatibility/2006">
                 <mc:Choice xmlns:v="urn:schemas-microsoft-com:vml" Requires="v">
-                  <p:oleObj spid="_x0000_s2102" name="Equation" r:id="rId15" imgW="127000" imgH="127000" progId="Equation.DSMT4">
+                  <p:oleObj spid="_x0000_s2151" name="Equation" r:id="rId15" imgW="127000" imgH="127000" progId="Equation.DSMT4">
                     <p:embed/>
                   </p:oleObj>
                 </mc:Choice>
@@ -9679,7 +9608,7 @@
             <a:graphicData uri="http://schemas.openxmlformats.org/presentationml/2006/ole">
               <mc:AlternateContent xmlns:mc="http://schemas.openxmlformats.org/markup-compatibility/2006">
                 <mc:Choice xmlns:v="urn:schemas-microsoft-com:vml" Requires="v">
-                  <p:oleObj spid="_x0000_s2103" name="Equation" r:id="rId17" imgW="177800" imgH="152400" progId="Equation.DSMT4">
+                  <p:oleObj spid="_x0000_s2152" name="Equation" r:id="rId17" imgW="177800" imgH="152400" progId="Equation.DSMT4">
                     <p:embed/>
                   </p:oleObj>
                 </mc:Choice>
@@ -9736,7 +9665,7 @@
             <a:graphicData uri="http://schemas.openxmlformats.org/presentationml/2006/ole">
               <mc:AlternateContent xmlns:mc="http://schemas.openxmlformats.org/markup-compatibility/2006">
                 <mc:Choice xmlns:v="urn:schemas-microsoft-com:vml" Requires="v">
-                  <p:oleObj spid="_x0000_s2104" name="Equation" r:id="rId19" imgW="152400" imgH="152400" progId="Equation.DSMT4">
+                  <p:oleObj spid="_x0000_s2153" name="Equation" r:id="rId19" imgW="152400" imgH="152400" progId="Equation.DSMT4">
                     <p:embed/>
                   </p:oleObj>
                 </mc:Choice>
@@ -9793,7 +9722,7 @@
             <a:graphicData uri="http://schemas.openxmlformats.org/presentationml/2006/ole">
               <mc:AlternateContent xmlns:mc="http://schemas.openxmlformats.org/markup-compatibility/2006">
                 <mc:Choice xmlns:v="urn:schemas-microsoft-com:vml" Requires="v">
-                  <p:oleObj spid="_x0000_s2105" name="Equation" r:id="rId21" imgW="584200" imgH="203200" progId="Equation.DSMT4">
+                  <p:oleObj spid="_x0000_s2154" name="Equation" r:id="rId21" imgW="584200" imgH="203200" progId="Equation.DSMT4">
                     <p:embed/>
                   </p:oleObj>
                 </mc:Choice>
@@ -9850,7 +9779,7 @@
             <a:graphicData uri="http://schemas.openxmlformats.org/presentationml/2006/ole">
               <mc:AlternateContent xmlns:mc="http://schemas.openxmlformats.org/markup-compatibility/2006">
                 <mc:Choice xmlns:v="urn:schemas-microsoft-com:vml" Requires="v">
-                  <p:oleObj spid="_x0000_s2106" name="Equation" r:id="rId23" imgW="508000" imgH="203200" progId="Equation.DSMT4">
+                  <p:oleObj spid="_x0000_s2155" name="Equation" r:id="rId23" imgW="508000" imgH="203200" progId="Equation.DSMT4">
                     <p:embed/>
                   </p:oleObj>
                 </mc:Choice>
@@ -9907,7 +9836,7 @@
             <a:graphicData uri="http://schemas.openxmlformats.org/presentationml/2006/ole">
               <mc:AlternateContent xmlns:mc="http://schemas.openxmlformats.org/markup-compatibility/2006">
                 <mc:Choice xmlns:v="urn:schemas-microsoft-com:vml" Requires="v">
-                  <p:oleObj spid="_x0000_s2107" name="Equation" r:id="rId25" imgW="482600" imgH="203200" progId="Equation.DSMT4">
+                  <p:oleObj spid="_x0000_s2156" name="Equation" r:id="rId25" imgW="482600" imgH="203200" progId="Equation.DSMT4">
                     <p:embed/>
                   </p:oleObj>
                 </mc:Choice>

--- a/latex/figures/graphs.pptx
+++ b/latex/figures/graphs.pptx
@@ -9,6 +9,7 @@
     <p:sldId id="257" r:id="rId3"/>
     <p:sldId id="258" r:id="rId4"/>
     <p:sldId id="259" r:id="rId5"/>
+    <p:sldId id="260" r:id="rId6"/>
   </p:sldIdLst>
   <p:sldSz cx="9144000" cy="6858000" type="screen4x3"/>
   <p:notesSz cx="6858000" cy="9144000"/>
@@ -291,7 +292,7 @@
           <a:p>
             <a:fld id="{9424164B-0ACF-0049-B67E-58383D80E56C}" type="datetimeFigureOut">
               <a:rPr kumimoji="1" lang="zh-CN" altLang="en-US" smtClean="0"/>
-              <a:t>5/28/14</a:t>
+              <a:t>6/4/14</a:t>
             </a:fld>
             <a:endParaRPr kumimoji="1" lang="zh-CN" altLang="en-US"/>
           </a:p>
@@ -461,7 +462,7 @@
           <a:p>
             <a:fld id="{9424164B-0ACF-0049-B67E-58383D80E56C}" type="datetimeFigureOut">
               <a:rPr kumimoji="1" lang="zh-CN" altLang="en-US" smtClean="0"/>
-              <a:t>5/28/14</a:t>
+              <a:t>6/4/14</a:t>
             </a:fld>
             <a:endParaRPr kumimoji="1" lang="zh-CN" altLang="en-US"/>
           </a:p>
@@ -641,7 +642,7 @@
           <a:p>
             <a:fld id="{9424164B-0ACF-0049-B67E-58383D80E56C}" type="datetimeFigureOut">
               <a:rPr kumimoji="1" lang="zh-CN" altLang="en-US" smtClean="0"/>
-              <a:t>5/28/14</a:t>
+              <a:t>6/4/14</a:t>
             </a:fld>
             <a:endParaRPr kumimoji="1" lang="zh-CN" altLang="en-US"/>
           </a:p>
@@ -811,7 +812,7 @@
           <a:p>
             <a:fld id="{9424164B-0ACF-0049-B67E-58383D80E56C}" type="datetimeFigureOut">
               <a:rPr kumimoji="1" lang="zh-CN" altLang="en-US" smtClean="0"/>
-              <a:t>5/28/14</a:t>
+              <a:t>6/4/14</a:t>
             </a:fld>
             <a:endParaRPr kumimoji="1" lang="zh-CN" altLang="en-US"/>
           </a:p>
@@ -1057,7 +1058,7 @@
           <a:p>
             <a:fld id="{9424164B-0ACF-0049-B67E-58383D80E56C}" type="datetimeFigureOut">
               <a:rPr kumimoji="1" lang="zh-CN" altLang="en-US" smtClean="0"/>
-              <a:t>5/28/14</a:t>
+              <a:t>6/4/14</a:t>
             </a:fld>
             <a:endParaRPr kumimoji="1" lang="zh-CN" altLang="en-US"/>
           </a:p>
@@ -1345,7 +1346,7 @@
           <a:p>
             <a:fld id="{9424164B-0ACF-0049-B67E-58383D80E56C}" type="datetimeFigureOut">
               <a:rPr kumimoji="1" lang="zh-CN" altLang="en-US" smtClean="0"/>
-              <a:t>5/28/14</a:t>
+              <a:t>6/4/14</a:t>
             </a:fld>
             <a:endParaRPr kumimoji="1" lang="zh-CN" altLang="en-US"/>
           </a:p>
@@ -1767,7 +1768,7 @@
           <a:p>
             <a:fld id="{9424164B-0ACF-0049-B67E-58383D80E56C}" type="datetimeFigureOut">
               <a:rPr kumimoji="1" lang="zh-CN" altLang="en-US" smtClean="0"/>
-              <a:t>5/28/14</a:t>
+              <a:t>6/4/14</a:t>
             </a:fld>
             <a:endParaRPr kumimoji="1" lang="zh-CN" altLang="en-US"/>
           </a:p>
@@ -1885,7 +1886,7 @@
           <a:p>
             <a:fld id="{9424164B-0ACF-0049-B67E-58383D80E56C}" type="datetimeFigureOut">
               <a:rPr kumimoji="1" lang="zh-CN" altLang="en-US" smtClean="0"/>
-              <a:t>5/28/14</a:t>
+              <a:t>6/4/14</a:t>
             </a:fld>
             <a:endParaRPr kumimoji="1" lang="zh-CN" altLang="en-US"/>
           </a:p>
@@ -1980,7 +1981,7 @@
           <a:p>
             <a:fld id="{9424164B-0ACF-0049-B67E-58383D80E56C}" type="datetimeFigureOut">
               <a:rPr kumimoji="1" lang="zh-CN" altLang="en-US" smtClean="0"/>
-              <a:t>5/28/14</a:t>
+              <a:t>6/4/14</a:t>
             </a:fld>
             <a:endParaRPr kumimoji="1" lang="zh-CN" altLang="en-US"/>
           </a:p>
@@ -2257,7 +2258,7 @@
           <a:p>
             <a:fld id="{9424164B-0ACF-0049-B67E-58383D80E56C}" type="datetimeFigureOut">
               <a:rPr kumimoji="1" lang="zh-CN" altLang="en-US" smtClean="0"/>
-              <a:t>5/28/14</a:t>
+              <a:t>6/4/14</a:t>
             </a:fld>
             <a:endParaRPr kumimoji="1" lang="zh-CN" altLang="en-US"/>
           </a:p>
@@ -2510,7 +2511,7 @@
           <a:p>
             <a:fld id="{9424164B-0ACF-0049-B67E-58383D80E56C}" type="datetimeFigureOut">
               <a:rPr kumimoji="1" lang="zh-CN" altLang="en-US" smtClean="0"/>
-              <a:t>5/28/14</a:t>
+              <a:t>6/4/14</a:t>
             </a:fld>
             <a:endParaRPr kumimoji="1" lang="zh-CN" altLang="en-US"/>
           </a:p>
@@ -2723,7 +2724,7 @@
           <a:p>
             <a:fld id="{9424164B-0ACF-0049-B67E-58383D80E56C}" type="datetimeFigureOut">
               <a:rPr kumimoji="1" lang="zh-CN" altLang="en-US" smtClean="0"/>
-              <a:t>5/28/14</a:t>
+              <a:t>6/4/14</a:t>
             </a:fld>
             <a:endParaRPr kumimoji="1" lang="zh-CN" altLang="en-US"/>
           </a:p>
@@ -4241,16 +4242,7 @@
                 </a:solidFill>
                 <a:latin typeface="+mn-ea"/>
               </a:rPr>
-              <a:t>实例</a:t>
-            </a:r>
-            <a:r>
-              <a:rPr kumimoji="1" lang="zh-CN" altLang="en-US" dirty="0" smtClean="0">
-                <a:solidFill>
-                  <a:schemeClr val="tx1"/>
-                </a:solidFill>
-                <a:latin typeface="+mn-ea"/>
-              </a:rPr>
-              <a:t>抽取</a:t>
+              <a:t>实例抽取</a:t>
             </a:r>
             <a:endParaRPr kumimoji="1" lang="en-US" altLang="zh-CN" dirty="0" smtClean="0">
               <a:solidFill>
@@ -4344,25 +4336,7 @@
                 </a:solidFill>
                 <a:latin typeface="+mn-ea"/>
               </a:rPr>
-              <a:t>第</a:t>
-            </a:r>
-            <a:r>
-              <a:rPr kumimoji="1" lang="zh-CN" altLang="en-US" dirty="0" smtClean="0">
-                <a:solidFill>
-                  <a:schemeClr val="tx1"/>
-                </a:solidFill>
-                <a:latin typeface="+mn-ea"/>
-              </a:rPr>
-              <a:t>五</a:t>
-            </a:r>
-            <a:r>
-              <a:rPr kumimoji="1" lang="zh-CN" altLang="en-US" dirty="0" smtClean="0">
-                <a:solidFill>
-                  <a:schemeClr val="tx1"/>
-                </a:solidFill>
-                <a:latin typeface="+mn-ea"/>
-              </a:rPr>
-              <a:t>章</a:t>
+              <a:t>第五章</a:t>
             </a:r>
             <a:endParaRPr kumimoji="1" lang="zh-CN" altLang="en-US" dirty="0">
               <a:solidFill>
@@ -4669,25 +4643,7 @@
                 </a:solidFill>
                 <a:latin typeface="+mn-ea"/>
               </a:rPr>
-              <a:t>第</a:t>
-            </a:r>
-            <a:r>
-              <a:rPr kumimoji="1" lang="zh-CN" altLang="en-US" dirty="0" smtClean="0">
-                <a:solidFill>
-                  <a:schemeClr val="tx1"/>
-                </a:solidFill>
-                <a:latin typeface="+mn-ea"/>
-              </a:rPr>
-              <a:t>六</a:t>
-            </a:r>
-            <a:r>
-              <a:rPr kumimoji="1" lang="zh-CN" altLang="en-US" dirty="0" smtClean="0">
-                <a:solidFill>
-                  <a:schemeClr val="tx1"/>
-                </a:solidFill>
-                <a:latin typeface="+mn-ea"/>
-              </a:rPr>
-              <a:t>章</a:t>
+              <a:t>第六章</a:t>
             </a:r>
             <a:endParaRPr kumimoji="1" lang="zh-CN" altLang="en-US" dirty="0">
               <a:solidFill>
@@ -4808,859 +4764,874 @@
       </p:grpSpPr>
       <p:grpSp>
         <p:nvGrpSpPr>
-          <p:cNvPr id="7" name="组 6"/>
+          <p:cNvPr id="3" name="组 2"/>
           <p:cNvGrpSpPr/>
           <p:nvPr/>
         </p:nvGrpSpPr>
         <p:grpSpPr>
           <a:xfrm>
-            <a:off x="2082212" y="1487449"/>
-            <a:ext cx="537714" cy="537714"/>
-            <a:chOff x="2082212" y="1487449"/>
-            <a:chExt cx="537714" cy="537714"/>
+            <a:off x="2081785" y="1483920"/>
+            <a:ext cx="2513152" cy="1631881"/>
+            <a:chOff x="2081785" y="1483920"/>
+            <a:chExt cx="2513152" cy="1631881"/>
           </a:xfrm>
         </p:grpSpPr>
-        <p:sp>
-          <p:nvSpPr>
-            <p:cNvPr id="4" name="椭圆 3"/>
-            <p:cNvSpPr/>
+        <p:grpSp>
+          <p:nvGrpSpPr>
+            <p:cNvPr id="7" name="组 6"/>
+            <p:cNvGrpSpPr/>
             <p:nvPr/>
-          </p:nvSpPr>
-          <p:spPr>
+          </p:nvGrpSpPr>
+          <p:grpSpPr>
             <a:xfrm>
               <a:off x="2082212" y="1487449"/>
               <a:ext cx="537714" cy="537714"/>
+              <a:chOff x="2082212" y="1487449"/>
+              <a:chExt cx="537714" cy="537714"/>
             </a:xfrm>
-            <a:prstGeom prst="ellipse">
+          </p:grpSpPr>
+          <p:sp>
+            <p:nvSpPr>
+              <p:cNvPr id="4" name="椭圆 3"/>
+              <p:cNvSpPr/>
+              <p:nvPr/>
+            </p:nvSpPr>
+            <p:spPr>
+              <a:xfrm>
+                <a:off x="2082212" y="1487449"/>
+                <a:ext cx="537714" cy="537714"/>
+              </a:xfrm>
+              <a:prstGeom prst="ellipse">
+                <a:avLst/>
+              </a:prstGeom>
+            </p:spPr>
+            <p:style>
+              <a:lnRef idx="2">
+                <a:schemeClr val="dk1"/>
+              </a:lnRef>
+              <a:fillRef idx="1">
+                <a:schemeClr val="lt1"/>
+              </a:fillRef>
+              <a:effectRef idx="0">
+                <a:schemeClr val="dk1"/>
+              </a:effectRef>
+              <a:fontRef idx="minor">
+                <a:schemeClr val="dk1"/>
+              </a:fontRef>
+            </p:style>
+            <p:txBody>
+              <a:bodyPr rtlCol="0" anchor="ctr"/>
+              <a:lstStyle/>
+              <a:p>
+                <a:pPr algn="ctr"/>
+                <a:endParaRPr kumimoji="1" lang="zh-CN" altLang="en-US" dirty="0"/>
+              </a:p>
+            </p:txBody>
+          </p:sp>
+          <p:graphicFrame>
+            <p:nvGraphicFramePr>
+              <p:cNvPr id="6" name="对象 5"/>
+              <p:cNvGraphicFramePr>
+                <a:graphicFrameLocks noChangeAspect="1"/>
+              </p:cNvGraphicFramePr>
+              <p:nvPr>
+                <p:extLst>
+                  <p:ext uri="{D42A27DB-BD31-4B8C-83A1-F6EECF244321}">
+                    <p14:modId xmlns:p14="http://schemas.microsoft.com/office/powerpoint/2010/main" val="2778943757"/>
+                  </p:ext>
+                </p:extLst>
+              </p:nvPr>
+            </p:nvGraphicFramePr>
+            <p:xfrm>
+              <a:off x="2150858" y="1574584"/>
+              <a:ext cx="393168" cy="349483"/>
+            </p:xfrm>
+            <a:graphic>
+              <a:graphicData uri="http://schemas.openxmlformats.org/presentationml/2006/ole">
+                <mc:AlternateContent xmlns:mc="http://schemas.openxmlformats.org/markup-compatibility/2006">
+                  <mc:Choice xmlns:v="urn:schemas-microsoft-com:vml" Requires="v">
+                    <p:oleObj spid="_x0000_s1410" name="Equation" r:id="rId3" imgW="228600" imgH="203200" progId="Equation.DSMT4">
+                      <p:embed/>
+                    </p:oleObj>
+                  </mc:Choice>
+                  <mc:Fallback>
+                    <p:oleObj name="Equation" r:id="rId3" imgW="228600" imgH="203200" progId="Equation.DSMT4">
+                      <p:embed/>
+                      <p:pic>
+                        <p:nvPicPr>
+                          <p:cNvPr id="0" name=""/>
+                          <p:cNvPicPr/>
+                          <p:nvPr/>
+                        </p:nvPicPr>
+                        <p:blipFill>
+                          <a:blip r:embed="rId4"/>
+                          <a:stretch>
+                            <a:fillRect/>
+                          </a:stretch>
+                        </p:blipFill>
+                        <p:spPr>
+                          <a:xfrm>
+                            <a:off x="2150858" y="1574584"/>
+                            <a:ext cx="393168" cy="349483"/>
+                          </a:xfrm>
+                          <a:prstGeom prst="rect">
+                            <a:avLst/>
+                          </a:prstGeom>
+                        </p:spPr>
+                      </p:pic>
+                    </p:oleObj>
+                  </mc:Fallback>
+                </mc:AlternateContent>
+              </a:graphicData>
+            </a:graphic>
+          </p:graphicFrame>
+        </p:grpSp>
+        <p:grpSp>
+          <p:nvGrpSpPr>
+            <p:cNvPr id="8" name="组 7"/>
+            <p:cNvGrpSpPr/>
+            <p:nvPr/>
+          </p:nvGrpSpPr>
+          <p:grpSpPr>
+            <a:xfrm>
+              <a:off x="2081785" y="2578087"/>
+              <a:ext cx="537714" cy="537714"/>
+              <a:chOff x="2082212" y="1487449"/>
+              <a:chExt cx="537714" cy="537714"/>
+            </a:xfrm>
+          </p:grpSpPr>
+          <p:sp>
+            <p:nvSpPr>
+              <p:cNvPr id="9" name="椭圆 8"/>
+              <p:cNvSpPr/>
+              <p:nvPr/>
+            </p:nvSpPr>
+            <p:spPr>
+              <a:xfrm>
+                <a:off x="2082212" y="1487449"/>
+                <a:ext cx="537714" cy="537714"/>
+              </a:xfrm>
+              <a:prstGeom prst="ellipse">
+                <a:avLst/>
+              </a:prstGeom>
+            </p:spPr>
+            <p:style>
+              <a:lnRef idx="2">
+                <a:schemeClr val="dk1"/>
+              </a:lnRef>
+              <a:fillRef idx="1">
+                <a:schemeClr val="lt1"/>
+              </a:fillRef>
+              <a:effectRef idx="0">
+                <a:schemeClr val="dk1"/>
+              </a:effectRef>
+              <a:fontRef idx="minor">
+                <a:schemeClr val="dk1"/>
+              </a:fontRef>
+            </p:style>
+            <p:txBody>
+              <a:bodyPr rtlCol="0" anchor="ctr"/>
+              <a:lstStyle/>
+              <a:p>
+                <a:pPr algn="ctr"/>
+                <a:endParaRPr kumimoji="1" lang="zh-CN" altLang="en-US" dirty="0"/>
+              </a:p>
+            </p:txBody>
+          </p:sp>
+          <p:graphicFrame>
+            <p:nvGraphicFramePr>
+              <p:cNvPr id="10" name="对象 9"/>
+              <p:cNvGraphicFramePr>
+                <a:graphicFrameLocks noChangeAspect="1"/>
+              </p:cNvGraphicFramePr>
+              <p:nvPr>
+                <p:extLst>
+                  <p:ext uri="{D42A27DB-BD31-4B8C-83A1-F6EECF244321}">
+                    <p14:modId xmlns:p14="http://schemas.microsoft.com/office/powerpoint/2010/main" val="1056269594"/>
+                  </p:ext>
+                </p:extLst>
+              </p:nvPr>
+            </p:nvGraphicFramePr>
+            <p:xfrm>
+              <a:off x="2139775" y="1574775"/>
+              <a:ext cx="415925" cy="349250"/>
+            </p:xfrm>
+            <a:graphic>
+              <a:graphicData uri="http://schemas.openxmlformats.org/presentationml/2006/ole">
+                <mc:AlternateContent xmlns:mc="http://schemas.openxmlformats.org/markup-compatibility/2006">
+                  <mc:Choice xmlns:v="urn:schemas-microsoft-com:vml" Requires="v">
+                    <p:oleObj spid="_x0000_s1411" name="Equation" r:id="rId5" imgW="241300" imgH="203200" progId="Equation.DSMT4">
+                      <p:embed/>
+                    </p:oleObj>
+                  </mc:Choice>
+                  <mc:Fallback>
+                    <p:oleObj name="Equation" r:id="rId5" imgW="241300" imgH="203200" progId="Equation.DSMT4">
+                      <p:embed/>
+                      <p:pic>
+                        <p:nvPicPr>
+                          <p:cNvPr id="0" name=""/>
+                          <p:cNvPicPr/>
+                          <p:nvPr/>
+                        </p:nvPicPr>
+                        <p:blipFill>
+                          <a:blip r:embed="rId6"/>
+                          <a:stretch>
+                            <a:fillRect/>
+                          </a:stretch>
+                        </p:blipFill>
+                        <p:spPr>
+                          <a:xfrm>
+                            <a:off x="2139775" y="1574775"/>
+                            <a:ext cx="415925" cy="349250"/>
+                          </a:xfrm>
+                          <a:prstGeom prst="rect">
+                            <a:avLst/>
+                          </a:prstGeom>
+                        </p:spPr>
+                      </p:pic>
+                    </p:oleObj>
+                  </mc:Fallback>
+                </mc:AlternateContent>
+              </a:graphicData>
+            </a:graphic>
+          </p:graphicFrame>
+        </p:grpSp>
+        <p:grpSp>
+          <p:nvGrpSpPr>
+            <p:cNvPr id="11" name="组 10"/>
+            <p:cNvGrpSpPr/>
+            <p:nvPr/>
+          </p:nvGrpSpPr>
+          <p:grpSpPr>
+            <a:xfrm>
+              <a:off x="3077126" y="1483920"/>
+              <a:ext cx="537714" cy="537714"/>
+              <a:chOff x="2082212" y="1487449"/>
+              <a:chExt cx="537714" cy="537714"/>
+            </a:xfrm>
+          </p:grpSpPr>
+          <p:sp>
+            <p:nvSpPr>
+              <p:cNvPr id="12" name="椭圆 11"/>
+              <p:cNvSpPr/>
+              <p:nvPr/>
+            </p:nvSpPr>
+            <p:spPr>
+              <a:xfrm>
+                <a:off x="2082212" y="1487449"/>
+                <a:ext cx="537714" cy="537714"/>
+              </a:xfrm>
+              <a:prstGeom prst="ellipse">
+                <a:avLst/>
+              </a:prstGeom>
+            </p:spPr>
+            <p:style>
+              <a:lnRef idx="2">
+                <a:schemeClr val="dk1"/>
+              </a:lnRef>
+              <a:fillRef idx="1">
+                <a:schemeClr val="lt1"/>
+              </a:fillRef>
+              <a:effectRef idx="0">
+                <a:schemeClr val="dk1"/>
+              </a:effectRef>
+              <a:fontRef idx="minor">
+                <a:schemeClr val="dk1"/>
+              </a:fontRef>
+            </p:style>
+            <p:txBody>
+              <a:bodyPr rtlCol="0" anchor="ctr"/>
+              <a:lstStyle/>
+              <a:p>
+                <a:pPr algn="ctr"/>
+                <a:endParaRPr kumimoji="1" lang="zh-CN" altLang="en-US" dirty="0"/>
+              </a:p>
+            </p:txBody>
+          </p:sp>
+          <p:graphicFrame>
+            <p:nvGraphicFramePr>
+              <p:cNvPr id="13" name="对象 12"/>
+              <p:cNvGraphicFramePr>
+                <a:graphicFrameLocks noChangeAspect="1"/>
+              </p:cNvGraphicFramePr>
+              <p:nvPr>
+                <p:extLst>
+                  <p:ext uri="{D42A27DB-BD31-4B8C-83A1-F6EECF244321}">
+                    <p14:modId xmlns:p14="http://schemas.microsoft.com/office/powerpoint/2010/main" val="2688898871"/>
+                  </p:ext>
+                </p:extLst>
+              </p:nvPr>
+            </p:nvGraphicFramePr>
+            <p:xfrm>
+              <a:off x="2216599" y="1575154"/>
+              <a:ext cx="261937" cy="349250"/>
+            </p:xfrm>
+            <a:graphic>
+              <a:graphicData uri="http://schemas.openxmlformats.org/presentationml/2006/ole">
+                <mc:AlternateContent xmlns:mc="http://schemas.openxmlformats.org/markup-compatibility/2006">
+                  <mc:Choice xmlns:v="urn:schemas-microsoft-com:vml" Requires="v">
+                    <p:oleObj spid="_x0000_s1412" name="Equation" r:id="rId7" imgW="152400" imgH="203200" progId="Equation.DSMT4">
+                      <p:embed/>
+                    </p:oleObj>
+                  </mc:Choice>
+                  <mc:Fallback>
+                    <p:oleObj name="Equation" r:id="rId7" imgW="152400" imgH="203200" progId="Equation.DSMT4">
+                      <p:embed/>
+                      <p:pic>
+                        <p:nvPicPr>
+                          <p:cNvPr id="0" name=""/>
+                          <p:cNvPicPr/>
+                          <p:nvPr/>
+                        </p:nvPicPr>
+                        <p:blipFill>
+                          <a:blip r:embed="rId8"/>
+                          <a:stretch>
+                            <a:fillRect/>
+                          </a:stretch>
+                        </p:blipFill>
+                        <p:spPr>
+                          <a:xfrm>
+                            <a:off x="2216599" y="1575154"/>
+                            <a:ext cx="261937" cy="349250"/>
+                          </a:xfrm>
+                          <a:prstGeom prst="rect">
+                            <a:avLst/>
+                          </a:prstGeom>
+                        </p:spPr>
+                      </p:pic>
+                    </p:oleObj>
+                  </mc:Fallback>
+                </mc:AlternateContent>
+              </a:graphicData>
+            </a:graphic>
+          </p:graphicFrame>
+        </p:grpSp>
+        <p:grpSp>
+          <p:nvGrpSpPr>
+            <p:cNvPr id="14" name="组 13"/>
+            <p:cNvGrpSpPr/>
+            <p:nvPr/>
+          </p:nvGrpSpPr>
+          <p:grpSpPr>
+            <a:xfrm>
+              <a:off x="3077126" y="2578087"/>
+              <a:ext cx="537714" cy="537714"/>
+              <a:chOff x="2082212" y="1487449"/>
+              <a:chExt cx="537714" cy="537714"/>
+            </a:xfrm>
+          </p:grpSpPr>
+          <p:sp>
+            <p:nvSpPr>
+              <p:cNvPr id="15" name="椭圆 14"/>
+              <p:cNvSpPr/>
+              <p:nvPr/>
+            </p:nvSpPr>
+            <p:spPr>
+              <a:xfrm>
+                <a:off x="2082212" y="1487449"/>
+                <a:ext cx="537714" cy="537714"/>
+              </a:xfrm>
+              <a:prstGeom prst="ellipse">
+                <a:avLst/>
+              </a:prstGeom>
+            </p:spPr>
+            <p:style>
+              <a:lnRef idx="2">
+                <a:schemeClr val="dk1"/>
+              </a:lnRef>
+              <a:fillRef idx="1">
+                <a:schemeClr val="lt1"/>
+              </a:fillRef>
+              <a:effectRef idx="0">
+                <a:schemeClr val="dk1"/>
+              </a:effectRef>
+              <a:fontRef idx="minor">
+                <a:schemeClr val="dk1"/>
+              </a:fontRef>
+            </p:style>
+            <p:txBody>
+              <a:bodyPr rtlCol="0" anchor="ctr"/>
+              <a:lstStyle/>
+              <a:p>
+                <a:pPr algn="ctr"/>
+                <a:endParaRPr kumimoji="1" lang="zh-CN" altLang="en-US" dirty="0"/>
+              </a:p>
+            </p:txBody>
+          </p:sp>
+          <p:graphicFrame>
+            <p:nvGraphicFramePr>
+              <p:cNvPr id="16" name="对象 15"/>
+              <p:cNvGraphicFramePr>
+                <a:graphicFrameLocks noChangeAspect="1"/>
+              </p:cNvGraphicFramePr>
+              <p:nvPr>
+                <p:extLst>
+                  <p:ext uri="{D42A27DB-BD31-4B8C-83A1-F6EECF244321}">
+                    <p14:modId xmlns:p14="http://schemas.microsoft.com/office/powerpoint/2010/main" val="2084643479"/>
+                  </p:ext>
+                </p:extLst>
+              </p:nvPr>
+            </p:nvGraphicFramePr>
+            <p:xfrm>
+              <a:off x="2216599" y="1574775"/>
+              <a:ext cx="261937" cy="349250"/>
+            </p:xfrm>
+            <a:graphic>
+              <a:graphicData uri="http://schemas.openxmlformats.org/presentationml/2006/ole">
+                <mc:AlternateContent xmlns:mc="http://schemas.openxmlformats.org/markup-compatibility/2006">
+                  <mc:Choice xmlns:v="urn:schemas-microsoft-com:vml" Requires="v">
+                    <p:oleObj spid="_x0000_s1413" name="Equation" r:id="rId9" imgW="152400" imgH="203200" progId="Equation.DSMT4">
+                      <p:embed/>
+                    </p:oleObj>
+                  </mc:Choice>
+                  <mc:Fallback>
+                    <p:oleObj name="Equation" r:id="rId9" imgW="152400" imgH="203200" progId="Equation.DSMT4">
+                      <p:embed/>
+                      <p:pic>
+                        <p:nvPicPr>
+                          <p:cNvPr id="0" name=""/>
+                          <p:cNvPicPr/>
+                          <p:nvPr/>
+                        </p:nvPicPr>
+                        <p:blipFill>
+                          <a:blip r:embed="rId10"/>
+                          <a:stretch>
+                            <a:fillRect/>
+                          </a:stretch>
+                        </p:blipFill>
+                        <p:spPr>
+                          <a:xfrm>
+                            <a:off x="2216599" y="1574775"/>
+                            <a:ext cx="261937" cy="349250"/>
+                          </a:xfrm>
+                          <a:prstGeom prst="rect">
+                            <a:avLst/>
+                          </a:prstGeom>
+                        </p:spPr>
+                      </p:pic>
+                    </p:oleObj>
+                  </mc:Fallback>
+                </mc:AlternateContent>
+              </a:graphicData>
+            </a:graphic>
+          </p:graphicFrame>
+        </p:grpSp>
+        <p:grpSp>
+          <p:nvGrpSpPr>
+            <p:cNvPr id="17" name="组 16"/>
+            <p:cNvGrpSpPr/>
+            <p:nvPr/>
+          </p:nvGrpSpPr>
+          <p:grpSpPr>
+            <a:xfrm>
+              <a:off x="4045782" y="1487449"/>
+              <a:ext cx="537714" cy="537714"/>
+              <a:chOff x="2082212" y="1487449"/>
+              <a:chExt cx="537714" cy="537714"/>
+            </a:xfrm>
+          </p:grpSpPr>
+          <p:sp>
+            <p:nvSpPr>
+              <p:cNvPr id="18" name="椭圆 17"/>
+              <p:cNvSpPr/>
+              <p:nvPr/>
+            </p:nvSpPr>
+            <p:spPr>
+              <a:xfrm>
+                <a:off x="2082212" y="1487449"/>
+                <a:ext cx="537714" cy="537714"/>
+              </a:xfrm>
+              <a:prstGeom prst="ellipse">
+                <a:avLst/>
+              </a:prstGeom>
+            </p:spPr>
+            <p:style>
+              <a:lnRef idx="2">
+                <a:schemeClr val="dk1"/>
+              </a:lnRef>
+              <a:fillRef idx="1">
+                <a:schemeClr val="lt1"/>
+              </a:fillRef>
+              <a:effectRef idx="0">
+                <a:schemeClr val="dk1"/>
+              </a:effectRef>
+              <a:fontRef idx="minor">
+                <a:schemeClr val="dk1"/>
+              </a:fontRef>
+            </p:style>
+            <p:txBody>
+              <a:bodyPr rtlCol="0" anchor="ctr"/>
+              <a:lstStyle/>
+              <a:p>
+                <a:pPr algn="ctr"/>
+                <a:endParaRPr kumimoji="1" lang="zh-CN" altLang="en-US" dirty="0"/>
+              </a:p>
+            </p:txBody>
+          </p:sp>
+          <p:graphicFrame>
+            <p:nvGraphicFramePr>
+              <p:cNvPr id="19" name="对象 18"/>
+              <p:cNvGraphicFramePr>
+                <a:graphicFrameLocks noChangeAspect="1"/>
+              </p:cNvGraphicFramePr>
+              <p:nvPr>
+                <p:extLst>
+                  <p:ext uri="{D42A27DB-BD31-4B8C-83A1-F6EECF244321}">
+                    <p14:modId xmlns:p14="http://schemas.microsoft.com/office/powerpoint/2010/main" val="4265857178"/>
+                  </p:ext>
+                </p:extLst>
+              </p:nvPr>
+            </p:nvGraphicFramePr>
+            <p:xfrm>
+              <a:off x="2150858" y="1574584"/>
+              <a:ext cx="393168" cy="349483"/>
+            </p:xfrm>
+            <a:graphic>
+              <a:graphicData uri="http://schemas.openxmlformats.org/presentationml/2006/ole">
+                <mc:AlternateContent xmlns:mc="http://schemas.openxmlformats.org/markup-compatibility/2006">
+                  <mc:Choice xmlns:v="urn:schemas-microsoft-com:vml" Requires="v">
+                    <p:oleObj spid="_x0000_s1414" name="Equation" r:id="rId11" imgW="228600" imgH="203200" progId="Equation.DSMT4">
+                      <p:embed/>
+                    </p:oleObj>
+                  </mc:Choice>
+                  <mc:Fallback>
+                    <p:oleObj name="Equation" r:id="rId11" imgW="228600" imgH="203200" progId="Equation.DSMT4">
+                      <p:embed/>
+                      <p:pic>
+                        <p:nvPicPr>
+                          <p:cNvPr id="0" name=""/>
+                          <p:cNvPicPr/>
+                          <p:nvPr/>
+                        </p:nvPicPr>
+                        <p:blipFill>
+                          <a:blip r:embed="rId12"/>
+                          <a:stretch>
+                            <a:fillRect/>
+                          </a:stretch>
+                        </p:blipFill>
+                        <p:spPr>
+                          <a:xfrm>
+                            <a:off x="2150858" y="1574584"/>
+                            <a:ext cx="393168" cy="349483"/>
+                          </a:xfrm>
+                          <a:prstGeom prst="rect">
+                            <a:avLst/>
+                          </a:prstGeom>
+                        </p:spPr>
+                      </p:pic>
+                    </p:oleObj>
+                  </mc:Fallback>
+                </mc:AlternateContent>
+              </a:graphicData>
+            </a:graphic>
+          </p:graphicFrame>
+        </p:grpSp>
+        <p:grpSp>
+          <p:nvGrpSpPr>
+            <p:cNvPr id="23" name="组 22"/>
+            <p:cNvGrpSpPr/>
+            <p:nvPr/>
+          </p:nvGrpSpPr>
+          <p:grpSpPr>
+            <a:xfrm>
+              <a:off x="4057223" y="2578087"/>
+              <a:ext cx="537714" cy="537714"/>
+              <a:chOff x="2082212" y="1487449"/>
+              <a:chExt cx="537714" cy="537714"/>
+            </a:xfrm>
+          </p:grpSpPr>
+          <p:sp>
+            <p:nvSpPr>
+              <p:cNvPr id="24" name="椭圆 23"/>
+              <p:cNvSpPr/>
+              <p:nvPr/>
+            </p:nvSpPr>
+            <p:spPr>
+              <a:xfrm>
+                <a:off x="2082212" y="1487449"/>
+                <a:ext cx="537714" cy="537714"/>
+              </a:xfrm>
+              <a:prstGeom prst="ellipse">
+                <a:avLst/>
+              </a:prstGeom>
+            </p:spPr>
+            <p:style>
+              <a:lnRef idx="2">
+                <a:schemeClr val="dk1"/>
+              </a:lnRef>
+              <a:fillRef idx="1">
+                <a:schemeClr val="lt1"/>
+              </a:fillRef>
+              <a:effectRef idx="0">
+                <a:schemeClr val="dk1"/>
+              </a:effectRef>
+              <a:fontRef idx="minor">
+                <a:schemeClr val="dk1"/>
+              </a:fontRef>
+            </p:style>
+            <p:txBody>
+              <a:bodyPr rtlCol="0" anchor="ctr"/>
+              <a:lstStyle/>
+              <a:p>
+                <a:pPr algn="ctr"/>
+                <a:endParaRPr kumimoji="1" lang="zh-CN" altLang="en-US" dirty="0"/>
+              </a:p>
+            </p:txBody>
+          </p:sp>
+          <p:graphicFrame>
+            <p:nvGraphicFramePr>
+              <p:cNvPr id="25" name="对象 24"/>
+              <p:cNvGraphicFramePr>
+                <a:graphicFrameLocks noChangeAspect="1"/>
+              </p:cNvGraphicFramePr>
+              <p:nvPr>
+                <p:extLst>
+                  <p:ext uri="{D42A27DB-BD31-4B8C-83A1-F6EECF244321}">
+                    <p14:modId xmlns:p14="http://schemas.microsoft.com/office/powerpoint/2010/main" val="3617679661"/>
+                  </p:ext>
+                </p:extLst>
+              </p:nvPr>
+            </p:nvGraphicFramePr>
+            <p:xfrm>
+              <a:off x="2140118" y="1574775"/>
+              <a:ext cx="414337" cy="349250"/>
+            </p:xfrm>
+            <a:graphic>
+              <a:graphicData uri="http://schemas.openxmlformats.org/presentationml/2006/ole">
+                <mc:AlternateContent xmlns:mc="http://schemas.openxmlformats.org/markup-compatibility/2006">
+                  <mc:Choice xmlns:v="urn:schemas-microsoft-com:vml" Requires="v">
+                    <p:oleObj spid="_x0000_s1415" name="Equation" r:id="rId13" imgW="241300" imgH="203200" progId="Equation.DSMT4">
+                      <p:embed/>
+                    </p:oleObj>
+                  </mc:Choice>
+                  <mc:Fallback>
+                    <p:oleObj name="Equation" r:id="rId13" imgW="241300" imgH="203200" progId="Equation.DSMT4">
+                      <p:embed/>
+                      <p:pic>
+                        <p:nvPicPr>
+                          <p:cNvPr id="0" name=""/>
+                          <p:cNvPicPr/>
+                          <p:nvPr/>
+                        </p:nvPicPr>
+                        <p:blipFill>
+                          <a:blip r:embed="rId14"/>
+                          <a:stretch>
+                            <a:fillRect/>
+                          </a:stretch>
+                        </p:blipFill>
+                        <p:spPr>
+                          <a:xfrm>
+                            <a:off x="2140118" y="1574775"/>
+                            <a:ext cx="414337" cy="349250"/>
+                          </a:xfrm>
+                          <a:prstGeom prst="rect">
+                            <a:avLst/>
+                          </a:prstGeom>
+                        </p:spPr>
+                      </p:pic>
+                    </p:oleObj>
+                  </mc:Fallback>
+                </mc:AlternateContent>
+              </a:graphicData>
+            </a:graphic>
+          </p:graphicFrame>
+        </p:grpSp>
+        <p:cxnSp>
+          <p:nvCxnSpPr>
+            <p:cNvPr id="27" name="直线箭头连接符 26"/>
+            <p:cNvCxnSpPr>
+              <a:stCxn id="4" idx="6"/>
+              <a:endCxn id="12" idx="2"/>
+            </p:cNvCxnSpPr>
+            <p:nvPr/>
+          </p:nvCxnSpPr>
+          <p:spPr>
+            <a:xfrm flipV="1">
+              <a:off x="2619926" y="1752777"/>
+              <a:ext cx="457200" cy="3529"/>
+            </a:xfrm>
+            <a:prstGeom prst="straightConnector1">
               <a:avLst/>
             </a:prstGeom>
+            <a:ln>
+              <a:solidFill>
+                <a:schemeClr val="tx1"/>
+              </a:solidFill>
+              <a:tailEnd type="arrow"/>
+            </a:ln>
           </p:spPr>
           <p:style>
             <a:lnRef idx="2">
-              <a:schemeClr val="dk1"/>
+              <a:schemeClr val="accent1"/>
             </a:lnRef>
-            <a:fillRef idx="1">
-              <a:schemeClr val="lt1"/>
+            <a:fillRef idx="0">
+              <a:schemeClr val="accent1"/>
             </a:fillRef>
-            <a:effectRef idx="0">
-              <a:schemeClr val="dk1"/>
+            <a:effectRef idx="1">
+              <a:schemeClr val="accent1"/>
             </a:effectRef>
             <a:fontRef idx="minor">
-              <a:schemeClr val="dk1"/>
+              <a:schemeClr val="tx1"/>
             </a:fontRef>
           </p:style>
-          <p:txBody>
-            <a:bodyPr rtlCol="0" anchor="ctr"/>
-            <a:lstStyle/>
-            <a:p>
-              <a:pPr algn="ctr"/>
-              <a:endParaRPr kumimoji="1" lang="zh-CN" altLang="en-US" dirty="0"/>
-            </a:p>
-          </p:txBody>
-        </p:sp>
-        <p:graphicFrame>
-          <p:nvGraphicFramePr>
-            <p:cNvPr id="6" name="对象 5"/>
-            <p:cNvGraphicFramePr>
-              <a:graphicFrameLocks noChangeAspect="1"/>
-            </p:cNvGraphicFramePr>
-            <p:nvPr>
-              <p:extLst>
-                <p:ext uri="{D42A27DB-BD31-4B8C-83A1-F6EECF244321}">
-                  <p14:modId xmlns:p14="http://schemas.microsoft.com/office/powerpoint/2010/main" val="2778943757"/>
-                </p:ext>
-              </p:extLst>
-            </p:nvPr>
-          </p:nvGraphicFramePr>
-          <p:xfrm>
-            <a:off x="2150858" y="1574584"/>
-            <a:ext cx="393168" cy="349483"/>
-          </p:xfrm>
-          <a:graphic>
-            <a:graphicData uri="http://schemas.openxmlformats.org/presentationml/2006/ole">
-              <mc:AlternateContent xmlns:mc="http://schemas.openxmlformats.org/markup-compatibility/2006">
-                <mc:Choice xmlns:v="urn:schemas-microsoft-com:vml" Requires="v">
-                  <p:oleObj spid="_x0000_s1313" name="Equation" r:id="rId3" imgW="228600" imgH="203200" progId="Equation.DSMT4">
-                    <p:embed/>
-                  </p:oleObj>
-                </mc:Choice>
-                <mc:Fallback>
-                  <p:oleObj name="Equation" r:id="rId3" imgW="228600" imgH="203200" progId="Equation.DSMT4">
-                    <p:embed/>
-                    <p:pic>
-                      <p:nvPicPr>
-                        <p:cNvPr id="0" name=""/>
-                        <p:cNvPicPr/>
-                        <p:nvPr/>
-                      </p:nvPicPr>
-                      <p:blipFill>
-                        <a:blip r:embed="rId4"/>
-                        <a:stretch>
-                          <a:fillRect/>
-                        </a:stretch>
-                      </p:blipFill>
-                      <p:spPr>
-                        <a:xfrm>
-                          <a:off x="2150858" y="1574584"/>
-                          <a:ext cx="393168" cy="349483"/>
-                        </a:xfrm>
-                        <a:prstGeom prst="rect">
-                          <a:avLst/>
-                        </a:prstGeom>
-                      </p:spPr>
-                    </p:pic>
-                  </p:oleObj>
-                </mc:Fallback>
-              </mc:AlternateContent>
-            </a:graphicData>
-          </a:graphic>
-        </p:graphicFrame>
-      </p:grpSp>
-      <p:grpSp>
-        <p:nvGrpSpPr>
-          <p:cNvPr id="8" name="组 7"/>
-          <p:cNvGrpSpPr/>
-          <p:nvPr/>
-        </p:nvGrpSpPr>
-        <p:grpSpPr>
-          <a:xfrm>
-            <a:off x="2081785" y="2578087"/>
-            <a:ext cx="537714" cy="537714"/>
-            <a:chOff x="2082212" y="1487449"/>
-            <a:chExt cx="537714" cy="537714"/>
-          </a:xfrm>
-        </p:grpSpPr>
-        <p:sp>
-          <p:nvSpPr>
-            <p:cNvPr id="9" name="椭圆 8"/>
-            <p:cNvSpPr/>
+        </p:cxnSp>
+        <p:cxnSp>
+          <p:nvCxnSpPr>
+            <p:cNvPr id="28" name="直线箭头连接符 27"/>
+            <p:cNvCxnSpPr>
+              <a:stCxn id="12" idx="6"/>
+              <a:endCxn id="18" idx="2"/>
+            </p:cNvCxnSpPr>
             <p:nvPr/>
-          </p:nvSpPr>
+          </p:nvCxnSpPr>
           <p:spPr>
             <a:xfrm>
-              <a:off x="2082212" y="1487449"/>
-              <a:ext cx="537714" cy="537714"/>
+              <a:off x="3614840" y="1752777"/>
+              <a:ext cx="430942" cy="3529"/>
             </a:xfrm>
-            <a:prstGeom prst="ellipse">
+            <a:prstGeom prst="straightConnector1">
               <a:avLst/>
             </a:prstGeom>
+            <a:ln>
+              <a:solidFill>
+                <a:schemeClr val="tx1"/>
+              </a:solidFill>
+              <a:tailEnd type="arrow"/>
+            </a:ln>
           </p:spPr>
           <p:style>
             <a:lnRef idx="2">
-              <a:schemeClr val="dk1"/>
+              <a:schemeClr val="accent1"/>
             </a:lnRef>
-            <a:fillRef idx="1">
-              <a:schemeClr val="lt1"/>
+            <a:fillRef idx="0">
+              <a:schemeClr val="accent1"/>
             </a:fillRef>
-            <a:effectRef idx="0">
-              <a:schemeClr val="dk1"/>
+            <a:effectRef idx="1">
+              <a:schemeClr val="accent1"/>
             </a:effectRef>
             <a:fontRef idx="minor">
-              <a:schemeClr val="dk1"/>
+              <a:schemeClr val="tx1"/>
             </a:fontRef>
           </p:style>
-          <p:txBody>
-            <a:bodyPr rtlCol="0" anchor="ctr"/>
-            <a:lstStyle/>
-            <a:p>
-              <a:pPr algn="ctr"/>
-              <a:endParaRPr kumimoji="1" lang="zh-CN" altLang="en-US" dirty="0"/>
-            </a:p>
-          </p:txBody>
-        </p:sp>
-        <p:graphicFrame>
-          <p:nvGraphicFramePr>
-            <p:cNvPr id="10" name="对象 9"/>
-            <p:cNvGraphicFramePr>
-              <a:graphicFrameLocks noChangeAspect="1"/>
-            </p:cNvGraphicFramePr>
-            <p:nvPr>
-              <p:extLst>
-                <p:ext uri="{D42A27DB-BD31-4B8C-83A1-F6EECF244321}">
-                  <p14:modId xmlns:p14="http://schemas.microsoft.com/office/powerpoint/2010/main" val="1056269594"/>
-                </p:ext>
-              </p:extLst>
-            </p:nvPr>
-          </p:nvGraphicFramePr>
-          <p:xfrm>
-            <a:off x="2139775" y="1574775"/>
-            <a:ext cx="415925" cy="349250"/>
-          </p:xfrm>
-          <a:graphic>
-            <a:graphicData uri="http://schemas.openxmlformats.org/presentationml/2006/ole">
-              <mc:AlternateContent xmlns:mc="http://schemas.openxmlformats.org/markup-compatibility/2006">
-                <mc:Choice xmlns:v="urn:schemas-microsoft-com:vml" Requires="v">
-                  <p:oleObj spid="_x0000_s1314" name="Equation" r:id="rId5" imgW="241300" imgH="203200" progId="Equation.DSMT4">
-                    <p:embed/>
-                  </p:oleObj>
-                </mc:Choice>
-                <mc:Fallback>
-                  <p:oleObj name="Equation" r:id="rId5" imgW="241300" imgH="203200" progId="Equation.DSMT4">
-                    <p:embed/>
-                    <p:pic>
-                      <p:nvPicPr>
-                        <p:cNvPr id="0" name=""/>
-                        <p:cNvPicPr/>
-                        <p:nvPr/>
-                      </p:nvPicPr>
-                      <p:blipFill>
-                        <a:blip r:embed="rId6"/>
-                        <a:stretch>
-                          <a:fillRect/>
-                        </a:stretch>
-                      </p:blipFill>
-                      <p:spPr>
-                        <a:xfrm>
-                          <a:off x="2139775" y="1574775"/>
-                          <a:ext cx="415925" cy="349250"/>
-                        </a:xfrm>
-                        <a:prstGeom prst="rect">
-                          <a:avLst/>
-                        </a:prstGeom>
-                      </p:spPr>
-                    </p:pic>
-                  </p:oleObj>
-                </mc:Fallback>
-              </mc:AlternateContent>
-            </a:graphicData>
-          </a:graphic>
-        </p:graphicFrame>
-      </p:grpSp>
-      <p:grpSp>
-        <p:nvGrpSpPr>
-          <p:cNvPr id="11" name="组 10"/>
-          <p:cNvGrpSpPr/>
-          <p:nvPr/>
-        </p:nvGrpSpPr>
-        <p:grpSpPr>
-          <a:xfrm>
-            <a:off x="3077126" y="1483920"/>
-            <a:ext cx="537714" cy="537714"/>
-            <a:chOff x="2082212" y="1487449"/>
-            <a:chExt cx="537714" cy="537714"/>
-          </a:xfrm>
-        </p:grpSpPr>
-        <p:sp>
-          <p:nvSpPr>
-            <p:cNvPr id="12" name="椭圆 11"/>
-            <p:cNvSpPr/>
+        </p:cxnSp>
+        <p:cxnSp>
+          <p:nvCxnSpPr>
+            <p:cNvPr id="33" name="直线箭头连接符 32"/>
+            <p:cNvCxnSpPr>
+              <a:stCxn id="4" idx="4"/>
+              <a:endCxn id="9" idx="0"/>
+            </p:cNvCxnSpPr>
             <p:nvPr/>
-          </p:nvSpPr>
+          </p:nvCxnSpPr>
           <p:spPr>
-            <a:xfrm>
-              <a:off x="2082212" y="1487449"/>
-              <a:ext cx="537714" cy="537714"/>
+            <a:xfrm flipH="1">
+              <a:off x="2350642" y="2025163"/>
+              <a:ext cx="427" cy="552924"/>
             </a:xfrm>
-            <a:prstGeom prst="ellipse">
+            <a:prstGeom prst="straightConnector1">
               <a:avLst/>
             </a:prstGeom>
+            <a:ln>
+              <a:solidFill>
+                <a:srgbClr val="000000"/>
+              </a:solidFill>
+              <a:tailEnd type="arrow"/>
+            </a:ln>
           </p:spPr>
           <p:style>
             <a:lnRef idx="2">
-              <a:schemeClr val="dk1"/>
+              <a:schemeClr val="accent1"/>
             </a:lnRef>
-            <a:fillRef idx="1">
-              <a:schemeClr val="lt1"/>
+            <a:fillRef idx="0">
+              <a:schemeClr val="accent1"/>
             </a:fillRef>
-            <a:effectRef idx="0">
-              <a:schemeClr val="dk1"/>
+            <a:effectRef idx="1">
+              <a:schemeClr val="accent1"/>
             </a:effectRef>
             <a:fontRef idx="minor">
-              <a:schemeClr val="dk1"/>
+              <a:schemeClr val="tx1"/>
             </a:fontRef>
           </p:style>
-          <p:txBody>
-            <a:bodyPr rtlCol="0" anchor="ctr"/>
-            <a:lstStyle/>
-            <a:p>
-              <a:pPr algn="ctr"/>
-              <a:endParaRPr kumimoji="1" lang="zh-CN" altLang="en-US" dirty="0"/>
-            </a:p>
-          </p:txBody>
-        </p:sp>
-        <p:graphicFrame>
-          <p:nvGraphicFramePr>
-            <p:cNvPr id="13" name="对象 12"/>
-            <p:cNvGraphicFramePr>
-              <a:graphicFrameLocks noChangeAspect="1"/>
-            </p:cNvGraphicFramePr>
-            <p:nvPr>
-              <p:extLst>
-                <p:ext uri="{D42A27DB-BD31-4B8C-83A1-F6EECF244321}">
-                  <p14:modId xmlns:p14="http://schemas.microsoft.com/office/powerpoint/2010/main" val="2688898871"/>
-                </p:ext>
-              </p:extLst>
-            </p:nvPr>
-          </p:nvGraphicFramePr>
-          <p:xfrm>
-            <a:off x="2216599" y="1575154"/>
-            <a:ext cx="261937" cy="349250"/>
-          </p:xfrm>
-          <a:graphic>
-            <a:graphicData uri="http://schemas.openxmlformats.org/presentationml/2006/ole">
-              <mc:AlternateContent xmlns:mc="http://schemas.openxmlformats.org/markup-compatibility/2006">
-                <mc:Choice xmlns:v="urn:schemas-microsoft-com:vml" Requires="v">
-                  <p:oleObj spid="_x0000_s1315" name="Equation" r:id="rId7" imgW="152400" imgH="203200" progId="Equation.DSMT4">
-                    <p:embed/>
-                  </p:oleObj>
-                </mc:Choice>
-                <mc:Fallback>
-                  <p:oleObj name="Equation" r:id="rId7" imgW="152400" imgH="203200" progId="Equation.DSMT4">
-                    <p:embed/>
-                    <p:pic>
-                      <p:nvPicPr>
-                        <p:cNvPr id="0" name=""/>
-                        <p:cNvPicPr/>
-                        <p:nvPr/>
-                      </p:nvPicPr>
-                      <p:blipFill>
-                        <a:blip r:embed="rId8"/>
-                        <a:stretch>
-                          <a:fillRect/>
-                        </a:stretch>
-                      </p:blipFill>
-                      <p:spPr>
-                        <a:xfrm>
-                          <a:off x="2216599" y="1575154"/>
-                          <a:ext cx="261937" cy="349250"/>
-                        </a:xfrm>
-                        <a:prstGeom prst="rect">
-                          <a:avLst/>
-                        </a:prstGeom>
-                      </p:spPr>
-                    </p:pic>
-                  </p:oleObj>
-                </mc:Fallback>
-              </mc:AlternateContent>
-            </a:graphicData>
-          </a:graphic>
-        </p:graphicFrame>
-      </p:grpSp>
-      <p:grpSp>
-        <p:nvGrpSpPr>
-          <p:cNvPr id="14" name="组 13"/>
-          <p:cNvGrpSpPr/>
-          <p:nvPr/>
-        </p:nvGrpSpPr>
-        <p:grpSpPr>
-          <a:xfrm>
-            <a:off x="3077126" y="2578087"/>
-            <a:ext cx="537714" cy="537714"/>
-            <a:chOff x="2082212" y="1487449"/>
-            <a:chExt cx="537714" cy="537714"/>
-          </a:xfrm>
-        </p:grpSpPr>
-        <p:sp>
-          <p:nvSpPr>
-            <p:cNvPr id="15" name="椭圆 14"/>
-            <p:cNvSpPr/>
+        </p:cxnSp>
+        <p:cxnSp>
+          <p:nvCxnSpPr>
+            <p:cNvPr id="34" name="直线箭头连接符 33"/>
+            <p:cNvCxnSpPr>
+              <a:stCxn id="12" idx="4"/>
+              <a:endCxn id="15" idx="0"/>
+            </p:cNvCxnSpPr>
             <p:nvPr/>
-          </p:nvSpPr>
+          </p:nvCxnSpPr>
           <p:spPr>
             <a:xfrm>
-              <a:off x="2082212" y="1487449"/>
-              <a:ext cx="537714" cy="537714"/>
+              <a:off x="3345983" y="2021634"/>
+              <a:ext cx="0" cy="556453"/>
             </a:xfrm>
-            <a:prstGeom prst="ellipse">
+            <a:prstGeom prst="straightConnector1">
               <a:avLst/>
             </a:prstGeom>
+            <a:ln>
+              <a:solidFill>
+                <a:srgbClr val="000000"/>
+              </a:solidFill>
+              <a:tailEnd type="arrow"/>
+            </a:ln>
           </p:spPr>
           <p:style>
             <a:lnRef idx="2">
-              <a:schemeClr val="dk1"/>
+              <a:schemeClr val="accent1"/>
             </a:lnRef>
-            <a:fillRef idx="1">
-              <a:schemeClr val="lt1"/>
+            <a:fillRef idx="0">
+              <a:schemeClr val="accent1"/>
             </a:fillRef>
-            <a:effectRef idx="0">
-              <a:schemeClr val="dk1"/>
+            <a:effectRef idx="1">
+              <a:schemeClr val="accent1"/>
             </a:effectRef>
             <a:fontRef idx="minor">
-              <a:schemeClr val="dk1"/>
+              <a:schemeClr val="tx1"/>
             </a:fontRef>
           </p:style>
-          <p:txBody>
-            <a:bodyPr rtlCol="0" anchor="ctr"/>
-            <a:lstStyle/>
-            <a:p>
-              <a:pPr algn="ctr"/>
-              <a:endParaRPr kumimoji="1" lang="zh-CN" altLang="en-US" dirty="0"/>
-            </a:p>
-          </p:txBody>
-        </p:sp>
-        <p:graphicFrame>
-          <p:nvGraphicFramePr>
-            <p:cNvPr id="16" name="对象 15"/>
-            <p:cNvGraphicFramePr>
-              <a:graphicFrameLocks noChangeAspect="1"/>
-            </p:cNvGraphicFramePr>
-            <p:nvPr>
-              <p:extLst>
-                <p:ext uri="{D42A27DB-BD31-4B8C-83A1-F6EECF244321}">
-                  <p14:modId xmlns:p14="http://schemas.microsoft.com/office/powerpoint/2010/main" val="2084643479"/>
-                </p:ext>
-              </p:extLst>
-            </p:nvPr>
-          </p:nvGraphicFramePr>
-          <p:xfrm>
-            <a:off x="2216599" y="1574775"/>
-            <a:ext cx="261937" cy="349250"/>
-          </p:xfrm>
-          <a:graphic>
-            <a:graphicData uri="http://schemas.openxmlformats.org/presentationml/2006/ole">
-              <mc:AlternateContent xmlns:mc="http://schemas.openxmlformats.org/markup-compatibility/2006">
-                <mc:Choice xmlns:v="urn:schemas-microsoft-com:vml" Requires="v">
-                  <p:oleObj spid="_x0000_s1316" name="Equation" r:id="rId9" imgW="152400" imgH="203200" progId="Equation.DSMT4">
-                    <p:embed/>
-                  </p:oleObj>
-                </mc:Choice>
-                <mc:Fallback>
-                  <p:oleObj name="Equation" r:id="rId9" imgW="152400" imgH="203200" progId="Equation.DSMT4">
-                    <p:embed/>
-                    <p:pic>
-                      <p:nvPicPr>
-                        <p:cNvPr id="0" name=""/>
-                        <p:cNvPicPr/>
-                        <p:nvPr/>
-                      </p:nvPicPr>
-                      <p:blipFill>
-                        <a:blip r:embed="rId10"/>
-                        <a:stretch>
-                          <a:fillRect/>
-                        </a:stretch>
-                      </p:blipFill>
-                      <p:spPr>
-                        <a:xfrm>
-                          <a:off x="2216599" y="1574775"/>
-                          <a:ext cx="261937" cy="349250"/>
-                        </a:xfrm>
-                        <a:prstGeom prst="rect">
-                          <a:avLst/>
-                        </a:prstGeom>
-                      </p:spPr>
-                    </p:pic>
-                  </p:oleObj>
-                </mc:Fallback>
-              </mc:AlternateContent>
-            </a:graphicData>
-          </a:graphic>
-        </p:graphicFrame>
-      </p:grpSp>
-      <p:grpSp>
-        <p:nvGrpSpPr>
-          <p:cNvPr id="17" name="组 16"/>
-          <p:cNvGrpSpPr/>
-          <p:nvPr/>
-        </p:nvGrpSpPr>
-        <p:grpSpPr>
-          <a:xfrm>
-            <a:off x="4045782" y="1487449"/>
-            <a:ext cx="537714" cy="537714"/>
-            <a:chOff x="2082212" y="1487449"/>
-            <a:chExt cx="537714" cy="537714"/>
-          </a:xfrm>
-        </p:grpSpPr>
-        <p:sp>
-          <p:nvSpPr>
-            <p:cNvPr id="18" name="椭圆 17"/>
-            <p:cNvSpPr/>
+        </p:cxnSp>
+        <p:cxnSp>
+          <p:nvCxnSpPr>
+            <p:cNvPr id="38" name="直线箭头连接符 37"/>
+            <p:cNvCxnSpPr>
+              <a:stCxn id="18" idx="4"/>
+              <a:endCxn id="24" idx="0"/>
+            </p:cNvCxnSpPr>
             <p:nvPr/>
-          </p:nvSpPr>
+          </p:nvCxnSpPr>
           <p:spPr>
             <a:xfrm>
-              <a:off x="2082212" y="1487449"/>
-              <a:ext cx="537714" cy="537714"/>
+              <a:off x="4314639" y="2025163"/>
+              <a:ext cx="11441" cy="552924"/>
             </a:xfrm>
-            <a:prstGeom prst="ellipse">
+            <a:prstGeom prst="straightConnector1">
               <a:avLst/>
             </a:prstGeom>
+            <a:ln>
+              <a:solidFill>
+                <a:srgbClr val="000000"/>
+              </a:solidFill>
+              <a:tailEnd type="arrow"/>
+            </a:ln>
           </p:spPr>
           <p:style>
             <a:lnRef idx="2">
-              <a:schemeClr val="dk1"/>
+              <a:schemeClr val="accent1"/>
             </a:lnRef>
-            <a:fillRef idx="1">
-              <a:schemeClr val="lt1"/>
+            <a:fillRef idx="0">
+              <a:schemeClr val="accent1"/>
             </a:fillRef>
-            <a:effectRef idx="0">
-              <a:schemeClr val="dk1"/>
+            <a:effectRef idx="1">
+              <a:schemeClr val="accent1"/>
             </a:effectRef>
             <a:fontRef idx="minor">
-              <a:schemeClr val="dk1"/>
+              <a:schemeClr val="tx1"/>
             </a:fontRef>
           </p:style>
-          <p:txBody>
-            <a:bodyPr rtlCol="0" anchor="ctr"/>
-            <a:lstStyle/>
-            <a:p>
-              <a:pPr algn="ctr"/>
-              <a:endParaRPr kumimoji="1" lang="zh-CN" altLang="en-US" dirty="0"/>
-            </a:p>
-          </p:txBody>
-        </p:sp>
-        <p:graphicFrame>
-          <p:nvGraphicFramePr>
-            <p:cNvPr id="19" name="对象 18"/>
-            <p:cNvGraphicFramePr>
-              <a:graphicFrameLocks noChangeAspect="1"/>
-            </p:cNvGraphicFramePr>
-            <p:nvPr>
-              <p:extLst>
-                <p:ext uri="{D42A27DB-BD31-4B8C-83A1-F6EECF244321}">
-                  <p14:modId xmlns:p14="http://schemas.microsoft.com/office/powerpoint/2010/main" val="4265857178"/>
-                </p:ext>
-              </p:extLst>
-            </p:nvPr>
-          </p:nvGraphicFramePr>
-          <p:xfrm>
-            <a:off x="2150858" y="1574584"/>
-            <a:ext cx="393168" cy="349483"/>
-          </p:xfrm>
-          <a:graphic>
-            <a:graphicData uri="http://schemas.openxmlformats.org/presentationml/2006/ole">
-              <mc:AlternateContent xmlns:mc="http://schemas.openxmlformats.org/markup-compatibility/2006">
-                <mc:Choice xmlns:v="urn:schemas-microsoft-com:vml" Requires="v">
-                  <p:oleObj spid="_x0000_s1317" name="Equation" r:id="rId11" imgW="228600" imgH="203200" progId="Equation.DSMT4">
-                    <p:embed/>
-                  </p:oleObj>
-                </mc:Choice>
-                <mc:Fallback>
-                  <p:oleObj name="Equation" r:id="rId11" imgW="228600" imgH="203200" progId="Equation.DSMT4">
-                    <p:embed/>
-                    <p:pic>
-                      <p:nvPicPr>
-                        <p:cNvPr id="0" name=""/>
-                        <p:cNvPicPr/>
-                        <p:nvPr/>
-                      </p:nvPicPr>
-                      <p:blipFill>
-                        <a:blip r:embed="rId12"/>
-                        <a:stretch>
-                          <a:fillRect/>
-                        </a:stretch>
-                      </p:blipFill>
-                      <p:spPr>
-                        <a:xfrm>
-                          <a:off x="2150858" y="1574584"/>
-                          <a:ext cx="393168" cy="349483"/>
-                        </a:xfrm>
-                        <a:prstGeom prst="rect">
-                          <a:avLst/>
-                        </a:prstGeom>
-                      </p:spPr>
-                    </p:pic>
-                  </p:oleObj>
-                </mc:Fallback>
-              </mc:AlternateContent>
-            </a:graphicData>
-          </a:graphic>
-        </p:graphicFrame>
+        </p:cxnSp>
       </p:grpSp>
-      <p:grpSp>
-        <p:nvGrpSpPr>
-          <p:cNvPr id="23" name="组 22"/>
-          <p:cNvGrpSpPr/>
-          <p:nvPr/>
-        </p:nvGrpSpPr>
-        <p:grpSpPr>
-          <a:xfrm>
-            <a:off x="4057223" y="2578087"/>
-            <a:ext cx="537714" cy="537714"/>
-            <a:chOff x="2082212" y="1487449"/>
-            <a:chExt cx="537714" cy="537714"/>
-          </a:xfrm>
-        </p:grpSpPr>
-        <p:sp>
-          <p:nvSpPr>
-            <p:cNvPr id="24" name="椭圆 23"/>
-            <p:cNvSpPr/>
-            <p:nvPr/>
-          </p:nvSpPr>
-          <p:spPr>
-            <a:xfrm>
-              <a:off x="2082212" y="1487449"/>
-              <a:ext cx="537714" cy="537714"/>
-            </a:xfrm>
-            <a:prstGeom prst="ellipse">
-              <a:avLst/>
-            </a:prstGeom>
-          </p:spPr>
-          <p:style>
-            <a:lnRef idx="2">
-              <a:schemeClr val="dk1"/>
-            </a:lnRef>
-            <a:fillRef idx="1">
-              <a:schemeClr val="lt1"/>
-            </a:fillRef>
-            <a:effectRef idx="0">
-              <a:schemeClr val="dk1"/>
-            </a:effectRef>
-            <a:fontRef idx="minor">
-              <a:schemeClr val="dk1"/>
-            </a:fontRef>
-          </p:style>
-          <p:txBody>
-            <a:bodyPr rtlCol="0" anchor="ctr"/>
-            <a:lstStyle/>
-            <a:p>
-              <a:pPr algn="ctr"/>
-              <a:endParaRPr kumimoji="1" lang="zh-CN" altLang="en-US" dirty="0"/>
-            </a:p>
-          </p:txBody>
-        </p:sp>
-        <p:graphicFrame>
-          <p:nvGraphicFramePr>
-            <p:cNvPr id="25" name="对象 24"/>
-            <p:cNvGraphicFramePr>
-              <a:graphicFrameLocks noChangeAspect="1"/>
-            </p:cNvGraphicFramePr>
-            <p:nvPr>
-              <p:extLst>
-                <p:ext uri="{D42A27DB-BD31-4B8C-83A1-F6EECF244321}">
-                  <p14:modId xmlns:p14="http://schemas.microsoft.com/office/powerpoint/2010/main" val="3617679661"/>
-                </p:ext>
-              </p:extLst>
-            </p:nvPr>
-          </p:nvGraphicFramePr>
-          <p:xfrm>
-            <a:off x="2140118" y="1574775"/>
-            <a:ext cx="414337" cy="349250"/>
-          </p:xfrm>
-          <a:graphic>
-            <a:graphicData uri="http://schemas.openxmlformats.org/presentationml/2006/ole">
-              <mc:AlternateContent xmlns:mc="http://schemas.openxmlformats.org/markup-compatibility/2006">
-                <mc:Choice xmlns:v="urn:schemas-microsoft-com:vml" Requires="v">
-                  <p:oleObj spid="_x0000_s1318" name="Equation" r:id="rId13" imgW="241300" imgH="203200" progId="Equation.DSMT4">
-                    <p:embed/>
-                  </p:oleObj>
-                </mc:Choice>
-                <mc:Fallback>
-                  <p:oleObj name="Equation" r:id="rId13" imgW="241300" imgH="203200" progId="Equation.DSMT4">
-                    <p:embed/>
-                    <p:pic>
-                      <p:nvPicPr>
-                        <p:cNvPr id="0" name=""/>
-                        <p:cNvPicPr/>
-                        <p:nvPr/>
-                      </p:nvPicPr>
-                      <p:blipFill>
-                        <a:blip r:embed="rId14"/>
-                        <a:stretch>
-                          <a:fillRect/>
-                        </a:stretch>
-                      </p:blipFill>
-                      <p:spPr>
-                        <a:xfrm>
-                          <a:off x="2140118" y="1574775"/>
-                          <a:ext cx="414337" cy="349250"/>
-                        </a:xfrm>
-                        <a:prstGeom prst="rect">
-                          <a:avLst/>
-                        </a:prstGeom>
-                      </p:spPr>
-                    </p:pic>
-                  </p:oleObj>
-                </mc:Fallback>
-              </mc:AlternateContent>
-            </a:graphicData>
-          </a:graphic>
-        </p:graphicFrame>
-      </p:grpSp>
-      <p:cxnSp>
-        <p:nvCxnSpPr>
-          <p:cNvPr id="27" name="直线箭头连接符 26"/>
-          <p:cNvCxnSpPr>
-            <a:stCxn id="4" idx="6"/>
-            <a:endCxn id="12" idx="2"/>
-          </p:cNvCxnSpPr>
-          <p:nvPr/>
-        </p:nvCxnSpPr>
-        <p:spPr>
-          <a:xfrm flipV="1">
-            <a:off x="2619926" y="1752777"/>
-            <a:ext cx="457200" cy="3529"/>
-          </a:xfrm>
-          <a:prstGeom prst="straightConnector1">
-            <a:avLst/>
-          </a:prstGeom>
-          <a:ln>
-            <a:solidFill>
-              <a:schemeClr val="tx1"/>
-            </a:solidFill>
-            <a:tailEnd type="arrow"/>
-          </a:ln>
-        </p:spPr>
-        <p:style>
-          <a:lnRef idx="2">
-            <a:schemeClr val="accent1"/>
-          </a:lnRef>
-          <a:fillRef idx="0">
-            <a:schemeClr val="accent1"/>
-          </a:fillRef>
-          <a:effectRef idx="1">
-            <a:schemeClr val="accent1"/>
-          </a:effectRef>
-          <a:fontRef idx="minor">
-            <a:schemeClr val="tx1"/>
-          </a:fontRef>
-        </p:style>
-      </p:cxnSp>
-      <p:cxnSp>
-        <p:nvCxnSpPr>
-          <p:cNvPr id="28" name="直线箭头连接符 27"/>
-          <p:cNvCxnSpPr>
-            <a:stCxn id="12" idx="6"/>
-            <a:endCxn id="18" idx="2"/>
-          </p:cNvCxnSpPr>
-          <p:nvPr/>
-        </p:nvCxnSpPr>
-        <p:spPr>
-          <a:xfrm>
-            <a:off x="3614840" y="1752777"/>
-            <a:ext cx="430942" cy="3529"/>
-          </a:xfrm>
-          <a:prstGeom prst="straightConnector1">
-            <a:avLst/>
-          </a:prstGeom>
-          <a:ln>
-            <a:solidFill>
-              <a:schemeClr val="tx1"/>
-            </a:solidFill>
-            <a:tailEnd type="arrow"/>
-          </a:ln>
-        </p:spPr>
-        <p:style>
-          <a:lnRef idx="2">
-            <a:schemeClr val="accent1"/>
-          </a:lnRef>
-          <a:fillRef idx="0">
-            <a:schemeClr val="accent1"/>
-          </a:fillRef>
-          <a:effectRef idx="1">
-            <a:schemeClr val="accent1"/>
-          </a:effectRef>
-          <a:fontRef idx="minor">
-            <a:schemeClr val="tx1"/>
-          </a:fontRef>
-        </p:style>
-      </p:cxnSp>
-      <p:cxnSp>
-        <p:nvCxnSpPr>
-          <p:cNvPr id="33" name="直线箭头连接符 32"/>
-          <p:cNvCxnSpPr>
-            <a:stCxn id="4" idx="4"/>
-            <a:endCxn id="9" idx="0"/>
-          </p:cNvCxnSpPr>
-          <p:nvPr/>
-        </p:nvCxnSpPr>
-        <p:spPr>
-          <a:xfrm flipH="1">
-            <a:off x="2350642" y="2025163"/>
-            <a:ext cx="427" cy="552924"/>
-          </a:xfrm>
-          <a:prstGeom prst="straightConnector1">
-            <a:avLst/>
-          </a:prstGeom>
-          <a:ln>
-            <a:solidFill>
-              <a:srgbClr val="000000"/>
-            </a:solidFill>
-            <a:tailEnd type="arrow"/>
-          </a:ln>
-        </p:spPr>
-        <p:style>
-          <a:lnRef idx="2">
-            <a:schemeClr val="accent1"/>
-          </a:lnRef>
-          <a:fillRef idx="0">
-            <a:schemeClr val="accent1"/>
-          </a:fillRef>
-          <a:effectRef idx="1">
-            <a:schemeClr val="accent1"/>
-          </a:effectRef>
-          <a:fontRef idx="minor">
-            <a:schemeClr val="tx1"/>
-          </a:fontRef>
-        </p:style>
-      </p:cxnSp>
-      <p:cxnSp>
-        <p:nvCxnSpPr>
-          <p:cNvPr id="34" name="直线箭头连接符 33"/>
-          <p:cNvCxnSpPr>
-            <a:stCxn id="12" idx="4"/>
-            <a:endCxn id="15" idx="0"/>
-          </p:cNvCxnSpPr>
-          <p:nvPr/>
-        </p:nvCxnSpPr>
-        <p:spPr>
-          <a:xfrm>
-            <a:off x="3345983" y="2021634"/>
-            <a:ext cx="0" cy="556453"/>
-          </a:xfrm>
-          <a:prstGeom prst="straightConnector1">
-            <a:avLst/>
-          </a:prstGeom>
-          <a:ln>
-            <a:solidFill>
-              <a:srgbClr val="000000"/>
-            </a:solidFill>
-            <a:tailEnd type="arrow"/>
-          </a:ln>
-        </p:spPr>
-        <p:style>
-          <a:lnRef idx="2">
-            <a:schemeClr val="accent1"/>
-          </a:lnRef>
-          <a:fillRef idx="0">
-            <a:schemeClr val="accent1"/>
-          </a:fillRef>
-          <a:effectRef idx="1">
-            <a:schemeClr val="accent1"/>
-          </a:effectRef>
-          <a:fontRef idx="minor">
-            <a:schemeClr val="tx1"/>
-          </a:fontRef>
-        </p:style>
-      </p:cxnSp>
-      <p:cxnSp>
-        <p:nvCxnSpPr>
-          <p:cNvPr id="38" name="直线箭头连接符 37"/>
-          <p:cNvCxnSpPr>
-            <a:stCxn id="18" idx="4"/>
-            <a:endCxn id="24" idx="0"/>
-          </p:cNvCxnSpPr>
-          <p:nvPr/>
-        </p:nvCxnSpPr>
-        <p:spPr>
-          <a:xfrm>
-            <a:off x="4314639" y="2025163"/>
-            <a:ext cx="11441" cy="552924"/>
-          </a:xfrm>
-          <a:prstGeom prst="straightConnector1">
-            <a:avLst/>
-          </a:prstGeom>
-          <a:ln>
-            <a:solidFill>
-              <a:srgbClr val="000000"/>
-            </a:solidFill>
-            <a:tailEnd type="arrow"/>
-          </a:ln>
-        </p:spPr>
-        <p:style>
-          <a:lnRef idx="2">
-            <a:schemeClr val="accent1"/>
-          </a:lnRef>
-          <a:fillRef idx="0">
-            <a:schemeClr val="accent1"/>
-          </a:fillRef>
-          <a:effectRef idx="1">
-            <a:schemeClr val="accent1"/>
-          </a:effectRef>
-          <a:fontRef idx="minor">
-            <a:schemeClr val="tx1"/>
-          </a:fontRef>
-        </p:style>
-      </p:cxnSp>
       <p:graphicFrame>
         <p:nvGraphicFramePr>
           <p:cNvPr id="41" name="对象 40"/>
@@ -5683,7 +5654,7 @@
           <a:graphicData uri="http://schemas.openxmlformats.org/presentationml/2006/ole">
             <mc:AlternateContent xmlns:mc="http://schemas.openxmlformats.org/markup-compatibility/2006">
               <mc:Choice xmlns:v="urn:schemas-microsoft-com:vml" Requires="v">
-                <p:oleObj spid="_x0000_s1319" name="Equation" r:id="rId15" imgW="114300" imgH="165100" progId="Equation.DSMT4">
+                <p:oleObj spid="_x0000_s1416" name="Equation" r:id="rId15" imgW="114300" imgH="165100" progId="Equation.DSMT4">
                   <p:embed/>
                 </p:oleObj>
               </mc:Choice>
@@ -5720,1709 +5691,1765 @@
       </p:graphicFrame>
       <p:grpSp>
         <p:nvGrpSpPr>
-          <p:cNvPr id="42" name="组 41"/>
+          <p:cNvPr id="2" name="组 1"/>
           <p:cNvGrpSpPr/>
           <p:nvPr/>
         </p:nvGrpSpPr>
         <p:grpSpPr>
           <a:xfrm>
-            <a:off x="2829529" y="4076978"/>
-            <a:ext cx="537714" cy="537714"/>
-            <a:chOff x="2082212" y="1487449"/>
-            <a:chExt cx="537714" cy="537714"/>
+            <a:off x="-694641" y="1483920"/>
+            <a:ext cx="2513152" cy="1631881"/>
+            <a:chOff x="2829102" y="4073449"/>
+            <a:chExt cx="2513152" cy="1631881"/>
           </a:xfrm>
         </p:grpSpPr>
-        <p:sp>
-          <p:nvSpPr>
-            <p:cNvPr id="43" name="椭圆 42"/>
-            <p:cNvSpPr/>
+        <p:grpSp>
+          <p:nvGrpSpPr>
+            <p:cNvPr id="42" name="组 41"/>
+            <p:cNvGrpSpPr/>
             <p:nvPr/>
-          </p:nvSpPr>
+          </p:nvGrpSpPr>
+          <p:grpSpPr>
+            <a:xfrm>
+              <a:off x="2829529" y="4076978"/>
+              <a:ext cx="537714" cy="537714"/>
+              <a:chOff x="2082212" y="1487449"/>
+              <a:chExt cx="537714" cy="537714"/>
+            </a:xfrm>
+          </p:grpSpPr>
+          <p:sp>
+            <p:nvSpPr>
+              <p:cNvPr id="43" name="椭圆 42"/>
+              <p:cNvSpPr/>
+              <p:nvPr/>
+            </p:nvSpPr>
+            <p:spPr>
+              <a:xfrm>
+                <a:off x="2082212" y="1487449"/>
+                <a:ext cx="537714" cy="537714"/>
+              </a:xfrm>
+              <a:prstGeom prst="ellipse">
+                <a:avLst/>
+              </a:prstGeom>
+            </p:spPr>
+            <p:style>
+              <a:lnRef idx="2">
+                <a:schemeClr val="dk1"/>
+              </a:lnRef>
+              <a:fillRef idx="1">
+                <a:schemeClr val="lt1"/>
+              </a:fillRef>
+              <a:effectRef idx="0">
+                <a:schemeClr val="dk1"/>
+              </a:effectRef>
+              <a:fontRef idx="minor">
+                <a:schemeClr val="dk1"/>
+              </a:fontRef>
+            </p:style>
+            <p:txBody>
+              <a:bodyPr rtlCol="0" anchor="ctr"/>
+              <a:lstStyle/>
+              <a:p>
+                <a:pPr algn="ctr"/>
+                <a:endParaRPr kumimoji="1" lang="zh-CN" altLang="en-US" dirty="0"/>
+              </a:p>
+            </p:txBody>
+          </p:sp>
+          <p:graphicFrame>
+            <p:nvGraphicFramePr>
+              <p:cNvPr id="44" name="对象 43"/>
+              <p:cNvGraphicFramePr>
+                <a:graphicFrameLocks noChangeAspect="1"/>
+              </p:cNvGraphicFramePr>
+              <p:nvPr>
+                <p:extLst>
+                  <p:ext uri="{D42A27DB-BD31-4B8C-83A1-F6EECF244321}">
+                    <p14:modId xmlns:p14="http://schemas.microsoft.com/office/powerpoint/2010/main" val="101179456"/>
+                  </p:ext>
+                </p:extLst>
+              </p:nvPr>
+            </p:nvGraphicFramePr>
+            <p:xfrm>
+              <a:off x="2150858" y="1574584"/>
+              <a:ext cx="393168" cy="349483"/>
+            </p:xfrm>
+            <a:graphic>
+              <a:graphicData uri="http://schemas.openxmlformats.org/presentationml/2006/ole">
+                <mc:AlternateContent xmlns:mc="http://schemas.openxmlformats.org/markup-compatibility/2006">
+                  <mc:Choice xmlns:v="urn:schemas-microsoft-com:vml" Requires="v">
+                    <p:oleObj spid="_x0000_s1417" name="Equation" r:id="rId17" imgW="228600" imgH="203200" progId="Equation.DSMT4">
+                      <p:embed/>
+                    </p:oleObj>
+                  </mc:Choice>
+                  <mc:Fallback>
+                    <p:oleObj name="Equation" r:id="rId17" imgW="228600" imgH="203200" progId="Equation.DSMT4">
+                      <p:embed/>
+                      <p:pic>
+                        <p:nvPicPr>
+                          <p:cNvPr id="0" name=""/>
+                          <p:cNvPicPr/>
+                          <p:nvPr/>
+                        </p:nvPicPr>
+                        <p:blipFill>
+                          <a:blip r:embed="rId4"/>
+                          <a:stretch>
+                            <a:fillRect/>
+                          </a:stretch>
+                        </p:blipFill>
+                        <p:spPr>
+                          <a:xfrm>
+                            <a:off x="2150858" y="1574584"/>
+                            <a:ext cx="393168" cy="349483"/>
+                          </a:xfrm>
+                          <a:prstGeom prst="rect">
+                            <a:avLst/>
+                          </a:prstGeom>
+                        </p:spPr>
+                      </p:pic>
+                    </p:oleObj>
+                  </mc:Fallback>
+                </mc:AlternateContent>
+              </a:graphicData>
+            </a:graphic>
+          </p:graphicFrame>
+        </p:grpSp>
+        <p:grpSp>
+          <p:nvGrpSpPr>
+            <p:cNvPr id="45" name="组 44"/>
+            <p:cNvGrpSpPr/>
+            <p:nvPr/>
+          </p:nvGrpSpPr>
+          <p:grpSpPr>
+            <a:xfrm>
+              <a:off x="2829102" y="5167616"/>
+              <a:ext cx="537714" cy="537714"/>
+              <a:chOff x="2082212" y="1487449"/>
+              <a:chExt cx="537714" cy="537714"/>
+            </a:xfrm>
+          </p:grpSpPr>
+          <p:sp>
+            <p:nvSpPr>
+              <p:cNvPr id="46" name="椭圆 45"/>
+              <p:cNvSpPr/>
+              <p:nvPr/>
+            </p:nvSpPr>
+            <p:spPr>
+              <a:xfrm>
+                <a:off x="2082212" y="1487449"/>
+                <a:ext cx="537714" cy="537714"/>
+              </a:xfrm>
+              <a:prstGeom prst="ellipse">
+                <a:avLst/>
+              </a:prstGeom>
+            </p:spPr>
+            <p:style>
+              <a:lnRef idx="2">
+                <a:schemeClr val="dk1"/>
+              </a:lnRef>
+              <a:fillRef idx="1">
+                <a:schemeClr val="lt1"/>
+              </a:fillRef>
+              <a:effectRef idx="0">
+                <a:schemeClr val="dk1"/>
+              </a:effectRef>
+              <a:fontRef idx="minor">
+                <a:schemeClr val="dk1"/>
+              </a:fontRef>
+            </p:style>
+            <p:txBody>
+              <a:bodyPr rtlCol="0" anchor="ctr"/>
+              <a:lstStyle/>
+              <a:p>
+                <a:pPr algn="ctr"/>
+                <a:endParaRPr kumimoji="1" lang="zh-CN" altLang="en-US" dirty="0"/>
+              </a:p>
+            </p:txBody>
+          </p:sp>
+          <p:graphicFrame>
+            <p:nvGraphicFramePr>
+              <p:cNvPr id="47" name="对象 46"/>
+              <p:cNvGraphicFramePr>
+                <a:graphicFrameLocks noChangeAspect="1"/>
+              </p:cNvGraphicFramePr>
+              <p:nvPr>
+                <p:extLst>
+                  <p:ext uri="{D42A27DB-BD31-4B8C-83A1-F6EECF244321}">
+                    <p14:modId xmlns:p14="http://schemas.microsoft.com/office/powerpoint/2010/main" val="2354435080"/>
+                  </p:ext>
+                </p:extLst>
+              </p:nvPr>
+            </p:nvGraphicFramePr>
+            <p:xfrm>
+              <a:off x="2139775" y="1574775"/>
+              <a:ext cx="415925" cy="349250"/>
+            </p:xfrm>
+            <a:graphic>
+              <a:graphicData uri="http://schemas.openxmlformats.org/presentationml/2006/ole">
+                <mc:AlternateContent xmlns:mc="http://schemas.openxmlformats.org/markup-compatibility/2006">
+                  <mc:Choice xmlns:v="urn:schemas-microsoft-com:vml" Requires="v">
+                    <p:oleObj spid="_x0000_s1418" name="Equation" r:id="rId18" imgW="241300" imgH="203200" progId="Equation.DSMT4">
+                      <p:embed/>
+                    </p:oleObj>
+                  </mc:Choice>
+                  <mc:Fallback>
+                    <p:oleObj name="Equation" r:id="rId18" imgW="241300" imgH="203200" progId="Equation.DSMT4">
+                      <p:embed/>
+                      <p:pic>
+                        <p:nvPicPr>
+                          <p:cNvPr id="0" name=""/>
+                          <p:cNvPicPr/>
+                          <p:nvPr/>
+                        </p:nvPicPr>
+                        <p:blipFill>
+                          <a:blip r:embed="rId6"/>
+                          <a:stretch>
+                            <a:fillRect/>
+                          </a:stretch>
+                        </p:blipFill>
+                        <p:spPr>
+                          <a:xfrm>
+                            <a:off x="2139775" y="1574775"/>
+                            <a:ext cx="415925" cy="349250"/>
+                          </a:xfrm>
+                          <a:prstGeom prst="rect">
+                            <a:avLst/>
+                          </a:prstGeom>
+                        </p:spPr>
+                      </p:pic>
+                    </p:oleObj>
+                  </mc:Fallback>
+                </mc:AlternateContent>
+              </a:graphicData>
+            </a:graphic>
+          </p:graphicFrame>
+        </p:grpSp>
+        <p:grpSp>
+          <p:nvGrpSpPr>
+            <p:cNvPr id="48" name="组 47"/>
+            <p:cNvGrpSpPr/>
+            <p:nvPr/>
+          </p:nvGrpSpPr>
+          <p:grpSpPr>
+            <a:xfrm>
+              <a:off x="3824443" y="4073449"/>
+              <a:ext cx="537714" cy="537714"/>
+              <a:chOff x="2082212" y="1487449"/>
+              <a:chExt cx="537714" cy="537714"/>
+            </a:xfrm>
+          </p:grpSpPr>
+          <p:sp>
+            <p:nvSpPr>
+              <p:cNvPr id="49" name="椭圆 48"/>
+              <p:cNvSpPr/>
+              <p:nvPr/>
+            </p:nvSpPr>
+            <p:spPr>
+              <a:xfrm>
+                <a:off x="2082212" y="1487449"/>
+                <a:ext cx="537714" cy="537714"/>
+              </a:xfrm>
+              <a:prstGeom prst="ellipse">
+                <a:avLst/>
+              </a:prstGeom>
+            </p:spPr>
+            <p:style>
+              <a:lnRef idx="2">
+                <a:schemeClr val="dk1"/>
+              </a:lnRef>
+              <a:fillRef idx="1">
+                <a:schemeClr val="lt1"/>
+              </a:fillRef>
+              <a:effectRef idx="0">
+                <a:schemeClr val="dk1"/>
+              </a:effectRef>
+              <a:fontRef idx="minor">
+                <a:schemeClr val="dk1"/>
+              </a:fontRef>
+            </p:style>
+            <p:txBody>
+              <a:bodyPr rtlCol="0" anchor="ctr"/>
+              <a:lstStyle/>
+              <a:p>
+                <a:pPr algn="ctr"/>
+                <a:endParaRPr kumimoji="1" lang="zh-CN" altLang="en-US" dirty="0"/>
+              </a:p>
+            </p:txBody>
+          </p:sp>
+          <p:graphicFrame>
+            <p:nvGraphicFramePr>
+              <p:cNvPr id="50" name="对象 49"/>
+              <p:cNvGraphicFramePr>
+                <a:graphicFrameLocks noChangeAspect="1"/>
+              </p:cNvGraphicFramePr>
+              <p:nvPr>
+                <p:extLst>
+                  <p:ext uri="{D42A27DB-BD31-4B8C-83A1-F6EECF244321}">
+                    <p14:modId xmlns:p14="http://schemas.microsoft.com/office/powerpoint/2010/main" val="3745669883"/>
+                  </p:ext>
+                </p:extLst>
+              </p:nvPr>
+            </p:nvGraphicFramePr>
+            <p:xfrm>
+              <a:off x="2216599" y="1575154"/>
+              <a:ext cx="261937" cy="349250"/>
+            </p:xfrm>
+            <a:graphic>
+              <a:graphicData uri="http://schemas.openxmlformats.org/presentationml/2006/ole">
+                <mc:AlternateContent xmlns:mc="http://schemas.openxmlformats.org/markup-compatibility/2006">
+                  <mc:Choice xmlns:v="urn:schemas-microsoft-com:vml" Requires="v">
+                    <p:oleObj spid="_x0000_s1419" name="Equation" r:id="rId19" imgW="152400" imgH="203200" progId="Equation.DSMT4">
+                      <p:embed/>
+                    </p:oleObj>
+                  </mc:Choice>
+                  <mc:Fallback>
+                    <p:oleObj name="Equation" r:id="rId19" imgW="152400" imgH="203200" progId="Equation.DSMT4">
+                      <p:embed/>
+                      <p:pic>
+                        <p:nvPicPr>
+                          <p:cNvPr id="0" name=""/>
+                          <p:cNvPicPr/>
+                          <p:nvPr/>
+                        </p:nvPicPr>
+                        <p:blipFill>
+                          <a:blip r:embed="rId8"/>
+                          <a:stretch>
+                            <a:fillRect/>
+                          </a:stretch>
+                        </p:blipFill>
+                        <p:spPr>
+                          <a:xfrm>
+                            <a:off x="2216599" y="1575154"/>
+                            <a:ext cx="261937" cy="349250"/>
+                          </a:xfrm>
+                          <a:prstGeom prst="rect">
+                            <a:avLst/>
+                          </a:prstGeom>
+                        </p:spPr>
+                      </p:pic>
+                    </p:oleObj>
+                  </mc:Fallback>
+                </mc:AlternateContent>
+              </a:graphicData>
+            </a:graphic>
+          </p:graphicFrame>
+        </p:grpSp>
+        <p:grpSp>
+          <p:nvGrpSpPr>
+            <p:cNvPr id="51" name="组 50"/>
+            <p:cNvGrpSpPr/>
+            <p:nvPr/>
+          </p:nvGrpSpPr>
+          <p:grpSpPr>
+            <a:xfrm>
+              <a:off x="3824443" y="5167616"/>
+              <a:ext cx="537714" cy="537714"/>
+              <a:chOff x="2082212" y="1487449"/>
+              <a:chExt cx="537714" cy="537714"/>
+            </a:xfrm>
+          </p:grpSpPr>
+          <p:sp>
+            <p:nvSpPr>
+              <p:cNvPr id="52" name="椭圆 51"/>
+              <p:cNvSpPr/>
+              <p:nvPr/>
+            </p:nvSpPr>
+            <p:spPr>
+              <a:xfrm>
+                <a:off x="2082212" y="1487449"/>
+                <a:ext cx="537714" cy="537714"/>
+              </a:xfrm>
+              <a:prstGeom prst="ellipse">
+                <a:avLst/>
+              </a:prstGeom>
+            </p:spPr>
+            <p:style>
+              <a:lnRef idx="2">
+                <a:schemeClr val="dk1"/>
+              </a:lnRef>
+              <a:fillRef idx="1">
+                <a:schemeClr val="lt1"/>
+              </a:fillRef>
+              <a:effectRef idx="0">
+                <a:schemeClr val="dk1"/>
+              </a:effectRef>
+              <a:fontRef idx="minor">
+                <a:schemeClr val="dk1"/>
+              </a:fontRef>
+            </p:style>
+            <p:txBody>
+              <a:bodyPr rtlCol="0" anchor="ctr"/>
+              <a:lstStyle/>
+              <a:p>
+                <a:pPr algn="ctr"/>
+                <a:endParaRPr kumimoji="1" lang="zh-CN" altLang="en-US" dirty="0"/>
+              </a:p>
+            </p:txBody>
+          </p:sp>
+          <p:graphicFrame>
+            <p:nvGraphicFramePr>
+              <p:cNvPr id="53" name="对象 52"/>
+              <p:cNvGraphicFramePr>
+                <a:graphicFrameLocks noChangeAspect="1"/>
+              </p:cNvGraphicFramePr>
+              <p:nvPr>
+                <p:extLst>
+                  <p:ext uri="{D42A27DB-BD31-4B8C-83A1-F6EECF244321}">
+                    <p14:modId xmlns:p14="http://schemas.microsoft.com/office/powerpoint/2010/main" val="104057728"/>
+                  </p:ext>
+                </p:extLst>
+              </p:nvPr>
+            </p:nvGraphicFramePr>
+            <p:xfrm>
+              <a:off x="2216599" y="1574775"/>
+              <a:ext cx="261937" cy="349250"/>
+            </p:xfrm>
+            <a:graphic>
+              <a:graphicData uri="http://schemas.openxmlformats.org/presentationml/2006/ole">
+                <mc:AlternateContent xmlns:mc="http://schemas.openxmlformats.org/markup-compatibility/2006">
+                  <mc:Choice xmlns:v="urn:schemas-microsoft-com:vml" Requires="v">
+                    <p:oleObj spid="_x0000_s1420" name="Equation" r:id="rId20" imgW="152400" imgH="203200" progId="Equation.DSMT4">
+                      <p:embed/>
+                    </p:oleObj>
+                  </mc:Choice>
+                  <mc:Fallback>
+                    <p:oleObj name="Equation" r:id="rId20" imgW="152400" imgH="203200" progId="Equation.DSMT4">
+                      <p:embed/>
+                      <p:pic>
+                        <p:nvPicPr>
+                          <p:cNvPr id="0" name=""/>
+                          <p:cNvPicPr/>
+                          <p:nvPr/>
+                        </p:nvPicPr>
+                        <p:blipFill>
+                          <a:blip r:embed="rId10"/>
+                          <a:stretch>
+                            <a:fillRect/>
+                          </a:stretch>
+                        </p:blipFill>
+                        <p:spPr>
+                          <a:xfrm>
+                            <a:off x="2216599" y="1574775"/>
+                            <a:ext cx="261937" cy="349250"/>
+                          </a:xfrm>
+                          <a:prstGeom prst="rect">
+                            <a:avLst/>
+                          </a:prstGeom>
+                        </p:spPr>
+                      </p:pic>
+                    </p:oleObj>
+                  </mc:Fallback>
+                </mc:AlternateContent>
+              </a:graphicData>
+            </a:graphic>
+          </p:graphicFrame>
+        </p:grpSp>
+        <p:grpSp>
+          <p:nvGrpSpPr>
+            <p:cNvPr id="54" name="组 53"/>
+            <p:cNvGrpSpPr/>
+            <p:nvPr/>
+          </p:nvGrpSpPr>
+          <p:grpSpPr>
+            <a:xfrm>
+              <a:off x="4793099" y="4076978"/>
+              <a:ext cx="537714" cy="537714"/>
+              <a:chOff x="2082212" y="1487449"/>
+              <a:chExt cx="537714" cy="537714"/>
+            </a:xfrm>
+          </p:grpSpPr>
+          <p:sp>
+            <p:nvSpPr>
+              <p:cNvPr id="55" name="椭圆 54"/>
+              <p:cNvSpPr/>
+              <p:nvPr/>
+            </p:nvSpPr>
+            <p:spPr>
+              <a:xfrm>
+                <a:off x="2082212" y="1487449"/>
+                <a:ext cx="537714" cy="537714"/>
+              </a:xfrm>
+              <a:prstGeom prst="ellipse">
+                <a:avLst/>
+              </a:prstGeom>
+            </p:spPr>
+            <p:style>
+              <a:lnRef idx="2">
+                <a:schemeClr val="dk1"/>
+              </a:lnRef>
+              <a:fillRef idx="1">
+                <a:schemeClr val="lt1"/>
+              </a:fillRef>
+              <a:effectRef idx="0">
+                <a:schemeClr val="dk1"/>
+              </a:effectRef>
+              <a:fontRef idx="minor">
+                <a:schemeClr val="dk1"/>
+              </a:fontRef>
+            </p:style>
+            <p:txBody>
+              <a:bodyPr rtlCol="0" anchor="ctr"/>
+              <a:lstStyle/>
+              <a:p>
+                <a:pPr algn="ctr"/>
+                <a:endParaRPr kumimoji="1" lang="zh-CN" altLang="en-US" dirty="0"/>
+              </a:p>
+            </p:txBody>
+          </p:sp>
+          <p:graphicFrame>
+            <p:nvGraphicFramePr>
+              <p:cNvPr id="56" name="对象 55"/>
+              <p:cNvGraphicFramePr>
+                <a:graphicFrameLocks noChangeAspect="1"/>
+              </p:cNvGraphicFramePr>
+              <p:nvPr>
+                <p:extLst>
+                  <p:ext uri="{D42A27DB-BD31-4B8C-83A1-F6EECF244321}">
+                    <p14:modId xmlns:p14="http://schemas.microsoft.com/office/powerpoint/2010/main" val="2529891541"/>
+                  </p:ext>
+                </p:extLst>
+              </p:nvPr>
+            </p:nvGraphicFramePr>
+            <p:xfrm>
+              <a:off x="2150858" y="1574584"/>
+              <a:ext cx="393168" cy="349483"/>
+            </p:xfrm>
+            <a:graphic>
+              <a:graphicData uri="http://schemas.openxmlformats.org/presentationml/2006/ole">
+                <mc:AlternateContent xmlns:mc="http://schemas.openxmlformats.org/markup-compatibility/2006">
+                  <mc:Choice xmlns:v="urn:schemas-microsoft-com:vml" Requires="v">
+                    <p:oleObj spid="_x0000_s1421" name="Equation" r:id="rId21" imgW="228600" imgH="203200" progId="Equation.DSMT4">
+                      <p:embed/>
+                    </p:oleObj>
+                  </mc:Choice>
+                  <mc:Fallback>
+                    <p:oleObj name="Equation" r:id="rId21" imgW="228600" imgH="203200" progId="Equation.DSMT4">
+                      <p:embed/>
+                      <p:pic>
+                        <p:nvPicPr>
+                          <p:cNvPr id="0" name=""/>
+                          <p:cNvPicPr/>
+                          <p:nvPr/>
+                        </p:nvPicPr>
+                        <p:blipFill>
+                          <a:blip r:embed="rId12"/>
+                          <a:stretch>
+                            <a:fillRect/>
+                          </a:stretch>
+                        </p:blipFill>
+                        <p:spPr>
+                          <a:xfrm>
+                            <a:off x="2150858" y="1574584"/>
+                            <a:ext cx="393168" cy="349483"/>
+                          </a:xfrm>
+                          <a:prstGeom prst="rect">
+                            <a:avLst/>
+                          </a:prstGeom>
+                        </p:spPr>
+                      </p:pic>
+                    </p:oleObj>
+                  </mc:Fallback>
+                </mc:AlternateContent>
+              </a:graphicData>
+            </a:graphic>
+          </p:graphicFrame>
+        </p:grpSp>
+        <p:grpSp>
+          <p:nvGrpSpPr>
+            <p:cNvPr id="57" name="组 56"/>
+            <p:cNvGrpSpPr/>
+            <p:nvPr/>
+          </p:nvGrpSpPr>
+          <p:grpSpPr>
+            <a:xfrm>
+              <a:off x="4804540" y="5167616"/>
+              <a:ext cx="537714" cy="537714"/>
+              <a:chOff x="2082212" y="1487449"/>
+              <a:chExt cx="537714" cy="537714"/>
+            </a:xfrm>
+          </p:grpSpPr>
+          <p:sp>
+            <p:nvSpPr>
+              <p:cNvPr id="58" name="椭圆 57"/>
+              <p:cNvSpPr/>
+              <p:nvPr/>
+            </p:nvSpPr>
+            <p:spPr>
+              <a:xfrm>
+                <a:off x="2082212" y="1487449"/>
+                <a:ext cx="537714" cy="537714"/>
+              </a:xfrm>
+              <a:prstGeom prst="ellipse">
+                <a:avLst/>
+              </a:prstGeom>
+            </p:spPr>
+            <p:style>
+              <a:lnRef idx="2">
+                <a:schemeClr val="dk1"/>
+              </a:lnRef>
+              <a:fillRef idx="1">
+                <a:schemeClr val="lt1"/>
+              </a:fillRef>
+              <a:effectRef idx="0">
+                <a:schemeClr val="dk1"/>
+              </a:effectRef>
+              <a:fontRef idx="minor">
+                <a:schemeClr val="dk1"/>
+              </a:fontRef>
+            </p:style>
+            <p:txBody>
+              <a:bodyPr rtlCol="0" anchor="ctr"/>
+              <a:lstStyle/>
+              <a:p>
+                <a:pPr algn="ctr"/>
+                <a:endParaRPr kumimoji="1" lang="zh-CN" altLang="en-US" dirty="0"/>
+              </a:p>
+            </p:txBody>
+          </p:sp>
+          <p:graphicFrame>
+            <p:nvGraphicFramePr>
+              <p:cNvPr id="59" name="对象 58"/>
+              <p:cNvGraphicFramePr>
+                <a:graphicFrameLocks noChangeAspect="1"/>
+              </p:cNvGraphicFramePr>
+              <p:nvPr>
+                <p:extLst>
+                  <p:ext uri="{D42A27DB-BD31-4B8C-83A1-F6EECF244321}">
+                    <p14:modId xmlns:p14="http://schemas.microsoft.com/office/powerpoint/2010/main" val="1726547928"/>
+                  </p:ext>
+                </p:extLst>
+              </p:nvPr>
+            </p:nvGraphicFramePr>
+            <p:xfrm>
+              <a:off x="2140118" y="1574775"/>
+              <a:ext cx="414337" cy="349250"/>
+            </p:xfrm>
+            <a:graphic>
+              <a:graphicData uri="http://schemas.openxmlformats.org/presentationml/2006/ole">
+                <mc:AlternateContent xmlns:mc="http://schemas.openxmlformats.org/markup-compatibility/2006">
+                  <mc:Choice xmlns:v="urn:schemas-microsoft-com:vml" Requires="v">
+                    <p:oleObj spid="_x0000_s1422" name="Equation" r:id="rId22" imgW="241300" imgH="203200" progId="Equation.DSMT4">
+                      <p:embed/>
+                    </p:oleObj>
+                  </mc:Choice>
+                  <mc:Fallback>
+                    <p:oleObj name="Equation" r:id="rId22" imgW="241300" imgH="203200" progId="Equation.DSMT4">
+                      <p:embed/>
+                      <p:pic>
+                        <p:nvPicPr>
+                          <p:cNvPr id="0" name=""/>
+                          <p:cNvPicPr/>
+                          <p:nvPr/>
+                        </p:nvPicPr>
+                        <p:blipFill>
+                          <a:blip r:embed="rId14"/>
+                          <a:stretch>
+                            <a:fillRect/>
+                          </a:stretch>
+                        </p:blipFill>
+                        <p:spPr>
+                          <a:xfrm>
+                            <a:off x="2140118" y="1574775"/>
+                            <a:ext cx="414337" cy="349250"/>
+                          </a:xfrm>
+                          <a:prstGeom prst="rect">
+                            <a:avLst/>
+                          </a:prstGeom>
+                        </p:spPr>
+                      </p:pic>
+                    </p:oleObj>
+                  </mc:Fallback>
+                </mc:AlternateContent>
+              </a:graphicData>
+            </a:graphic>
+          </p:graphicFrame>
+        </p:grpSp>
+        <p:cxnSp>
+          <p:nvCxnSpPr>
+            <p:cNvPr id="60" name="直线箭头连接符 59"/>
+            <p:cNvCxnSpPr>
+              <a:stCxn id="43" idx="6"/>
+              <a:endCxn id="49" idx="2"/>
+            </p:cNvCxnSpPr>
+            <p:nvPr/>
+          </p:nvCxnSpPr>
           <p:spPr>
-            <a:xfrm>
-              <a:off x="2082212" y="1487449"/>
-              <a:ext cx="537714" cy="537714"/>
+            <a:xfrm flipV="1">
+              <a:off x="3367243" y="4342306"/>
+              <a:ext cx="457200" cy="3529"/>
             </a:xfrm>
-            <a:prstGeom prst="ellipse">
+            <a:prstGeom prst="straightConnector1">
               <a:avLst/>
             </a:prstGeom>
+            <a:ln>
+              <a:solidFill>
+                <a:schemeClr val="tx1"/>
+              </a:solidFill>
+              <a:tailEnd type="arrow"/>
+            </a:ln>
           </p:spPr>
           <p:style>
             <a:lnRef idx="2">
-              <a:schemeClr val="dk1"/>
+              <a:schemeClr val="accent1"/>
             </a:lnRef>
-            <a:fillRef idx="1">
-              <a:schemeClr val="lt1"/>
+            <a:fillRef idx="0">
+              <a:schemeClr val="accent1"/>
             </a:fillRef>
-            <a:effectRef idx="0">
-              <a:schemeClr val="dk1"/>
+            <a:effectRef idx="1">
+              <a:schemeClr val="accent1"/>
             </a:effectRef>
             <a:fontRef idx="minor">
-              <a:schemeClr val="dk1"/>
+              <a:schemeClr val="tx1"/>
             </a:fontRef>
           </p:style>
-          <p:txBody>
-            <a:bodyPr rtlCol="0" anchor="ctr"/>
-            <a:lstStyle/>
-            <a:p>
-              <a:pPr algn="ctr"/>
-              <a:endParaRPr kumimoji="1" lang="zh-CN" altLang="en-US" dirty="0"/>
-            </a:p>
-          </p:txBody>
-        </p:sp>
-        <p:graphicFrame>
-          <p:nvGraphicFramePr>
-            <p:cNvPr id="44" name="对象 43"/>
-            <p:cNvGraphicFramePr>
-              <a:graphicFrameLocks noChangeAspect="1"/>
-            </p:cNvGraphicFramePr>
-            <p:nvPr>
-              <p:extLst>
-                <p:ext uri="{D42A27DB-BD31-4B8C-83A1-F6EECF244321}">
-                  <p14:modId xmlns:p14="http://schemas.microsoft.com/office/powerpoint/2010/main" val="101179456"/>
-                </p:ext>
-              </p:extLst>
-            </p:nvPr>
-          </p:nvGraphicFramePr>
-          <p:xfrm>
-            <a:off x="2150858" y="1574584"/>
-            <a:ext cx="393168" cy="349483"/>
-          </p:xfrm>
-          <a:graphic>
-            <a:graphicData uri="http://schemas.openxmlformats.org/presentationml/2006/ole">
-              <mc:AlternateContent xmlns:mc="http://schemas.openxmlformats.org/markup-compatibility/2006">
-                <mc:Choice xmlns:v="urn:schemas-microsoft-com:vml" Requires="v">
-                  <p:oleObj spid="_x0000_s1320" name="Equation" r:id="rId17" imgW="228600" imgH="203200" progId="Equation.DSMT4">
-                    <p:embed/>
-                  </p:oleObj>
-                </mc:Choice>
-                <mc:Fallback>
-                  <p:oleObj name="Equation" r:id="rId17" imgW="228600" imgH="203200" progId="Equation.DSMT4">
-                    <p:embed/>
-                    <p:pic>
-                      <p:nvPicPr>
-                        <p:cNvPr id="0" name=""/>
-                        <p:cNvPicPr/>
-                        <p:nvPr/>
-                      </p:nvPicPr>
-                      <p:blipFill>
-                        <a:blip r:embed="rId4"/>
-                        <a:stretch>
-                          <a:fillRect/>
-                        </a:stretch>
-                      </p:blipFill>
-                      <p:spPr>
-                        <a:xfrm>
-                          <a:off x="2150858" y="1574584"/>
-                          <a:ext cx="393168" cy="349483"/>
-                        </a:xfrm>
-                        <a:prstGeom prst="rect">
-                          <a:avLst/>
-                        </a:prstGeom>
-                      </p:spPr>
-                    </p:pic>
-                  </p:oleObj>
-                </mc:Fallback>
-              </mc:AlternateContent>
-            </a:graphicData>
-          </a:graphic>
-        </p:graphicFrame>
+        </p:cxnSp>
+        <p:cxnSp>
+          <p:nvCxnSpPr>
+            <p:cNvPr id="61" name="直线箭头连接符 60"/>
+            <p:cNvCxnSpPr>
+              <a:stCxn id="49" idx="6"/>
+              <a:endCxn id="55" idx="2"/>
+            </p:cNvCxnSpPr>
+            <p:nvPr/>
+          </p:nvCxnSpPr>
+          <p:spPr>
+            <a:xfrm>
+              <a:off x="4362157" y="4342306"/>
+              <a:ext cx="430942" cy="3529"/>
+            </a:xfrm>
+            <a:prstGeom prst="straightConnector1">
+              <a:avLst/>
+            </a:prstGeom>
+            <a:ln>
+              <a:solidFill>
+                <a:schemeClr val="tx1"/>
+              </a:solidFill>
+              <a:tailEnd type="arrow"/>
+            </a:ln>
+          </p:spPr>
+          <p:style>
+            <a:lnRef idx="2">
+              <a:schemeClr val="accent1"/>
+            </a:lnRef>
+            <a:fillRef idx="0">
+              <a:schemeClr val="accent1"/>
+            </a:fillRef>
+            <a:effectRef idx="1">
+              <a:schemeClr val="accent1"/>
+            </a:effectRef>
+            <a:fontRef idx="minor">
+              <a:schemeClr val="tx1"/>
+            </a:fontRef>
+          </p:style>
+        </p:cxnSp>
+        <p:cxnSp>
+          <p:nvCxnSpPr>
+            <p:cNvPr id="62" name="直线箭头连接符 61"/>
+            <p:cNvCxnSpPr>
+              <a:stCxn id="46" idx="0"/>
+              <a:endCxn id="43" idx="4"/>
+            </p:cNvCxnSpPr>
+            <p:nvPr/>
+          </p:nvCxnSpPr>
+          <p:spPr>
+            <a:xfrm flipV="1">
+              <a:off x="3097959" y="4614692"/>
+              <a:ext cx="427" cy="552924"/>
+            </a:xfrm>
+            <a:prstGeom prst="straightConnector1">
+              <a:avLst/>
+            </a:prstGeom>
+            <a:ln>
+              <a:solidFill>
+                <a:srgbClr val="000000"/>
+              </a:solidFill>
+              <a:tailEnd type="arrow"/>
+            </a:ln>
+          </p:spPr>
+          <p:style>
+            <a:lnRef idx="2">
+              <a:schemeClr val="accent1"/>
+            </a:lnRef>
+            <a:fillRef idx="0">
+              <a:schemeClr val="accent1"/>
+            </a:fillRef>
+            <a:effectRef idx="1">
+              <a:schemeClr val="accent1"/>
+            </a:effectRef>
+            <a:fontRef idx="minor">
+              <a:schemeClr val="tx1"/>
+            </a:fontRef>
+          </p:style>
+        </p:cxnSp>
+        <p:cxnSp>
+          <p:nvCxnSpPr>
+            <p:cNvPr id="67" name="直线箭头连接符 66"/>
+            <p:cNvCxnSpPr>
+              <a:stCxn id="52" idx="0"/>
+              <a:endCxn id="49" idx="4"/>
+            </p:cNvCxnSpPr>
+            <p:nvPr/>
+          </p:nvCxnSpPr>
+          <p:spPr>
+            <a:xfrm flipV="1">
+              <a:off x="4093300" y="4611163"/>
+              <a:ext cx="0" cy="556453"/>
+            </a:xfrm>
+            <a:prstGeom prst="straightConnector1">
+              <a:avLst/>
+            </a:prstGeom>
+            <a:ln>
+              <a:solidFill>
+                <a:srgbClr val="000000"/>
+              </a:solidFill>
+              <a:tailEnd type="arrow"/>
+            </a:ln>
+          </p:spPr>
+          <p:style>
+            <a:lnRef idx="2">
+              <a:schemeClr val="accent1"/>
+            </a:lnRef>
+            <a:fillRef idx="0">
+              <a:schemeClr val="accent1"/>
+            </a:fillRef>
+            <a:effectRef idx="1">
+              <a:schemeClr val="accent1"/>
+            </a:effectRef>
+            <a:fontRef idx="minor">
+              <a:schemeClr val="tx1"/>
+            </a:fontRef>
+          </p:style>
+        </p:cxnSp>
+        <p:cxnSp>
+          <p:nvCxnSpPr>
+            <p:cNvPr id="70" name="直线箭头连接符 69"/>
+            <p:cNvCxnSpPr>
+              <a:stCxn id="58" idx="0"/>
+              <a:endCxn id="55" idx="4"/>
+            </p:cNvCxnSpPr>
+            <p:nvPr/>
+          </p:nvCxnSpPr>
+          <p:spPr>
+            <a:xfrm flipH="1" flipV="1">
+              <a:off x="5061956" y="4614692"/>
+              <a:ext cx="11441" cy="552924"/>
+            </a:xfrm>
+            <a:prstGeom prst="straightConnector1">
+              <a:avLst/>
+            </a:prstGeom>
+            <a:ln>
+              <a:solidFill>
+                <a:srgbClr val="000000"/>
+              </a:solidFill>
+              <a:tailEnd type="arrow"/>
+            </a:ln>
+          </p:spPr>
+          <p:style>
+            <a:lnRef idx="2">
+              <a:schemeClr val="accent1"/>
+            </a:lnRef>
+            <a:fillRef idx="0">
+              <a:schemeClr val="accent1"/>
+            </a:fillRef>
+            <a:effectRef idx="1">
+              <a:schemeClr val="accent1"/>
+            </a:effectRef>
+            <a:fontRef idx="minor">
+              <a:schemeClr val="tx1"/>
+            </a:fontRef>
+          </p:style>
+        </p:cxnSp>
       </p:grpSp>
       <p:grpSp>
         <p:nvGrpSpPr>
-          <p:cNvPr id="45" name="组 44"/>
+          <p:cNvPr id="5" name="组 4"/>
           <p:cNvGrpSpPr/>
           <p:nvPr/>
         </p:nvGrpSpPr>
         <p:grpSpPr>
           <a:xfrm>
-            <a:off x="2829102" y="5167616"/>
-            <a:ext cx="537714" cy="537714"/>
-            <a:chOff x="2082212" y="1487449"/>
-            <a:chExt cx="537714" cy="537714"/>
+            <a:off x="5061956" y="1487449"/>
+            <a:ext cx="2513152" cy="1631881"/>
+            <a:chOff x="5254239" y="1302198"/>
+            <a:chExt cx="2513152" cy="1631881"/>
           </a:xfrm>
         </p:grpSpPr>
-        <p:sp>
-          <p:nvSpPr>
-            <p:cNvPr id="46" name="椭圆 45"/>
-            <p:cNvSpPr/>
+        <p:grpSp>
+          <p:nvGrpSpPr>
+            <p:cNvPr id="74" name="组 73"/>
+            <p:cNvGrpSpPr/>
             <p:nvPr/>
-          </p:nvSpPr>
+          </p:nvGrpSpPr>
+          <p:grpSpPr>
+            <a:xfrm>
+              <a:off x="5254666" y="1305727"/>
+              <a:ext cx="537714" cy="537714"/>
+              <a:chOff x="2082212" y="1487449"/>
+              <a:chExt cx="537714" cy="537714"/>
+            </a:xfrm>
+          </p:grpSpPr>
+          <p:sp>
+            <p:nvSpPr>
+              <p:cNvPr id="75" name="椭圆 74"/>
+              <p:cNvSpPr/>
+              <p:nvPr/>
+            </p:nvSpPr>
+            <p:spPr>
+              <a:xfrm>
+                <a:off x="2082212" y="1487449"/>
+                <a:ext cx="537714" cy="537714"/>
+              </a:xfrm>
+              <a:prstGeom prst="ellipse">
+                <a:avLst/>
+              </a:prstGeom>
+            </p:spPr>
+            <p:style>
+              <a:lnRef idx="2">
+                <a:schemeClr val="dk1"/>
+              </a:lnRef>
+              <a:fillRef idx="1">
+                <a:schemeClr val="lt1"/>
+              </a:fillRef>
+              <a:effectRef idx="0">
+                <a:schemeClr val="dk1"/>
+              </a:effectRef>
+              <a:fontRef idx="minor">
+                <a:schemeClr val="dk1"/>
+              </a:fontRef>
+            </p:style>
+            <p:txBody>
+              <a:bodyPr rtlCol="0" anchor="ctr"/>
+              <a:lstStyle/>
+              <a:p>
+                <a:pPr algn="ctr"/>
+                <a:endParaRPr kumimoji="1" lang="zh-CN" altLang="en-US" dirty="0"/>
+              </a:p>
+            </p:txBody>
+          </p:sp>
+          <p:graphicFrame>
+            <p:nvGraphicFramePr>
+              <p:cNvPr id="76" name="对象 75"/>
+              <p:cNvGraphicFramePr>
+                <a:graphicFrameLocks noChangeAspect="1"/>
+              </p:cNvGraphicFramePr>
+              <p:nvPr>
+                <p:extLst>
+                  <p:ext uri="{D42A27DB-BD31-4B8C-83A1-F6EECF244321}">
+                    <p14:modId xmlns:p14="http://schemas.microsoft.com/office/powerpoint/2010/main" val="2273876277"/>
+                  </p:ext>
+                </p:extLst>
+              </p:nvPr>
+            </p:nvGraphicFramePr>
+            <p:xfrm>
+              <a:off x="2150858" y="1574584"/>
+              <a:ext cx="393168" cy="349483"/>
+            </p:xfrm>
+            <a:graphic>
+              <a:graphicData uri="http://schemas.openxmlformats.org/presentationml/2006/ole">
+                <mc:AlternateContent xmlns:mc="http://schemas.openxmlformats.org/markup-compatibility/2006">
+                  <mc:Choice xmlns:v="urn:schemas-microsoft-com:vml" Requires="v">
+                    <p:oleObj spid="_x0000_s1423" name="Equation" r:id="rId23" imgW="228600" imgH="203200" progId="Equation.DSMT4">
+                      <p:embed/>
+                    </p:oleObj>
+                  </mc:Choice>
+                  <mc:Fallback>
+                    <p:oleObj name="Equation" r:id="rId23" imgW="228600" imgH="203200" progId="Equation.DSMT4">
+                      <p:embed/>
+                      <p:pic>
+                        <p:nvPicPr>
+                          <p:cNvPr id="0" name=""/>
+                          <p:cNvPicPr/>
+                          <p:nvPr/>
+                        </p:nvPicPr>
+                        <p:blipFill>
+                          <a:blip r:embed="rId4"/>
+                          <a:stretch>
+                            <a:fillRect/>
+                          </a:stretch>
+                        </p:blipFill>
+                        <p:spPr>
+                          <a:xfrm>
+                            <a:off x="2150858" y="1574584"/>
+                            <a:ext cx="393168" cy="349483"/>
+                          </a:xfrm>
+                          <a:prstGeom prst="rect">
+                            <a:avLst/>
+                          </a:prstGeom>
+                        </p:spPr>
+                      </p:pic>
+                    </p:oleObj>
+                  </mc:Fallback>
+                </mc:AlternateContent>
+              </a:graphicData>
+            </a:graphic>
+          </p:graphicFrame>
+        </p:grpSp>
+        <p:grpSp>
+          <p:nvGrpSpPr>
+            <p:cNvPr id="77" name="组 76"/>
+            <p:cNvGrpSpPr/>
+            <p:nvPr/>
+          </p:nvGrpSpPr>
+          <p:grpSpPr>
+            <a:xfrm>
+              <a:off x="5254239" y="2396365"/>
+              <a:ext cx="537714" cy="537714"/>
+              <a:chOff x="2082212" y="1487449"/>
+              <a:chExt cx="537714" cy="537714"/>
+            </a:xfrm>
+          </p:grpSpPr>
+          <p:sp>
+            <p:nvSpPr>
+              <p:cNvPr id="78" name="椭圆 77"/>
+              <p:cNvSpPr/>
+              <p:nvPr/>
+            </p:nvSpPr>
+            <p:spPr>
+              <a:xfrm>
+                <a:off x="2082212" y="1487449"/>
+                <a:ext cx="537714" cy="537714"/>
+              </a:xfrm>
+              <a:prstGeom prst="ellipse">
+                <a:avLst/>
+              </a:prstGeom>
+            </p:spPr>
+            <p:style>
+              <a:lnRef idx="2">
+                <a:schemeClr val="dk1"/>
+              </a:lnRef>
+              <a:fillRef idx="1">
+                <a:schemeClr val="lt1"/>
+              </a:fillRef>
+              <a:effectRef idx="0">
+                <a:schemeClr val="dk1"/>
+              </a:effectRef>
+              <a:fontRef idx="minor">
+                <a:schemeClr val="dk1"/>
+              </a:fontRef>
+            </p:style>
+            <p:txBody>
+              <a:bodyPr rtlCol="0" anchor="ctr"/>
+              <a:lstStyle/>
+              <a:p>
+                <a:pPr algn="ctr"/>
+                <a:endParaRPr kumimoji="1" lang="zh-CN" altLang="en-US" dirty="0"/>
+              </a:p>
+            </p:txBody>
+          </p:sp>
+          <p:graphicFrame>
+            <p:nvGraphicFramePr>
+              <p:cNvPr id="79" name="对象 78"/>
+              <p:cNvGraphicFramePr>
+                <a:graphicFrameLocks noChangeAspect="1"/>
+              </p:cNvGraphicFramePr>
+              <p:nvPr>
+                <p:extLst>
+                  <p:ext uri="{D42A27DB-BD31-4B8C-83A1-F6EECF244321}">
+                    <p14:modId xmlns:p14="http://schemas.microsoft.com/office/powerpoint/2010/main" val="63911896"/>
+                  </p:ext>
+                </p:extLst>
+              </p:nvPr>
+            </p:nvGraphicFramePr>
+            <p:xfrm>
+              <a:off x="2139775" y="1574775"/>
+              <a:ext cx="415925" cy="349250"/>
+            </p:xfrm>
+            <a:graphic>
+              <a:graphicData uri="http://schemas.openxmlformats.org/presentationml/2006/ole">
+                <mc:AlternateContent xmlns:mc="http://schemas.openxmlformats.org/markup-compatibility/2006">
+                  <mc:Choice xmlns:v="urn:schemas-microsoft-com:vml" Requires="v">
+                    <p:oleObj spid="_x0000_s1424" name="Equation" r:id="rId24" imgW="241300" imgH="203200" progId="Equation.DSMT4">
+                      <p:embed/>
+                    </p:oleObj>
+                  </mc:Choice>
+                  <mc:Fallback>
+                    <p:oleObj name="Equation" r:id="rId24" imgW="241300" imgH="203200" progId="Equation.DSMT4">
+                      <p:embed/>
+                      <p:pic>
+                        <p:nvPicPr>
+                          <p:cNvPr id="0" name=""/>
+                          <p:cNvPicPr/>
+                          <p:nvPr/>
+                        </p:nvPicPr>
+                        <p:blipFill>
+                          <a:blip r:embed="rId6"/>
+                          <a:stretch>
+                            <a:fillRect/>
+                          </a:stretch>
+                        </p:blipFill>
+                        <p:spPr>
+                          <a:xfrm>
+                            <a:off x="2139775" y="1574775"/>
+                            <a:ext cx="415925" cy="349250"/>
+                          </a:xfrm>
+                          <a:prstGeom prst="rect">
+                            <a:avLst/>
+                          </a:prstGeom>
+                        </p:spPr>
+                      </p:pic>
+                    </p:oleObj>
+                  </mc:Fallback>
+                </mc:AlternateContent>
+              </a:graphicData>
+            </a:graphic>
+          </p:graphicFrame>
+        </p:grpSp>
+        <p:grpSp>
+          <p:nvGrpSpPr>
+            <p:cNvPr id="80" name="组 79"/>
+            <p:cNvGrpSpPr/>
+            <p:nvPr/>
+          </p:nvGrpSpPr>
+          <p:grpSpPr>
+            <a:xfrm>
+              <a:off x="6249580" y="1302198"/>
+              <a:ext cx="537714" cy="537714"/>
+              <a:chOff x="2082212" y="1487449"/>
+              <a:chExt cx="537714" cy="537714"/>
+            </a:xfrm>
+          </p:grpSpPr>
+          <p:sp>
+            <p:nvSpPr>
+              <p:cNvPr id="81" name="椭圆 80"/>
+              <p:cNvSpPr/>
+              <p:nvPr/>
+            </p:nvSpPr>
+            <p:spPr>
+              <a:xfrm>
+                <a:off x="2082212" y="1487449"/>
+                <a:ext cx="537714" cy="537714"/>
+              </a:xfrm>
+              <a:prstGeom prst="ellipse">
+                <a:avLst/>
+              </a:prstGeom>
+            </p:spPr>
+            <p:style>
+              <a:lnRef idx="2">
+                <a:schemeClr val="dk1"/>
+              </a:lnRef>
+              <a:fillRef idx="1">
+                <a:schemeClr val="lt1"/>
+              </a:fillRef>
+              <a:effectRef idx="0">
+                <a:schemeClr val="dk1"/>
+              </a:effectRef>
+              <a:fontRef idx="minor">
+                <a:schemeClr val="dk1"/>
+              </a:fontRef>
+            </p:style>
+            <p:txBody>
+              <a:bodyPr rtlCol="0" anchor="ctr"/>
+              <a:lstStyle/>
+              <a:p>
+                <a:pPr algn="ctr"/>
+                <a:endParaRPr kumimoji="1" lang="zh-CN" altLang="en-US" dirty="0"/>
+              </a:p>
+            </p:txBody>
+          </p:sp>
+          <p:graphicFrame>
+            <p:nvGraphicFramePr>
+              <p:cNvPr id="82" name="对象 81"/>
+              <p:cNvGraphicFramePr>
+                <a:graphicFrameLocks noChangeAspect="1"/>
+              </p:cNvGraphicFramePr>
+              <p:nvPr>
+                <p:extLst>
+                  <p:ext uri="{D42A27DB-BD31-4B8C-83A1-F6EECF244321}">
+                    <p14:modId xmlns:p14="http://schemas.microsoft.com/office/powerpoint/2010/main" val="672100645"/>
+                  </p:ext>
+                </p:extLst>
+              </p:nvPr>
+            </p:nvGraphicFramePr>
+            <p:xfrm>
+              <a:off x="2216599" y="1575154"/>
+              <a:ext cx="261937" cy="349250"/>
+            </p:xfrm>
+            <a:graphic>
+              <a:graphicData uri="http://schemas.openxmlformats.org/presentationml/2006/ole">
+                <mc:AlternateContent xmlns:mc="http://schemas.openxmlformats.org/markup-compatibility/2006">
+                  <mc:Choice xmlns:v="urn:schemas-microsoft-com:vml" Requires="v">
+                    <p:oleObj spid="_x0000_s1425" name="Equation" r:id="rId25" imgW="152400" imgH="203200" progId="Equation.DSMT4">
+                      <p:embed/>
+                    </p:oleObj>
+                  </mc:Choice>
+                  <mc:Fallback>
+                    <p:oleObj name="Equation" r:id="rId25" imgW="152400" imgH="203200" progId="Equation.DSMT4">
+                      <p:embed/>
+                      <p:pic>
+                        <p:nvPicPr>
+                          <p:cNvPr id="0" name=""/>
+                          <p:cNvPicPr/>
+                          <p:nvPr/>
+                        </p:nvPicPr>
+                        <p:blipFill>
+                          <a:blip r:embed="rId8"/>
+                          <a:stretch>
+                            <a:fillRect/>
+                          </a:stretch>
+                        </p:blipFill>
+                        <p:spPr>
+                          <a:xfrm>
+                            <a:off x="2216599" y="1575154"/>
+                            <a:ext cx="261937" cy="349250"/>
+                          </a:xfrm>
+                          <a:prstGeom prst="rect">
+                            <a:avLst/>
+                          </a:prstGeom>
+                        </p:spPr>
+                      </p:pic>
+                    </p:oleObj>
+                  </mc:Fallback>
+                </mc:AlternateContent>
+              </a:graphicData>
+            </a:graphic>
+          </p:graphicFrame>
+        </p:grpSp>
+        <p:grpSp>
+          <p:nvGrpSpPr>
+            <p:cNvPr id="83" name="组 82"/>
+            <p:cNvGrpSpPr/>
+            <p:nvPr/>
+          </p:nvGrpSpPr>
+          <p:grpSpPr>
+            <a:xfrm>
+              <a:off x="6249580" y="2396365"/>
+              <a:ext cx="537714" cy="537714"/>
+              <a:chOff x="2082212" y="1487449"/>
+              <a:chExt cx="537714" cy="537714"/>
+            </a:xfrm>
+          </p:grpSpPr>
+          <p:sp>
+            <p:nvSpPr>
+              <p:cNvPr id="84" name="椭圆 83"/>
+              <p:cNvSpPr/>
+              <p:nvPr/>
+            </p:nvSpPr>
+            <p:spPr>
+              <a:xfrm>
+                <a:off x="2082212" y="1487449"/>
+                <a:ext cx="537714" cy="537714"/>
+              </a:xfrm>
+              <a:prstGeom prst="ellipse">
+                <a:avLst/>
+              </a:prstGeom>
+            </p:spPr>
+            <p:style>
+              <a:lnRef idx="2">
+                <a:schemeClr val="dk1"/>
+              </a:lnRef>
+              <a:fillRef idx="1">
+                <a:schemeClr val="lt1"/>
+              </a:fillRef>
+              <a:effectRef idx="0">
+                <a:schemeClr val="dk1"/>
+              </a:effectRef>
+              <a:fontRef idx="minor">
+                <a:schemeClr val="dk1"/>
+              </a:fontRef>
+            </p:style>
+            <p:txBody>
+              <a:bodyPr rtlCol="0" anchor="ctr"/>
+              <a:lstStyle/>
+              <a:p>
+                <a:pPr algn="ctr"/>
+                <a:endParaRPr kumimoji="1" lang="zh-CN" altLang="en-US" dirty="0"/>
+              </a:p>
+            </p:txBody>
+          </p:sp>
+          <p:graphicFrame>
+            <p:nvGraphicFramePr>
+              <p:cNvPr id="85" name="对象 84"/>
+              <p:cNvGraphicFramePr>
+                <a:graphicFrameLocks noChangeAspect="1"/>
+              </p:cNvGraphicFramePr>
+              <p:nvPr>
+                <p:extLst>
+                  <p:ext uri="{D42A27DB-BD31-4B8C-83A1-F6EECF244321}">
+                    <p14:modId xmlns:p14="http://schemas.microsoft.com/office/powerpoint/2010/main" val="2579535129"/>
+                  </p:ext>
+                </p:extLst>
+              </p:nvPr>
+            </p:nvGraphicFramePr>
+            <p:xfrm>
+              <a:off x="2216599" y="1574775"/>
+              <a:ext cx="261937" cy="349250"/>
+            </p:xfrm>
+            <a:graphic>
+              <a:graphicData uri="http://schemas.openxmlformats.org/presentationml/2006/ole">
+                <mc:AlternateContent xmlns:mc="http://schemas.openxmlformats.org/markup-compatibility/2006">
+                  <mc:Choice xmlns:v="urn:schemas-microsoft-com:vml" Requires="v">
+                    <p:oleObj spid="_x0000_s1426" name="Equation" r:id="rId26" imgW="152400" imgH="203200" progId="Equation.DSMT4">
+                      <p:embed/>
+                    </p:oleObj>
+                  </mc:Choice>
+                  <mc:Fallback>
+                    <p:oleObj name="Equation" r:id="rId26" imgW="152400" imgH="203200" progId="Equation.DSMT4">
+                      <p:embed/>
+                      <p:pic>
+                        <p:nvPicPr>
+                          <p:cNvPr id="0" name=""/>
+                          <p:cNvPicPr/>
+                          <p:nvPr/>
+                        </p:nvPicPr>
+                        <p:blipFill>
+                          <a:blip r:embed="rId10"/>
+                          <a:stretch>
+                            <a:fillRect/>
+                          </a:stretch>
+                        </p:blipFill>
+                        <p:spPr>
+                          <a:xfrm>
+                            <a:off x="2216599" y="1574775"/>
+                            <a:ext cx="261937" cy="349250"/>
+                          </a:xfrm>
+                          <a:prstGeom prst="rect">
+                            <a:avLst/>
+                          </a:prstGeom>
+                        </p:spPr>
+                      </p:pic>
+                    </p:oleObj>
+                  </mc:Fallback>
+                </mc:AlternateContent>
+              </a:graphicData>
+            </a:graphic>
+          </p:graphicFrame>
+        </p:grpSp>
+        <p:grpSp>
+          <p:nvGrpSpPr>
+            <p:cNvPr id="86" name="组 85"/>
+            <p:cNvGrpSpPr/>
+            <p:nvPr/>
+          </p:nvGrpSpPr>
+          <p:grpSpPr>
+            <a:xfrm>
+              <a:off x="7218236" y="1305727"/>
+              <a:ext cx="537714" cy="537714"/>
+              <a:chOff x="2082212" y="1487449"/>
+              <a:chExt cx="537714" cy="537714"/>
+            </a:xfrm>
+          </p:grpSpPr>
+          <p:sp>
+            <p:nvSpPr>
+              <p:cNvPr id="87" name="椭圆 86"/>
+              <p:cNvSpPr/>
+              <p:nvPr/>
+            </p:nvSpPr>
+            <p:spPr>
+              <a:xfrm>
+                <a:off x="2082212" y="1487449"/>
+                <a:ext cx="537714" cy="537714"/>
+              </a:xfrm>
+              <a:prstGeom prst="ellipse">
+                <a:avLst/>
+              </a:prstGeom>
+            </p:spPr>
+            <p:style>
+              <a:lnRef idx="2">
+                <a:schemeClr val="dk1"/>
+              </a:lnRef>
+              <a:fillRef idx="1">
+                <a:schemeClr val="lt1"/>
+              </a:fillRef>
+              <a:effectRef idx="0">
+                <a:schemeClr val="dk1"/>
+              </a:effectRef>
+              <a:fontRef idx="minor">
+                <a:schemeClr val="dk1"/>
+              </a:fontRef>
+            </p:style>
+            <p:txBody>
+              <a:bodyPr rtlCol="0" anchor="ctr"/>
+              <a:lstStyle/>
+              <a:p>
+                <a:pPr algn="ctr"/>
+                <a:endParaRPr kumimoji="1" lang="zh-CN" altLang="en-US" dirty="0"/>
+              </a:p>
+            </p:txBody>
+          </p:sp>
+          <p:graphicFrame>
+            <p:nvGraphicFramePr>
+              <p:cNvPr id="88" name="对象 87"/>
+              <p:cNvGraphicFramePr>
+                <a:graphicFrameLocks noChangeAspect="1"/>
+              </p:cNvGraphicFramePr>
+              <p:nvPr>
+                <p:extLst>
+                  <p:ext uri="{D42A27DB-BD31-4B8C-83A1-F6EECF244321}">
+                    <p14:modId xmlns:p14="http://schemas.microsoft.com/office/powerpoint/2010/main" val="951522882"/>
+                  </p:ext>
+                </p:extLst>
+              </p:nvPr>
+            </p:nvGraphicFramePr>
+            <p:xfrm>
+              <a:off x="2150858" y="1574584"/>
+              <a:ext cx="393168" cy="349483"/>
+            </p:xfrm>
+            <a:graphic>
+              <a:graphicData uri="http://schemas.openxmlformats.org/presentationml/2006/ole">
+                <mc:AlternateContent xmlns:mc="http://schemas.openxmlformats.org/markup-compatibility/2006">
+                  <mc:Choice xmlns:v="urn:schemas-microsoft-com:vml" Requires="v">
+                    <p:oleObj spid="_x0000_s1427" name="Equation" r:id="rId27" imgW="228600" imgH="203200" progId="Equation.DSMT4">
+                      <p:embed/>
+                    </p:oleObj>
+                  </mc:Choice>
+                  <mc:Fallback>
+                    <p:oleObj name="Equation" r:id="rId27" imgW="228600" imgH="203200" progId="Equation.DSMT4">
+                      <p:embed/>
+                      <p:pic>
+                        <p:nvPicPr>
+                          <p:cNvPr id="0" name=""/>
+                          <p:cNvPicPr/>
+                          <p:nvPr/>
+                        </p:nvPicPr>
+                        <p:blipFill>
+                          <a:blip r:embed="rId12"/>
+                          <a:stretch>
+                            <a:fillRect/>
+                          </a:stretch>
+                        </p:blipFill>
+                        <p:spPr>
+                          <a:xfrm>
+                            <a:off x="2150858" y="1574584"/>
+                            <a:ext cx="393168" cy="349483"/>
+                          </a:xfrm>
+                          <a:prstGeom prst="rect">
+                            <a:avLst/>
+                          </a:prstGeom>
+                        </p:spPr>
+                      </p:pic>
+                    </p:oleObj>
+                  </mc:Fallback>
+                </mc:AlternateContent>
+              </a:graphicData>
+            </a:graphic>
+          </p:graphicFrame>
+        </p:grpSp>
+        <p:grpSp>
+          <p:nvGrpSpPr>
+            <p:cNvPr id="89" name="组 88"/>
+            <p:cNvGrpSpPr/>
+            <p:nvPr/>
+          </p:nvGrpSpPr>
+          <p:grpSpPr>
+            <a:xfrm>
+              <a:off x="7229677" y="2396365"/>
+              <a:ext cx="537714" cy="537714"/>
+              <a:chOff x="2082212" y="1487449"/>
+              <a:chExt cx="537714" cy="537714"/>
+            </a:xfrm>
+          </p:grpSpPr>
+          <p:sp>
+            <p:nvSpPr>
+              <p:cNvPr id="90" name="椭圆 89"/>
+              <p:cNvSpPr/>
+              <p:nvPr/>
+            </p:nvSpPr>
+            <p:spPr>
+              <a:xfrm>
+                <a:off x="2082212" y="1487449"/>
+                <a:ext cx="537714" cy="537714"/>
+              </a:xfrm>
+              <a:prstGeom prst="ellipse">
+                <a:avLst/>
+              </a:prstGeom>
+            </p:spPr>
+            <p:style>
+              <a:lnRef idx="2">
+                <a:schemeClr val="dk1"/>
+              </a:lnRef>
+              <a:fillRef idx="1">
+                <a:schemeClr val="lt1"/>
+              </a:fillRef>
+              <a:effectRef idx="0">
+                <a:schemeClr val="dk1"/>
+              </a:effectRef>
+              <a:fontRef idx="minor">
+                <a:schemeClr val="dk1"/>
+              </a:fontRef>
+            </p:style>
+            <p:txBody>
+              <a:bodyPr rtlCol="0" anchor="ctr"/>
+              <a:lstStyle/>
+              <a:p>
+                <a:pPr algn="ctr"/>
+                <a:endParaRPr kumimoji="1" lang="zh-CN" altLang="en-US" dirty="0"/>
+              </a:p>
+            </p:txBody>
+          </p:sp>
+          <p:graphicFrame>
+            <p:nvGraphicFramePr>
+              <p:cNvPr id="91" name="对象 90"/>
+              <p:cNvGraphicFramePr>
+                <a:graphicFrameLocks noChangeAspect="1"/>
+              </p:cNvGraphicFramePr>
+              <p:nvPr>
+                <p:extLst>
+                  <p:ext uri="{D42A27DB-BD31-4B8C-83A1-F6EECF244321}">
+                    <p14:modId xmlns:p14="http://schemas.microsoft.com/office/powerpoint/2010/main" val="1859835563"/>
+                  </p:ext>
+                </p:extLst>
+              </p:nvPr>
+            </p:nvGraphicFramePr>
+            <p:xfrm>
+              <a:off x="2140118" y="1574775"/>
+              <a:ext cx="414337" cy="349250"/>
+            </p:xfrm>
+            <a:graphic>
+              <a:graphicData uri="http://schemas.openxmlformats.org/presentationml/2006/ole">
+                <mc:AlternateContent xmlns:mc="http://schemas.openxmlformats.org/markup-compatibility/2006">
+                  <mc:Choice xmlns:v="urn:schemas-microsoft-com:vml" Requires="v">
+                    <p:oleObj spid="_x0000_s1428" name="Equation" r:id="rId28" imgW="241300" imgH="203200" progId="Equation.DSMT4">
+                      <p:embed/>
+                    </p:oleObj>
+                  </mc:Choice>
+                  <mc:Fallback>
+                    <p:oleObj name="Equation" r:id="rId28" imgW="241300" imgH="203200" progId="Equation.DSMT4">
+                      <p:embed/>
+                      <p:pic>
+                        <p:nvPicPr>
+                          <p:cNvPr id="0" name=""/>
+                          <p:cNvPicPr/>
+                          <p:nvPr/>
+                        </p:nvPicPr>
+                        <p:blipFill>
+                          <a:blip r:embed="rId14"/>
+                          <a:stretch>
+                            <a:fillRect/>
+                          </a:stretch>
+                        </p:blipFill>
+                        <p:spPr>
+                          <a:xfrm>
+                            <a:off x="2140118" y="1574775"/>
+                            <a:ext cx="414337" cy="349250"/>
+                          </a:xfrm>
+                          <a:prstGeom prst="rect">
+                            <a:avLst/>
+                          </a:prstGeom>
+                        </p:spPr>
+                      </p:pic>
+                    </p:oleObj>
+                  </mc:Fallback>
+                </mc:AlternateContent>
+              </a:graphicData>
+            </a:graphic>
+          </p:graphicFrame>
+        </p:grpSp>
+        <p:cxnSp>
+          <p:nvCxnSpPr>
+            <p:cNvPr id="98" name="直线连接符 97"/>
+            <p:cNvCxnSpPr>
+              <a:stCxn id="75" idx="6"/>
+              <a:endCxn id="81" idx="2"/>
+            </p:cNvCxnSpPr>
+            <p:nvPr/>
+          </p:nvCxnSpPr>
           <p:spPr>
-            <a:xfrm>
-              <a:off x="2082212" y="1487449"/>
-              <a:ext cx="537714" cy="537714"/>
+            <a:xfrm flipV="1">
+              <a:off x="5792380" y="1571055"/>
+              <a:ext cx="457200" cy="3529"/>
             </a:xfrm>
-            <a:prstGeom prst="ellipse">
+            <a:prstGeom prst="line">
               <a:avLst/>
             </a:prstGeom>
+            <a:ln>
+              <a:solidFill>
+                <a:srgbClr val="000000"/>
+              </a:solidFill>
+            </a:ln>
           </p:spPr>
           <p:style>
             <a:lnRef idx="2">
-              <a:schemeClr val="dk1"/>
+              <a:schemeClr val="accent1"/>
             </a:lnRef>
-            <a:fillRef idx="1">
-              <a:schemeClr val="lt1"/>
+            <a:fillRef idx="0">
+              <a:schemeClr val="accent1"/>
             </a:fillRef>
-            <a:effectRef idx="0">
-              <a:schemeClr val="dk1"/>
+            <a:effectRef idx="1">
+              <a:schemeClr val="accent1"/>
             </a:effectRef>
             <a:fontRef idx="minor">
-              <a:schemeClr val="dk1"/>
+              <a:schemeClr val="tx1"/>
             </a:fontRef>
           </p:style>
-          <p:txBody>
-            <a:bodyPr rtlCol="0" anchor="ctr"/>
-            <a:lstStyle/>
-            <a:p>
-              <a:pPr algn="ctr"/>
-              <a:endParaRPr kumimoji="1" lang="zh-CN" altLang="en-US" dirty="0"/>
-            </a:p>
-          </p:txBody>
-        </p:sp>
-        <p:graphicFrame>
-          <p:nvGraphicFramePr>
-            <p:cNvPr id="47" name="对象 46"/>
-            <p:cNvGraphicFramePr>
-              <a:graphicFrameLocks noChangeAspect="1"/>
-            </p:cNvGraphicFramePr>
-            <p:nvPr>
-              <p:extLst>
-                <p:ext uri="{D42A27DB-BD31-4B8C-83A1-F6EECF244321}">
-                  <p14:modId xmlns:p14="http://schemas.microsoft.com/office/powerpoint/2010/main" val="2354435080"/>
-                </p:ext>
-              </p:extLst>
-            </p:nvPr>
-          </p:nvGraphicFramePr>
-          <p:xfrm>
-            <a:off x="2139775" y="1574775"/>
-            <a:ext cx="415925" cy="349250"/>
-          </p:xfrm>
-          <a:graphic>
-            <a:graphicData uri="http://schemas.openxmlformats.org/presentationml/2006/ole">
-              <mc:AlternateContent xmlns:mc="http://schemas.openxmlformats.org/markup-compatibility/2006">
-                <mc:Choice xmlns:v="urn:schemas-microsoft-com:vml" Requires="v">
-                  <p:oleObj spid="_x0000_s1321" name="Equation" r:id="rId18" imgW="241300" imgH="203200" progId="Equation.DSMT4">
-                    <p:embed/>
-                  </p:oleObj>
-                </mc:Choice>
-                <mc:Fallback>
-                  <p:oleObj name="Equation" r:id="rId18" imgW="241300" imgH="203200" progId="Equation.DSMT4">
-                    <p:embed/>
-                    <p:pic>
-                      <p:nvPicPr>
-                        <p:cNvPr id="0" name=""/>
-                        <p:cNvPicPr/>
-                        <p:nvPr/>
-                      </p:nvPicPr>
-                      <p:blipFill>
-                        <a:blip r:embed="rId6"/>
-                        <a:stretch>
-                          <a:fillRect/>
-                        </a:stretch>
-                      </p:blipFill>
-                      <p:spPr>
-                        <a:xfrm>
-                          <a:off x="2139775" y="1574775"/>
-                          <a:ext cx="415925" cy="349250"/>
-                        </a:xfrm>
-                        <a:prstGeom prst="rect">
-                          <a:avLst/>
-                        </a:prstGeom>
-                      </p:spPr>
-                    </p:pic>
-                  </p:oleObj>
-                </mc:Fallback>
-              </mc:AlternateContent>
-            </a:graphicData>
-          </a:graphic>
-        </p:graphicFrame>
-      </p:grpSp>
-      <p:grpSp>
-        <p:nvGrpSpPr>
-          <p:cNvPr id="48" name="组 47"/>
-          <p:cNvGrpSpPr/>
-          <p:nvPr/>
-        </p:nvGrpSpPr>
-        <p:grpSpPr>
-          <a:xfrm>
-            <a:off x="3824443" y="4073449"/>
-            <a:ext cx="537714" cy="537714"/>
-            <a:chOff x="2082212" y="1487449"/>
-            <a:chExt cx="537714" cy="537714"/>
-          </a:xfrm>
-        </p:grpSpPr>
-        <p:sp>
-          <p:nvSpPr>
-            <p:cNvPr id="49" name="椭圆 48"/>
-            <p:cNvSpPr/>
+        </p:cxnSp>
+        <p:cxnSp>
+          <p:nvCxnSpPr>
+            <p:cNvPr id="100" name="直线连接符 99"/>
+            <p:cNvCxnSpPr>
+              <a:stCxn id="81" idx="6"/>
+              <a:endCxn id="87" idx="2"/>
+            </p:cNvCxnSpPr>
             <p:nvPr/>
-          </p:nvSpPr>
+          </p:nvCxnSpPr>
           <p:spPr>
             <a:xfrm>
-              <a:off x="2082212" y="1487449"/>
-              <a:ext cx="537714" cy="537714"/>
+              <a:off x="6787294" y="1571055"/>
+              <a:ext cx="430942" cy="3529"/>
             </a:xfrm>
-            <a:prstGeom prst="ellipse">
+            <a:prstGeom prst="line">
               <a:avLst/>
             </a:prstGeom>
+            <a:ln>
+              <a:solidFill>
+                <a:srgbClr val="000000"/>
+              </a:solidFill>
+            </a:ln>
           </p:spPr>
           <p:style>
             <a:lnRef idx="2">
-              <a:schemeClr val="dk1"/>
+              <a:schemeClr val="accent1"/>
             </a:lnRef>
-            <a:fillRef idx="1">
-              <a:schemeClr val="lt1"/>
+            <a:fillRef idx="0">
+              <a:schemeClr val="accent1"/>
             </a:fillRef>
-            <a:effectRef idx="0">
-              <a:schemeClr val="dk1"/>
+            <a:effectRef idx="1">
+              <a:schemeClr val="accent1"/>
             </a:effectRef>
             <a:fontRef idx="minor">
-              <a:schemeClr val="dk1"/>
+              <a:schemeClr val="tx1"/>
             </a:fontRef>
           </p:style>
-          <p:txBody>
-            <a:bodyPr rtlCol="0" anchor="ctr"/>
-            <a:lstStyle/>
-            <a:p>
-              <a:pPr algn="ctr"/>
-              <a:endParaRPr kumimoji="1" lang="zh-CN" altLang="en-US" dirty="0"/>
-            </a:p>
-          </p:txBody>
-        </p:sp>
-        <p:graphicFrame>
-          <p:nvGraphicFramePr>
-            <p:cNvPr id="50" name="对象 49"/>
-            <p:cNvGraphicFramePr>
-              <a:graphicFrameLocks noChangeAspect="1"/>
-            </p:cNvGraphicFramePr>
-            <p:nvPr>
-              <p:extLst>
-                <p:ext uri="{D42A27DB-BD31-4B8C-83A1-F6EECF244321}">
-                  <p14:modId xmlns:p14="http://schemas.microsoft.com/office/powerpoint/2010/main" val="3745669883"/>
-                </p:ext>
-              </p:extLst>
-            </p:nvPr>
-          </p:nvGraphicFramePr>
-          <p:xfrm>
-            <a:off x="2216599" y="1575154"/>
-            <a:ext cx="261937" cy="349250"/>
-          </p:xfrm>
-          <a:graphic>
-            <a:graphicData uri="http://schemas.openxmlformats.org/presentationml/2006/ole">
-              <mc:AlternateContent xmlns:mc="http://schemas.openxmlformats.org/markup-compatibility/2006">
-                <mc:Choice xmlns:v="urn:schemas-microsoft-com:vml" Requires="v">
-                  <p:oleObj spid="_x0000_s1322" name="Equation" r:id="rId19" imgW="152400" imgH="203200" progId="Equation.DSMT4">
-                    <p:embed/>
-                  </p:oleObj>
-                </mc:Choice>
-                <mc:Fallback>
-                  <p:oleObj name="Equation" r:id="rId19" imgW="152400" imgH="203200" progId="Equation.DSMT4">
-                    <p:embed/>
-                    <p:pic>
-                      <p:nvPicPr>
-                        <p:cNvPr id="0" name=""/>
-                        <p:cNvPicPr/>
-                        <p:nvPr/>
-                      </p:nvPicPr>
-                      <p:blipFill>
-                        <a:blip r:embed="rId8"/>
-                        <a:stretch>
-                          <a:fillRect/>
-                        </a:stretch>
-                      </p:blipFill>
-                      <p:spPr>
-                        <a:xfrm>
-                          <a:off x="2216599" y="1575154"/>
-                          <a:ext cx="261937" cy="349250"/>
-                        </a:xfrm>
-                        <a:prstGeom prst="rect">
-                          <a:avLst/>
-                        </a:prstGeom>
-                      </p:spPr>
-                    </p:pic>
-                  </p:oleObj>
-                </mc:Fallback>
-              </mc:AlternateContent>
-            </a:graphicData>
-          </a:graphic>
-        </p:graphicFrame>
-      </p:grpSp>
-      <p:grpSp>
-        <p:nvGrpSpPr>
-          <p:cNvPr id="51" name="组 50"/>
-          <p:cNvGrpSpPr/>
-          <p:nvPr/>
-        </p:nvGrpSpPr>
-        <p:grpSpPr>
-          <a:xfrm>
-            <a:off x="3824443" y="5167616"/>
-            <a:ext cx="537714" cy="537714"/>
-            <a:chOff x="2082212" y="1487449"/>
-            <a:chExt cx="537714" cy="537714"/>
-          </a:xfrm>
-        </p:grpSpPr>
-        <p:sp>
-          <p:nvSpPr>
-            <p:cNvPr id="52" name="椭圆 51"/>
-            <p:cNvSpPr/>
+        </p:cxnSp>
+        <p:cxnSp>
+          <p:nvCxnSpPr>
+            <p:cNvPr id="103" name="直线连接符 102"/>
+            <p:cNvCxnSpPr>
+              <a:stCxn id="75" idx="4"/>
+              <a:endCxn id="78" idx="0"/>
+            </p:cNvCxnSpPr>
             <p:nvPr/>
-          </p:nvSpPr>
+          </p:nvCxnSpPr>
           <p:spPr>
-            <a:xfrm>
-              <a:off x="2082212" y="1487449"/>
-              <a:ext cx="537714" cy="537714"/>
+            <a:xfrm flipH="1">
+              <a:off x="5523096" y="1843441"/>
+              <a:ext cx="427" cy="552924"/>
             </a:xfrm>
-            <a:prstGeom prst="ellipse">
+            <a:prstGeom prst="line">
               <a:avLst/>
             </a:prstGeom>
+            <a:ln>
+              <a:solidFill>
+                <a:srgbClr val="000000"/>
+              </a:solidFill>
+            </a:ln>
           </p:spPr>
           <p:style>
             <a:lnRef idx="2">
-              <a:schemeClr val="dk1"/>
+              <a:schemeClr val="accent1"/>
             </a:lnRef>
-            <a:fillRef idx="1">
-              <a:schemeClr val="lt1"/>
+            <a:fillRef idx="0">
+              <a:schemeClr val="accent1"/>
             </a:fillRef>
-            <a:effectRef idx="0">
-              <a:schemeClr val="dk1"/>
+            <a:effectRef idx="1">
+              <a:schemeClr val="accent1"/>
             </a:effectRef>
             <a:fontRef idx="minor">
-              <a:schemeClr val="dk1"/>
+              <a:schemeClr val="tx1"/>
             </a:fontRef>
           </p:style>
-          <p:txBody>
-            <a:bodyPr rtlCol="0" anchor="ctr"/>
-            <a:lstStyle/>
-            <a:p>
-              <a:pPr algn="ctr"/>
-              <a:endParaRPr kumimoji="1" lang="zh-CN" altLang="en-US" dirty="0"/>
-            </a:p>
-          </p:txBody>
-        </p:sp>
-        <p:graphicFrame>
-          <p:nvGraphicFramePr>
-            <p:cNvPr id="53" name="对象 52"/>
-            <p:cNvGraphicFramePr>
-              <a:graphicFrameLocks noChangeAspect="1"/>
-            </p:cNvGraphicFramePr>
-            <p:nvPr>
-              <p:extLst>
-                <p:ext uri="{D42A27DB-BD31-4B8C-83A1-F6EECF244321}">
-                  <p14:modId xmlns:p14="http://schemas.microsoft.com/office/powerpoint/2010/main" val="104057728"/>
-                </p:ext>
-              </p:extLst>
-            </p:nvPr>
-          </p:nvGraphicFramePr>
-          <p:xfrm>
-            <a:off x="2216599" y="1574775"/>
-            <a:ext cx="261937" cy="349250"/>
-          </p:xfrm>
-          <a:graphic>
-            <a:graphicData uri="http://schemas.openxmlformats.org/presentationml/2006/ole">
-              <mc:AlternateContent xmlns:mc="http://schemas.openxmlformats.org/markup-compatibility/2006">
-                <mc:Choice xmlns:v="urn:schemas-microsoft-com:vml" Requires="v">
-                  <p:oleObj spid="_x0000_s1323" name="Equation" r:id="rId20" imgW="152400" imgH="203200" progId="Equation.DSMT4">
-                    <p:embed/>
-                  </p:oleObj>
-                </mc:Choice>
-                <mc:Fallback>
-                  <p:oleObj name="Equation" r:id="rId20" imgW="152400" imgH="203200" progId="Equation.DSMT4">
-                    <p:embed/>
-                    <p:pic>
-                      <p:nvPicPr>
-                        <p:cNvPr id="0" name=""/>
-                        <p:cNvPicPr/>
-                        <p:nvPr/>
-                      </p:nvPicPr>
-                      <p:blipFill>
-                        <a:blip r:embed="rId10"/>
-                        <a:stretch>
-                          <a:fillRect/>
-                        </a:stretch>
-                      </p:blipFill>
-                      <p:spPr>
-                        <a:xfrm>
-                          <a:off x="2216599" y="1574775"/>
-                          <a:ext cx="261937" cy="349250"/>
-                        </a:xfrm>
-                        <a:prstGeom prst="rect">
-                          <a:avLst/>
-                        </a:prstGeom>
-                      </p:spPr>
-                    </p:pic>
-                  </p:oleObj>
-                </mc:Fallback>
-              </mc:AlternateContent>
-            </a:graphicData>
-          </a:graphic>
-        </p:graphicFrame>
-      </p:grpSp>
-      <p:grpSp>
-        <p:nvGrpSpPr>
-          <p:cNvPr id="54" name="组 53"/>
-          <p:cNvGrpSpPr/>
-          <p:nvPr/>
-        </p:nvGrpSpPr>
-        <p:grpSpPr>
-          <a:xfrm>
-            <a:off x="4793099" y="4076978"/>
-            <a:ext cx="537714" cy="537714"/>
-            <a:chOff x="2082212" y="1487449"/>
-            <a:chExt cx="537714" cy="537714"/>
-          </a:xfrm>
-        </p:grpSpPr>
-        <p:sp>
-          <p:nvSpPr>
-            <p:cNvPr id="55" name="椭圆 54"/>
-            <p:cNvSpPr/>
+        </p:cxnSp>
+        <p:cxnSp>
+          <p:nvCxnSpPr>
+            <p:cNvPr id="106" name="直线连接符 105"/>
+            <p:cNvCxnSpPr>
+              <a:stCxn id="84" idx="0"/>
+              <a:endCxn id="81" idx="4"/>
+            </p:cNvCxnSpPr>
             <p:nvPr/>
-          </p:nvSpPr>
+          </p:nvCxnSpPr>
           <p:spPr>
-            <a:xfrm>
-              <a:off x="2082212" y="1487449"/>
-              <a:ext cx="537714" cy="537714"/>
+            <a:xfrm flipV="1">
+              <a:off x="6518437" y="1839912"/>
+              <a:ext cx="0" cy="556453"/>
             </a:xfrm>
-            <a:prstGeom prst="ellipse">
+            <a:prstGeom prst="line">
               <a:avLst/>
             </a:prstGeom>
+            <a:ln>
+              <a:solidFill>
+                <a:srgbClr val="000000"/>
+              </a:solidFill>
+            </a:ln>
           </p:spPr>
           <p:style>
             <a:lnRef idx="2">
-              <a:schemeClr val="dk1"/>
+              <a:schemeClr val="accent1"/>
             </a:lnRef>
-            <a:fillRef idx="1">
-              <a:schemeClr val="lt1"/>
+            <a:fillRef idx="0">
+              <a:schemeClr val="accent1"/>
             </a:fillRef>
-            <a:effectRef idx="0">
-              <a:schemeClr val="dk1"/>
+            <a:effectRef idx="1">
+              <a:schemeClr val="accent1"/>
             </a:effectRef>
             <a:fontRef idx="minor">
-              <a:schemeClr val="dk1"/>
+              <a:schemeClr val="tx1"/>
             </a:fontRef>
           </p:style>
-          <p:txBody>
-            <a:bodyPr rtlCol="0" anchor="ctr"/>
-            <a:lstStyle/>
-            <a:p>
-              <a:pPr algn="ctr"/>
-              <a:endParaRPr kumimoji="1" lang="zh-CN" altLang="en-US" dirty="0"/>
-            </a:p>
-          </p:txBody>
-        </p:sp>
-        <p:graphicFrame>
-          <p:nvGraphicFramePr>
-            <p:cNvPr id="56" name="对象 55"/>
-            <p:cNvGraphicFramePr>
-              <a:graphicFrameLocks noChangeAspect="1"/>
-            </p:cNvGraphicFramePr>
-            <p:nvPr>
-              <p:extLst>
-                <p:ext uri="{D42A27DB-BD31-4B8C-83A1-F6EECF244321}">
-                  <p14:modId xmlns:p14="http://schemas.microsoft.com/office/powerpoint/2010/main" val="2529891541"/>
-                </p:ext>
-              </p:extLst>
-            </p:nvPr>
-          </p:nvGraphicFramePr>
-          <p:xfrm>
-            <a:off x="2150858" y="1574584"/>
-            <a:ext cx="393168" cy="349483"/>
-          </p:xfrm>
-          <a:graphic>
-            <a:graphicData uri="http://schemas.openxmlformats.org/presentationml/2006/ole">
-              <mc:AlternateContent xmlns:mc="http://schemas.openxmlformats.org/markup-compatibility/2006">
-                <mc:Choice xmlns:v="urn:schemas-microsoft-com:vml" Requires="v">
-                  <p:oleObj spid="_x0000_s1324" name="Equation" r:id="rId21" imgW="228600" imgH="203200" progId="Equation.DSMT4">
-                    <p:embed/>
-                  </p:oleObj>
-                </mc:Choice>
-                <mc:Fallback>
-                  <p:oleObj name="Equation" r:id="rId21" imgW="228600" imgH="203200" progId="Equation.DSMT4">
-                    <p:embed/>
-                    <p:pic>
-                      <p:nvPicPr>
-                        <p:cNvPr id="0" name=""/>
-                        <p:cNvPicPr/>
-                        <p:nvPr/>
-                      </p:nvPicPr>
-                      <p:blipFill>
-                        <a:blip r:embed="rId12"/>
-                        <a:stretch>
-                          <a:fillRect/>
-                        </a:stretch>
-                      </p:blipFill>
-                      <p:spPr>
-                        <a:xfrm>
-                          <a:off x="2150858" y="1574584"/>
-                          <a:ext cx="393168" cy="349483"/>
-                        </a:xfrm>
-                        <a:prstGeom prst="rect">
-                          <a:avLst/>
-                        </a:prstGeom>
-                      </p:spPr>
-                    </p:pic>
-                  </p:oleObj>
-                </mc:Fallback>
-              </mc:AlternateContent>
-            </a:graphicData>
-          </a:graphic>
-        </p:graphicFrame>
-      </p:grpSp>
-      <p:grpSp>
-        <p:nvGrpSpPr>
-          <p:cNvPr id="57" name="组 56"/>
-          <p:cNvGrpSpPr/>
-          <p:nvPr/>
-        </p:nvGrpSpPr>
-        <p:grpSpPr>
-          <a:xfrm>
-            <a:off x="4804540" y="5167616"/>
-            <a:ext cx="537714" cy="537714"/>
-            <a:chOff x="2082212" y="1487449"/>
-            <a:chExt cx="537714" cy="537714"/>
-          </a:xfrm>
-        </p:grpSpPr>
-        <p:sp>
-          <p:nvSpPr>
-            <p:cNvPr id="58" name="椭圆 57"/>
-            <p:cNvSpPr/>
+        </p:cxnSp>
+        <p:cxnSp>
+          <p:nvCxnSpPr>
+            <p:cNvPr id="109" name="直线连接符 108"/>
+            <p:cNvCxnSpPr>
+              <a:stCxn id="90" idx="0"/>
+              <a:endCxn id="87" idx="4"/>
+            </p:cNvCxnSpPr>
             <p:nvPr/>
-          </p:nvSpPr>
+          </p:nvCxnSpPr>
           <p:spPr>
-            <a:xfrm>
-              <a:off x="2082212" y="1487449"/>
-              <a:ext cx="537714" cy="537714"/>
+            <a:xfrm flipH="1" flipV="1">
+              <a:off x="7487093" y="1843441"/>
+              <a:ext cx="11441" cy="552924"/>
             </a:xfrm>
-            <a:prstGeom prst="ellipse">
+            <a:prstGeom prst="line">
               <a:avLst/>
             </a:prstGeom>
+            <a:ln>
+              <a:solidFill>
+                <a:srgbClr val="000000"/>
+              </a:solidFill>
+            </a:ln>
           </p:spPr>
           <p:style>
             <a:lnRef idx="2">
-              <a:schemeClr val="dk1"/>
+              <a:schemeClr val="accent1"/>
             </a:lnRef>
-            <a:fillRef idx="1">
-              <a:schemeClr val="lt1"/>
+            <a:fillRef idx="0">
+              <a:schemeClr val="accent1"/>
             </a:fillRef>
-            <a:effectRef idx="0">
-              <a:schemeClr val="dk1"/>
+            <a:effectRef idx="1">
+              <a:schemeClr val="accent1"/>
             </a:effectRef>
             <a:fontRef idx="minor">
-              <a:schemeClr val="dk1"/>
+              <a:schemeClr val="tx1"/>
             </a:fontRef>
           </p:style>
-          <p:txBody>
-            <a:bodyPr rtlCol="0" anchor="ctr"/>
-            <a:lstStyle/>
-            <a:p>
-              <a:pPr algn="ctr"/>
-              <a:endParaRPr kumimoji="1" lang="zh-CN" altLang="en-US" dirty="0"/>
-            </a:p>
-          </p:txBody>
-        </p:sp>
-        <p:graphicFrame>
-          <p:nvGraphicFramePr>
-            <p:cNvPr id="59" name="对象 58"/>
-            <p:cNvGraphicFramePr>
-              <a:graphicFrameLocks noChangeAspect="1"/>
-            </p:cNvGraphicFramePr>
-            <p:nvPr>
-              <p:extLst>
-                <p:ext uri="{D42A27DB-BD31-4B8C-83A1-F6EECF244321}">
-                  <p14:modId xmlns:p14="http://schemas.microsoft.com/office/powerpoint/2010/main" val="1726547928"/>
-                </p:ext>
-              </p:extLst>
-            </p:nvPr>
-          </p:nvGraphicFramePr>
-          <p:xfrm>
-            <a:off x="2140118" y="1574775"/>
-            <a:ext cx="414337" cy="349250"/>
-          </p:xfrm>
-          <a:graphic>
-            <a:graphicData uri="http://schemas.openxmlformats.org/presentationml/2006/ole">
-              <mc:AlternateContent xmlns:mc="http://schemas.openxmlformats.org/markup-compatibility/2006">
-                <mc:Choice xmlns:v="urn:schemas-microsoft-com:vml" Requires="v">
-                  <p:oleObj spid="_x0000_s1325" name="Equation" r:id="rId22" imgW="241300" imgH="203200" progId="Equation.DSMT4">
-                    <p:embed/>
-                  </p:oleObj>
-                </mc:Choice>
-                <mc:Fallback>
-                  <p:oleObj name="Equation" r:id="rId22" imgW="241300" imgH="203200" progId="Equation.DSMT4">
-                    <p:embed/>
-                    <p:pic>
-                      <p:nvPicPr>
-                        <p:cNvPr id="0" name=""/>
-                        <p:cNvPicPr/>
-                        <p:nvPr/>
-                      </p:nvPicPr>
-                      <p:blipFill>
-                        <a:blip r:embed="rId14"/>
-                        <a:stretch>
-                          <a:fillRect/>
-                        </a:stretch>
-                      </p:blipFill>
-                      <p:spPr>
-                        <a:xfrm>
-                          <a:off x="2140118" y="1574775"/>
-                          <a:ext cx="414337" cy="349250"/>
-                        </a:xfrm>
-                        <a:prstGeom prst="rect">
-                          <a:avLst/>
-                        </a:prstGeom>
-                      </p:spPr>
-                    </p:pic>
-                  </p:oleObj>
-                </mc:Fallback>
-              </mc:AlternateContent>
-            </a:graphicData>
-          </a:graphic>
-        </p:graphicFrame>
+        </p:cxnSp>
       </p:grpSp>
-      <p:cxnSp>
-        <p:nvCxnSpPr>
-          <p:cNvPr id="60" name="直线箭头连接符 59"/>
-          <p:cNvCxnSpPr>
-            <a:stCxn id="43" idx="6"/>
-            <a:endCxn id="49" idx="2"/>
-          </p:cNvCxnSpPr>
+      <p:sp>
+        <p:nvSpPr>
+          <p:cNvPr id="20" name="文本框 19"/>
+          <p:cNvSpPr txBox="1"/>
           <p:nvPr/>
-        </p:nvCxnSpPr>
+        </p:nvSpPr>
         <p:spPr>
-          <a:xfrm flipV="1">
-            <a:off x="3367243" y="4342306"/>
-            <a:ext cx="457200" cy="3529"/>
+          <a:xfrm>
+            <a:off x="2351069" y="4691187"/>
+            <a:ext cx="184666" cy="369332"/>
           </a:xfrm>
-          <a:prstGeom prst="straightConnector1">
+          <a:prstGeom prst="rect">
             <a:avLst/>
           </a:prstGeom>
-          <a:ln>
-            <a:solidFill>
-              <a:schemeClr val="tx1"/>
-            </a:solidFill>
-            <a:tailEnd type="arrow"/>
-          </a:ln>
+          <a:noFill/>
         </p:spPr>
-        <p:style>
-          <a:lnRef idx="2">
-            <a:schemeClr val="accent1"/>
-          </a:lnRef>
-          <a:fillRef idx="0">
-            <a:schemeClr val="accent1"/>
-          </a:fillRef>
-          <a:effectRef idx="1">
-            <a:schemeClr val="accent1"/>
-          </a:effectRef>
-          <a:fontRef idx="minor">
-            <a:schemeClr val="tx1"/>
-          </a:fontRef>
-        </p:style>
-      </p:cxnSp>
-      <p:cxnSp>
-        <p:nvCxnSpPr>
-          <p:cNvPr id="61" name="直线箭头连接符 60"/>
-          <p:cNvCxnSpPr>
-            <a:stCxn id="49" idx="6"/>
-            <a:endCxn id="55" idx="2"/>
-          </p:cNvCxnSpPr>
-          <p:nvPr/>
-        </p:nvCxnSpPr>
-        <p:spPr>
-          <a:xfrm>
-            <a:off x="4362157" y="4342306"/>
-            <a:ext cx="430942" cy="3529"/>
-          </a:xfrm>
-          <a:prstGeom prst="straightConnector1">
-            <a:avLst/>
-          </a:prstGeom>
-          <a:ln>
-            <a:solidFill>
-              <a:schemeClr val="tx1"/>
-            </a:solidFill>
-            <a:tailEnd type="arrow"/>
-          </a:ln>
-        </p:spPr>
-        <p:style>
-          <a:lnRef idx="2">
-            <a:schemeClr val="accent1"/>
-          </a:lnRef>
-          <a:fillRef idx="0">
-            <a:schemeClr val="accent1"/>
-          </a:fillRef>
-          <a:effectRef idx="1">
-            <a:schemeClr val="accent1"/>
-          </a:effectRef>
-          <a:fontRef idx="minor">
-            <a:schemeClr val="tx1"/>
-          </a:fontRef>
-        </p:style>
-      </p:cxnSp>
-      <p:cxnSp>
-        <p:nvCxnSpPr>
-          <p:cNvPr id="62" name="直线箭头连接符 61"/>
-          <p:cNvCxnSpPr>
-            <a:stCxn id="46" idx="0"/>
-            <a:endCxn id="43" idx="4"/>
-          </p:cNvCxnSpPr>
-          <p:nvPr/>
-        </p:nvCxnSpPr>
-        <p:spPr>
-          <a:xfrm flipV="1">
-            <a:off x="3097959" y="4614692"/>
-            <a:ext cx="427" cy="552924"/>
-          </a:xfrm>
-          <a:prstGeom prst="straightConnector1">
-            <a:avLst/>
-          </a:prstGeom>
-          <a:ln>
-            <a:solidFill>
-              <a:srgbClr val="000000"/>
-            </a:solidFill>
-            <a:tailEnd type="arrow"/>
-          </a:ln>
-        </p:spPr>
-        <p:style>
-          <a:lnRef idx="2">
-            <a:schemeClr val="accent1"/>
-          </a:lnRef>
-          <a:fillRef idx="0">
-            <a:schemeClr val="accent1"/>
-          </a:fillRef>
-          <a:effectRef idx="1">
-            <a:schemeClr val="accent1"/>
-          </a:effectRef>
-          <a:fontRef idx="minor">
-            <a:schemeClr val="tx1"/>
-          </a:fontRef>
-        </p:style>
-      </p:cxnSp>
-      <p:cxnSp>
-        <p:nvCxnSpPr>
-          <p:cNvPr id="67" name="直线箭头连接符 66"/>
-          <p:cNvCxnSpPr>
-            <a:stCxn id="52" idx="0"/>
-            <a:endCxn id="49" idx="4"/>
-          </p:cNvCxnSpPr>
-          <p:nvPr/>
-        </p:nvCxnSpPr>
-        <p:spPr>
-          <a:xfrm flipV="1">
-            <a:off x="4093300" y="4611163"/>
-            <a:ext cx="0" cy="556453"/>
-          </a:xfrm>
-          <a:prstGeom prst="straightConnector1">
-            <a:avLst/>
-          </a:prstGeom>
-          <a:ln>
-            <a:solidFill>
-              <a:srgbClr val="000000"/>
-            </a:solidFill>
-            <a:tailEnd type="arrow"/>
-          </a:ln>
-        </p:spPr>
-        <p:style>
-          <a:lnRef idx="2">
-            <a:schemeClr val="accent1"/>
-          </a:lnRef>
-          <a:fillRef idx="0">
-            <a:schemeClr val="accent1"/>
-          </a:fillRef>
-          <a:effectRef idx="1">
-            <a:schemeClr val="accent1"/>
-          </a:effectRef>
-          <a:fontRef idx="minor">
-            <a:schemeClr val="tx1"/>
-          </a:fontRef>
-        </p:style>
-      </p:cxnSp>
-      <p:cxnSp>
-        <p:nvCxnSpPr>
-          <p:cNvPr id="70" name="直线箭头连接符 69"/>
-          <p:cNvCxnSpPr>
-            <a:stCxn id="58" idx="0"/>
-            <a:endCxn id="55" idx="4"/>
-          </p:cNvCxnSpPr>
-          <p:nvPr/>
-        </p:nvCxnSpPr>
-        <p:spPr>
-          <a:xfrm flipH="1" flipV="1">
-            <a:off x="5061956" y="4614692"/>
-            <a:ext cx="11441" cy="552924"/>
-          </a:xfrm>
-          <a:prstGeom prst="straightConnector1">
-            <a:avLst/>
-          </a:prstGeom>
-          <a:ln>
-            <a:solidFill>
-              <a:srgbClr val="000000"/>
-            </a:solidFill>
-            <a:tailEnd type="arrow"/>
-          </a:ln>
-        </p:spPr>
-        <p:style>
-          <a:lnRef idx="2">
-            <a:schemeClr val="accent1"/>
-          </a:lnRef>
-          <a:fillRef idx="0">
-            <a:schemeClr val="accent1"/>
-          </a:fillRef>
-          <a:effectRef idx="1">
-            <a:schemeClr val="accent1"/>
-          </a:effectRef>
-          <a:fontRef idx="minor">
-            <a:schemeClr val="tx1"/>
-          </a:fontRef>
-        </p:style>
-      </p:cxnSp>
-      <p:grpSp>
-        <p:nvGrpSpPr>
-          <p:cNvPr id="74" name="组 73"/>
-          <p:cNvGrpSpPr/>
-          <p:nvPr/>
-        </p:nvGrpSpPr>
-        <p:grpSpPr>
-          <a:xfrm>
-            <a:off x="5254666" y="1305727"/>
-            <a:ext cx="537714" cy="537714"/>
-            <a:chOff x="2082212" y="1487449"/>
-            <a:chExt cx="537714" cy="537714"/>
-          </a:xfrm>
-        </p:grpSpPr>
-        <p:sp>
-          <p:nvSpPr>
-            <p:cNvPr id="75" name="椭圆 74"/>
-            <p:cNvSpPr/>
-            <p:nvPr/>
-          </p:nvSpPr>
-          <p:spPr>
-            <a:xfrm>
-              <a:off x="2082212" y="1487449"/>
-              <a:ext cx="537714" cy="537714"/>
-            </a:xfrm>
-            <a:prstGeom prst="ellipse">
-              <a:avLst/>
-            </a:prstGeom>
-          </p:spPr>
-          <p:style>
-            <a:lnRef idx="2">
-              <a:schemeClr val="dk1"/>
-            </a:lnRef>
-            <a:fillRef idx="1">
-              <a:schemeClr val="lt1"/>
-            </a:fillRef>
-            <a:effectRef idx="0">
-              <a:schemeClr val="dk1"/>
-            </a:effectRef>
-            <a:fontRef idx="minor">
-              <a:schemeClr val="dk1"/>
-            </a:fontRef>
-          </p:style>
-          <p:txBody>
-            <a:bodyPr rtlCol="0" anchor="ctr"/>
-            <a:lstStyle/>
-            <a:p>
-              <a:pPr algn="ctr"/>
-              <a:endParaRPr kumimoji="1" lang="zh-CN" altLang="en-US" dirty="0"/>
-            </a:p>
-          </p:txBody>
-        </p:sp>
-        <p:graphicFrame>
-          <p:nvGraphicFramePr>
-            <p:cNvPr id="76" name="对象 75"/>
-            <p:cNvGraphicFramePr>
-              <a:graphicFrameLocks noChangeAspect="1"/>
-            </p:cNvGraphicFramePr>
-            <p:nvPr>
-              <p:extLst>
-                <p:ext uri="{D42A27DB-BD31-4B8C-83A1-F6EECF244321}">
-                  <p14:modId xmlns:p14="http://schemas.microsoft.com/office/powerpoint/2010/main" val="2273876277"/>
-                </p:ext>
-              </p:extLst>
-            </p:nvPr>
-          </p:nvGraphicFramePr>
-          <p:xfrm>
-            <a:off x="2150858" y="1574584"/>
-            <a:ext cx="393168" cy="349483"/>
-          </p:xfrm>
-          <a:graphic>
-            <a:graphicData uri="http://schemas.openxmlformats.org/presentationml/2006/ole">
-              <mc:AlternateContent xmlns:mc="http://schemas.openxmlformats.org/markup-compatibility/2006">
-                <mc:Choice xmlns:v="urn:schemas-microsoft-com:vml" Requires="v">
-                  <p:oleObj spid="_x0000_s1326" name="Equation" r:id="rId23" imgW="228600" imgH="203200" progId="Equation.DSMT4">
-                    <p:embed/>
-                  </p:oleObj>
-                </mc:Choice>
-                <mc:Fallback>
-                  <p:oleObj name="Equation" r:id="rId23" imgW="228600" imgH="203200" progId="Equation.DSMT4">
-                    <p:embed/>
-                    <p:pic>
-                      <p:nvPicPr>
-                        <p:cNvPr id="0" name=""/>
-                        <p:cNvPicPr/>
-                        <p:nvPr/>
-                      </p:nvPicPr>
-                      <p:blipFill>
-                        <a:blip r:embed="rId4"/>
-                        <a:stretch>
-                          <a:fillRect/>
-                        </a:stretch>
-                      </p:blipFill>
-                      <p:spPr>
-                        <a:xfrm>
-                          <a:off x="2150858" y="1574584"/>
-                          <a:ext cx="393168" cy="349483"/>
-                        </a:xfrm>
-                        <a:prstGeom prst="rect">
-                          <a:avLst/>
-                        </a:prstGeom>
-                      </p:spPr>
-                    </p:pic>
-                  </p:oleObj>
-                </mc:Fallback>
-              </mc:AlternateContent>
-            </a:graphicData>
-          </a:graphic>
-        </p:graphicFrame>
-      </p:grpSp>
-      <p:grpSp>
-        <p:nvGrpSpPr>
-          <p:cNvPr id="77" name="组 76"/>
-          <p:cNvGrpSpPr/>
-          <p:nvPr/>
-        </p:nvGrpSpPr>
-        <p:grpSpPr>
-          <a:xfrm>
-            <a:off x="5254239" y="2396365"/>
-            <a:ext cx="537714" cy="537714"/>
-            <a:chOff x="2082212" y="1487449"/>
-            <a:chExt cx="537714" cy="537714"/>
-          </a:xfrm>
-        </p:grpSpPr>
-        <p:sp>
-          <p:nvSpPr>
-            <p:cNvPr id="78" name="椭圆 77"/>
-            <p:cNvSpPr/>
-            <p:nvPr/>
-          </p:nvSpPr>
-          <p:spPr>
-            <a:xfrm>
-              <a:off x="2082212" y="1487449"/>
-              <a:ext cx="537714" cy="537714"/>
-            </a:xfrm>
-            <a:prstGeom prst="ellipse">
-              <a:avLst/>
-            </a:prstGeom>
-          </p:spPr>
-          <p:style>
-            <a:lnRef idx="2">
-              <a:schemeClr val="dk1"/>
-            </a:lnRef>
-            <a:fillRef idx="1">
-              <a:schemeClr val="lt1"/>
-            </a:fillRef>
-            <a:effectRef idx="0">
-              <a:schemeClr val="dk1"/>
-            </a:effectRef>
-            <a:fontRef idx="minor">
-              <a:schemeClr val="dk1"/>
-            </a:fontRef>
-          </p:style>
-          <p:txBody>
-            <a:bodyPr rtlCol="0" anchor="ctr"/>
-            <a:lstStyle/>
-            <a:p>
-              <a:pPr algn="ctr"/>
-              <a:endParaRPr kumimoji="1" lang="zh-CN" altLang="en-US" dirty="0"/>
-            </a:p>
-          </p:txBody>
-        </p:sp>
-        <p:graphicFrame>
-          <p:nvGraphicFramePr>
-            <p:cNvPr id="79" name="对象 78"/>
-            <p:cNvGraphicFramePr>
-              <a:graphicFrameLocks noChangeAspect="1"/>
-            </p:cNvGraphicFramePr>
-            <p:nvPr>
-              <p:extLst>
-                <p:ext uri="{D42A27DB-BD31-4B8C-83A1-F6EECF244321}">
-                  <p14:modId xmlns:p14="http://schemas.microsoft.com/office/powerpoint/2010/main" val="63911896"/>
-                </p:ext>
-              </p:extLst>
-            </p:nvPr>
-          </p:nvGraphicFramePr>
-          <p:xfrm>
-            <a:off x="2139775" y="1574775"/>
-            <a:ext cx="415925" cy="349250"/>
-          </p:xfrm>
-          <a:graphic>
-            <a:graphicData uri="http://schemas.openxmlformats.org/presentationml/2006/ole">
-              <mc:AlternateContent xmlns:mc="http://schemas.openxmlformats.org/markup-compatibility/2006">
-                <mc:Choice xmlns:v="urn:schemas-microsoft-com:vml" Requires="v">
-                  <p:oleObj spid="_x0000_s1327" name="Equation" r:id="rId24" imgW="241300" imgH="203200" progId="Equation.DSMT4">
-                    <p:embed/>
-                  </p:oleObj>
-                </mc:Choice>
-                <mc:Fallback>
-                  <p:oleObj name="Equation" r:id="rId24" imgW="241300" imgH="203200" progId="Equation.DSMT4">
-                    <p:embed/>
-                    <p:pic>
-                      <p:nvPicPr>
-                        <p:cNvPr id="0" name=""/>
-                        <p:cNvPicPr/>
-                        <p:nvPr/>
-                      </p:nvPicPr>
-                      <p:blipFill>
-                        <a:blip r:embed="rId6"/>
-                        <a:stretch>
-                          <a:fillRect/>
-                        </a:stretch>
-                      </p:blipFill>
-                      <p:spPr>
-                        <a:xfrm>
-                          <a:off x="2139775" y="1574775"/>
-                          <a:ext cx="415925" cy="349250"/>
-                        </a:xfrm>
-                        <a:prstGeom prst="rect">
-                          <a:avLst/>
-                        </a:prstGeom>
-                      </p:spPr>
-                    </p:pic>
-                  </p:oleObj>
-                </mc:Fallback>
-              </mc:AlternateContent>
-            </a:graphicData>
-          </a:graphic>
-        </p:graphicFrame>
-      </p:grpSp>
-      <p:grpSp>
-        <p:nvGrpSpPr>
-          <p:cNvPr id="80" name="组 79"/>
-          <p:cNvGrpSpPr/>
-          <p:nvPr/>
-        </p:nvGrpSpPr>
-        <p:grpSpPr>
-          <a:xfrm>
-            <a:off x="6249580" y="1302198"/>
-            <a:ext cx="537714" cy="537714"/>
-            <a:chOff x="2082212" y="1487449"/>
-            <a:chExt cx="537714" cy="537714"/>
-          </a:xfrm>
-        </p:grpSpPr>
-        <p:sp>
-          <p:nvSpPr>
-            <p:cNvPr id="81" name="椭圆 80"/>
-            <p:cNvSpPr/>
-            <p:nvPr/>
-          </p:nvSpPr>
-          <p:spPr>
-            <a:xfrm>
-              <a:off x="2082212" y="1487449"/>
-              <a:ext cx="537714" cy="537714"/>
-            </a:xfrm>
-            <a:prstGeom prst="ellipse">
-              <a:avLst/>
-            </a:prstGeom>
-          </p:spPr>
-          <p:style>
-            <a:lnRef idx="2">
-              <a:schemeClr val="dk1"/>
-            </a:lnRef>
-            <a:fillRef idx="1">
-              <a:schemeClr val="lt1"/>
-            </a:fillRef>
-            <a:effectRef idx="0">
-              <a:schemeClr val="dk1"/>
-            </a:effectRef>
-            <a:fontRef idx="minor">
-              <a:schemeClr val="dk1"/>
-            </a:fontRef>
-          </p:style>
-          <p:txBody>
-            <a:bodyPr rtlCol="0" anchor="ctr"/>
-            <a:lstStyle/>
-            <a:p>
-              <a:pPr algn="ctr"/>
-              <a:endParaRPr kumimoji="1" lang="zh-CN" altLang="en-US" dirty="0"/>
-            </a:p>
-          </p:txBody>
-        </p:sp>
-        <p:graphicFrame>
-          <p:nvGraphicFramePr>
-            <p:cNvPr id="82" name="对象 81"/>
-            <p:cNvGraphicFramePr>
-              <a:graphicFrameLocks noChangeAspect="1"/>
-            </p:cNvGraphicFramePr>
-            <p:nvPr>
-              <p:extLst>
-                <p:ext uri="{D42A27DB-BD31-4B8C-83A1-F6EECF244321}">
-                  <p14:modId xmlns:p14="http://schemas.microsoft.com/office/powerpoint/2010/main" val="672100645"/>
-                </p:ext>
-              </p:extLst>
-            </p:nvPr>
-          </p:nvGraphicFramePr>
-          <p:xfrm>
-            <a:off x="2216599" y="1575154"/>
-            <a:ext cx="261937" cy="349250"/>
-          </p:xfrm>
-          <a:graphic>
-            <a:graphicData uri="http://schemas.openxmlformats.org/presentationml/2006/ole">
-              <mc:AlternateContent xmlns:mc="http://schemas.openxmlformats.org/markup-compatibility/2006">
-                <mc:Choice xmlns:v="urn:schemas-microsoft-com:vml" Requires="v">
-                  <p:oleObj spid="_x0000_s1328" name="Equation" r:id="rId25" imgW="152400" imgH="203200" progId="Equation.DSMT4">
-                    <p:embed/>
-                  </p:oleObj>
-                </mc:Choice>
-                <mc:Fallback>
-                  <p:oleObj name="Equation" r:id="rId25" imgW="152400" imgH="203200" progId="Equation.DSMT4">
-                    <p:embed/>
-                    <p:pic>
-                      <p:nvPicPr>
-                        <p:cNvPr id="0" name=""/>
-                        <p:cNvPicPr/>
-                        <p:nvPr/>
-                      </p:nvPicPr>
-                      <p:blipFill>
-                        <a:blip r:embed="rId8"/>
-                        <a:stretch>
-                          <a:fillRect/>
-                        </a:stretch>
-                      </p:blipFill>
-                      <p:spPr>
-                        <a:xfrm>
-                          <a:off x="2216599" y="1575154"/>
-                          <a:ext cx="261937" cy="349250"/>
-                        </a:xfrm>
-                        <a:prstGeom prst="rect">
-                          <a:avLst/>
-                        </a:prstGeom>
-                      </p:spPr>
-                    </p:pic>
-                  </p:oleObj>
-                </mc:Fallback>
-              </mc:AlternateContent>
-            </a:graphicData>
-          </a:graphic>
-        </p:graphicFrame>
-      </p:grpSp>
-      <p:grpSp>
-        <p:nvGrpSpPr>
-          <p:cNvPr id="83" name="组 82"/>
-          <p:cNvGrpSpPr/>
-          <p:nvPr/>
-        </p:nvGrpSpPr>
-        <p:grpSpPr>
-          <a:xfrm>
-            <a:off x="6249580" y="2396365"/>
-            <a:ext cx="537714" cy="537714"/>
-            <a:chOff x="2082212" y="1487449"/>
-            <a:chExt cx="537714" cy="537714"/>
-          </a:xfrm>
-        </p:grpSpPr>
-        <p:sp>
-          <p:nvSpPr>
-            <p:cNvPr id="84" name="椭圆 83"/>
-            <p:cNvSpPr/>
-            <p:nvPr/>
-          </p:nvSpPr>
-          <p:spPr>
-            <a:xfrm>
-              <a:off x="2082212" y="1487449"/>
-              <a:ext cx="537714" cy="537714"/>
-            </a:xfrm>
-            <a:prstGeom prst="ellipse">
-              <a:avLst/>
-            </a:prstGeom>
-          </p:spPr>
-          <p:style>
-            <a:lnRef idx="2">
-              <a:schemeClr val="dk1"/>
-            </a:lnRef>
-            <a:fillRef idx="1">
-              <a:schemeClr val="lt1"/>
-            </a:fillRef>
-            <a:effectRef idx="0">
-              <a:schemeClr val="dk1"/>
-            </a:effectRef>
-            <a:fontRef idx="minor">
-              <a:schemeClr val="dk1"/>
-            </a:fontRef>
-          </p:style>
-          <p:txBody>
-            <a:bodyPr rtlCol="0" anchor="ctr"/>
-            <a:lstStyle/>
-            <a:p>
-              <a:pPr algn="ctr"/>
-              <a:endParaRPr kumimoji="1" lang="zh-CN" altLang="en-US" dirty="0"/>
-            </a:p>
-          </p:txBody>
-        </p:sp>
-        <p:graphicFrame>
-          <p:nvGraphicFramePr>
-            <p:cNvPr id="85" name="对象 84"/>
-            <p:cNvGraphicFramePr>
-              <a:graphicFrameLocks noChangeAspect="1"/>
-            </p:cNvGraphicFramePr>
-            <p:nvPr>
-              <p:extLst>
-                <p:ext uri="{D42A27DB-BD31-4B8C-83A1-F6EECF244321}">
-                  <p14:modId xmlns:p14="http://schemas.microsoft.com/office/powerpoint/2010/main" val="2579535129"/>
-                </p:ext>
-              </p:extLst>
-            </p:nvPr>
-          </p:nvGraphicFramePr>
-          <p:xfrm>
-            <a:off x="2216599" y="1574775"/>
-            <a:ext cx="261937" cy="349250"/>
-          </p:xfrm>
-          <a:graphic>
-            <a:graphicData uri="http://schemas.openxmlformats.org/presentationml/2006/ole">
-              <mc:AlternateContent xmlns:mc="http://schemas.openxmlformats.org/markup-compatibility/2006">
-                <mc:Choice xmlns:v="urn:schemas-microsoft-com:vml" Requires="v">
-                  <p:oleObj spid="_x0000_s1329" name="Equation" r:id="rId26" imgW="152400" imgH="203200" progId="Equation.DSMT4">
-                    <p:embed/>
-                  </p:oleObj>
-                </mc:Choice>
-                <mc:Fallback>
-                  <p:oleObj name="Equation" r:id="rId26" imgW="152400" imgH="203200" progId="Equation.DSMT4">
-                    <p:embed/>
-                    <p:pic>
-                      <p:nvPicPr>
-                        <p:cNvPr id="0" name=""/>
-                        <p:cNvPicPr/>
-                        <p:nvPr/>
-                      </p:nvPicPr>
-                      <p:blipFill>
-                        <a:blip r:embed="rId10"/>
-                        <a:stretch>
-                          <a:fillRect/>
-                        </a:stretch>
-                      </p:blipFill>
-                      <p:spPr>
-                        <a:xfrm>
-                          <a:off x="2216599" y="1574775"/>
-                          <a:ext cx="261937" cy="349250"/>
-                        </a:xfrm>
-                        <a:prstGeom prst="rect">
-                          <a:avLst/>
-                        </a:prstGeom>
-                      </p:spPr>
-                    </p:pic>
-                  </p:oleObj>
-                </mc:Fallback>
-              </mc:AlternateContent>
-            </a:graphicData>
-          </a:graphic>
-        </p:graphicFrame>
-      </p:grpSp>
-      <p:grpSp>
-        <p:nvGrpSpPr>
-          <p:cNvPr id="86" name="组 85"/>
-          <p:cNvGrpSpPr/>
-          <p:nvPr/>
-        </p:nvGrpSpPr>
-        <p:grpSpPr>
-          <a:xfrm>
-            <a:off x="7218236" y="1305727"/>
-            <a:ext cx="537714" cy="537714"/>
-            <a:chOff x="2082212" y="1487449"/>
-            <a:chExt cx="537714" cy="537714"/>
-          </a:xfrm>
-        </p:grpSpPr>
-        <p:sp>
-          <p:nvSpPr>
-            <p:cNvPr id="87" name="椭圆 86"/>
-            <p:cNvSpPr/>
-            <p:nvPr/>
-          </p:nvSpPr>
-          <p:spPr>
-            <a:xfrm>
-              <a:off x="2082212" y="1487449"/>
-              <a:ext cx="537714" cy="537714"/>
-            </a:xfrm>
-            <a:prstGeom prst="ellipse">
-              <a:avLst/>
-            </a:prstGeom>
-          </p:spPr>
-          <p:style>
-            <a:lnRef idx="2">
-              <a:schemeClr val="dk1"/>
-            </a:lnRef>
-            <a:fillRef idx="1">
-              <a:schemeClr val="lt1"/>
-            </a:fillRef>
-            <a:effectRef idx="0">
-              <a:schemeClr val="dk1"/>
-            </a:effectRef>
-            <a:fontRef idx="minor">
-              <a:schemeClr val="dk1"/>
-            </a:fontRef>
-          </p:style>
-          <p:txBody>
-            <a:bodyPr rtlCol="0" anchor="ctr"/>
-            <a:lstStyle/>
-            <a:p>
-              <a:pPr algn="ctr"/>
-              <a:endParaRPr kumimoji="1" lang="zh-CN" altLang="en-US" dirty="0"/>
-            </a:p>
-          </p:txBody>
-        </p:sp>
-        <p:graphicFrame>
-          <p:nvGraphicFramePr>
-            <p:cNvPr id="88" name="对象 87"/>
-            <p:cNvGraphicFramePr>
-              <a:graphicFrameLocks noChangeAspect="1"/>
-            </p:cNvGraphicFramePr>
-            <p:nvPr>
-              <p:extLst>
-                <p:ext uri="{D42A27DB-BD31-4B8C-83A1-F6EECF244321}">
-                  <p14:modId xmlns:p14="http://schemas.microsoft.com/office/powerpoint/2010/main" val="951522882"/>
-                </p:ext>
-              </p:extLst>
-            </p:nvPr>
-          </p:nvGraphicFramePr>
-          <p:xfrm>
-            <a:off x="2150858" y="1574584"/>
-            <a:ext cx="393168" cy="349483"/>
-          </p:xfrm>
-          <a:graphic>
-            <a:graphicData uri="http://schemas.openxmlformats.org/presentationml/2006/ole">
-              <mc:AlternateContent xmlns:mc="http://schemas.openxmlformats.org/markup-compatibility/2006">
-                <mc:Choice xmlns:v="urn:schemas-microsoft-com:vml" Requires="v">
-                  <p:oleObj spid="_x0000_s1330" name="Equation" r:id="rId27" imgW="228600" imgH="203200" progId="Equation.DSMT4">
-                    <p:embed/>
-                  </p:oleObj>
-                </mc:Choice>
-                <mc:Fallback>
-                  <p:oleObj name="Equation" r:id="rId27" imgW="228600" imgH="203200" progId="Equation.DSMT4">
-                    <p:embed/>
-                    <p:pic>
-                      <p:nvPicPr>
-                        <p:cNvPr id="0" name=""/>
-                        <p:cNvPicPr/>
-                        <p:nvPr/>
-                      </p:nvPicPr>
-                      <p:blipFill>
-                        <a:blip r:embed="rId12"/>
-                        <a:stretch>
-                          <a:fillRect/>
-                        </a:stretch>
-                      </p:blipFill>
-                      <p:spPr>
-                        <a:xfrm>
-                          <a:off x="2150858" y="1574584"/>
-                          <a:ext cx="393168" cy="349483"/>
-                        </a:xfrm>
-                        <a:prstGeom prst="rect">
-                          <a:avLst/>
-                        </a:prstGeom>
-                      </p:spPr>
-                    </p:pic>
-                  </p:oleObj>
-                </mc:Fallback>
-              </mc:AlternateContent>
-            </a:graphicData>
-          </a:graphic>
-        </p:graphicFrame>
-      </p:grpSp>
-      <p:grpSp>
-        <p:nvGrpSpPr>
-          <p:cNvPr id="89" name="组 88"/>
-          <p:cNvGrpSpPr/>
-          <p:nvPr/>
-        </p:nvGrpSpPr>
-        <p:grpSpPr>
-          <a:xfrm>
-            <a:off x="7229677" y="2396365"/>
-            <a:ext cx="537714" cy="537714"/>
-            <a:chOff x="2082212" y="1487449"/>
-            <a:chExt cx="537714" cy="537714"/>
-          </a:xfrm>
-        </p:grpSpPr>
-        <p:sp>
-          <p:nvSpPr>
-            <p:cNvPr id="90" name="椭圆 89"/>
-            <p:cNvSpPr/>
-            <p:nvPr/>
-          </p:nvSpPr>
-          <p:spPr>
-            <a:xfrm>
-              <a:off x="2082212" y="1487449"/>
-              <a:ext cx="537714" cy="537714"/>
-            </a:xfrm>
-            <a:prstGeom prst="ellipse">
-              <a:avLst/>
-            </a:prstGeom>
-          </p:spPr>
-          <p:style>
-            <a:lnRef idx="2">
-              <a:schemeClr val="dk1"/>
-            </a:lnRef>
-            <a:fillRef idx="1">
-              <a:schemeClr val="lt1"/>
-            </a:fillRef>
-            <a:effectRef idx="0">
-              <a:schemeClr val="dk1"/>
-            </a:effectRef>
-            <a:fontRef idx="minor">
-              <a:schemeClr val="dk1"/>
-            </a:fontRef>
-          </p:style>
-          <p:txBody>
-            <a:bodyPr rtlCol="0" anchor="ctr"/>
-            <a:lstStyle/>
-            <a:p>
-              <a:pPr algn="ctr"/>
-              <a:endParaRPr kumimoji="1" lang="zh-CN" altLang="en-US" dirty="0"/>
-            </a:p>
-          </p:txBody>
-        </p:sp>
-        <p:graphicFrame>
-          <p:nvGraphicFramePr>
-            <p:cNvPr id="91" name="对象 90"/>
-            <p:cNvGraphicFramePr>
-              <a:graphicFrameLocks noChangeAspect="1"/>
-            </p:cNvGraphicFramePr>
-            <p:nvPr>
-              <p:extLst>
-                <p:ext uri="{D42A27DB-BD31-4B8C-83A1-F6EECF244321}">
-                  <p14:modId xmlns:p14="http://schemas.microsoft.com/office/powerpoint/2010/main" val="1859835563"/>
-                </p:ext>
-              </p:extLst>
-            </p:nvPr>
-          </p:nvGraphicFramePr>
-          <p:xfrm>
-            <a:off x="2140118" y="1574775"/>
-            <a:ext cx="414337" cy="349250"/>
-          </p:xfrm>
-          <a:graphic>
-            <a:graphicData uri="http://schemas.openxmlformats.org/presentationml/2006/ole">
-              <mc:AlternateContent xmlns:mc="http://schemas.openxmlformats.org/markup-compatibility/2006">
-                <mc:Choice xmlns:v="urn:schemas-microsoft-com:vml" Requires="v">
-                  <p:oleObj spid="_x0000_s1331" name="Equation" r:id="rId28" imgW="241300" imgH="203200" progId="Equation.DSMT4">
-                    <p:embed/>
-                  </p:oleObj>
-                </mc:Choice>
-                <mc:Fallback>
-                  <p:oleObj name="Equation" r:id="rId28" imgW="241300" imgH="203200" progId="Equation.DSMT4">
-                    <p:embed/>
-                    <p:pic>
-                      <p:nvPicPr>
-                        <p:cNvPr id="0" name=""/>
-                        <p:cNvPicPr/>
-                        <p:nvPr/>
-                      </p:nvPicPr>
-                      <p:blipFill>
-                        <a:blip r:embed="rId14"/>
-                        <a:stretch>
-                          <a:fillRect/>
-                        </a:stretch>
-                      </p:blipFill>
-                      <p:spPr>
-                        <a:xfrm>
-                          <a:off x="2140118" y="1574775"/>
-                          <a:ext cx="414337" cy="349250"/>
-                        </a:xfrm>
-                        <a:prstGeom prst="rect">
-                          <a:avLst/>
-                        </a:prstGeom>
-                      </p:spPr>
-                    </p:pic>
-                  </p:oleObj>
-                </mc:Fallback>
-              </mc:AlternateContent>
-            </a:graphicData>
-          </a:graphic>
-        </p:graphicFrame>
-      </p:grpSp>
-      <p:cxnSp>
-        <p:nvCxnSpPr>
-          <p:cNvPr id="98" name="直线连接符 97"/>
-          <p:cNvCxnSpPr>
-            <a:stCxn id="75" idx="6"/>
-            <a:endCxn id="81" idx="2"/>
-          </p:cNvCxnSpPr>
-          <p:nvPr/>
-        </p:nvCxnSpPr>
-        <p:spPr>
-          <a:xfrm flipV="1">
-            <a:off x="5792380" y="1571055"/>
-            <a:ext cx="457200" cy="3529"/>
-          </a:xfrm>
-          <a:prstGeom prst="line">
-            <a:avLst/>
-          </a:prstGeom>
-          <a:ln>
-            <a:solidFill>
-              <a:srgbClr val="000000"/>
-            </a:solidFill>
-          </a:ln>
-        </p:spPr>
-        <p:style>
-          <a:lnRef idx="2">
-            <a:schemeClr val="accent1"/>
-          </a:lnRef>
-          <a:fillRef idx="0">
-            <a:schemeClr val="accent1"/>
-          </a:fillRef>
-          <a:effectRef idx="1">
-            <a:schemeClr val="accent1"/>
-          </a:effectRef>
-          <a:fontRef idx="minor">
-            <a:schemeClr val="tx1"/>
-          </a:fontRef>
-        </p:style>
-      </p:cxnSp>
-      <p:cxnSp>
-        <p:nvCxnSpPr>
-          <p:cNvPr id="100" name="直线连接符 99"/>
-          <p:cNvCxnSpPr>
-            <a:stCxn id="81" idx="6"/>
-            <a:endCxn id="87" idx="2"/>
-          </p:cNvCxnSpPr>
-          <p:nvPr/>
-        </p:nvCxnSpPr>
-        <p:spPr>
-          <a:xfrm>
-            <a:off x="6787294" y="1571055"/>
-            <a:ext cx="430942" cy="3529"/>
-          </a:xfrm>
-          <a:prstGeom prst="line">
-            <a:avLst/>
-          </a:prstGeom>
-          <a:ln>
-            <a:solidFill>
-              <a:srgbClr val="000000"/>
-            </a:solidFill>
-          </a:ln>
-        </p:spPr>
-        <p:style>
-          <a:lnRef idx="2">
-            <a:schemeClr val="accent1"/>
-          </a:lnRef>
-          <a:fillRef idx="0">
-            <a:schemeClr val="accent1"/>
-          </a:fillRef>
-          <a:effectRef idx="1">
-            <a:schemeClr val="accent1"/>
-          </a:effectRef>
-          <a:fontRef idx="minor">
-            <a:schemeClr val="tx1"/>
-          </a:fontRef>
-        </p:style>
-      </p:cxnSp>
-      <p:cxnSp>
-        <p:nvCxnSpPr>
-          <p:cNvPr id="103" name="直线连接符 102"/>
-          <p:cNvCxnSpPr>
-            <a:stCxn id="75" idx="4"/>
-            <a:endCxn id="78" idx="0"/>
-          </p:cNvCxnSpPr>
-          <p:nvPr/>
-        </p:nvCxnSpPr>
-        <p:spPr>
-          <a:xfrm flipH="1">
-            <a:off x="5523096" y="1843441"/>
-            <a:ext cx="427" cy="552924"/>
-          </a:xfrm>
-          <a:prstGeom prst="line">
-            <a:avLst/>
-          </a:prstGeom>
-          <a:ln>
-            <a:solidFill>
-              <a:srgbClr val="000000"/>
-            </a:solidFill>
-          </a:ln>
-        </p:spPr>
-        <p:style>
-          <a:lnRef idx="2">
-            <a:schemeClr val="accent1"/>
-          </a:lnRef>
-          <a:fillRef idx="0">
-            <a:schemeClr val="accent1"/>
-          </a:fillRef>
-          <a:effectRef idx="1">
-            <a:schemeClr val="accent1"/>
-          </a:effectRef>
-          <a:fontRef idx="minor">
-            <a:schemeClr val="tx1"/>
-          </a:fontRef>
-        </p:style>
-      </p:cxnSp>
-      <p:cxnSp>
-        <p:nvCxnSpPr>
-          <p:cNvPr id="106" name="直线连接符 105"/>
-          <p:cNvCxnSpPr>
-            <a:stCxn id="84" idx="0"/>
-            <a:endCxn id="81" idx="4"/>
-          </p:cNvCxnSpPr>
-          <p:nvPr/>
-        </p:nvCxnSpPr>
-        <p:spPr>
-          <a:xfrm flipV="1">
-            <a:off x="6518437" y="1839912"/>
-            <a:ext cx="0" cy="556453"/>
-          </a:xfrm>
-          <a:prstGeom prst="line">
-            <a:avLst/>
-          </a:prstGeom>
-          <a:ln>
-            <a:solidFill>
-              <a:srgbClr val="000000"/>
-            </a:solidFill>
-          </a:ln>
-        </p:spPr>
-        <p:style>
-          <a:lnRef idx="2">
-            <a:schemeClr val="accent1"/>
-          </a:lnRef>
-          <a:fillRef idx="0">
-            <a:schemeClr val="accent1"/>
-          </a:fillRef>
-          <a:effectRef idx="1">
-            <a:schemeClr val="accent1"/>
-          </a:effectRef>
-          <a:fontRef idx="minor">
-            <a:schemeClr val="tx1"/>
-          </a:fontRef>
-        </p:style>
-      </p:cxnSp>
-      <p:cxnSp>
-        <p:nvCxnSpPr>
-          <p:cNvPr id="109" name="直线连接符 108"/>
-          <p:cNvCxnSpPr>
-            <a:stCxn id="90" idx="0"/>
-            <a:endCxn id="87" idx="4"/>
-          </p:cNvCxnSpPr>
-          <p:nvPr/>
-        </p:nvCxnSpPr>
-        <p:spPr>
-          <a:xfrm flipH="1" flipV="1">
-            <a:off x="7487093" y="1843441"/>
-            <a:ext cx="11441" cy="552924"/>
-          </a:xfrm>
-          <a:prstGeom prst="line">
-            <a:avLst/>
-          </a:prstGeom>
-          <a:ln>
-            <a:solidFill>
-              <a:srgbClr val="000000"/>
-            </a:solidFill>
-          </a:ln>
-        </p:spPr>
-        <p:style>
-          <a:lnRef idx="2">
-            <a:schemeClr val="accent1"/>
-          </a:lnRef>
-          <a:fillRef idx="0">
-            <a:schemeClr val="accent1"/>
-          </a:fillRef>
-          <a:effectRef idx="1">
-            <a:schemeClr val="accent1"/>
-          </a:effectRef>
-          <a:fontRef idx="minor">
-            <a:schemeClr val="tx1"/>
-          </a:fontRef>
-        </p:style>
-      </p:cxnSp>
+        <p:txBody>
+          <a:bodyPr wrap="none" rtlCol="0">
+            <a:spAutoFit/>
+          </a:bodyPr>
+          <a:lstStyle/>
+          <a:p>
+            <a:endParaRPr kumimoji="1" lang="zh-CN" altLang="en-US"/>
+          </a:p>
+        </p:txBody>
+      </p:sp>
     </p:spTree>
     <p:extLst>
       <p:ext uri="{BB962C8B-B14F-4D97-AF65-F5344CB8AC3E}">
@@ -7461,10 +7488,10 @@
         </p:nvGrpSpPr>
         <p:grpSpPr>
           <a:xfrm>
-            <a:off x="1455738" y="1185563"/>
-            <a:ext cx="6987056" cy="4538249"/>
-            <a:chOff x="1455738" y="1185563"/>
-            <a:chExt cx="6987056" cy="4538249"/>
+            <a:off x="1485900" y="1185563"/>
+            <a:ext cx="6956894" cy="4538249"/>
+            <a:chOff x="1485900" y="1185563"/>
+            <a:chExt cx="6956894" cy="4538249"/>
           </a:xfrm>
         </p:grpSpPr>
         <p:grpSp>
@@ -8407,7 +8434,7 @@
             <a:graphicData uri="http://schemas.openxmlformats.org/presentationml/2006/ole">
               <mc:AlternateContent xmlns:mc="http://schemas.openxmlformats.org/markup-compatibility/2006">
                 <mc:Choice xmlns:v="urn:schemas-microsoft-com:vml" Requires="v">
-                  <p:oleObj spid="_x0000_s2145" name="Equation" r:id="rId3" imgW="368300" imgH="203200" progId="Equation.DSMT4">
+                  <p:oleObj spid="_x0000_s2195" name="Equation" r:id="rId3" imgW="368300" imgH="203200" progId="Equation.DSMT4">
                     <p:embed/>
                   </p:oleObj>
                 </mc:Choice>
@@ -8464,7 +8491,7 @@
             <a:graphicData uri="http://schemas.openxmlformats.org/presentationml/2006/ole">
               <mc:AlternateContent xmlns:mc="http://schemas.openxmlformats.org/markup-compatibility/2006">
                 <mc:Choice xmlns:v="urn:schemas-microsoft-com:vml" Requires="v">
-                  <p:oleObj spid="_x0000_s2146" name="Equation" r:id="rId5" imgW="279400" imgH="203200" progId="Equation.DSMT4">
+                  <p:oleObj spid="_x0000_s2196" name="Equation" r:id="rId5" imgW="279400" imgH="203200" progId="Equation.DSMT4">
                     <p:embed/>
                   </p:oleObj>
                 </mc:Choice>
@@ -8595,7 +8622,7 @@
             <a:graphicData uri="http://schemas.openxmlformats.org/presentationml/2006/ole">
               <mc:AlternateContent xmlns:mc="http://schemas.openxmlformats.org/markup-compatibility/2006">
                 <mc:Choice xmlns:v="urn:schemas-microsoft-com:vml" Requires="v">
-                  <p:oleObj spid="_x0000_s2147" name="Equation" r:id="rId7" imgW="266700" imgH="203200" progId="Equation.DSMT4">
+                  <p:oleObj spid="_x0000_s2197" name="Equation" r:id="rId7" imgW="266700" imgH="203200" progId="Equation.DSMT4">
                     <p:embed/>
                   </p:oleObj>
                 </mc:Choice>
@@ -9002,7 +9029,7 @@
             <a:graphicData uri="http://schemas.openxmlformats.org/presentationml/2006/ole">
               <mc:AlternateContent xmlns:mc="http://schemas.openxmlformats.org/markup-compatibility/2006">
                 <mc:Choice xmlns:v="urn:schemas-microsoft-com:vml" Requires="v">
-                  <p:oleObj spid="_x0000_s2148" name="Equation" r:id="rId9" imgW="317500" imgH="165100" progId="Equation.DSMT4">
+                  <p:oleObj spid="_x0000_s2198" name="Equation" r:id="rId9" imgW="317500" imgH="165100" progId="Equation.DSMT4">
                     <p:embed/>
                   </p:oleObj>
                 </mc:Choice>
@@ -9398,7 +9425,7 @@
             <a:graphicData uri="http://schemas.openxmlformats.org/presentationml/2006/ole">
               <mc:AlternateContent xmlns:mc="http://schemas.openxmlformats.org/markup-compatibility/2006">
                 <mc:Choice xmlns:v="urn:schemas-microsoft-com:vml" Requires="v">
-                  <p:oleObj spid="_x0000_s2149" name="Equation" r:id="rId11" imgW="533400" imgH="165100" progId="Equation.DSMT4">
+                  <p:oleObj spid="_x0000_s2199" name="Equation" r:id="rId11" imgW="533400" imgH="165100" progId="Equation.DSMT4">
                     <p:embed/>
                   </p:oleObj>
                 </mc:Choice>
@@ -9494,7 +9521,7 @@
             <a:graphicData uri="http://schemas.openxmlformats.org/presentationml/2006/ole">
               <mc:AlternateContent xmlns:mc="http://schemas.openxmlformats.org/markup-compatibility/2006">
                 <mc:Choice xmlns:v="urn:schemas-microsoft-com:vml" Requires="v">
-                  <p:oleObj spid="_x0000_s2150" name="Equation" r:id="rId13" imgW="1701800" imgH="203200" progId="Equation.DSMT4">
+                  <p:oleObj spid="_x0000_s2200" name="Equation" r:id="rId13" imgW="1701800" imgH="203200" progId="Equation.DSMT4">
                     <p:embed/>
                   </p:oleObj>
                 </mc:Choice>
@@ -9551,7 +9578,7 @@
             <a:graphicData uri="http://schemas.openxmlformats.org/presentationml/2006/ole">
               <mc:AlternateContent xmlns:mc="http://schemas.openxmlformats.org/markup-compatibility/2006">
                 <mc:Choice xmlns:v="urn:schemas-microsoft-com:vml" Requires="v">
-                  <p:oleObj spid="_x0000_s2151" name="Equation" r:id="rId15" imgW="127000" imgH="127000" progId="Equation.DSMT4">
+                  <p:oleObj spid="_x0000_s2201" name="Equation" r:id="rId15" imgW="127000" imgH="127000" progId="Equation.DSMT4">
                     <p:embed/>
                   </p:oleObj>
                 </mc:Choice>
@@ -9608,7 +9635,7 @@
             <a:graphicData uri="http://schemas.openxmlformats.org/presentationml/2006/ole">
               <mc:AlternateContent xmlns:mc="http://schemas.openxmlformats.org/markup-compatibility/2006">
                 <mc:Choice xmlns:v="urn:schemas-microsoft-com:vml" Requires="v">
-                  <p:oleObj spid="_x0000_s2152" name="Equation" r:id="rId17" imgW="177800" imgH="152400" progId="Equation.DSMT4">
+                  <p:oleObj spid="_x0000_s2202" name="Equation" r:id="rId17" imgW="177800" imgH="152400" progId="Equation.DSMT4">
                     <p:embed/>
                   </p:oleObj>
                 </mc:Choice>
@@ -9665,7 +9692,7 @@
             <a:graphicData uri="http://schemas.openxmlformats.org/presentationml/2006/ole">
               <mc:AlternateContent xmlns:mc="http://schemas.openxmlformats.org/markup-compatibility/2006">
                 <mc:Choice xmlns:v="urn:schemas-microsoft-com:vml" Requires="v">
-                  <p:oleObj spid="_x0000_s2153" name="Equation" r:id="rId19" imgW="152400" imgH="152400" progId="Equation.DSMT4">
+                  <p:oleObj spid="_x0000_s2203" name="Equation" r:id="rId19" imgW="152400" imgH="152400" progId="Equation.DSMT4">
                     <p:embed/>
                   </p:oleObj>
                 </mc:Choice>
@@ -9709,25 +9736,25 @@
             <p:nvPr>
               <p:extLst>
                 <p:ext uri="{D42A27DB-BD31-4B8C-83A1-F6EECF244321}">
-                  <p14:modId xmlns:p14="http://schemas.microsoft.com/office/powerpoint/2010/main" val="1187530266"/>
+                  <p14:modId xmlns:p14="http://schemas.microsoft.com/office/powerpoint/2010/main" val="2155903876"/>
                 </p:ext>
               </p:extLst>
             </p:nvPr>
           </p:nvGraphicFramePr>
           <p:xfrm>
-            <a:off x="1455738" y="4103688"/>
-            <a:ext cx="954087" cy="331787"/>
+            <a:off x="1485900" y="4103688"/>
+            <a:ext cx="892175" cy="331787"/>
           </p:xfrm>
           <a:graphic>
             <a:graphicData uri="http://schemas.openxmlformats.org/presentationml/2006/ole">
               <mc:AlternateContent xmlns:mc="http://schemas.openxmlformats.org/markup-compatibility/2006">
                 <mc:Choice xmlns:v="urn:schemas-microsoft-com:vml" Requires="v">
-                  <p:oleObj spid="_x0000_s2154" name="Equation" r:id="rId21" imgW="584200" imgH="203200" progId="Equation.DSMT4">
+                  <p:oleObj spid="_x0000_s2204" name="Equation" r:id="rId21" imgW="546100" imgH="203200" progId="Equation.DSMT4">
                     <p:embed/>
                   </p:oleObj>
                 </mc:Choice>
                 <mc:Fallback>
-                  <p:oleObj name="Equation" r:id="rId21" imgW="584200" imgH="203200" progId="Equation.DSMT4">
+                  <p:oleObj name="Equation" r:id="rId21" imgW="546100" imgH="203200" progId="Equation.DSMT4">
                     <p:embed/>
                     <p:pic>
                       <p:nvPicPr>
@@ -9743,8 +9770,8 @@
                       </p:blipFill>
                       <p:spPr>
                         <a:xfrm>
-                          <a:off x="1455738" y="4103688"/>
-                          <a:ext cx="954087" cy="331787"/>
+                          <a:off x="1485900" y="4103688"/>
+                          <a:ext cx="892175" cy="331787"/>
                         </a:xfrm>
                         <a:prstGeom prst="rect">
                           <a:avLst/>
@@ -9766,25 +9793,25 @@
             <p:nvPr>
               <p:extLst>
                 <p:ext uri="{D42A27DB-BD31-4B8C-83A1-F6EECF244321}">
-                  <p14:modId xmlns:p14="http://schemas.microsoft.com/office/powerpoint/2010/main" val="2668203937"/>
+                  <p14:modId xmlns:p14="http://schemas.microsoft.com/office/powerpoint/2010/main" val="1445703763"/>
                 </p:ext>
               </p:extLst>
             </p:nvPr>
           </p:nvGraphicFramePr>
           <p:xfrm>
-            <a:off x="3881438" y="4130675"/>
-            <a:ext cx="830262" cy="331788"/>
+            <a:off x="3913188" y="4130675"/>
+            <a:ext cx="766762" cy="331788"/>
           </p:xfrm>
           <a:graphic>
             <a:graphicData uri="http://schemas.openxmlformats.org/presentationml/2006/ole">
               <mc:AlternateContent xmlns:mc="http://schemas.openxmlformats.org/markup-compatibility/2006">
                 <mc:Choice xmlns:v="urn:schemas-microsoft-com:vml" Requires="v">
-                  <p:oleObj spid="_x0000_s2155" name="Equation" r:id="rId23" imgW="508000" imgH="203200" progId="Equation.DSMT4">
+                  <p:oleObj spid="_x0000_s2205" name="Equation" r:id="rId23" imgW="469900" imgH="203200" progId="Equation.DSMT4">
                     <p:embed/>
                   </p:oleObj>
                 </mc:Choice>
                 <mc:Fallback>
-                  <p:oleObj name="Equation" r:id="rId23" imgW="508000" imgH="203200" progId="Equation.DSMT4">
+                  <p:oleObj name="Equation" r:id="rId23" imgW="469900" imgH="203200" progId="Equation.DSMT4">
                     <p:embed/>
                     <p:pic>
                       <p:nvPicPr>
@@ -9800,8 +9827,8 @@
                       </p:blipFill>
                       <p:spPr>
                         <a:xfrm>
-                          <a:off x="3881438" y="4130675"/>
-                          <a:ext cx="830262" cy="331788"/>
+                          <a:off x="3913188" y="4130675"/>
+                          <a:ext cx="766762" cy="331788"/>
                         </a:xfrm>
                         <a:prstGeom prst="rect">
                           <a:avLst/>
@@ -9823,25 +9850,25 @@
             <p:nvPr>
               <p:extLst>
                 <p:ext uri="{D42A27DB-BD31-4B8C-83A1-F6EECF244321}">
-                  <p14:modId xmlns:p14="http://schemas.microsoft.com/office/powerpoint/2010/main" val="2283887273"/>
+                  <p14:modId xmlns:p14="http://schemas.microsoft.com/office/powerpoint/2010/main" val="2620282010"/>
                 </p:ext>
               </p:extLst>
             </p:nvPr>
           </p:nvGraphicFramePr>
           <p:xfrm>
-            <a:off x="6862763" y="4130675"/>
-            <a:ext cx="788987" cy="331788"/>
+            <a:off x="6894513" y="4130675"/>
+            <a:ext cx="725487" cy="331788"/>
           </p:xfrm>
           <a:graphic>
             <a:graphicData uri="http://schemas.openxmlformats.org/presentationml/2006/ole">
               <mc:AlternateContent xmlns:mc="http://schemas.openxmlformats.org/markup-compatibility/2006">
                 <mc:Choice xmlns:v="urn:schemas-microsoft-com:vml" Requires="v">
-                  <p:oleObj spid="_x0000_s2156" name="Equation" r:id="rId25" imgW="482600" imgH="203200" progId="Equation.DSMT4">
+                  <p:oleObj spid="_x0000_s2206" name="Equation" r:id="rId25" imgW="444500" imgH="203200" progId="Equation.DSMT4">
                     <p:embed/>
                   </p:oleObj>
                 </mc:Choice>
                 <mc:Fallback>
-                  <p:oleObj name="Equation" r:id="rId25" imgW="482600" imgH="203200" progId="Equation.DSMT4">
+                  <p:oleObj name="Equation" r:id="rId25" imgW="444500" imgH="203200" progId="Equation.DSMT4">
                     <p:embed/>
                     <p:pic>
                       <p:nvPicPr>
@@ -9857,8 +9884,8 @@
                       </p:blipFill>
                       <p:spPr>
                         <a:xfrm>
-                          <a:off x="6862763" y="4130675"/>
-                          <a:ext cx="788987" cy="331788"/>
+                          <a:off x="6894513" y="4130675"/>
+                          <a:ext cx="725487" cy="331788"/>
                         </a:xfrm>
                         <a:prstGeom prst="rect">
                           <a:avLst/>
@@ -9876,6 +9903,634 @@
     <p:extLst>
       <p:ext uri="{BB962C8B-B14F-4D97-AF65-F5344CB8AC3E}">
         <p14:creationId xmlns:p14="http://schemas.microsoft.com/office/powerpoint/2010/main" val="1410417804"/>
+      </p:ext>
+    </p:extLst>
+  </p:cSld>
+  <p:clrMapOvr>
+    <a:masterClrMapping/>
+  </p:clrMapOvr>
+</p:sld>
+</file>
+
+<file path=ppt/slides/slide5.xml><?xml version="1.0" encoding="utf-8"?>
+<p:sld xmlns:a="http://schemas.openxmlformats.org/drawingml/2006/main" xmlns:r="http://schemas.openxmlformats.org/officeDocument/2006/relationships" xmlns:p="http://schemas.openxmlformats.org/presentationml/2006/main">
+  <p:cSld>
+    <p:spTree>
+      <p:nvGrpSpPr>
+        <p:cNvPr id="1" name=""/>
+        <p:cNvGrpSpPr/>
+        <p:nvPr/>
+      </p:nvGrpSpPr>
+      <p:grpSpPr>
+        <a:xfrm>
+          <a:off x="0" y="0"/>
+          <a:ext cx="0" cy="0"/>
+          <a:chOff x="0" y="0"/>
+          <a:chExt cx="0" cy="0"/>
+        </a:xfrm>
+      </p:grpSpPr>
+      <p:grpSp>
+        <p:nvGrpSpPr>
+          <p:cNvPr id="19" name="组 18"/>
+          <p:cNvGrpSpPr/>
+          <p:nvPr/>
+        </p:nvGrpSpPr>
+        <p:grpSpPr>
+          <a:xfrm>
+            <a:off x="584066" y="2894806"/>
+            <a:ext cx="7827681" cy="2482897"/>
+            <a:chOff x="584066" y="2894806"/>
+            <a:chExt cx="7827681" cy="2482897"/>
+          </a:xfrm>
+        </p:grpSpPr>
+        <p:pic>
+          <p:nvPicPr>
+            <p:cNvPr id="4" name="图片 3"/>
+            <p:cNvPicPr>
+              <a:picLocks noChangeAspect="1"/>
+            </p:cNvPicPr>
+            <p:nvPr/>
+          </p:nvPicPr>
+          <p:blipFill>
+            <a:blip r:embed="rId2"/>
+            <a:stretch>
+              <a:fillRect/>
+            </a:stretch>
+          </p:blipFill>
+          <p:spPr>
+            <a:xfrm>
+              <a:off x="723554" y="2894806"/>
+              <a:ext cx="898830" cy="1035518"/>
+            </a:xfrm>
+            <a:prstGeom prst="rect">
+              <a:avLst/>
+            </a:prstGeom>
+          </p:spPr>
+        </p:pic>
+        <p:sp>
+          <p:nvSpPr>
+            <p:cNvPr id="5" name="文本框 4"/>
+            <p:cNvSpPr txBox="1"/>
+            <p:nvPr/>
+          </p:nvSpPr>
+          <p:spPr>
+            <a:xfrm>
+              <a:off x="584066" y="3972396"/>
+              <a:ext cx="1207139" cy="369332"/>
+            </a:xfrm>
+            <a:prstGeom prst="rect">
+              <a:avLst/>
+            </a:prstGeom>
+            <a:noFill/>
+          </p:spPr>
+          <p:txBody>
+            <a:bodyPr wrap="square" rtlCol="0">
+              <a:spAutoFit/>
+            </a:bodyPr>
+            <a:lstStyle/>
+            <a:p>
+              <a:pPr algn="ctr"/>
+              <a:r>
+                <a:rPr kumimoji="1" lang="zh-CN" altLang="en-US" dirty="0" smtClean="0"/>
+                <a:t>数据源</a:t>
+              </a:r>
+              <a:endParaRPr kumimoji="1" lang="zh-CN" altLang="en-US" dirty="0"/>
+            </a:p>
+          </p:txBody>
+        </p:sp>
+        <p:sp>
+          <p:nvSpPr>
+            <p:cNvPr id="6" name="矩形 5"/>
+            <p:cNvSpPr/>
+            <p:nvPr/>
+          </p:nvSpPr>
+          <p:spPr>
+            <a:xfrm>
+              <a:off x="2928825" y="3043551"/>
+              <a:ext cx="2253823" cy="629305"/>
+            </a:xfrm>
+            <a:prstGeom prst="rect">
+              <a:avLst/>
+            </a:prstGeom>
+            <a:noFill/>
+            <a:ln>
+              <a:solidFill>
+                <a:srgbClr val="000000"/>
+              </a:solidFill>
+            </a:ln>
+          </p:spPr>
+          <p:style>
+            <a:lnRef idx="1">
+              <a:schemeClr val="accent1"/>
+            </a:lnRef>
+            <a:fillRef idx="3">
+              <a:schemeClr val="accent1"/>
+            </a:fillRef>
+            <a:effectRef idx="2">
+              <a:schemeClr val="accent1"/>
+            </a:effectRef>
+            <a:fontRef idx="minor">
+              <a:schemeClr val="lt1"/>
+            </a:fontRef>
+          </p:style>
+          <p:txBody>
+            <a:bodyPr rtlCol="0" anchor="ctr"/>
+            <a:lstStyle/>
+            <a:p>
+              <a:pPr algn="ctr"/>
+              <a:r>
+                <a:rPr kumimoji="1" lang="zh-CN" altLang="en-US" dirty="0" smtClean="0">
+                  <a:solidFill>
+                    <a:schemeClr val="tx1"/>
+                  </a:solidFill>
+                </a:rPr>
+                <a:t>分词、词性标注</a:t>
+              </a:r>
+              <a:endParaRPr kumimoji="1" lang="en-US" altLang="zh-CN" dirty="0" smtClean="0">
+                <a:solidFill>
+                  <a:schemeClr val="tx1"/>
+                </a:solidFill>
+              </a:endParaRPr>
+            </a:p>
+            <a:p>
+              <a:pPr algn="ctr"/>
+              <a:r>
+                <a:rPr kumimoji="1" lang="en-US" altLang="zh-CN" dirty="0" smtClean="0">
+                  <a:solidFill>
+                    <a:schemeClr val="tx1"/>
+                  </a:solidFill>
+                </a:rPr>
+                <a:t>ICTCLAS</a:t>
+              </a:r>
+              <a:endParaRPr kumimoji="1" lang="zh-CN" altLang="en-US" dirty="0">
+                <a:solidFill>
+                  <a:schemeClr val="tx1"/>
+                </a:solidFill>
+              </a:endParaRPr>
+            </a:p>
+          </p:txBody>
+        </p:sp>
+        <p:sp>
+          <p:nvSpPr>
+            <p:cNvPr id="7" name="矩形 6"/>
+            <p:cNvSpPr/>
+            <p:nvPr/>
+          </p:nvSpPr>
+          <p:spPr>
+            <a:xfrm>
+              <a:off x="1653185" y="4771279"/>
+              <a:ext cx="1126911" cy="606422"/>
+            </a:xfrm>
+            <a:prstGeom prst="rect">
+              <a:avLst/>
+            </a:prstGeom>
+            <a:noFill/>
+            <a:ln>
+              <a:solidFill>
+                <a:srgbClr val="000000"/>
+              </a:solidFill>
+            </a:ln>
+          </p:spPr>
+          <p:style>
+            <a:lnRef idx="1">
+              <a:schemeClr val="accent1"/>
+            </a:lnRef>
+            <a:fillRef idx="3">
+              <a:schemeClr val="accent1"/>
+            </a:fillRef>
+            <a:effectRef idx="2">
+              <a:schemeClr val="accent1"/>
+            </a:effectRef>
+            <a:fontRef idx="minor">
+              <a:schemeClr val="lt1"/>
+            </a:fontRef>
+          </p:style>
+          <p:txBody>
+            <a:bodyPr rtlCol="0" anchor="ctr"/>
+            <a:lstStyle/>
+            <a:p>
+              <a:pPr algn="ctr"/>
+              <a:r>
+                <a:rPr kumimoji="1" lang="zh-CN" altLang="en-US" dirty="0" smtClean="0">
+                  <a:solidFill>
+                    <a:schemeClr val="tx1"/>
+                  </a:solidFill>
+                </a:rPr>
+                <a:t>特征提取</a:t>
+              </a:r>
+              <a:endParaRPr kumimoji="1" lang="en-US" altLang="zh-CN" dirty="0" smtClean="0">
+                <a:solidFill>
+                  <a:schemeClr val="tx1"/>
+                </a:solidFill>
+              </a:endParaRPr>
+            </a:p>
+          </p:txBody>
+        </p:sp>
+        <p:sp>
+          <p:nvSpPr>
+            <p:cNvPr id="9" name="矩形 8"/>
+            <p:cNvSpPr/>
+            <p:nvPr/>
+          </p:nvSpPr>
+          <p:spPr>
+            <a:xfrm>
+              <a:off x="3818389" y="4771280"/>
+              <a:ext cx="1364259" cy="606423"/>
+            </a:xfrm>
+            <a:prstGeom prst="rect">
+              <a:avLst/>
+            </a:prstGeom>
+            <a:noFill/>
+            <a:ln>
+              <a:solidFill>
+                <a:srgbClr val="000000"/>
+              </a:solidFill>
+            </a:ln>
+          </p:spPr>
+          <p:style>
+            <a:lnRef idx="1">
+              <a:schemeClr val="accent1"/>
+            </a:lnRef>
+            <a:fillRef idx="3">
+              <a:schemeClr val="accent1"/>
+            </a:fillRef>
+            <a:effectRef idx="2">
+              <a:schemeClr val="accent1"/>
+            </a:effectRef>
+            <a:fontRef idx="minor">
+              <a:schemeClr val="lt1"/>
+            </a:fontRef>
+          </p:style>
+          <p:txBody>
+            <a:bodyPr rtlCol="0" anchor="ctr"/>
+            <a:lstStyle/>
+            <a:p>
+              <a:pPr algn="ctr"/>
+              <a:r>
+                <a:rPr kumimoji="1" lang="zh-CN" altLang="en-US" dirty="0" smtClean="0">
+                  <a:solidFill>
+                    <a:schemeClr val="tx1"/>
+                  </a:solidFill>
+                </a:rPr>
+                <a:t>训练集选择</a:t>
+              </a:r>
+              <a:endParaRPr kumimoji="1" lang="en-US" altLang="zh-CN" dirty="0" smtClean="0">
+                <a:solidFill>
+                  <a:schemeClr val="tx1"/>
+                </a:solidFill>
+              </a:endParaRPr>
+            </a:p>
+          </p:txBody>
+        </p:sp>
+        <p:sp>
+          <p:nvSpPr>
+            <p:cNvPr id="10" name="矩形 9"/>
+            <p:cNvSpPr/>
+            <p:nvPr/>
+          </p:nvSpPr>
+          <p:spPr>
+            <a:xfrm>
+              <a:off x="6157924" y="4771280"/>
+              <a:ext cx="2253823" cy="606422"/>
+            </a:xfrm>
+            <a:prstGeom prst="rect">
+              <a:avLst/>
+            </a:prstGeom>
+            <a:noFill/>
+            <a:ln>
+              <a:solidFill>
+                <a:srgbClr val="000000"/>
+              </a:solidFill>
+            </a:ln>
+          </p:spPr>
+          <p:style>
+            <a:lnRef idx="1">
+              <a:schemeClr val="accent1"/>
+            </a:lnRef>
+            <a:fillRef idx="3">
+              <a:schemeClr val="accent1"/>
+            </a:fillRef>
+            <a:effectRef idx="2">
+              <a:schemeClr val="accent1"/>
+            </a:effectRef>
+            <a:fontRef idx="minor">
+              <a:schemeClr val="lt1"/>
+            </a:fontRef>
+          </p:style>
+          <p:txBody>
+            <a:bodyPr rtlCol="0" anchor="ctr"/>
+            <a:lstStyle/>
+            <a:p>
+              <a:pPr algn="ctr"/>
+              <a:r>
+                <a:rPr kumimoji="1" lang="zh-CN" altLang="en-US" dirty="0" smtClean="0">
+                  <a:solidFill>
+                    <a:schemeClr val="tx1"/>
+                  </a:solidFill>
+                </a:rPr>
+                <a:t>模型训练和分类</a:t>
+              </a:r>
+              <a:endParaRPr kumimoji="1" lang="zh-CN" altLang="en-US" dirty="0">
+                <a:solidFill>
+                  <a:schemeClr val="tx1"/>
+                </a:solidFill>
+              </a:endParaRPr>
+            </a:p>
+          </p:txBody>
+        </p:sp>
+        <p:sp>
+          <p:nvSpPr>
+            <p:cNvPr id="11" name="右箭头 10"/>
+            <p:cNvSpPr/>
+            <p:nvPr/>
+          </p:nvSpPr>
+          <p:spPr>
+            <a:xfrm>
+              <a:off x="1791204" y="3239141"/>
+              <a:ext cx="988891" cy="289143"/>
+            </a:xfrm>
+            <a:prstGeom prst="rightArrow">
+              <a:avLst/>
+            </a:prstGeom>
+          </p:spPr>
+          <p:style>
+            <a:lnRef idx="2">
+              <a:schemeClr val="dk1">
+                <a:shade val="50000"/>
+              </a:schemeClr>
+            </a:lnRef>
+            <a:fillRef idx="1">
+              <a:schemeClr val="dk1"/>
+            </a:fillRef>
+            <a:effectRef idx="0">
+              <a:schemeClr val="dk1"/>
+            </a:effectRef>
+            <a:fontRef idx="minor">
+              <a:schemeClr val="lt1"/>
+            </a:fontRef>
+          </p:style>
+          <p:txBody>
+            <a:bodyPr rtlCol="0" anchor="ctr"/>
+            <a:lstStyle/>
+            <a:p>
+              <a:pPr algn="ctr"/>
+              <a:endParaRPr kumimoji="1" lang="zh-CN" altLang="en-US"/>
+            </a:p>
+          </p:txBody>
+        </p:sp>
+        <p:sp>
+          <p:nvSpPr>
+            <p:cNvPr id="12" name="矩形 11"/>
+            <p:cNvSpPr/>
+            <p:nvPr/>
+          </p:nvSpPr>
+          <p:spPr>
+            <a:xfrm>
+              <a:off x="6157924" y="3054993"/>
+              <a:ext cx="2253823" cy="629305"/>
+            </a:xfrm>
+            <a:prstGeom prst="rect">
+              <a:avLst/>
+            </a:prstGeom>
+            <a:noFill/>
+            <a:ln>
+              <a:solidFill>
+                <a:srgbClr val="000000"/>
+              </a:solidFill>
+            </a:ln>
+          </p:spPr>
+          <p:style>
+            <a:lnRef idx="1">
+              <a:schemeClr val="accent1"/>
+            </a:lnRef>
+            <a:fillRef idx="3">
+              <a:schemeClr val="accent1"/>
+            </a:fillRef>
+            <a:effectRef idx="2">
+              <a:schemeClr val="accent1"/>
+            </a:effectRef>
+            <a:fontRef idx="minor">
+              <a:schemeClr val="lt1"/>
+            </a:fontRef>
+          </p:style>
+          <p:txBody>
+            <a:bodyPr rtlCol="0" anchor="ctr"/>
+            <a:lstStyle/>
+            <a:p>
+              <a:pPr algn="ctr"/>
+              <a:r>
+                <a:rPr kumimoji="1" lang="zh-CN" altLang="en-US" dirty="0" smtClean="0">
+                  <a:solidFill>
+                    <a:schemeClr val="tx1"/>
+                  </a:solidFill>
+                </a:rPr>
+                <a:t>候选集抽取</a:t>
+              </a:r>
+              <a:endParaRPr kumimoji="1" lang="en-US" altLang="zh-CN" dirty="0" smtClean="0">
+                <a:solidFill>
+                  <a:schemeClr val="tx1"/>
+                </a:solidFill>
+              </a:endParaRPr>
+            </a:p>
+            <a:p>
+              <a:pPr algn="ctr"/>
+              <a:r>
+                <a:rPr kumimoji="1" lang="en-US" altLang="zh-CN" dirty="0" smtClean="0">
+                  <a:solidFill>
+                    <a:schemeClr val="tx1"/>
+                  </a:solidFill>
+                </a:rPr>
+                <a:t>Unigrams,</a:t>
+              </a:r>
+              <a:r>
+                <a:rPr kumimoji="1" lang="zh-CN" altLang="en-US" dirty="0" smtClean="0">
+                  <a:solidFill>
+                    <a:schemeClr val="tx1"/>
+                  </a:solidFill>
+                </a:rPr>
+                <a:t> </a:t>
+              </a:r>
+              <a:r>
+                <a:rPr kumimoji="1" lang="en-US" altLang="zh-CN" dirty="0" smtClean="0">
+                  <a:solidFill>
+                    <a:schemeClr val="tx1"/>
+                  </a:solidFill>
+                </a:rPr>
+                <a:t>Bigrams</a:t>
+              </a:r>
+              <a:endParaRPr kumimoji="1" lang="zh-CN" altLang="en-US" dirty="0">
+                <a:solidFill>
+                  <a:schemeClr val="tx1"/>
+                </a:solidFill>
+              </a:endParaRPr>
+            </a:p>
+          </p:txBody>
+        </p:sp>
+        <p:sp>
+          <p:nvSpPr>
+            <p:cNvPr id="15" name="右箭头 14"/>
+            <p:cNvSpPr/>
+            <p:nvPr/>
+          </p:nvSpPr>
+          <p:spPr>
+            <a:xfrm>
+              <a:off x="5274198" y="3239141"/>
+              <a:ext cx="757878" cy="289143"/>
+            </a:xfrm>
+            <a:prstGeom prst="rightArrow">
+              <a:avLst/>
+            </a:prstGeom>
+          </p:spPr>
+          <p:style>
+            <a:lnRef idx="2">
+              <a:schemeClr val="dk1">
+                <a:shade val="50000"/>
+              </a:schemeClr>
+            </a:lnRef>
+            <a:fillRef idx="1">
+              <a:schemeClr val="dk1"/>
+            </a:fillRef>
+            <a:effectRef idx="0">
+              <a:schemeClr val="dk1"/>
+            </a:effectRef>
+            <a:fontRef idx="minor">
+              <a:schemeClr val="lt1"/>
+            </a:fontRef>
+          </p:style>
+          <p:txBody>
+            <a:bodyPr rtlCol="0" anchor="ctr"/>
+            <a:lstStyle/>
+            <a:p>
+              <a:pPr algn="ctr"/>
+              <a:endParaRPr kumimoji="1" lang="zh-CN" altLang="en-US"/>
+            </a:p>
+          </p:txBody>
+        </p:sp>
+        <p:sp>
+          <p:nvSpPr>
+            <p:cNvPr id="16" name="右箭头 15"/>
+            <p:cNvSpPr/>
+            <p:nvPr/>
+          </p:nvSpPr>
+          <p:spPr>
+            <a:xfrm>
+              <a:off x="723554" y="4962699"/>
+              <a:ext cx="757878" cy="289143"/>
+            </a:xfrm>
+            <a:prstGeom prst="rightArrow">
+              <a:avLst/>
+            </a:prstGeom>
+          </p:spPr>
+          <p:style>
+            <a:lnRef idx="2">
+              <a:schemeClr val="dk1">
+                <a:shade val="50000"/>
+              </a:schemeClr>
+            </a:lnRef>
+            <a:fillRef idx="1">
+              <a:schemeClr val="dk1"/>
+            </a:fillRef>
+            <a:effectRef idx="0">
+              <a:schemeClr val="dk1"/>
+            </a:effectRef>
+            <a:fontRef idx="minor">
+              <a:schemeClr val="lt1"/>
+            </a:fontRef>
+          </p:style>
+          <p:txBody>
+            <a:bodyPr rtlCol="0" anchor="ctr"/>
+            <a:lstStyle/>
+            <a:p>
+              <a:pPr algn="ctr"/>
+              <a:endParaRPr kumimoji="1" lang="zh-CN" altLang="en-US"/>
+            </a:p>
+          </p:txBody>
+        </p:sp>
+        <p:sp>
+          <p:nvSpPr>
+            <p:cNvPr id="17" name="右箭头 16"/>
+            <p:cNvSpPr/>
+            <p:nvPr/>
+          </p:nvSpPr>
+          <p:spPr>
+            <a:xfrm>
+              <a:off x="2928825" y="4951256"/>
+              <a:ext cx="704046" cy="289143"/>
+            </a:xfrm>
+            <a:prstGeom prst="rightArrow">
+              <a:avLst/>
+            </a:prstGeom>
+          </p:spPr>
+          <p:style>
+            <a:lnRef idx="2">
+              <a:schemeClr val="dk1">
+                <a:shade val="50000"/>
+              </a:schemeClr>
+            </a:lnRef>
+            <a:fillRef idx="1">
+              <a:schemeClr val="dk1"/>
+            </a:fillRef>
+            <a:effectRef idx="0">
+              <a:schemeClr val="dk1"/>
+            </a:effectRef>
+            <a:fontRef idx="minor">
+              <a:schemeClr val="lt1"/>
+            </a:fontRef>
+          </p:style>
+          <p:txBody>
+            <a:bodyPr rtlCol="0" anchor="ctr"/>
+            <a:lstStyle/>
+            <a:p>
+              <a:pPr algn="ctr"/>
+              <a:endParaRPr kumimoji="1" lang="zh-CN" altLang="en-US"/>
+            </a:p>
+          </p:txBody>
+        </p:sp>
+        <p:sp>
+          <p:nvSpPr>
+            <p:cNvPr id="18" name="右箭头 17"/>
+            <p:cNvSpPr/>
+            <p:nvPr/>
+          </p:nvSpPr>
+          <p:spPr>
+            <a:xfrm>
+              <a:off x="5274198" y="4962699"/>
+              <a:ext cx="757878" cy="289143"/>
+            </a:xfrm>
+            <a:prstGeom prst="rightArrow">
+              <a:avLst/>
+            </a:prstGeom>
+          </p:spPr>
+          <p:style>
+            <a:lnRef idx="2">
+              <a:schemeClr val="dk1">
+                <a:shade val="50000"/>
+              </a:schemeClr>
+            </a:lnRef>
+            <a:fillRef idx="1">
+              <a:schemeClr val="dk1"/>
+            </a:fillRef>
+            <a:effectRef idx="0">
+              <a:schemeClr val="dk1"/>
+            </a:effectRef>
+            <a:fontRef idx="minor">
+              <a:schemeClr val="lt1"/>
+            </a:fontRef>
+          </p:style>
+          <p:txBody>
+            <a:bodyPr rtlCol="0" anchor="ctr"/>
+            <a:lstStyle/>
+            <a:p>
+              <a:pPr algn="ctr"/>
+              <a:endParaRPr kumimoji="1" lang="zh-CN" altLang="en-US"/>
+            </a:p>
+          </p:txBody>
+        </p:sp>
+      </p:grpSp>
+    </p:spTree>
+    <p:extLst>
+      <p:ext uri="{BB962C8B-B14F-4D97-AF65-F5344CB8AC3E}">
+        <p14:creationId xmlns:p14="http://schemas.microsoft.com/office/powerpoint/2010/main" val="498851931"/>
       </p:ext>
     </p:extLst>
   </p:cSld>
